--- a/codereview/tech-presentation-effective-codereview.pptx
+++ b/codereview/tech-presentation-effective-codereview.pptx
@@ -5,22 +5,27 @@
     <p:sldMasterId id="2147483648" r:id="rId1"/>
   </p:sldMasterIdLst>
   <p:notesMasterIdLst>
-    <p:notesMasterId r:id="rId15"/>
+    <p:notesMasterId r:id="rId20"/>
   </p:notesMasterIdLst>
   <p:sldIdLst>
     <p:sldId id="256" r:id="rId2"/>
     <p:sldId id="257" r:id="rId3"/>
     <p:sldId id="268" r:id="rId4"/>
     <p:sldId id="276" r:id="rId5"/>
-    <p:sldId id="273" r:id="rId6"/>
-    <p:sldId id="274" r:id="rId7"/>
-    <p:sldId id="277" r:id="rId8"/>
-    <p:sldId id="275" r:id="rId9"/>
-    <p:sldId id="269" r:id="rId10"/>
-    <p:sldId id="270" r:id="rId11"/>
-    <p:sldId id="271" r:id="rId12"/>
-    <p:sldId id="272" r:id="rId13"/>
-    <p:sldId id="267" r:id="rId14"/>
+    <p:sldId id="278" r:id="rId6"/>
+    <p:sldId id="273" r:id="rId7"/>
+    <p:sldId id="274" r:id="rId8"/>
+    <p:sldId id="281" r:id="rId9"/>
+    <p:sldId id="280" r:id="rId10"/>
+    <p:sldId id="277" r:id="rId11"/>
+    <p:sldId id="282" r:id="rId12"/>
+    <p:sldId id="283" r:id="rId13"/>
+    <p:sldId id="275" r:id="rId14"/>
+    <p:sldId id="269" r:id="rId15"/>
+    <p:sldId id="270" r:id="rId16"/>
+    <p:sldId id="271" r:id="rId17"/>
+    <p:sldId id="272" r:id="rId18"/>
+    <p:sldId id="267" r:id="rId19"/>
   </p:sldIdLst>
   <p:sldSz cx="9144000" cy="6858000" type="screen4x3"/>
   <p:notesSz cx="6858000" cy="9144000"/>
@@ -220,7 +225,7 @@
           <a:p>
             <a:fld id="{436134EC-835B-48D8-BDB5-96D4A8A8ACE7}" type="datetimeFigureOut">
               <a:rPr lang="en-US" smtClean="0"/>
-              <a:t>3/1/2016</a:t>
+              <a:t>3/13/2016</a:t>
             </a:fld>
             <a:endParaRPr lang="en-US"/>
           </a:p>
@@ -682,6 +687,102 @@
 </p:notes>
 </file>
 
+<file path=ppt/notesSlides/notesSlide3.xml><?xml version="1.0" encoding="utf-8"?>
+<p:notes xmlns:a="http://schemas.openxmlformats.org/drawingml/2006/main" xmlns:r="http://schemas.openxmlformats.org/officeDocument/2006/relationships" xmlns:p="http://schemas.openxmlformats.org/presentationml/2006/main">
+  <p:cSld>
+    <p:spTree>
+      <p:nvGrpSpPr>
+        <p:cNvPr id="1" name=""/>
+        <p:cNvGrpSpPr/>
+        <p:nvPr/>
+      </p:nvGrpSpPr>
+      <p:grpSpPr>
+        <a:xfrm>
+          <a:off x="0" y="0"/>
+          <a:ext cx="0" cy="0"/>
+          <a:chOff x="0" y="0"/>
+          <a:chExt cx="0" cy="0"/>
+        </a:xfrm>
+      </p:grpSpPr>
+      <p:sp>
+        <p:nvSpPr>
+          <p:cNvPr id="2" name="Slide Image Placeholder 1"/>
+          <p:cNvSpPr>
+            <a:spLocks noGrp="1" noRot="1" noChangeAspect="1"/>
+          </p:cNvSpPr>
+          <p:nvPr>
+            <p:ph type="sldImg"/>
+          </p:nvPr>
+        </p:nvSpPr>
+        <p:spPr/>
+      </p:sp>
+      <p:sp>
+        <p:nvSpPr>
+          <p:cNvPr id="3" name="Notes Placeholder 2"/>
+          <p:cNvSpPr>
+            <a:spLocks noGrp="1"/>
+          </p:cNvSpPr>
+          <p:nvPr>
+            <p:ph type="body" idx="1"/>
+          </p:nvPr>
+        </p:nvSpPr>
+        <p:spPr/>
+        <p:txBody>
+          <a:bodyPr/>
+          <a:lstStyle/>
+          <a:p>
+            <a:r>
+              <a:rPr lang="en-US" dirty="0" smtClean="0"/>
+              <a:t>Show example of difficult to find bug = error case or exception</a:t>
+            </a:r>
+            <a:r>
+              <a:rPr lang="en-US" baseline="0" dirty="0" smtClean="0"/>
+              <a:t> handing</a:t>
+            </a:r>
+            <a:r>
+              <a:rPr lang="en-US" dirty="0" smtClean="0"/>
+              <a:t>.</a:t>
+            </a:r>
+            <a:endParaRPr lang="en-US" dirty="0"/>
+          </a:p>
+        </p:txBody>
+      </p:sp>
+      <p:sp>
+        <p:nvSpPr>
+          <p:cNvPr id="4" name="Slide Number Placeholder 3"/>
+          <p:cNvSpPr>
+            <a:spLocks noGrp="1"/>
+          </p:cNvSpPr>
+          <p:nvPr>
+            <p:ph type="sldNum" sz="quarter" idx="10"/>
+          </p:nvPr>
+        </p:nvSpPr>
+        <p:spPr/>
+        <p:txBody>
+          <a:bodyPr/>
+          <a:lstStyle/>
+          <a:p>
+            <a:fld id="{F7E14250-C209-411D-AC59-DB73DE8B3D4D}" type="slidenum">
+              <a:rPr lang="en-US" smtClean="0"/>
+              <a:t>5</a:t>
+            </a:fld>
+            <a:endParaRPr lang="en-US"/>
+          </a:p>
+        </p:txBody>
+      </p:sp>
+    </p:spTree>
+    <p:extLst>
+      <p:ext uri="{BB962C8B-B14F-4D97-AF65-F5344CB8AC3E}">
+        <p14:creationId xmlns:p14="http://schemas.microsoft.com/office/powerpoint/2010/main" val="8566974"/>
+      </p:ext>
+    </p:extLst>
+  </p:cSld>
+  <p:clrMapOvr>
+    <a:masterClrMapping/>
+  </p:clrMapOvr>
+</p:notes>
+</file>
+
 <file path=ppt/slideLayouts/slideLayout1.xml><?xml version="1.0" encoding="utf-8"?>
 <p:sldLayout xmlns:a="http://schemas.openxmlformats.org/drawingml/2006/main" xmlns:r="http://schemas.openxmlformats.org/officeDocument/2006/relationships" xmlns:p="http://schemas.openxmlformats.org/presentationml/2006/main" type="title" preserve="1">
   <p:cSld name="Title Slide">
@@ -874,7 +975,7 @@
           <a:p>
             <a:fld id="{216C5678-EE20-4FA5-88E2-6E0BD67A2E26}" type="datetime1">
               <a:rPr lang="en-US" smtClean="0"/>
-              <a:t>3/1/2016</a:t>
+              <a:t>3/13/2016</a:t>
             </a:fld>
             <a:endParaRPr lang="en-US" dirty="0"/>
           </a:p>
@@ -1044,7 +1145,7 @@
           <a:p>
             <a:fld id="{EA051B39-B140-43FE-96DB-472A2B59CE7C}" type="datetime1">
               <a:rPr lang="en-US" smtClean="0"/>
-              <a:t>3/1/2016</a:t>
+              <a:t>3/13/2016</a:t>
             </a:fld>
             <a:endParaRPr lang="en-US"/>
           </a:p>
@@ -1224,7 +1325,7 @@
           <a:p>
             <a:fld id="{DA600BB2-27C5-458B-ABCE-839C88CF47CE}" type="datetime1">
               <a:rPr lang="en-US" smtClean="0"/>
-              <a:t>3/1/2016</a:t>
+              <a:t>3/13/2016</a:t>
             </a:fld>
             <a:endParaRPr lang="en-US"/>
           </a:p>
@@ -1412,7 +1513,7 @@
           <a:p>
             <a:fld id="{B11D738E-8962-435F-8C43-147B8DD7E819}" type="datetime1">
               <a:rPr lang="en-US" smtClean="0"/>
-              <a:t>3/1/2016</a:t>
+              <a:t>3/13/2016</a:t>
             </a:fld>
             <a:endParaRPr lang="en-US"/>
           </a:p>
@@ -1679,7 +1780,7 @@
           <a:p>
             <a:fld id="{09CAEA93-55E7-4DA9-90C2-089A26EEFEC4}" type="datetime1">
               <a:rPr lang="en-US" smtClean="0"/>
-              <a:t>3/1/2016</a:t>
+              <a:t>3/13/2016</a:t>
             </a:fld>
             <a:endParaRPr lang="en-US"/>
           </a:p>
@@ -2032,7 +2133,7 @@
           <a:p>
             <a:fld id="{E34CF3C7-6809-4F39-BD67-A75817BDDE0A}" type="datetime1">
               <a:rPr lang="en-US" smtClean="0"/>
-              <a:t>3/1/2016</a:t>
+              <a:t>3/13/2016</a:t>
             </a:fld>
             <a:endParaRPr lang="en-US"/>
           </a:p>
@@ -2345,7 +2446,7 @@
           <a:p>
             <a:fld id="{F7EAEB24-CE78-465C-A726-91D0868FA48F}" type="datetime1">
               <a:rPr lang="en-US" smtClean="0"/>
-              <a:t>3/1/2016</a:t>
+              <a:t>3/13/2016</a:t>
             </a:fld>
             <a:endParaRPr lang="en-US"/>
           </a:p>
@@ -2577,7 +2678,7 @@
           <a:p>
             <a:fld id="{40BAADF0-1749-4E8B-9691-B44A5F8C0895}" type="datetime1">
               <a:rPr lang="en-US" smtClean="0"/>
-              <a:t>3/1/2016</a:t>
+              <a:t>3/13/2016</a:t>
             </a:fld>
             <a:endParaRPr lang="en-US"/>
           </a:p>
@@ -2672,7 +2773,7 @@
           <a:p>
             <a:fld id="{A8AF628A-A867-4937-BBE5-207DB6F9C51A}" type="datetime1">
               <a:rPr lang="en-US" smtClean="0"/>
-              <a:t>3/1/2016</a:t>
+              <a:t>3/13/2016</a:t>
             </a:fld>
             <a:endParaRPr lang="en-US"/>
           </a:p>
@@ -2965,7 +3066,7 @@
           <a:p>
             <a:fld id="{118BBB94-68E6-4675-A946-F1C5994EDBD7}" type="datetime1">
               <a:rPr lang="en-US" smtClean="0"/>
-              <a:t>3/1/2016</a:t>
+              <a:t>3/13/2016</a:t>
             </a:fld>
             <a:endParaRPr lang="en-US"/>
           </a:p>
@@ -3239,7 +3340,7 @@
           <a:p>
             <a:fld id="{DC3B8377-21E3-4835-B75D-4E2847E2750F}" type="datetime1">
               <a:rPr lang="en-US" smtClean="0"/>
-              <a:t>3/1/2016</a:t>
+              <a:t>3/13/2016</a:t>
             </a:fld>
             <a:endParaRPr lang="en-US"/>
           </a:p>
@@ -3454,7 +3555,7 @@
           <a:p>
             <a:fld id="{B0C4986D-6BE9-4264-908F-02DB36FD8D6C}" type="datetime1">
               <a:rPr lang="en-US" smtClean="0"/>
-              <a:t>3/1/2016</a:t>
+              <a:t>3/13/2016</a:t>
             </a:fld>
             <a:endParaRPr lang="en-US" dirty="0"/>
           </a:p>
@@ -4025,11 +4126,7 @@
             </a:br>
             <a:r>
               <a:rPr lang="en-US" dirty="0" smtClean="0"/>
-              <a:t>3</a:t>
-            </a:r>
-            <a:r>
-              <a:rPr lang="en-US" dirty="0" smtClean="0"/>
-              <a:t>/10/2016</a:t>
+              <a:t>3/10/2016</a:t>
             </a:r>
             <a:endParaRPr lang="en-US" dirty="0"/>
           </a:p>
@@ -4052,7 +4149,7 @@
           <a:p>
             <a:fld id="{216C5678-EE20-4FA5-88E2-6E0BD67A2E26}" type="datetime1">
               <a:rPr lang="en-US" smtClean="0"/>
-              <a:t>3/1/2016</a:t>
+              <a:t>3/13/2016</a:t>
             </a:fld>
             <a:endParaRPr lang="en-US" dirty="0"/>
           </a:p>
@@ -4158,7 +4255,19 @@
             <a:pPr algn="l"/>
             <a:r>
               <a:rPr lang="en-US" sz="4000" dirty="0" smtClean="0"/>
-              <a:t>xx</a:t>
+              <a:t>The “How</a:t>
+            </a:r>
+            <a:r>
+              <a:rPr lang="en-US" sz="4000" dirty="0" smtClean="0"/>
+              <a:t>” (</a:t>
+            </a:r>
+            <a:r>
+              <a:rPr lang="en-US" sz="4000" dirty="0" err="1" smtClean="0"/>
+              <a:t>cont</a:t>
+            </a:r>
+            <a:r>
+              <a:rPr lang="en-US" sz="4000" dirty="0" smtClean="0"/>
+              <a:t>)</a:t>
             </a:r>
             <a:endParaRPr lang="en-US" sz="4000" dirty="0"/>
           </a:p>
@@ -4176,8 +4285,8 @@
         </p:nvSpPr>
         <p:spPr>
           <a:xfrm>
-            <a:off x="762000" y="1219200"/>
-            <a:ext cx="7315200" cy="4343400"/>
+            <a:off x="228600" y="1066800"/>
+            <a:ext cx="7315200" cy="685800"/>
           </a:xfrm>
         </p:spPr>
         <p:txBody>
@@ -4186,11 +4295,12 @@
           </a:bodyPr>
           <a:lstStyle/>
           <a:p>
-            <a:pPr marL="342900" indent="-342900" algn="l">
-              <a:buFont typeface="Arial" panose="020B0604020202020204" pitchFamily="34" charset="0"/>
-              <a:buChar char="•"/>
-            </a:pPr>
-            <a:endParaRPr lang="en-US" sz="3200" dirty="0"/>
+            <a:pPr algn="l"/>
+            <a:r>
+              <a:rPr lang="en-US" sz="3200" b="1" u="sng" dirty="0"/>
+              <a:t>Over-the-shoulder</a:t>
+            </a:r>
+            <a:endParaRPr lang="en-US" sz="3200" b="1" u="sng" dirty="0"/>
           </a:p>
         </p:txBody>
       </p:sp>
@@ -4211,7 +4321,7 @@
           <a:p>
             <a:fld id="{216C5678-EE20-4FA5-88E2-6E0BD67A2E26}" type="datetime1">
               <a:rPr lang="en-US" smtClean="0"/>
-              <a:t>3/1/2016</a:t>
+              <a:t>3/13/2016</a:t>
             </a:fld>
             <a:endParaRPr lang="en-US" dirty="0"/>
           </a:p>
@@ -4264,10 +4374,484 @@
           </a:p>
         </p:txBody>
       </p:sp>
+      <p:pic>
+        <p:nvPicPr>
+          <p:cNvPr id="7" name="Picture 6"/>
+          <p:cNvPicPr>
+            <a:picLocks noChangeAspect="1"/>
+          </p:cNvPicPr>
+          <p:nvPr/>
+        </p:nvPicPr>
+        <p:blipFill>
+          <a:blip r:embed="rId2"/>
+          <a:stretch>
+            <a:fillRect/>
+          </a:stretch>
+        </p:blipFill>
+        <p:spPr>
+          <a:xfrm>
+            <a:off x="5715000" y="453307"/>
+            <a:ext cx="3276600" cy="2723268"/>
+          </a:xfrm>
+          <a:prstGeom prst="rect">
+            <a:avLst/>
+          </a:prstGeom>
+        </p:spPr>
+      </p:pic>
+      <p:sp>
+        <p:nvSpPr>
+          <p:cNvPr id="8" name="Subtitle 2"/>
+          <p:cNvSpPr txBox="1">
+            <a:spLocks/>
+          </p:cNvSpPr>
+          <p:nvPr/>
+        </p:nvSpPr>
+        <p:spPr>
+          <a:xfrm>
+            <a:off x="115694" y="1781541"/>
+            <a:ext cx="6247653" cy="2003425"/>
+          </a:xfrm>
+          <a:prstGeom prst="rect">
+            <a:avLst/>
+          </a:prstGeom>
+        </p:spPr>
+        <p:txBody>
+          <a:bodyPr vert="horz" lIns="91440" tIns="45720" rIns="91440" bIns="45720" rtlCol="0">
+            <a:noAutofit/>
+          </a:bodyPr>
+          <a:lstStyle>
+            <a:lvl1pPr marL="0" indent="0" algn="ctr" defTabSz="914400" rtl="0" eaLnBrk="1" latinLnBrk="0" hangingPunct="1">
+              <a:spcBef>
+                <a:spcPct val="20000"/>
+              </a:spcBef>
+              <a:buFont typeface="Arial" pitchFamily="34" charset="0"/>
+              <a:buNone/>
+              <a:defRPr sz="2400" kern="1200">
+                <a:solidFill>
+                  <a:schemeClr val="tx1">
+                    <a:tint val="75000"/>
+                  </a:schemeClr>
+                </a:solidFill>
+                <a:latin typeface="+mj-lt"/>
+                <a:ea typeface="+mn-ea"/>
+                <a:cs typeface="+mn-cs"/>
+              </a:defRPr>
+            </a:lvl1pPr>
+            <a:lvl2pPr marL="457200" indent="0" algn="ctr" defTabSz="914400" rtl="0" eaLnBrk="1" latinLnBrk="0" hangingPunct="1">
+              <a:spcBef>
+                <a:spcPct val="20000"/>
+              </a:spcBef>
+              <a:buFont typeface="Courier New" pitchFamily="49" charset="0"/>
+              <a:buNone/>
+              <a:defRPr sz="1600" kern="1200">
+                <a:solidFill>
+                  <a:schemeClr val="tx1">
+                    <a:tint val="75000"/>
+                  </a:schemeClr>
+                </a:solidFill>
+                <a:latin typeface="+mj-lt"/>
+                <a:ea typeface="+mn-ea"/>
+                <a:cs typeface="+mn-cs"/>
+              </a:defRPr>
+            </a:lvl2pPr>
+            <a:lvl3pPr marL="914400" indent="0" algn="ctr" defTabSz="914400" rtl="0" eaLnBrk="1" latinLnBrk="0" hangingPunct="1">
+              <a:spcBef>
+                <a:spcPct val="20000"/>
+              </a:spcBef>
+              <a:buFont typeface="Arial" pitchFamily="34" charset="0"/>
+              <a:buNone/>
+              <a:defRPr sz="1600" kern="1200">
+                <a:solidFill>
+                  <a:schemeClr val="tx1">
+                    <a:tint val="75000"/>
+                  </a:schemeClr>
+                </a:solidFill>
+                <a:latin typeface="+mj-lt"/>
+                <a:ea typeface="+mn-ea"/>
+                <a:cs typeface="+mn-cs"/>
+              </a:defRPr>
+            </a:lvl3pPr>
+            <a:lvl4pPr marL="1371600" indent="0" algn="ctr" defTabSz="914400" rtl="0" eaLnBrk="1" latinLnBrk="0" hangingPunct="1">
+              <a:spcBef>
+                <a:spcPct val="20000"/>
+              </a:spcBef>
+              <a:buFont typeface="Courier New" pitchFamily="49" charset="0"/>
+              <a:buNone/>
+              <a:defRPr sz="1600" kern="1200">
+                <a:solidFill>
+                  <a:schemeClr val="tx1">
+                    <a:tint val="75000"/>
+                  </a:schemeClr>
+                </a:solidFill>
+                <a:latin typeface="+mj-lt"/>
+                <a:ea typeface="+mn-ea"/>
+                <a:cs typeface="+mn-cs"/>
+              </a:defRPr>
+            </a:lvl4pPr>
+            <a:lvl5pPr marL="1828800" indent="0" algn="ctr" defTabSz="914400" rtl="0" eaLnBrk="1" latinLnBrk="0" hangingPunct="1">
+              <a:spcBef>
+                <a:spcPct val="20000"/>
+              </a:spcBef>
+              <a:buFont typeface="Arial" pitchFamily="34" charset="0"/>
+              <a:buNone/>
+              <a:defRPr sz="1600" kern="1200">
+                <a:solidFill>
+                  <a:schemeClr val="tx1">
+                    <a:tint val="75000"/>
+                  </a:schemeClr>
+                </a:solidFill>
+                <a:latin typeface="+mj-lt"/>
+                <a:ea typeface="+mn-ea"/>
+                <a:cs typeface="+mn-cs"/>
+              </a:defRPr>
+            </a:lvl5pPr>
+            <a:lvl6pPr marL="2286000" indent="0" algn="ctr" defTabSz="914400" rtl="0" eaLnBrk="1" latinLnBrk="0" hangingPunct="1">
+              <a:spcBef>
+                <a:spcPct val="20000"/>
+              </a:spcBef>
+              <a:buFont typeface="Courier New" pitchFamily="49" charset="0"/>
+              <a:buNone/>
+              <a:defRPr sz="1600" kern="1200">
+                <a:solidFill>
+                  <a:schemeClr val="tx1">
+                    <a:tint val="75000"/>
+                  </a:schemeClr>
+                </a:solidFill>
+                <a:latin typeface="+mj-lt"/>
+                <a:ea typeface="+mn-ea"/>
+                <a:cs typeface="+mn-cs"/>
+              </a:defRPr>
+            </a:lvl6pPr>
+            <a:lvl7pPr marL="2743200" indent="0" algn="ctr" defTabSz="914400" rtl="0" eaLnBrk="1" latinLnBrk="0" hangingPunct="1">
+              <a:spcBef>
+                <a:spcPct val="20000"/>
+              </a:spcBef>
+              <a:buFont typeface="Arial" pitchFamily="34" charset="0"/>
+              <a:buNone/>
+              <a:defRPr sz="1600" kern="1200">
+                <a:solidFill>
+                  <a:schemeClr val="tx1">
+                    <a:tint val="75000"/>
+                  </a:schemeClr>
+                </a:solidFill>
+                <a:latin typeface="+mj-lt"/>
+                <a:ea typeface="+mn-ea"/>
+                <a:cs typeface="+mn-cs"/>
+              </a:defRPr>
+            </a:lvl7pPr>
+            <a:lvl8pPr marL="3200400" indent="0" algn="ctr" defTabSz="914400" rtl="0" eaLnBrk="1" latinLnBrk="0" hangingPunct="1">
+              <a:spcBef>
+                <a:spcPct val="20000"/>
+              </a:spcBef>
+              <a:buFont typeface="Courier New" pitchFamily="49" charset="0"/>
+              <a:buNone/>
+              <a:defRPr sz="1600" kern="1200">
+                <a:solidFill>
+                  <a:schemeClr val="tx1">
+                    <a:tint val="75000"/>
+                  </a:schemeClr>
+                </a:solidFill>
+                <a:latin typeface="+mj-lt"/>
+                <a:ea typeface="+mn-ea"/>
+                <a:cs typeface="+mn-cs"/>
+              </a:defRPr>
+            </a:lvl8pPr>
+            <a:lvl9pPr marL="3657600" indent="0" algn="ctr" defTabSz="914400" rtl="0" eaLnBrk="1" latinLnBrk="0" hangingPunct="1">
+              <a:spcBef>
+                <a:spcPct val="20000"/>
+              </a:spcBef>
+              <a:buFont typeface="Arial" pitchFamily="34" charset="0"/>
+              <a:buNone/>
+              <a:defRPr sz="1600" kern="1200">
+                <a:solidFill>
+                  <a:schemeClr val="tx1">
+                    <a:tint val="75000"/>
+                  </a:schemeClr>
+                </a:solidFill>
+                <a:latin typeface="+mj-lt"/>
+                <a:ea typeface="+mn-ea"/>
+                <a:cs typeface="+mn-cs"/>
+              </a:defRPr>
+            </a:lvl9pPr>
+          </a:lstStyle>
+          <a:p>
+            <a:pPr algn="l"/>
+            <a:r>
+              <a:rPr lang="en-US" sz="3200" dirty="0" smtClean="0"/>
+              <a:t>Pros:</a:t>
+            </a:r>
+          </a:p>
+          <a:p>
+            <a:pPr marL="457200" indent="-457200" algn="l">
+              <a:buFont typeface="Arial" panose="020B0604020202020204" pitchFamily="34" charset="0"/>
+              <a:buChar char="•"/>
+            </a:pPr>
+            <a:r>
+              <a:rPr lang="en-US" dirty="0" smtClean="0"/>
+              <a:t>Suitable for couple dozens SLOC.</a:t>
+            </a:r>
+          </a:p>
+          <a:p>
+            <a:pPr marL="457200" indent="-457200" algn="l">
+              <a:buFont typeface="Arial" panose="020B0604020202020204" pitchFamily="34" charset="0"/>
+              <a:buChar char="•"/>
+            </a:pPr>
+            <a:r>
+              <a:rPr lang="en-US" dirty="0" smtClean="0"/>
+              <a:t>Less costly and low overhead.</a:t>
+            </a:r>
+          </a:p>
+          <a:p>
+            <a:pPr algn="l"/>
+            <a:endParaRPr lang="en-US" sz="3200" dirty="0"/>
+          </a:p>
+          <a:p>
+            <a:pPr algn="l"/>
+            <a:endParaRPr lang="en-US" sz="3200" dirty="0" smtClean="0"/>
+          </a:p>
+          <a:p>
+            <a:pPr algn="l"/>
+            <a:endParaRPr lang="en-US" sz="3200" dirty="0"/>
+          </a:p>
+          <a:p>
+            <a:pPr algn="l"/>
+            <a:endParaRPr lang="en-US" sz="3200" dirty="0"/>
+          </a:p>
+        </p:txBody>
+      </p:sp>
+      <p:sp>
+        <p:nvSpPr>
+          <p:cNvPr id="9" name="Subtitle 2"/>
+          <p:cNvSpPr txBox="1">
+            <a:spLocks/>
+          </p:cNvSpPr>
+          <p:nvPr/>
+        </p:nvSpPr>
+        <p:spPr>
+          <a:xfrm>
+            <a:off x="228600" y="4354480"/>
+            <a:ext cx="8686800" cy="2003425"/>
+          </a:xfrm>
+          <a:prstGeom prst="rect">
+            <a:avLst/>
+          </a:prstGeom>
+        </p:spPr>
+        <p:txBody>
+          <a:bodyPr vert="horz" lIns="91440" tIns="45720" rIns="91440" bIns="45720" rtlCol="0">
+            <a:noAutofit/>
+          </a:bodyPr>
+          <a:lstStyle>
+            <a:lvl1pPr marL="0" indent="0" algn="ctr" defTabSz="914400" rtl="0" eaLnBrk="1" latinLnBrk="0" hangingPunct="1">
+              <a:spcBef>
+                <a:spcPct val="20000"/>
+              </a:spcBef>
+              <a:buFont typeface="Arial" pitchFamily="34" charset="0"/>
+              <a:buNone/>
+              <a:defRPr sz="2400" kern="1200">
+                <a:solidFill>
+                  <a:schemeClr val="tx1">
+                    <a:tint val="75000"/>
+                  </a:schemeClr>
+                </a:solidFill>
+                <a:latin typeface="+mj-lt"/>
+                <a:ea typeface="+mn-ea"/>
+                <a:cs typeface="+mn-cs"/>
+              </a:defRPr>
+            </a:lvl1pPr>
+            <a:lvl2pPr marL="457200" indent="0" algn="ctr" defTabSz="914400" rtl="0" eaLnBrk="1" latinLnBrk="0" hangingPunct="1">
+              <a:spcBef>
+                <a:spcPct val="20000"/>
+              </a:spcBef>
+              <a:buFont typeface="Courier New" pitchFamily="49" charset="0"/>
+              <a:buNone/>
+              <a:defRPr sz="1600" kern="1200">
+                <a:solidFill>
+                  <a:schemeClr val="tx1">
+                    <a:tint val="75000"/>
+                  </a:schemeClr>
+                </a:solidFill>
+                <a:latin typeface="+mj-lt"/>
+                <a:ea typeface="+mn-ea"/>
+                <a:cs typeface="+mn-cs"/>
+              </a:defRPr>
+            </a:lvl2pPr>
+            <a:lvl3pPr marL="914400" indent="0" algn="ctr" defTabSz="914400" rtl="0" eaLnBrk="1" latinLnBrk="0" hangingPunct="1">
+              <a:spcBef>
+                <a:spcPct val="20000"/>
+              </a:spcBef>
+              <a:buFont typeface="Arial" pitchFamily="34" charset="0"/>
+              <a:buNone/>
+              <a:defRPr sz="1600" kern="1200">
+                <a:solidFill>
+                  <a:schemeClr val="tx1">
+                    <a:tint val="75000"/>
+                  </a:schemeClr>
+                </a:solidFill>
+                <a:latin typeface="+mj-lt"/>
+                <a:ea typeface="+mn-ea"/>
+                <a:cs typeface="+mn-cs"/>
+              </a:defRPr>
+            </a:lvl3pPr>
+            <a:lvl4pPr marL="1371600" indent="0" algn="ctr" defTabSz="914400" rtl="0" eaLnBrk="1" latinLnBrk="0" hangingPunct="1">
+              <a:spcBef>
+                <a:spcPct val="20000"/>
+              </a:spcBef>
+              <a:buFont typeface="Courier New" pitchFamily="49" charset="0"/>
+              <a:buNone/>
+              <a:defRPr sz="1600" kern="1200">
+                <a:solidFill>
+                  <a:schemeClr val="tx1">
+                    <a:tint val="75000"/>
+                  </a:schemeClr>
+                </a:solidFill>
+                <a:latin typeface="+mj-lt"/>
+                <a:ea typeface="+mn-ea"/>
+                <a:cs typeface="+mn-cs"/>
+              </a:defRPr>
+            </a:lvl4pPr>
+            <a:lvl5pPr marL="1828800" indent="0" algn="ctr" defTabSz="914400" rtl="0" eaLnBrk="1" latinLnBrk="0" hangingPunct="1">
+              <a:spcBef>
+                <a:spcPct val="20000"/>
+              </a:spcBef>
+              <a:buFont typeface="Arial" pitchFamily="34" charset="0"/>
+              <a:buNone/>
+              <a:defRPr sz="1600" kern="1200">
+                <a:solidFill>
+                  <a:schemeClr val="tx1">
+                    <a:tint val="75000"/>
+                  </a:schemeClr>
+                </a:solidFill>
+                <a:latin typeface="+mj-lt"/>
+                <a:ea typeface="+mn-ea"/>
+                <a:cs typeface="+mn-cs"/>
+              </a:defRPr>
+            </a:lvl5pPr>
+            <a:lvl6pPr marL="2286000" indent="0" algn="ctr" defTabSz="914400" rtl="0" eaLnBrk="1" latinLnBrk="0" hangingPunct="1">
+              <a:spcBef>
+                <a:spcPct val="20000"/>
+              </a:spcBef>
+              <a:buFont typeface="Courier New" pitchFamily="49" charset="0"/>
+              <a:buNone/>
+              <a:defRPr sz="1600" kern="1200">
+                <a:solidFill>
+                  <a:schemeClr val="tx1">
+                    <a:tint val="75000"/>
+                  </a:schemeClr>
+                </a:solidFill>
+                <a:latin typeface="+mj-lt"/>
+                <a:ea typeface="+mn-ea"/>
+                <a:cs typeface="+mn-cs"/>
+              </a:defRPr>
+            </a:lvl6pPr>
+            <a:lvl7pPr marL="2743200" indent="0" algn="ctr" defTabSz="914400" rtl="0" eaLnBrk="1" latinLnBrk="0" hangingPunct="1">
+              <a:spcBef>
+                <a:spcPct val="20000"/>
+              </a:spcBef>
+              <a:buFont typeface="Arial" pitchFamily="34" charset="0"/>
+              <a:buNone/>
+              <a:defRPr sz="1600" kern="1200">
+                <a:solidFill>
+                  <a:schemeClr val="tx1">
+                    <a:tint val="75000"/>
+                  </a:schemeClr>
+                </a:solidFill>
+                <a:latin typeface="+mj-lt"/>
+                <a:ea typeface="+mn-ea"/>
+                <a:cs typeface="+mn-cs"/>
+              </a:defRPr>
+            </a:lvl7pPr>
+            <a:lvl8pPr marL="3200400" indent="0" algn="ctr" defTabSz="914400" rtl="0" eaLnBrk="1" latinLnBrk="0" hangingPunct="1">
+              <a:spcBef>
+                <a:spcPct val="20000"/>
+              </a:spcBef>
+              <a:buFont typeface="Courier New" pitchFamily="49" charset="0"/>
+              <a:buNone/>
+              <a:defRPr sz="1600" kern="1200">
+                <a:solidFill>
+                  <a:schemeClr val="tx1">
+                    <a:tint val="75000"/>
+                  </a:schemeClr>
+                </a:solidFill>
+                <a:latin typeface="+mj-lt"/>
+                <a:ea typeface="+mn-ea"/>
+                <a:cs typeface="+mn-cs"/>
+              </a:defRPr>
+            </a:lvl8pPr>
+            <a:lvl9pPr marL="3657600" indent="0" algn="ctr" defTabSz="914400" rtl="0" eaLnBrk="1" latinLnBrk="0" hangingPunct="1">
+              <a:spcBef>
+                <a:spcPct val="20000"/>
+              </a:spcBef>
+              <a:buFont typeface="Arial" pitchFamily="34" charset="0"/>
+              <a:buNone/>
+              <a:defRPr sz="1600" kern="1200">
+                <a:solidFill>
+                  <a:schemeClr val="tx1">
+                    <a:tint val="75000"/>
+                  </a:schemeClr>
+                </a:solidFill>
+                <a:latin typeface="+mj-lt"/>
+                <a:ea typeface="+mn-ea"/>
+                <a:cs typeface="+mn-cs"/>
+              </a:defRPr>
+            </a:lvl9pPr>
+          </a:lstStyle>
+          <a:p>
+            <a:pPr algn="l"/>
+            <a:r>
+              <a:rPr lang="en-US" sz="3200" dirty="0" smtClean="0"/>
+              <a:t>Cons:</a:t>
+            </a:r>
+          </a:p>
+          <a:p>
+            <a:pPr marL="457200" indent="-457200" algn="l">
+              <a:buFont typeface="Arial" panose="020B0604020202020204" pitchFamily="34" charset="0"/>
+              <a:buChar char="•"/>
+            </a:pPr>
+            <a:r>
+              <a:rPr lang="en-US" dirty="0" smtClean="0"/>
+              <a:t>Reviewer may feel “rushed”.</a:t>
+            </a:r>
+          </a:p>
+          <a:p>
+            <a:pPr marL="457200" indent="-457200" algn="l">
+              <a:buFont typeface="Arial" panose="020B0604020202020204" pitchFamily="34" charset="0"/>
+              <a:buChar char="•"/>
+            </a:pPr>
+            <a:r>
+              <a:rPr lang="en-US" dirty="0" smtClean="0"/>
+              <a:t>Lack of </a:t>
+            </a:r>
+            <a:r>
+              <a:rPr lang="en-US" dirty="0"/>
+              <a:t>a</a:t>
+            </a:r>
+            <a:r>
+              <a:rPr lang="en-US" dirty="0" smtClean="0"/>
+              <a:t>udit or documentation of review comments.</a:t>
+            </a:r>
+          </a:p>
+          <a:p>
+            <a:pPr algn="l"/>
+            <a:endParaRPr lang="en-US" sz="3200" dirty="0"/>
+          </a:p>
+          <a:p>
+            <a:pPr algn="l"/>
+            <a:endParaRPr lang="en-US" sz="3200" dirty="0" smtClean="0"/>
+          </a:p>
+          <a:p>
+            <a:pPr algn="l"/>
+            <a:endParaRPr lang="en-US" sz="3200" dirty="0"/>
+          </a:p>
+          <a:p>
+            <a:pPr algn="l"/>
+            <a:endParaRPr lang="en-US" sz="3200" dirty="0"/>
+          </a:p>
+        </p:txBody>
+      </p:sp>
     </p:spTree>
     <p:extLst>
       <p:ext uri="{BB962C8B-B14F-4D97-AF65-F5344CB8AC3E}">
-        <p14:creationId xmlns:p14="http://schemas.microsoft.com/office/powerpoint/2010/main" val="398520826"/>
+        <p14:creationId xmlns:p14="http://schemas.microsoft.com/office/powerpoint/2010/main" val="3287493390"/>
       </p:ext>
     </p:extLst>
   </p:cSld>
@@ -4317,7 +4901,19 @@
             <a:pPr algn="l"/>
             <a:r>
               <a:rPr lang="en-US" sz="4000" dirty="0" smtClean="0"/>
-              <a:t>xx</a:t>
+              <a:t>The “How</a:t>
+            </a:r>
+            <a:r>
+              <a:rPr lang="en-US" sz="4000" dirty="0" smtClean="0"/>
+              <a:t>” (</a:t>
+            </a:r>
+            <a:r>
+              <a:rPr lang="en-US" sz="4000" dirty="0" err="1" smtClean="0"/>
+              <a:t>cont</a:t>
+            </a:r>
+            <a:r>
+              <a:rPr lang="en-US" sz="4000" dirty="0" smtClean="0"/>
+              <a:t>)</a:t>
             </a:r>
             <a:endParaRPr lang="en-US" sz="4000" dirty="0"/>
           </a:p>
@@ -4335,8 +4931,8 @@
         </p:nvSpPr>
         <p:spPr>
           <a:xfrm>
-            <a:off x="762000" y="1219200"/>
-            <a:ext cx="7315200" cy="4343400"/>
+            <a:off x="228600" y="1066800"/>
+            <a:ext cx="7315200" cy="685800"/>
           </a:xfrm>
         </p:spPr>
         <p:txBody>
@@ -4345,11 +4941,12 @@
           </a:bodyPr>
           <a:lstStyle/>
           <a:p>
-            <a:pPr marL="342900" indent="-342900" algn="l">
-              <a:buFont typeface="Arial" panose="020B0604020202020204" pitchFamily="34" charset="0"/>
-              <a:buChar char="•"/>
-            </a:pPr>
-            <a:endParaRPr lang="en-US" sz="3200" dirty="0"/>
+            <a:pPr algn="l"/>
+            <a:r>
+              <a:rPr lang="en-US" sz="3200" b="1" u="sng" dirty="0" smtClean="0"/>
+              <a:t>Formal Review</a:t>
+            </a:r>
+            <a:endParaRPr lang="en-US" sz="3200" b="1" u="sng" dirty="0"/>
           </a:p>
         </p:txBody>
       </p:sp>
@@ -4370,7 +4967,7 @@
           <a:p>
             <a:fld id="{216C5678-EE20-4FA5-88E2-6E0BD67A2E26}" type="datetime1">
               <a:rPr lang="en-US" smtClean="0"/>
-              <a:t>3/1/2016</a:t>
+              <a:t>3/13/2016</a:t>
             </a:fld>
             <a:endParaRPr lang="en-US" dirty="0"/>
           </a:p>
@@ -4423,10 +5020,490 @@
           </a:p>
         </p:txBody>
       </p:sp>
+      <p:sp>
+        <p:nvSpPr>
+          <p:cNvPr id="8" name="Subtitle 2"/>
+          <p:cNvSpPr txBox="1">
+            <a:spLocks/>
+          </p:cNvSpPr>
+          <p:nvPr/>
+        </p:nvSpPr>
+        <p:spPr>
+          <a:xfrm>
+            <a:off x="115694" y="1781541"/>
+            <a:ext cx="6247653" cy="2003425"/>
+          </a:xfrm>
+          <a:prstGeom prst="rect">
+            <a:avLst/>
+          </a:prstGeom>
+        </p:spPr>
+        <p:txBody>
+          <a:bodyPr vert="horz" lIns="91440" tIns="45720" rIns="91440" bIns="45720" rtlCol="0">
+            <a:noAutofit/>
+          </a:bodyPr>
+          <a:lstStyle>
+            <a:lvl1pPr marL="0" indent="0" algn="ctr" defTabSz="914400" rtl="0" eaLnBrk="1" latinLnBrk="0" hangingPunct="1">
+              <a:spcBef>
+                <a:spcPct val="20000"/>
+              </a:spcBef>
+              <a:buFont typeface="Arial" pitchFamily="34" charset="0"/>
+              <a:buNone/>
+              <a:defRPr sz="2400" kern="1200">
+                <a:solidFill>
+                  <a:schemeClr val="tx1">
+                    <a:tint val="75000"/>
+                  </a:schemeClr>
+                </a:solidFill>
+                <a:latin typeface="+mj-lt"/>
+                <a:ea typeface="+mn-ea"/>
+                <a:cs typeface="+mn-cs"/>
+              </a:defRPr>
+            </a:lvl1pPr>
+            <a:lvl2pPr marL="457200" indent="0" algn="ctr" defTabSz="914400" rtl="0" eaLnBrk="1" latinLnBrk="0" hangingPunct="1">
+              <a:spcBef>
+                <a:spcPct val="20000"/>
+              </a:spcBef>
+              <a:buFont typeface="Courier New" pitchFamily="49" charset="0"/>
+              <a:buNone/>
+              <a:defRPr sz="1600" kern="1200">
+                <a:solidFill>
+                  <a:schemeClr val="tx1">
+                    <a:tint val="75000"/>
+                  </a:schemeClr>
+                </a:solidFill>
+                <a:latin typeface="+mj-lt"/>
+                <a:ea typeface="+mn-ea"/>
+                <a:cs typeface="+mn-cs"/>
+              </a:defRPr>
+            </a:lvl2pPr>
+            <a:lvl3pPr marL="914400" indent="0" algn="ctr" defTabSz="914400" rtl="0" eaLnBrk="1" latinLnBrk="0" hangingPunct="1">
+              <a:spcBef>
+                <a:spcPct val="20000"/>
+              </a:spcBef>
+              <a:buFont typeface="Arial" pitchFamily="34" charset="0"/>
+              <a:buNone/>
+              <a:defRPr sz="1600" kern="1200">
+                <a:solidFill>
+                  <a:schemeClr val="tx1">
+                    <a:tint val="75000"/>
+                  </a:schemeClr>
+                </a:solidFill>
+                <a:latin typeface="+mj-lt"/>
+                <a:ea typeface="+mn-ea"/>
+                <a:cs typeface="+mn-cs"/>
+              </a:defRPr>
+            </a:lvl3pPr>
+            <a:lvl4pPr marL="1371600" indent="0" algn="ctr" defTabSz="914400" rtl="0" eaLnBrk="1" latinLnBrk="0" hangingPunct="1">
+              <a:spcBef>
+                <a:spcPct val="20000"/>
+              </a:spcBef>
+              <a:buFont typeface="Courier New" pitchFamily="49" charset="0"/>
+              <a:buNone/>
+              <a:defRPr sz="1600" kern="1200">
+                <a:solidFill>
+                  <a:schemeClr val="tx1">
+                    <a:tint val="75000"/>
+                  </a:schemeClr>
+                </a:solidFill>
+                <a:latin typeface="+mj-lt"/>
+                <a:ea typeface="+mn-ea"/>
+                <a:cs typeface="+mn-cs"/>
+              </a:defRPr>
+            </a:lvl4pPr>
+            <a:lvl5pPr marL="1828800" indent="0" algn="ctr" defTabSz="914400" rtl="0" eaLnBrk="1" latinLnBrk="0" hangingPunct="1">
+              <a:spcBef>
+                <a:spcPct val="20000"/>
+              </a:spcBef>
+              <a:buFont typeface="Arial" pitchFamily="34" charset="0"/>
+              <a:buNone/>
+              <a:defRPr sz="1600" kern="1200">
+                <a:solidFill>
+                  <a:schemeClr val="tx1">
+                    <a:tint val="75000"/>
+                  </a:schemeClr>
+                </a:solidFill>
+                <a:latin typeface="+mj-lt"/>
+                <a:ea typeface="+mn-ea"/>
+                <a:cs typeface="+mn-cs"/>
+              </a:defRPr>
+            </a:lvl5pPr>
+            <a:lvl6pPr marL="2286000" indent="0" algn="ctr" defTabSz="914400" rtl="0" eaLnBrk="1" latinLnBrk="0" hangingPunct="1">
+              <a:spcBef>
+                <a:spcPct val="20000"/>
+              </a:spcBef>
+              <a:buFont typeface="Courier New" pitchFamily="49" charset="0"/>
+              <a:buNone/>
+              <a:defRPr sz="1600" kern="1200">
+                <a:solidFill>
+                  <a:schemeClr val="tx1">
+                    <a:tint val="75000"/>
+                  </a:schemeClr>
+                </a:solidFill>
+                <a:latin typeface="+mj-lt"/>
+                <a:ea typeface="+mn-ea"/>
+                <a:cs typeface="+mn-cs"/>
+              </a:defRPr>
+            </a:lvl6pPr>
+            <a:lvl7pPr marL="2743200" indent="0" algn="ctr" defTabSz="914400" rtl="0" eaLnBrk="1" latinLnBrk="0" hangingPunct="1">
+              <a:spcBef>
+                <a:spcPct val="20000"/>
+              </a:spcBef>
+              <a:buFont typeface="Arial" pitchFamily="34" charset="0"/>
+              <a:buNone/>
+              <a:defRPr sz="1600" kern="1200">
+                <a:solidFill>
+                  <a:schemeClr val="tx1">
+                    <a:tint val="75000"/>
+                  </a:schemeClr>
+                </a:solidFill>
+                <a:latin typeface="+mj-lt"/>
+                <a:ea typeface="+mn-ea"/>
+                <a:cs typeface="+mn-cs"/>
+              </a:defRPr>
+            </a:lvl7pPr>
+            <a:lvl8pPr marL="3200400" indent="0" algn="ctr" defTabSz="914400" rtl="0" eaLnBrk="1" latinLnBrk="0" hangingPunct="1">
+              <a:spcBef>
+                <a:spcPct val="20000"/>
+              </a:spcBef>
+              <a:buFont typeface="Courier New" pitchFamily="49" charset="0"/>
+              <a:buNone/>
+              <a:defRPr sz="1600" kern="1200">
+                <a:solidFill>
+                  <a:schemeClr val="tx1">
+                    <a:tint val="75000"/>
+                  </a:schemeClr>
+                </a:solidFill>
+                <a:latin typeface="+mj-lt"/>
+                <a:ea typeface="+mn-ea"/>
+                <a:cs typeface="+mn-cs"/>
+              </a:defRPr>
+            </a:lvl8pPr>
+            <a:lvl9pPr marL="3657600" indent="0" algn="ctr" defTabSz="914400" rtl="0" eaLnBrk="1" latinLnBrk="0" hangingPunct="1">
+              <a:spcBef>
+                <a:spcPct val="20000"/>
+              </a:spcBef>
+              <a:buFont typeface="Arial" pitchFamily="34" charset="0"/>
+              <a:buNone/>
+              <a:defRPr sz="1600" kern="1200">
+                <a:solidFill>
+                  <a:schemeClr val="tx1">
+                    <a:tint val="75000"/>
+                  </a:schemeClr>
+                </a:solidFill>
+                <a:latin typeface="+mj-lt"/>
+                <a:ea typeface="+mn-ea"/>
+                <a:cs typeface="+mn-cs"/>
+              </a:defRPr>
+            </a:lvl9pPr>
+          </a:lstStyle>
+          <a:p>
+            <a:pPr algn="l"/>
+            <a:r>
+              <a:rPr lang="en-US" sz="3200" dirty="0" smtClean="0"/>
+              <a:t>Pros:</a:t>
+            </a:r>
+          </a:p>
+          <a:p>
+            <a:pPr marL="457200" indent="-457200" algn="l">
+              <a:buFont typeface="Arial" panose="020B0604020202020204" pitchFamily="34" charset="0"/>
+              <a:buChar char="•"/>
+            </a:pPr>
+            <a:r>
+              <a:rPr lang="en-US" dirty="0" smtClean="0"/>
+              <a:t>Somewhat effective since all parties are in same room and same time.</a:t>
+            </a:r>
+          </a:p>
+          <a:p>
+            <a:pPr algn="l"/>
+            <a:endParaRPr lang="en-US" sz="3200" dirty="0"/>
+          </a:p>
+          <a:p>
+            <a:pPr algn="l"/>
+            <a:endParaRPr lang="en-US" sz="3200" dirty="0" smtClean="0"/>
+          </a:p>
+          <a:p>
+            <a:pPr algn="l"/>
+            <a:endParaRPr lang="en-US" sz="3200" dirty="0"/>
+          </a:p>
+          <a:p>
+            <a:pPr algn="l"/>
+            <a:endParaRPr lang="en-US" sz="3200" dirty="0"/>
+          </a:p>
+        </p:txBody>
+      </p:sp>
+      <p:sp>
+        <p:nvSpPr>
+          <p:cNvPr id="9" name="Subtitle 2"/>
+          <p:cNvSpPr txBox="1">
+            <a:spLocks/>
+          </p:cNvSpPr>
+          <p:nvPr/>
+        </p:nvSpPr>
+        <p:spPr>
+          <a:xfrm>
+            <a:off x="152400" y="3485784"/>
+            <a:ext cx="8686800" cy="2610216"/>
+          </a:xfrm>
+          <a:prstGeom prst="rect">
+            <a:avLst/>
+          </a:prstGeom>
+        </p:spPr>
+        <p:txBody>
+          <a:bodyPr vert="horz" lIns="91440" tIns="45720" rIns="91440" bIns="45720" rtlCol="0">
+            <a:noAutofit/>
+          </a:bodyPr>
+          <a:lstStyle>
+            <a:lvl1pPr marL="0" indent="0" algn="ctr" defTabSz="914400" rtl="0" eaLnBrk="1" latinLnBrk="0" hangingPunct="1">
+              <a:spcBef>
+                <a:spcPct val="20000"/>
+              </a:spcBef>
+              <a:buFont typeface="Arial" pitchFamily="34" charset="0"/>
+              <a:buNone/>
+              <a:defRPr sz="2400" kern="1200">
+                <a:solidFill>
+                  <a:schemeClr val="tx1">
+                    <a:tint val="75000"/>
+                  </a:schemeClr>
+                </a:solidFill>
+                <a:latin typeface="+mj-lt"/>
+                <a:ea typeface="+mn-ea"/>
+                <a:cs typeface="+mn-cs"/>
+              </a:defRPr>
+            </a:lvl1pPr>
+            <a:lvl2pPr marL="457200" indent="0" algn="ctr" defTabSz="914400" rtl="0" eaLnBrk="1" latinLnBrk="0" hangingPunct="1">
+              <a:spcBef>
+                <a:spcPct val="20000"/>
+              </a:spcBef>
+              <a:buFont typeface="Courier New" pitchFamily="49" charset="0"/>
+              <a:buNone/>
+              <a:defRPr sz="1600" kern="1200">
+                <a:solidFill>
+                  <a:schemeClr val="tx1">
+                    <a:tint val="75000"/>
+                  </a:schemeClr>
+                </a:solidFill>
+                <a:latin typeface="+mj-lt"/>
+                <a:ea typeface="+mn-ea"/>
+                <a:cs typeface="+mn-cs"/>
+              </a:defRPr>
+            </a:lvl2pPr>
+            <a:lvl3pPr marL="914400" indent="0" algn="ctr" defTabSz="914400" rtl="0" eaLnBrk="1" latinLnBrk="0" hangingPunct="1">
+              <a:spcBef>
+                <a:spcPct val="20000"/>
+              </a:spcBef>
+              <a:buFont typeface="Arial" pitchFamily="34" charset="0"/>
+              <a:buNone/>
+              <a:defRPr sz="1600" kern="1200">
+                <a:solidFill>
+                  <a:schemeClr val="tx1">
+                    <a:tint val="75000"/>
+                  </a:schemeClr>
+                </a:solidFill>
+                <a:latin typeface="+mj-lt"/>
+                <a:ea typeface="+mn-ea"/>
+                <a:cs typeface="+mn-cs"/>
+              </a:defRPr>
+            </a:lvl3pPr>
+            <a:lvl4pPr marL="1371600" indent="0" algn="ctr" defTabSz="914400" rtl="0" eaLnBrk="1" latinLnBrk="0" hangingPunct="1">
+              <a:spcBef>
+                <a:spcPct val="20000"/>
+              </a:spcBef>
+              <a:buFont typeface="Courier New" pitchFamily="49" charset="0"/>
+              <a:buNone/>
+              <a:defRPr sz="1600" kern="1200">
+                <a:solidFill>
+                  <a:schemeClr val="tx1">
+                    <a:tint val="75000"/>
+                  </a:schemeClr>
+                </a:solidFill>
+                <a:latin typeface="+mj-lt"/>
+                <a:ea typeface="+mn-ea"/>
+                <a:cs typeface="+mn-cs"/>
+              </a:defRPr>
+            </a:lvl4pPr>
+            <a:lvl5pPr marL="1828800" indent="0" algn="ctr" defTabSz="914400" rtl="0" eaLnBrk="1" latinLnBrk="0" hangingPunct="1">
+              <a:spcBef>
+                <a:spcPct val="20000"/>
+              </a:spcBef>
+              <a:buFont typeface="Arial" pitchFamily="34" charset="0"/>
+              <a:buNone/>
+              <a:defRPr sz="1600" kern="1200">
+                <a:solidFill>
+                  <a:schemeClr val="tx1">
+                    <a:tint val="75000"/>
+                  </a:schemeClr>
+                </a:solidFill>
+                <a:latin typeface="+mj-lt"/>
+                <a:ea typeface="+mn-ea"/>
+                <a:cs typeface="+mn-cs"/>
+              </a:defRPr>
+            </a:lvl5pPr>
+            <a:lvl6pPr marL="2286000" indent="0" algn="ctr" defTabSz="914400" rtl="0" eaLnBrk="1" latinLnBrk="0" hangingPunct="1">
+              <a:spcBef>
+                <a:spcPct val="20000"/>
+              </a:spcBef>
+              <a:buFont typeface="Courier New" pitchFamily="49" charset="0"/>
+              <a:buNone/>
+              <a:defRPr sz="1600" kern="1200">
+                <a:solidFill>
+                  <a:schemeClr val="tx1">
+                    <a:tint val="75000"/>
+                  </a:schemeClr>
+                </a:solidFill>
+                <a:latin typeface="+mj-lt"/>
+                <a:ea typeface="+mn-ea"/>
+                <a:cs typeface="+mn-cs"/>
+              </a:defRPr>
+            </a:lvl6pPr>
+            <a:lvl7pPr marL="2743200" indent="0" algn="ctr" defTabSz="914400" rtl="0" eaLnBrk="1" latinLnBrk="0" hangingPunct="1">
+              <a:spcBef>
+                <a:spcPct val="20000"/>
+              </a:spcBef>
+              <a:buFont typeface="Arial" pitchFamily="34" charset="0"/>
+              <a:buNone/>
+              <a:defRPr sz="1600" kern="1200">
+                <a:solidFill>
+                  <a:schemeClr val="tx1">
+                    <a:tint val="75000"/>
+                  </a:schemeClr>
+                </a:solidFill>
+                <a:latin typeface="+mj-lt"/>
+                <a:ea typeface="+mn-ea"/>
+                <a:cs typeface="+mn-cs"/>
+              </a:defRPr>
+            </a:lvl7pPr>
+            <a:lvl8pPr marL="3200400" indent="0" algn="ctr" defTabSz="914400" rtl="0" eaLnBrk="1" latinLnBrk="0" hangingPunct="1">
+              <a:spcBef>
+                <a:spcPct val="20000"/>
+              </a:spcBef>
+              <a:buFont typeface="Courier New" pitchFamily="49" charset="0"/>
+              <a:buNone/>
+              <a:defRPr sz="1600" kern="1200">
+                <a:solidFill>
+                  <a:schemeClr val="tx1">
+                    <a:tint val="75000"/>
+                  </a:schemeClr>
+                </a:solidFill>
+                <a:latin typeface="+mj-lt"/>
+                <a:ea typeface="+mn-ea"/>
+                <a:cs typeface="+mn-cs"/>
+              </a:defRPr>
+            </a:lvl8pPr>
+            <a:lvl9pPr marL="3657600" indent="0" algn="ctr" defTabSz="914400" rtl="0" eaLnBrk="1" latinLnBrk="0" hangingPunct="1">
+              <a:spcBef>
+                <a:spcPct val="20000"/>
+              </a:spcBef>
+              <a:buFont typeface="Arial" pitchFamily="34" charset="0"/>
+              <a:buNone/>
+              <a:defRPr sz="1600" kern="1200">
+                <a:solidFill>
+                  <a:schemeClr val="tx1">
+                    <a:tint val="75000"/>
+                  </a:schemeClr>
+                </a:solidFill>
+                <a:latin typeface="+mj-lt"/>
+                <a:ea typeface="+mn-ea"/>
+                <a:cs typeface="+mn-cs"/>
+              </a:defRPr>
+            </a:lvl9pPr>
+          </a:lstStyle>
+          <a:p>
+            <a:pPr algn="l"/>
+            <a:r>
+              <a:rPr lang="en-US" sz="3200" dirty="0" smtClean="0"/>
+              <a:t>Cons:</a:t>
+            </a:r>
+          </a:p>
+          <a:p>
+            <a:pPr marL="457200" indent="-457200" algn="l">
+              <a:buFont typeface="Arial" panose="020B0604020202020204" pitchFamily="34" charset="0"/>
+              <a:buChar char="•"/>
+            </a:pPr>
+            <a:r>
+              <a:rPr lang="en-US" dirty="0" smtClean="0"/>
+              <a:t>Costly – need to generate code review package. </a:t>
+            </a:r>
+          </a:p>
+          <a:p>
+            <a:pPr marL="457200" indent="-457200" algn="l">
+              <a:buFont typeface="Arial" panose="020B0604020202020204" pitchFamily="34" charset="0"/>
+              <a:buChar char="•"/>
+            </a:pPr>
+            <a:r>
+              <a:rPr lang="en-US" dirty="0" smtClean="0"/>
+              <a:t>Jr reviewer may feel intimidated.</a:t>
+            </a:r>
+          </a:p>
+          <a:p>
+            <a:pPr marL="457200" indent="-457200" algn="l">
+              <a:buFont typeface="Arial" panose="020B0604020202020204" pitchFamily="34" charset="0"/>
+              <a:buChar char="•"/>
+            </a:pPr>
+            <a:r>
+              <a:rPr lang="en-US" dirty="0" err="1" smtClean="0"/>
+              <a:t>Sr</a:t>
+            </a:r>
+            <a:r>
+              <a:rPr lang="en-US" dirty="0" smtClean="0"/>
+              <a:t> reviewers/architecture may not come prepared.</a:t>
+            </a:r>
+          </a:p>
+          <a:p>
+            <a:pPr marL="457200" indent="-457200" algn="l">
+              <a:buFont typeface="Arial" panose="020B0604020202020204" pitchFamily="34" charset="0"/>
+              <a:buChar char="•"/>
+            </a:pPr>
+            <a:r>
+              <a:rPr lang="en-US" dirty="0" smtClean="0"/>
+              <a:t>“Another meeting” to attend.</a:t>
+            </a:r>
+          </a:p>
+          <a:p>
+            <a:pPr algn="l"/>
+            <a:endParaRPr lang="en-US" sz="3200" dirty="0"/>
+          </a:p>
+          <a:p>
+            <a:pPr algn="l"/>
+            <a:endParaRPr lang="en-US" sz="3200" dirty="0" smtClean="0"/>
+          </a:p>
+          <a:p>
+            <a:pPr algn="l"/>
+            <a:endParaRPr lang="en-US" sz="3200" dirty="0"/>
+          </a:p>
+          <a:p>
+            <a:pPr algn="l"/>
+            <a:endParaRPr lang="en-US" sz="3200" dirty="0"/>
+          </a:p>
+        </p:txBody>
+      </p:sp>
+      <p:pic>
+        <p:nvPicPr>
+          <p:cNvPr id="10" name="Picture 9"/>
+          <p:cNvPicPr>
+            <a:picLocks noChangeAspect="1"/>
+          </p:cNvPicPr>
+          <p:nvPr/>
+        </p:nvPicPr>
+        <p:blipFill>
+          <a:blip r:embed="rId2"/>
+          <a:stretch>
+            <a:fillRect/>
+          </a:stretch>
+        </p:blipFill>
+        <p:spPr>
+          <a:xfrm>
+            <a:off x="5528186" y="125786"/>
+            <a:ext cx="3530283" cy="2172482"/>
+          </a:xfrm>
+          <a:prstGeom prst="rect">
+            <a:avLst/>
+          </a:prstGeom>
+        </p:spPr>
+      </p:pic>
     </p:spTree>
     <p:extLst>
       <p:ext uri="{BB962C8B-B14F-4D97-AF65-F5344CB8AC3E}">
-        <p14:creationId xmlns:p14="http://schemas.microsoft.com/office/powerpoint/2010/main" val="2740892730"/>
+        <p14:creationId xmlns:p14="http://schemas.microsoft.com/office/powerpoint/2010/main" val="4024169755"/>
       </p:ext>
     </p:extLst>
   </p:cSld>
@@ -4476,7 +5553,19 @@
             <a:pPr algn="l"/>
             <a:r>
               <a:rPr lang="en-US" sz="4000" dirty="0" smtClean="0"/>
-              <a:t>xx</a:t>
+              <a:t>The “How</a:t>
+            </a:r>
+            <a:r>
+              <a:rPr lang="en-US" sz="4000" dirty="0" smtClean="0"/>
+              <a:t>” (</a:t>
+            </a:r>
+            <a:r>
+              <a:rPr lang="en-US" sz="4000" dirty="0" err="1" smtClean="0"/>
+              <a:t>cont</a:t>
+            </a:r>
+            <a:r>
+              <a:rPr lang="en-US" sz="4000" dirty="0" smtClean="0"/>
+              <a:t>)</a:t>
             </a:r>
             <a:endParaRPr lang="en-US" sz="4000" dirty="0"/>
           </a:p>
@@ -4494,8 +5583,8 @@
         </p:nvSpPr>
         <p:spPr>
           <a:xfrm>
-            <a:off x="762000" y="1219200"/>
-            <a:ext cx="7315200" cy="4343400"/>
+            <a:off x="228600" y="1066800"/>
+            <a:ext cx="7315200" cy="685800"/>
           </a:xfrm>
         </p:spPr>
         <p:txBody>
@@ -4504,11 +5593,12 @@
           </a:bodyPr>
           <a:lstStyle/>
           <a:p>
-            <a:pPr marL="342900" indent="-342900" algn="l">
-              <a:buFont typeface="Arial" panose="020B0604020202020204" pitchFamily="34" charset="0"/>
-              <a:buChar char="•"/>
-            </a:pPr>
-            <a:endParaRPr lang="en-US" sz="3200" dirty="0"/>
+            <a:pPr algn="l"/>
+            <a:r>
+              <a:rPr lang="en-US" sz="3200" b="1" u="sng" dirty="0" smtClean="0"/>
+              <a:t>Tool-Assisted Review</a:t>
+            </a:r>
+            <a:endParaRPr lang="en-US" sz="3200" b="1" u="sng" dirty="0"/>
           </a:p>
         </p:txBody>
       </p:sp>
@@ -4529,7 +5619,7 @@
           <a:p>
             <a:fld id="{216C5678-EE20-4FA5-88E2-6E0BD67A2E26}" type="datetime1">
               <a:rPr lang="en-US" smtClean="0"/>
-              <a:t>3/1/2016</a:t>
+              <a:t>3/13/2016</a:t>
             </a:fld>
             <a:endParaRPr lang="en-US" dirty="0"/>
           </a:p>
@@ -4582,10 +5672,510 @@
           </a:p>
         </p:txBody>
       </p:sp>
+      <p:sp>
+        <p:nvSpPr>
+          <p:cNvPr id="8" name="Subtitle 2"/>
+          <p:cNvSpPr txBox="1">
+            <a:spLocks/>
+          </p:cNvSpPr>
+          <p:nvPr/>
+        </p:nvSpPr>
+        <p:spPr>
+          <a:xfrm>
+            <a:off x="115694" y="1781541"/>
+            <a:ext cx="8723506" cy="2003425"/>
+          </a:xfrm>
+          <a:prstGeom prst="rect">
+            <a:avLst/>
+          </a:prstGeom>
+        </p:spPr>
+        <p:txBody>
+          <a:bodyPr vert="horz" lIns="91440" tIns="45720" rIns="91440" bIns="45720" rtlCol="0">
+            <a:noAutofit/>
+          </a:bodyPr>
+          <a:lstStyle>
+            <a:lvl1pPr marL="0" indent="0" algn="ctr" defTabSz="914400" rtl="0" eaLnBrk="1" latinLnBrk="0" hangingPunct="1">
+              <a:spcBef>
+                <a:spcPct val="20000"/>
+              </a:spcBef>
+              <a:buFont typeface="Arial" pitchFamily="34" charset="0"/>
+              <a:buNone/>
+              <a:defRPr sz="2400" kern="1200">
+                <a:solidFill>
+                  <a:schemeClr val="tx1">
+                    <a:tint val="75000"/>
+                  </a:schemeClr>
+                </a:solidFill>
+                <a:latin typeface="+mj-lt"/>
+                <a:ea typeface="+mn-ea"/>
+                <a:cs typeface="+mn-cs"/>
+              </a:defRPr>
+            </a:lvl1pPr>
+            <a:lvl2pPr marL="457200" indent="0" algn="ctr" defTabSz="914400" rtl="0" eaLnBrk="1" latinLnBrk="0" hangingPunct="1">
+              <a:spcBef>
+                <a:spcPct val="20000"/>
+              </a:spcBef>
+              <a:buFont typeface="Courier New" pitchFamily="49" charset="0"/>
+              <a:buNone/>
+              <a:defRPr sz="1600" kern="1200">
+                <a:solidFill>
+                  <a:schemeClr val="tx1">
+                    <a:tint val="75000"/>
+                  </a:schemeClr>
+                </a:solidFill>
+                <a:latin typeface="+mj-lt"/>
+                <a:ea typeface="+mn-ea"/>
+                <a:cs typeface="+mn-cs"/>
+              </a:defRPr>
+            </a:lvl2pPr>
+            <a:lvl3pPr marL="914400" indent="0" algn="ctr" defTabSz="914400" rtl="0" eaLnBrk="1" latinLnBrk="0" hangingPunct="1">
+              <a:spcBef>
+                <a:spcPct val="20000"/>
+              </a:spcBef>
+              <a:buFont typeface="Arial" pitchFamily="34" charset="0"/>
+              <a:buNone/>
+              <a:defRPr sz="1600" kern="1200">
+                <a:solidFill>
+                  <a:schemeClr val="tx1">
+                    <a:tint val="75000"/>
+                  </a:schemeClr>
+                </a:solidFill>
+                <a:latin typeface="+mj-lt"/>
+                <a:ea typeface="+mn-ea"/>
+                <a:cs typeface="+mn-cs"/>
+              </a:defRPr>
+            </a:lvl3pPr>
+            <a:lvl4pPr marL="1371600" indent="0" algn="ctr" defTabSz="914400" rtl="0" eaLnBrk="1" latinLnBrk="0" hangingPunct="1">
+              <a:spcBef>
+                <a:spcPct val="20000"/>
+              </a:spcBef>
+              <a:buFont typeface="Courier New" pitchFamily="49" charset="0"/>
+              <a:buNone/>
+              <a:defRPr sz="1600" kern="1200">
+                <a:solidFill>
+                  <a:schemeClr val="tx1">
+                    <a:tint val="75000"/>
+                  </a:schemeClr>
+                </a:solidFill>
+                <a:latin typeface="+mj-lt"/>
+                <a:ea typeface="+mn-ea"/>
+                <a:cs typeface="+mn-cs"/>
+              </a:defRPr>
+            </a:lvl4pPr>
+            <a:lvl5pPr marL="1828800" indent="0" algn="ctr" defTabSz="914400" rtl="0" eaLnBrk="1" latinLnBrk="0" hangingPunct="1">
+              <a:spcBef>
+                <a:spcPct val="20000"/>
+              </a:spcBef>
+              <a:buFont typeface="Arial" pitchFamily="34" charset="0"/>
+              <a:buNone/>
+              <a:defRPr sz="1600" kern="1200">
+                <a:solidFill>
+                  <a:schemeClr val="tx1">
+                    <a:tint val="75000"/>
+                  </a:schemeClr>
+                </a:solidFill>
+                <a:latin typeface="+mj-lt"/>
+                <a:ea typeface="+mn-ea"/>
+                <a:cs typeface="+mn-cs"/>
+              </a:defRPr>
+            </a:lvl5pPr>
+            <a:lvl6pPr marL="2286000" indent="0" algn="ctr" defTabSz="914400" rtl="0" eaLnBrk="1" latinLnBrk="0" hangingPunct="1">
+              <a:spcBef>
+                <a:spcPct val="20000"/>
+              </a:spcBef>
+              <a:buFont typeface="Courier New" pitchFamily="49" charset="0"/>
+              <a:buNone/>
+              <a:defRPr sz="1600" kern="1200">
+                <a:solidFill>
+                  <a:schemeClr val="tx1">
+                    <a:tint val="75000"/>
+                  </a:schemeClr>
+                </a:solidFill>
+                <a:latin typeface="+mj-lt"/>
+                <a:ea typeface="+mn-ea"/>
+                <a:cs typeface="+mn-cs"/>
+              </a:defRPr>
+            </a:lvl6pPr>
+            <a:lvl7pPr marL="2743200" indent="0" algn="ctr" defTabSz="914400" rtl="0" eaLnBrk="1" latinLnBrk="0" hangingPunct="1">
+              <a:spcBef>
+                <a:spcPct val="20000"/>
+              </a:spcBef>
+              <a:buFont typeface="Arial" pitchFamily="34" charset="0"/>
+              <a:buNone/>
+              <a:defRPr sz="1600" kern="1200">
+                <a:solidFill>
+                  <a:schemeClr val="tx1">
+                    <a:tint val="75000"/>
+                  </a:schemeClr>
+                </a:solidFill>
+                <a:latin typeface="+mj-lt"/>
+                <a:ea typeface="+mn-ea"/>
+                <a:cs typeface="+mn-cs"/>
+              </a:defRPr>
+            </a:lvl7pPr>
+            <a:lvl8pPr marL="3200400" indent="0" algn="ctr" defTabSz="914400" rtl="0" eaLnBrk="1" latinLnBrk="0" hangingPunct="1">
+              <a:spcBef>
+                <a:spcPct val="20000"/>
+              </a:spcBef>
+              <a:buFont typeface="Courier New" pitchFamily="49" charset="0"/>
+              <a:buNone/>
+              <a:defRPr sz="1600" kern="1200">
+                <a:solidFill>
+                  <a:schemeClr val="tx1">
+                    <a:tint val="75000"/>
+                  </a:schemeClr>
+                </a:solidFill>
+                <a:latin typeface="+mj-lt"/>
+                <a:ea typeface="+mn-ea"/>
+                <a:cs typeface="+mn-cs"/>
+              </a:defRPr>
+            </a:lvl8pPr>
+            <a:lvl9pPr marL="3657600" indent="0" algn="ctr" defTabSz="914400" rtl="0" eaLnBrk="1" latinLnBrk="0" hangingPunct="1">
+              <a:spcBef>
+                <a:spcPct val="20000"/>
+              </a:spcBef>
+              <a:buFont typeface="Arial" pitchFamily="34" charset="0"/>
+              <a:buNone/>
+              <a:defRPr sz="1600" kern="1200">
+                <a:solidFill>
+                  <a:schemeClr val="tx1">
+                    <a:tint val="75000"/>
+                  </a:schemeClr>
+                </a:solidFill>
+                <a:latin typeface="+mj-lt"/>
+                <a:ea typeface="+mn-ea"/>
+                <a:cs typeface="+mn-cs"/>
+              </a:defRPr>
+            </a:lvl9pPr>
+          </a:lstStyle>
+          <a:p>
+            <a:pPr algn="l"/>
+            <a:r>
+              <a:rPr lang="en-US" sz="3200" dirty="0" smtClean="0"/>
+              <a:t>Pros:</a:t>
+            </a:r>
+          </a:p>
+          <a:p>
+            <a:pPr marL="457200" indent="-457200" algn="l">
+              <a:buFont typeface="Arial" panose="020B0604020202020204" pitchFamily="34" charset="0"/>
+              <a:buChar char="•"/>
+            </a:pPr>
+            <a:r>
+              <a:rPr lang="en-US" dirty="0" smtClean="0"/>
+              <a:t>Quite effective.</a:t>
+            </a:r>
+          </a:p>
+          <a:p>
+            <a:pPr marL="457200" indent="-457200" algn="l">
+              <a:buFont typeface="Arial" panose="020B0604020202020204" pitchFamily="34" charset="0"/>
+              <a:buChar char="•"/>
+            </a:pPr>
+            <a:r>
+              <a:rPr lang="en-US" dirty="0" smtClean="0"/>
+              <a:t>Reviewers can review at his own pace.</a:t>
+            </a:r>
+          </a:p>
+          <a:p>
+            <a:pPr marL="457200" indent="-457200" algn="l">
+              <a:buFont typeface="Arial" panose="020B0604020202020204" pitchFamily="34" charset="0"/>
+              <a:buChar char="•"/>
+            </a:pPr>
+            <a:r>
+              <a:rPr lang="en-US" dirty="0" smtClean="0"/>
+              <a:t>Reviewers has time to analyze the code under review.</a:t>
+            </a:r>
+          </a:p>
+          <a:p>
+            <a:pPr marL="457200" indent="-457200" algn="l">
+              <a:buFont typeface="Arial" panose="020B0604020202020204" pitchFamily="34" charset="0"/>
+              <a:buChar char="•"/>
+            </a:pPr>
+            <a:r>
+              <a:rPr lang="en-US" dirty="0" smtClean="0"/>
+              <a:t>All comments are tracked and documented for auditing.</a:t>
+            </a:r>
+          </a:p>
+          <a:p>
+            <a:pPr algn="l"/>
+            <a:endParaRPr lang="en-US" dirty="0"/>
+          </a:p>
+          <a:p>
+            <a:pPr algn="l"/>
+            <a:endParaRPr lang="en-US" sz="3200" dirty="0" smtClean="0"/>
+          </a:p>
+          <a:p>
+            <a:pPr algn="l"/>
+            <a:endParaRPr lang="en-US" sz="3200" dirty="0"/>
+          </a:p>
+          <a:p>
+            <a:pPr algn="l"/>
+            <a:endParaRPr lang="en-US" sz="3200" dirty="0"/>
+          </a:p>
+        </p:txBody>
+      </p:sp>
+      <p:sp>
+        <p:nvSpPr>
+          <p:cNvPr id="9" name="Subtitle 2"/>
+          <p:cNvSpPr txBox="1">
+            <a:spLocks/>
+          </p:cNvSpPr>
+          <p:nvPr/>
+        </p:nvSpPr>
+        <p:spPr>
+          <a:xfrm>
+            <a:off x="152400" y="4648200"/>
+            <a:ext cx="8686800" cy="1752600"/>
+          </a:xfrm>
+          <a:prstGeom prst="rect">
+            <a:avLst/>
+          </a:prstGeom>
+        </p:spPr>
+        <p:txBody>
+          <a:bodyPr vert="horz" lIns="91440" tIns="45720" rIns="91440" bIns="45720" rtlCol="0">
+            <a:noAutofit/>
+          </a:bodyPr>
+          <a:lstStyle>
+            <a:lvl1pPr marL="0" indent="0" algn="ctr" defTabSz="914400" rtl="0" eaLnBrk="1" latinLnBrk="0" hangingPunct="1">
+              <a:spcBef>
+                <a:spcPct val="20000"/>
+              </a:spcBef>
+              <a:buFont typeface="Arial" pitchFamily="34" charset="0"/>
+              <a:buNone/>
+              <a:defRPr sz="2400" kern="1200">
+                <a:solidFill>
+                  <a:schemeClr val="tx1">
+                    <a:tint val="75000"/>
+                  </a:schemeClr>
+                </a:solidFill>
+                <a:latin typeface="+mj-lt"/>
+                <a:ea typeface="+mn-ea"/>
+                <a:cs typeface="+mn-cs"/>
+              </a:defRPr>
+            </a:lvl1pPr>
+            <a:lvl2pPr marL="457200" indent="0" algn="ctr" defTabSz="914400" rtl="0" eaLnBrk="1" latinLnBrk="0" hangingPunct="1">
+              <a:spcBef>
+                <a:spcPct val="20000"/>
+              </a:spcBef>
+              <a:buFont typeface="Courier New" pitchFamily="49" charset="0"/>
+              <a:buNone/>
+              <a:defRPr sz="1600" kern="1200">
+                <a:solidFill>
+                  <a:schemeClr val="tx1">
+                    <a:tint val="75000"/>
+                  </a:schemeClr>
+                </a:solidFill>
+                <a:latin typeface="+mj-lt"/>
+                <a:ea typeface="+mn-ea"/>
+                <a:cs typeface="+mn-cs"/>
+              </a:defRPr>
+            </a:lvl2pPr>
+            <a:lvl3pPr marL="914400" indent="0" algn="ctr" defTabSz="914400" rtl="0" eaLnBrk="1" latinLnBrk="0" hangingPunct="1">
+              <a:spcBef>
+                <a:spcPct val="20000"/>
+              </a:spcBef>
+              <a:buFont typeface="Arial" pitchFamily="34" charset="0"/>
+              <a:buNone/>
+              <a:defRPr sz="1600" kern="1200">
+                <a:solidFill>
+                  <a:schemeClr val="tx1">
+                    <a:tint val="75000"/>
+                  </a:schemeClr>
+                </a:solidFill>
+                <a:latin typeface="+mj-lt"/>
+                <a:ea typeface="+mn-ea"/>
+                <a:cs typeface="+mn-cs"/>
+              </a:defRPr>
+            </a:lvl3pPr>
+            <a:lvl4pPr marL="1371600" indent="0" algn="ctr" defTabSz="914400" rtl="0" eaLnBrk="1" latinLnBrk="0" hangingPunct="1">
+              <a:spcBef>
+                <a:spcPct val="20000"/>
+              </a:spcBef>
+              <a:buFont typeface="Courier New" pitchFamily="49" charset="0"/>
+              <a:buNone/>
+              <a:defRPr sz="1600" kern="1200">
+                <a:solidFill>
+                  <a:schemeClr val="tx1">
+                    <a:tint val="75000"/>
+                  </a:schemeClr>
+                </a:solidFill>
+                <a:latin typeface="+mj-lt"/>
+                <a:ea typeface="+mn-ea"/>
+                <a:cs typeface="+mn-cs"/>
+              </a:defRPr>
+            </a:lvl4pPr>
+            <a:lvl5pPr marL="1828800" indent="0" algn="ctr" defTabSz="914400" rtl="0" eaLnBrk="1" latinLnBrk="0" hangingPunct="1">
+              <a:spcBef>
+                <a:spcPct val="20000"/>
+              </a:spcBef>
+              <a:buFont typeface="Arial" pitchFamily="34" charset="0"/>
+              <a:buNone/>
+              <a:defRPr sz="1600" kern="1200">
+                <a:solidFill>
+                  <a:schemeClr val="tx1">
+                    <a:tint val="75000"/>
+                  </a:schemeClr>
+                </a:solidFill>
+                <a:latin typeface="+mj-lt"/>
+                <a:ea typeface="+mn-ea"/>
+                <a:cs typeface="+mn-cs"/>
+              </a:defRPr>
+            </a:lvl5pPr>
+            <a:lvl6pPr marL="2286000" indent="0" algn="ctr" defTabSz="914400" rtl="0" eaLnBrk="1" latinLnBrk="0" hangingPunct="1">
+              <a:spcBef>
+                <a:spcPct val="20000"/>
+              </a:spcBef>
+              <a:buFont typeface="Courier New" pitchFamily="49" charset="0"/>
+              <a:buNone/>
+              <a:defRPr sz="1600" kern="1200">
+                <a:solidFill>
+                  <a:schemeClr val="tx1">
+                    <a:tint val="75000"/>
+                  </a:schemeClr>
+                </a:solidFill>
+                <a:latin typeface="+mj-lt"/>
+                <a:ea typeface="+mn-ea"/>
+                <a:cs typeface="+mn-cs"/>
+              </a:defRPr>
+            </a:lvl6pPr>
+            <a:lvl7pPr marL="2743200" indent="0" algn="ctr" defTabSz="914400" rtl="0" eaLnBrk="1" latinLnBrk="0" hangingPunct="1">
+              <a:spcBef>
+                <a:spcPct val="20000"/>
+              </a:spcBef>
+              <a:buFont typeface="Arial" pitchFamily="34" charset="0"/>
+              <a:buNone/>
+              <a:defRPr sz="1600" kern="1200">
+                <a:solidFill>
+                  <a:schemeClr val="tx1">
+                    <a:tint val="75000"/>
+                  </a:schemeClr>
+                </a:solidFill>
+                <a:latin typeface="+mj-lt"/>
+                <a:ea typeface="+mn-ea"/>
+                <a:cs typeface="+mn-cs"/>
+              </a:defRPr>
+            </a:lvl7pPr>
+            <a:lvl8pPr marL="3200400" indent="0" algn="ctr" defTabSz="914400" rtl="0" eaLnBrk="1" latinLnBrk="0" hangingPunct="1">
+              <a:spcBef>
+                <a:spcPct val="20000"/>
+              </a:spcBef>
+              <a:buFont typeface="Courier New" pitchFamily="49" charset="0"/>
+              <a:buNone/>
+              <a:defRPr sz="1600" kern="1200">
+                <a:solidFill>
+                  <a:schemeClr val="tx1">
+                    <a:tint val="75000"/>
+                  </a:schemeClr>
+                </a:solidFill>
+                <a:latin typeface="+mj-lt"/>
+                <a:ea typeface="+mn-ea"/>
+                <a:cs typeface="+mn-cs"/>
+              </a:defRPr>
+            </a:lvl8pPr>
+            <a:lvl9pPr marL="3657600" indent="0" algn="ctr" defTabSz="914400" rtl="0" eaLnBrk="1" latinLnBrk="0" hangingPunct="1">
+              <a:spcBef>
+                <a:spcPct val="20000"/>
+              </a:spcBef>
+              <a:buFont typeface="Arial" pitchFamily="34" charset="0"/>
+              <a:buNone/>
+              <a:defRPr sz="1600" kern="1200">
+                <a:solidFill>
+                  <a:schemeClr val="tx1">
+                    <a:tint val="75000"/>
+                  </a:schemeClr>
+                </a:solidFill>
+                <a:latin typeface="+mj-lt"/>
+                <a:ea typeface="+mn-ea"/>
+                <a:cs typeface="+mn-cs"/>
+              </a:defRPr>
+            </a:lvl9pPr>
+          </a:lstStyle>
+          <a:p>
+            <a:pPr algn="l"/>
+            <a:r>
+              <a:rPr lang="en-US" sz="3200" dirty="0" smtClean="0"/>
+              <a:t>Cons:</a:t>
+            </a:r>
+          </a:p>
+          <a:p>
+            <a:pPr marL="457200" indent="-457200" algn="l">
+              <a:buFont typeface="Arial" panose="020B0604020202020204" pitchFamily="34" charset="0"/>
+              <a:buChar char="•"/>
+            </a:pPr>
+            <a:r>
+              <a:rPr lang="en-US" dirty="0" smtClean="0"/>
+              <a:t>Cost of software purchase (Code Collab $500/seat).</a:t>
+            </a:r>
+          </a:p>
+          <a:p>
+            <a:pPr algn="l"/>
+            <a:endParaRPr lang="en-US" sz="3200" dirty="0"/>
+          </a:p>
+          <a:p>
+            <a:pPr algn="l"/>
+            <a:endParaRPr lang="en-US" sz="3200" dirty="0" smtClean="0"/>
+          </a:p>
+          <a:p>
+            <a:pPr algn="l"/>
+            <a:endParaRPr lang="en-US" sz="3200" dirty="0"/>
+          </a:p>
+          <a:p>
+            <a:pPr algn="l"/>
+            <a:endParaRPr lang="en-US" sz="3200" dirty="0"/>
+          </a:p>
+        </p:txBody>
+      </p:sp>
+      <p:pic>
+        <p:nvPicPr>
+          <p:cNvPr id="7" name="Picture 6"/>
+          <p:cNvPicPr>
+            <a:picLocks noChangeAspect="1"/>
+          </p:cNvPicPr>
+          <p:nvPr/>
+        </p:nvPicPr>
+        <p:blipFill>
+          <a:blip r:embed="rId2"/>
+          <a:stretch>
+            <a:fillRect/>
+          </a:stretch>
+        </p:blipFill>
+        <p:spPr>
+          <a:xfrm>
+            <a:off x="5101638" y="151049"/>
+            <a:ext cx="3204162" cy="2287351"/>
+          </a:xfrm>
+          <a:prstGeom prst="rect">
+            <a:avLst/>
+          </a:prstGeom>
+        </p:spPr>
+      </p:pic>
+      <p:pic>
+        <p:nvPicPr>
+          <p:cNvPr id="11" name="Picture 10"/>
+          <p:cNvPicPr>
+            <a:picLocks noChangeAspect="1"/>
+          </p:cNvPicPr>
+          <p:nvPr/>
+        </p:nvPicPr>
+        <p:blipFill>
+          <a:blip r:embed="rId3"/>
+          <a:stretch>
+            <a:fillRect/>
+          </a:stretch>
+        </p:blipFill>
+        <p:spPr>
+          <a:xfrm>
+            <a:off x="7413466" y="1460866"/>
+            <a:ext cx="1691787" cy="1569856"/>
+          </a:xfrm>
+          <a:prstGeom prst="rect">
+            <a:avLst/>
+          </a:prstGeom>
+        </p:spPr>
+      </p:pic>
     </p:spTree>
     <p:extLst>
       <p:ext uri="{BB962C8B-B14F-4D97-AF65-F5344CB8AC3E}">
-        <p14:creationId xmlns:p14="http://schemas.microsoft.com/office/powerpoint/2010/main" val="2547404136"/>
+        <p14:creationId xmlns:p14="http://schemas.microsoft.com/office/powerpoint/2010/main" val="2964015208"/>
       </p:ext>
     </p:extLst>
   </p:cSld>
@@ -4625,6 +6215,805 @@
         <p:spPr>
           <a:xfrm>
             <a:off x="685800" y="228600"/>
+            <a:ext cx="7772400" cy="685800"/>
+          </a:xfrm>
+        </p:spPr>
+        <p:txBody>
+          <a:bodyPr/>
+          <a:lstStyle/>
+          <a:p>
+            <a:pPr algn="l"/>
+            <a:r>
+              <a:rPr lang="en-US" sz="4000" dirty="0" smtClean="0"/>
+              <a:t>The “How Not”</a:t>
+            </a:r>
+            <a:endParaRPr lang="en-US" sz="4000" dirty="0"/>
+          </a:p>
+        </p:txBody>
+      </p:sp>
+      <p:sp>
+        <p:nvSpPr>
+          <p:cNvPr id="3" name="Subtitle 2"/>
+          <p:cNvSpPr>
+            <a:spLocks noGrp="1"/>
+          </p:cNvSpPr>
+          <p:nvPr>
+            <p:ph type="subTitle" idx="1"/>
+          </p:nvPr>
+        </p:nvSpPr>
+        <p:spPr>
+          <a:xfrm>
+            <a:off x="228600" y="1219200"/>
+            <a:ext cx="8610600" cy="4343400"/>
+          </a:xfrm>
+        </p:spPr>
+        <p:txBody>
+          <a:bodyPr>
+            <a:noAutofit/>
+          </a:bodyPr>
+          <a:lstStyle/>
+          <a:p>
+            <a:pPr marL="514350" indent="-514350" algn="l">
+              <a:buFont typeface="Arial" panose="020B0604020202020204" pitchFamily="34" charset="0"/>
+              <a:buChar char="•"/>
+            </a:pPr>
+            <a:r>
+              <a:rPr lang="en-US" sz="3200" dirty="0" smtClean="0"/>
+              <a:t>TODO</a:t>
+            </a:r>
+            <a:endParaRPr lang="en-US" sz="3200" dirty="0"/>
+          </a:p>
+        </p:txBody>
+      </p:sp>
+      <p:sp>
+        <p:nvSpPr>
+          <p:cNvPr id="4" name="Date Placeholder 3"/>
+          <p:cNvSpPr>
+            <a:spLocks noGrp="1"/>
+          </p:cNvSpPr>
+          <p:nvPr>
+            <p:ph type="dt" sz="half" idx="10"/>
+          </p:nvPr>
+        </p:nvSpPr>
+        <p:spPr/>
+        <p:txBody>
+          <a:bodyPr/>
+          <a:lstStyle/>
+          <a:p>
+            <a:fld id="{216C5678-EE20-4FA5-88E2-6E0BD67A2E26}" type="datetime1">
+              <a:rPr lang="en-US" smtClean="0"/>
+              <a:t>3/13/2016</a:t>
+            </a:fld>
+            <a:endParaRPr lang="en-US" dirty="0"/>
+          </a:p>
+        </p:txBody>
+      </p:sp>
+      <p:sp>
+        <p:nvSpPr>
+          <p:cNvPr id="5" name="Slide Number Placeholder 4"/>
+          <p:cNvSpPr>
+            <a:spLocks noGrp="1"/>
+          </p:cNvSpPr>
+          <p:nvPr>
+            <p:ph type="sldNum" sz="quarter" idx="11"/>
+          </p:nvPr>
+        </p:nvSpPr>
+        <p:spPr/>
+        <p:txBody>
+          <a:bodyPr/>
+          <a:lstStyle/>
+          <a:p>
+            <a:fld id="{BA9B540C-44DA-4F69-89C9-7C84606640D3}" type="slidenum">
+              <a:rPr lang="en-US" smtClean="0"/>
+              <a:pPr/>
+              <a:t>13</a:t>
+            </a:fld>
+            <a:endParaRPr lang="en-US" dirty="0"/>
+          </a:p>
+        </p:txBody>
+      </p:sp>
+      <p:sp>
+        <p:nvSpPr>
+          <p:cNvPr id="6" name="Footer Placeholder 5"/>
+          <p:cNvSpPr>
+            <a:spLocks noGrp="1"/>
+          </p:cNvSpPr>
+          <p:nvPr>
+            <p:ph type="ftr" sz="quarter" idx="12"/>
+          </p:nvPr>
+        </p:nvSpPr>
+        <p:spPr/>
+        <p:txBody>
+          <a:bodyPr/>
+          <a:lstStyle/>
+          <a:p>
+            <a:r>
+              <a:rPr lang="en-US" smtClean="0"/>
+              <a:t>Footer Text</a:t>
+            </a:r>
+            <a:endParaRPr lang="en-US" dirty="0"/>
+          </a:p>
+        </p:txBody>
+      </p:sp>
+    </p:spTree>
+    <p:extLst>
+      <p:ext uri="{BB962C8B-B14F-4D97-AF65-F5344CB8AC3E}">
+        <p14:creationId xmlns:p14="http://schemas.microsoft.com/office/powerpoint/2010/main" val="3861664819"/>
+      </p:ext>
+    </p:extLst>
+  </p:cSld>
+  <p:clrMapOvr>
+    <a:masterClrMapping/>
+  </p:clrMapOvr>
+</p:sld>
+</file>
+
+<file path=ppt/slides/slide14.xml><?xml version="1.0" encoding="utf-8"?>
+<p:sld xmlns:a="http://schemas.openxmlformats.org/drawingml/2006/main" xmlns:r="http://schemas.openxmlformats.org/officeDocument/2006/relationships" xmlns:p="http://schemas.openxmlformats.org/presentationml/2006/main">
+  <p:cSld>
+    <p:spTree>
+      <p:nvGrpSpPr>
+        <p:cNvPr id="1" name=""/>
+        <p:cNvGrpSpPr/>
+        <p:nvPr/>
+      </p:nvGrpSpPr>
+      <p:grpSpPr>
+        <a:xfrm>
+          <a:off x="0" y="0"/>
+          <a:ext cx="0" cy="0"/>
+          <a:chOff x="0" y="0"/>
+          <a:chExt cx="0" cy="0"/>
+        </a:xfrm>
+      </p:grpSpPr>
+      <p:sp>
+        <p:nvSpPr>
+          <p:cNvPr id="2" name="Title 1"/>
+          <p:cNvSpPr>
+            <a:spLocks noGrp="1"/>
+          </p:cNvSpPr>
+          <p:nvPr>
+            <p:ph type="ctrTitle"/>
+          </p:nvPr>
+        </p:nvSpPr>
+        <p:spPr>
+          <a:xfrm>
+            <a:off x="685800" y="228600"/>
+            <a:ext cx="7772400" cy="685800"/>
+          </a:xfrm>
+        </p:spPr>
+        <p:txBody>
+          <a:bodyPr/>
+          <a:lstStyle/>
+          <a:p>
+            <a:pPr algn="l"/>
+            <a:r>
+              <a:rPr lang="en-US" sz="4000" dirty="0" smtClean="0"/>
+              <a:t>xx</a:t>
+            </a:r>
+            <a:endParaRPr lang="en-US" sz="4000" dirty="0"/>
+          </a:p>
+        </p:txBody>
+      </p:sp>
+      <p:sp>
+        <p:nvSpPr>
+          <p:cNvPr id="3" name="Subtitle 2"/>
+          <p:cNvSpPr>
+            <a:spLocks noGrp="1"/>
+          </p:cNvSpPr>
+          <p:nvPr>
+            <p:ph type="subTitle" idx="1"/>
+          </p:nvPr>
+        </p:nvSpPr>
+        <p:spPr>
+          <a:xfrm>
+            <a:off x="762000" y="1219200"/>
+            <a:ext cx="7315200" cy="4343400"/>
+          </a:xfrm>
+        </p:spPr>
+        <p:txBody>
+          <a:bodyPr>
+            <a:noAutofit/>
+          </a:bodyPr>
+          <a:lstStyle/>
+          <a:p>
+            <a:pPr marL="342900" indent="-342900" algn="l">
+              <a:buFont typeface="Arial" panose="020B0604020202020204" pitchFamily="34" charset="0"/>
+              <a:buChar char="•"/>
+            </a:pPr>
+            <a:endParaRPr lang="en-US" sz="3200" dirty="0"/>
+          </a:p>
+        </p:txBody>
+      </p:sp>
+      <p:sp>
+        <p:nvSpPr>
+          <p:cNvPr id="4" name="Date Placeholder 3"/>
+          <p:cNvSpPr>
+            <a:spLocks noGrp="1"/>
+          </p:cNvSpPr>
+          <p:nvPr>
+            <p:ph type="dt" sz="half" idx="10"/>
+          </p:nvPr>
+        </p:nvSpPr>
+        <p:spPr/>
+        <p:txBody>
+          <a:bodyPr/>
+          <a:lstStyle/>
+          <a:p>
+            <a:fld id="{216C5678-EE20-4FA5-88E2-6E0BD67A2E26}" type="datetime1">
+              <a:rPr lang="en-US" smtClean="0"/>
+              <a:t>3/13/2016</a:t>
+            </a:fld>
+            <a:endParaRPr lang="en-US" dirty="0"/>
+          </a:p>
+        </p:txBody>
+      </p:sp>
+      <p:sp>
+        <p:nvSpPr>
+          <p:cNvPr id="5" name="Slide Number Placeholder 4"/>
+          <p:cNvSpPr>
+            <a:spLocks noGrp="1"/>
+          </p:cNvSpPr>
+          <p:nvPr>
+            <p:ph type="sldNum" sz="quarter" idx="11"/>
+          </p:nvPr>
+        </p:nvSpPr>
+        <p:spPr/>
+        <p:txBody>
+          <a:bodyPr/>
+          <a:lstStyle/>
+          <a:p>
+            <a:fld id="{BA9B540C-44DA-4F69-89C9-7C84606640D3}" type="slidenum">
+              <a:rPr lang="en-US" smtClean="0"/>
+              <a:pPr/>
+              <a:t>14</a:t>
+            </a:fld>
+            <a:endParaRPr lang="en-US" dirty="0"/>
+          </a:p>
+        </p:txBody>
+      </p:sp>
+      <p:sp>
+        <p:nvSpPr>
+          <p:cNvPr id="6" name="Footer Placeholder 5"/>
+          <p:cNvSpPr>
+            <a:spLocks noGrp="1"/>
+          </p:cNvSpPr>
+          <p:nvPr>
+            <p:ph type="ftr" sz="quarter" idx="12"/>
+          </p:nvPr>
+        </p:nvSpPr>
+        <p:spPr/>
+        <p:txBody>
+          <a:bodyPr/>
+          <a:lstStyle/>
+          <a:p>
+            <a:r>
+              <a:rPr lang="en-US" smtClean="0"/>
+              <a:t>Footer Text</a:t>
+            </a:r>
+            <a:endParaRPr lang="en-US" dirty="0"/>
+          </a:p>
+        </p:txBody>
+      </p:sp>
+    </p:spTree>
+    <p:extLst>
+      <p:ext uri="{BB962C8B-B14F-4D97-AF65-F5344CB8AC3E}">
+        <p14:creationId xmlns:p14="http://schemas.microsoft.com/office/powerpoint/2010/main" val="4125190243"/>
+      </p:ext>
+    </p:extLst>
+  </p:cSld>
+  <p:clrMapOvr>
+    <a:masterClrMapping/>
+  </p:clrMapOvr>
+</p:sld>
+</file>
+
+<file path=ppt/slides/slide15.xml><?xml version="1.0" encoding="utf-8"?>
+<p:sld xmlns:a="http://schemas.openxmlformats.org/drawingml/2006/main" xmlns:r="http://schemas.openxmlformats.org/officeDocument/2006/relationships" xmlns:p="http://schemas.openxmlformats.org/presentationml/2006/main">
+  <p:cSld>
+    <p:spTree>
+      <p:nvGrpSpPr>
+        <p:cNvPr id="1" name=""/>
+        <p:cNvGrpSpPr/>
+        <p:nvPr/>
+      </p:nvGrpSpPr>
+      <p:grpSpPr>
+        <a:xfrm>
+          <a:off x="0" y="0"/>
+          <a:ext cx="0" cy="0"/>
+          <a:chOff x="0" y="0"/>
+          <a:chExt cx="0" cy="0"/>
+        </a:xfrm>
+      </p:grpSpPr>
+      <p:sp>
+        <p:nvSpPr>
+          <p:cNvPr id="2" name="Title 1"/>
+          <p:cNvSpPr>
+            <a:spLocks noGrp="1"/>
+          </p:cNvSpPr>
+          <p:nvPr>
+            <p:ph type="ctrTitle"/>
+          </p:nvPr>
+        </p:nvSpPr>
+        <p:spPr>
+          <a:xfrm>
+            <a:off x="685800" y="228600"/>
+            <a:ext cx="7772400" cy="685800"/>
+          </a:xfrm>
+        </p:spPr>
+        <p:txBody>
+          <a:bodyPr/>
+          <a:lstStyle/>
+          <a:p>
+            <a:pPr algn="l"/>
+            <a:r>
+              <a:rPr lang="en-US" sz="4000" dirty="0" smtClean="0"/>
+              <a:t>xx</a:t>
+            </a:r>
+            <a:endParaRPr lang="en-US" sz="4000" dirty="0"/>
+          </a:p>
+        </p:txBody>
+      </p:sp>
+      <p:sp>
+        <p:nvSpPr>
+          <p:cNvPr id="3" name="Subtitle 2"/>
+          <p:cNvSpPr>
+            <a:spLocks noGrp="1"/>
+          </p:cNvSpPr>
+          <p:nvPr>
+            <p:ph type="subTitle" idx="1"/>
+          </p:nvPr>
+        </p:nvSpPr>
+        <p:spPr>
+          <a:xfrm>
+            <a:off x="762000" y="1219200"/>
+            <a:ext cx="7315200" cy="4343400"/>
+          </a:xfrm>
+        </p:spPr>
+        <p:txBody>
+          <a:bodyPr>
+            <a:noAutofit/>
+          </a:bodyPr>
+          <a:lstStyle/>
+          <a:p>
+            <a:pPr marL="342900" indent="-342900" algn="l">
+              <a:buFont typeface="Arial" panose="020B0604020202020204" pitchFamily="34" charset="0"/>
+              <a:buChar char="•"/>
+            </a:pPr>
+            <a:endParaRPr lang="en-US" sz="3200" dirty="0"/>
+          </a:p>
+        </p:txBody>
+      </p:sp>
+      <p:sp>
+        <p:nvSpPr>
+          <p:cNvPr id="4" name="Date Placeholder 3"/>
+          <p:cNvSpPr>
+            <a:spLocks noGrp="1"/>
+          </p:cNvSpPr>
+          <p:nvPr>
+            <p:ph type="dt" sz="half" idx="10"/>
+          </p:nvPr>
+        </p:nvSpPr>
+        <p:spPr/>
+        <p:txBody>
+          <a:bodyPr/>
+          <a:lstStyle/>
+          <a:p>
+            <a:fld id="{216C5678-EE20-4FA5-88E2-6E0BD67A2E26}" type="datetime1">
+              <a:rPr lang="en-US" smtClean="0"/>
+              <a:t>3/13/2016</a:t>
+            </a:fld>
+            <a:endParaRPr lang="en-US" dirty="0"/>
+          </a:p>
+        </p:txBody>
+      </p:sp>
+      <p:sp>
+        <p:nvSpPr>
+          <p:cNvPr id="5" name="Slide Number Placeholder 4"/>
+          <p:cNvSpPr>
+            <a:spLocks noGrp="1"/>
+          </p:cNvSpPr>
+          <p:nvPr>
+            <p:ph type="sldNum" sz="quarter" idx="11"/>
+          </p:nvPr>
+        </p:nvSpPr>
+        <p:spPr/>
+        <p:txBody>
+          <a:bodyPr/>
+          <a:lstStyle/>
+          <a:p>
+            <a:fld id="{BA9B540C-44DA-4F69-89C9-7C84606640D3}" type="slidenum">
+              <a:rPr lang="en-US" smtClean="0"/>
+              <a:pPr/>
+              <a:t>15</a:t>
+            </a:fld>
+            <a:endParaRPr lang="en-US" dirty="0"/>
+          </a:p>
+        </p:txBody>
+      </p:sp>
+      <p:sp>
+        <p:nvSpPr>
+          <p:cNvPr id="6" name="Footer Placeholder 5"/>
+          <p:cNvSpPr>
+            <a:spLocks noGrp="1"/>
+          </p:cNvSpPr>
+          <p:nvPr>
+            <p:ph type="ftr" sz="quarter" idx="12"/>
+          </p:nvPr>
+        </p:nvSpPr>
+        <p:spPr/>
+        <p:txBody>
+          <a:bodyPr/>
+          <a:lstStyle/>
+          <a:p>
+            <a:r>
+              <a:rPr lang="en-US" smtClean="0"/>
+              <a:t>Footer Text</a:t>
+            </a:r>
+            <a:endParaRPr lang="en-US" dirty="0"/>
+          </a:p>
+        </p:txBody>
+      </p:sp>
+    </p:spTree>
+    <p:extLst>
+      <p:ext uri="{BB962C8B-B14F-4D97-AF65-F5344CB8AC3E}">
+        <p14:creationId xmlns:p14="http://schemas.microsoft.com/office/powerpoint/2010/main" val="398520826"/>
+      </p:ext>
+    </p:extLst>
+  </p:cSld>
+  <p:clrMapOvr>
+    <a:masterClrMapping/>
+  </p:clrMapOvr>
+</p:sld>
+</file>
+
+<file path=ppt/slides/slide16.xml><?xml version="1.0" encoding="utf-8"?>
+<p:sld xmlns:a="http://schemas.openxmlformats.org/drawingml/2006/main" xmlns:r="http://schemas.openxmlformats.org/officeDocument/2006/relationships" xmlns:p="http://schemas.openxmlformats.org/presentationml/2006/main">
+  <p:cSld>
+    <p:spTree>
+      <p:nvGrpSpPr>
+        <p:cNvPr id="1" name=""/>
+        <p:cNvGrpSpPr/>
+        <p:nvPr/>
+      </p:nvGrpSpPr>
+      <p:grpSpPr>
+        <a:xfrm>
+          <a:off x="0" y="0"/>
+          <a:ext cx="0" cy="0"/>
+          <a:chOff x="0" y="0"/>
+          <a:chExt cx="0" cy="0"/>
+        </a:xfrm>
+      </p:grpSpPr>
+      <p:sp>
+        <p:nvSpPr>
+          <p:cNvPr id="2" name="Title 1"/>
+          <p:cNvSpPr>
+            <a:spLocks noGrp="1"/>
+          </p:cNvSpPr>
+          <p:nvPr>
+            <p:ph type="ctrTitle"/>
+          </p:nvPr>
+        </p:nvSpPr>
+        <p:spPr>
+          <a:xfrm>
+            <a:off x="685800" y="228600"/>
+            <a:ext cx="7772400" cy="685800"/>
+          </a:xfrm>
+        </p:spPr>
+        <p:txBody>
+          <a:bodyPr/>
+          <a:lstStyle/>
+          <a:p>
+            <a:pPr algn="l"/>
+            <a:r>
+              <a:rPr lang="en-US" sz="4000" dirty="0" smtClean="0"/>
+              <a:t>xx</a:t>
+            </a:r>
+            <a:endParaRPr lang="en-US" sz="4000" dirty="0"/>
+          </a:p>
+        </p:txBody>
+      </p:sp>
+      <p:sp>
+        <p:nvSpPr>
+          <p:cNvPr id="3" name="Subtitle 2"/>
+          <p:cNvSpPr>
+            <a:spLocks noGrp="1"/>
+          </p:cNvSpPr>
+          <p:nvPr>
+            <p:ph type="subTitle" idx="1"/>
+          </p:nvPr>
+        </p:nvSpPr>
+        <p:spPr>
+          <a:xfrm>
+            <a:off x="762000" y="1219200"/>
+            <a:ext cx="7315200" cy="4343400"/>
+          </a:xfrm>
+        </p:spPr>
+        <p:txBody>
+          <a:bodyPr>
+            <a:noAutofit/>
+          </a:bodyPr>
+          <a:lstStyle/>
+          <a:p>
+            <a:pPr marL="342900" indent="-342900" algn="l">
+              <a:buFont typeface="Arial" panose="020B0604020202020204" pitchFamily="34" charset="0"/>
+              <a:buChar char="•"/>
+            </a:pPr>
+            <a:endParaRPr lang="en-US" sz="3200" dirty="0"/>
+          </a:p>
+        </p:txBody>
+      </p:sp>
+      <p:sp>
+        <p:nvSpPr>
+          <p:cNvPr id="4" name="Date Placeholder 3"/>
+          <p:cNvSpPr>
+            <a:spLocks noGrp="1"/>
+          </p:cNvSpPr>
+          <p:nvPr>
+            <p:ph type="dt" sz="half" idx="10"/>
+          </p:nvPr>
+        </p:nvSpPr>
+        <p:spPr/>
+        <p:txBody>
+          <a:bodyPr/>
+          <a:lstStyle/>
+          <a:p>
+            <a:fld id="{216C5678-EE20-4FA5-88E2-6E0BD67A2E26}" type="datetime1">
+              <a:rPr lang="en-US" smtClean="0"/>
+              <a:t>3/13/2016</a:t>
+            </a:fld>
+            <a:endParaRPr lang="en-US" dirty="0"/>
+          </a:p>
+        </p:txBody>
+      </p:sp>
+      <p:sp>
+        <p:nvSpPr>
+          <p:cNvPr id="5" name="Slide Number Placeholder 4"/>
+          <p:cNvSpPr>
+            <a:spLocks noGrp="1"/>
+          </p:cNvSpPr>
+          <p:nvPr>
+            <p:ph type="sldNum" sz="quarter" idx="11"/>
+          </p:nvPr>
+        </p:nvSpPr>
+        <p:spPr/>
+        <p:txBody>
+          <a:bodyPr/>
+          <a:lstStyle/>
+          <a:p>
+            <a:fld id="{BA9B540C-44DA-4F69-89C9-7C84606640D3}" type="slidenum">
+              <a:rPr lang="en-US" smtClean="0"/>
+              <a:pPr/>
+              <a:t>16</a:t>
+            </a:fld>
+            <a:endParaRPr lang="en-US" dirty="0"/>
+          </a:p>
+        </p:txBody>
+      </p:sp>
+      <p:sp>
+        <p:nvSpPr>
+          <p:cNvPr id="6" name="Footer Placeholder 5"/>
+          <p:cNvSpPr>
+            <a:spLocks noGrp="1"/>
+          </p:cNvSpPr>
+          <p:nvPr>
+            <p:ph type="ftr" sz="quarter" idx="12"/>
+          </p:nvPr>
+        </p:nvSpPr>
+        <p:spPr/>
+        <p:txBody>
+          <a:bodyPr/>
+          <a:lstStyle/>
+          <a:p>
+            <a:r>
+              <a:rPr lang="en-US" smtClean="0"/>
+              <a:t>Footer Text</a:t>
+            </a:r>
+            <a:endParaRPr lang="en-US" dirty="0"/>
+          </a:p>
+        </p:txBody>
+      </p:sp>
+    </p:spTree>
+    <p:extLst>
+      <p:ext uri="{BB962C8B-B14F-4D97-AF65-F5344CB8AC3E}">
+        <p14:creationId xmlns:p14="http://schemas.microsoft.com/office/powerpoint/2010/main" val="2740892730"/>
+      </p:ext>
+    </p:extLst>
+  </p:cSld>
+  <p:clrMapOvr>
+    <a:masterClrMapping/>
+  </p:clrMapOvr>
+</p:sld>
+</file>
+
+<file path=ppt/slides/slide17.xml><?xml version="1.0" encoding="utf-8"?>
+<p:sld xmlns:a="http://schemas.openxmlformats.org/drawingml/2006/main" xmlns:r="http://schemas.openxmlformats.org/officeDocument/2006/relationships" xmlns:p="http://schemas.openxmlformats.org/presentationml/2006/main">
+  <p:cSld>
+    <p:spTree>
+      <p:nvGrpSpPr>
+        <p:cNvPr id="1" name=""/>
+        <p:cNvGrpSpPr/>
+        <p:nvPr/>
+      </p:nvGrpSpPr>
+      <p:grpSpPr>
+        <a:xfrm>
+          <a:off x="0" y="0"/>
+          <a:ext cx="0" cy="0"/>
+          <a:chOff x="0" y="0"/>
+          <a:chExt cx="0" cy="0"/>
+        </a:xfrm>
+      </p:grpSpPr>
+      <p:sp>
+        <p:nvSpPr>
+          <p:cNvPr id="2" name="Title 1"/>
+          <p:cNvSpPr>
+            <a:spLocks noGrp="1"/>
+          </p:cNvSpPr>
+          <p:nvPr>
+            <p:ph type="ctrTitle"/>
+          </p:nvPr>
+        </p:nvSpPr>
+        <p:spPr>
+          <a:xfrm>
+            <a:off x="685800" y="228600"/>
+            <a:ext cx="7772400" cy="685800"/>
+          </a:xfrm>
+        </p:spPr>
+        <p:txBody>
+          <a:bodyPr/>
+          <a:lstStyle/>
+          <a:p>
+            <a:pPr algn="l"/>
+            <a:r>
+              <a:rPr lang="en-US" sz="4000" dirty="0" smtClean="0"/>
+              <a:t>xx</a:t>
+            </a:r>
+            <a:endParaRPr lang="en-US" sz="4000" dirty="0"/>
+          </a:p>
+        </p:txBody>
+      </p:sp>
+      <p:sp>
+        <p:nvSpPr>
+          <p:cNvPr id="3" name="Subtitle 2"/>
+          <p:cNvSpPr>
+            <a:spLocks noGrp="1"/>
+          </p:cNvSpPr>
+          <p:nvPr>
+            <p:ph type="subTitle" idx="1"/>
+          </p:nvPr>
+        </p:nvSpPr>
+        <p:spPr>
+          <a:xfrm>
+            <a:off x="762000" y="1219200"/>
+            <a:ext cx="7315200" cy="4343400"/>
+          </a:xfrm>
+        </p:spPr>
+        <p:txBody>
+          <a:bodyPr>
+            <a:noAutofit/>
+          </a:bodyPr>
+          <a:lstStyle/>
+          <a:p>
+            <a:pPr marL="342900" indent="-342900" algn="l">
+              <a:buFont typeface="Arial" panose="020B0604020202020204" pitchFamily="34" charset="0"/>
+              <a:buChar char="•"/>
+            </a:pPr>
+            <a:endParaRPr lang="en-US" sz="3200" dirty="0"/>
+          </a:p>
+        </p:txBody>
+      </p:sp>
+      <p:sp>
+        <p:nvSpPr>
+          <p:cNvPr id="4" name="Date Placeholder 3"/>
+          <p:cNvSpPr>
+            <a:spLocks noGrp="1"/>
+          </p:cNvSpPr>
+          <p:nvPr>
+            <p:ph type="dt" sz="half" idx="10"/>
+          </p:nvPr>
+        </p:nvSpPr>
+        <p:spPr/>
+        <p:txBody>
+          <a:bodyPr/>
+          <a:lstStyle/>
+          <a:p>
+            <a:fld id="{216C5678-EE20-4FA5-88E2-6E0BD67A2E26}" type="datetime1">
+              <a:rPr lang="en-US" smtClean="0"/>
+              <a:t>3/13/2016</a:t>
+            </a:fld>
+            <a:endParaRPr lang="en-US" dirty="0"/>
+          </a:p>
+        </p:txBody>
+      </p:sp>
+      <p:sp>
+        <p:nvSpPr>
+          <p:cNvPr id="5" name="Slide Number Placeholder 4"/>
+          <p:cNvSpPr>
+            <a:spLocks noGrp="1"/>
+          </p:cNvSpPr>
+          <p:nvPr>
+            <p:ph type="sldNum" sz="quarter" idx="11"/>
+          </p:nvPr>
+        </p:nvSpPr>
+        <p:spPr/>
+        <p:txBody>
+          <a:bodyPr/>
+          <a:lstStyle/>
+          <a:p>
+            <a:fld id="{BA9B540C-44DA-4F69-89C9-7C84606640D3}" type="slidenum">
+              <a:rPr lang="en-US" smtClean="0"/>
+              <a:pPr/>
+              <a:t>17</a:t>
+            </a:fld>
+            <a:endParaRPr lang="en-US" dirty="0"/>
+          </a:p>
+        </p:txBody>
+      </p:sp>
+      <p:sp>
+        <p:nvSpPr>
+          <p:cNvPr id="6" name="Footer Placeholder 5"/>
+          <p:cNvSpPr>
+            <a:spLocks noGrp="1"/>
+          </p:cNvSpPr>
+          <p:nvPr>
+            <p:ph type="ftr" sz="quarter" idx="12"/>
+          </p:nvPr>
+        </p:nvSpPr>
+        <p:spPr/>
+        <p:txBody>
+          <a:bodyPr/>
+          <a:lstStyle/>
+          <a:p>
+            <a:r>
+              <a:rPr lang="en-US" smtClean="0"/>
+              <a:t>Footer Text</a:t>
+            </a:r>
+            <a:endParaRPr lang="en-US" dirty="0"/>
+          </a:p>
+        </p:txBody>
+      </p:sp>
+    </p:spTree>
+    <p:extLst>
+      <p:ext uri="{BB962C8B-B14F-4D97-AF65-F5344CB8AC3E}">
+        <p14:creationId xmlns:p14="http://schemas.microsoft.com/office/powerpoint/2010/main" val="2547404136"/>
+      </p:ext>
+    </p:extLst>
+  </p:cSld>
+  <p:clrMapOvr>
+    <a:masterClrMapping/>
+  </p:clrMapOvr>
+</p:sld>
+</file>
+
+<file path=ppt/slides/slide18.xml><?xml version="1.0" encoding="utf-8"?>
+<p:sld xmlns:a="http://schemas.openxmlformats.org/drawingml/2006/main" xmlns:r="http://schemas.openxmlformats.org/officeDocument/2006/relationships" xmlns:p="http://schemas.openxmlformats.org/presentationml/2006/main">
+  <p:cSld>
+    <p:spTree>
+      <p:nvGrpSpPr>
+        <p:cNvPr id="1" name=""/>
+        <p:cNvGrpSpPr/>
+        <p:nvPr/>
+      </p:nvGrpSpPr>
+      <p:grpSpPr>
+        <a:xfrm>
+          <a:off x="0" y="0"/>
+          <a:ext cx="0" cy="0"/>
+          <a:chOff x="0" y="0"/>
+          <a:chExt cx="0" cy="0"/>
+        </a:xfrm>
+      </p:grpSpPr>
+      <p:sp>
+        <p:nvSpPr>
+          <p:cNvPr id="2" name="Title 1"/>
+          <p:cNvSpPr>
+            <a:spLocks noGrp="1"/>
+          </p:cNvSpPr>
+          <p:nvPr>
+            <p:ph type="ctrTitle"/>
+          </p:nvPr>
+        </p:nvSpPr>
+        <p:spPr>
+          <a:xfrm>
+            <a:off x="685800" y="228600"/>
             <a:ext cx="8458200" cy="685800"/>
           </a:xfrm>
         </p:spPr>
@@ -4658,7 +7047,7 @@
           <a:p>
             <a:fld id="{216C5678-EE20-4FA5-88E2-6E0BD67A2E26}" type="datetime1">
               <a:rPr lang="en-US" smtClean="0"/>
-              <a:t>3/1/2016</a:t>
+              <a:t>3/13/2016</a:t>
             </a:fld>
             <a:endParaRPr lang="en-US" dirty="0"/>
           </a:p>
@@ -4682,7 +7071,7 @@
             <a:fld id="{BA9B540C-44DA-4F69-89C9-7C84606640D3}" type="slidenum">
               <a:rPr lang="en-US" smtClean="0"/>
               <a:pPr/>
-              <a:t>13</a:t>
+              <a:t>18</a:t>
             </a:fld>
             <a:endParaRPr lang="en-US" dirty="0"/>
           </a:p>
@@ -5045,7 +7434,6 @@
               <a:rPr lang="en-US" sz="3200" dirty="0" smtClean="0"/>
               <a:t>When</a:t>
             </a:r>
-            <a:endParaRPr lang="en-US" sz="3200" dirty="0" smtClean="0"/>
           </a:p>
           <a:p>
             <a:pPr marL="342900" indent="-342900" algn="l">
@@ -5064,67 +7452,12 @@
             </a:pPr>
             <a:r>
               <a:rPr lang="en-US" sz="3200" dirty="0" smtClean="0"/>
-              <a:t>Things to look for in a review</a:t>
-            </a:r>
-          </a:p>
-          <a:p>
-            <a:pPr marL="800100" lvl="1" indent="-342900" algn="l">
-              <a:buFont typeface="Arial" panose="020B0604020202020204" pitchFamily="34" charset="0"/>
-              <a:buChar char="•"/>
-            </a:pPr>
-            <a:r>
-              <a:rPr lang="en-US" dirty="0" smtClean="0"/>
-              <a:t>DRY</a:t>
-            </a:r>
-          </a:p>
-          <a:p>
-            <a:pPr marL="800100" lvl="1" indent="-342900" algn="l">
-              <a:buFont typeface="Arial" panose="020B0604020202020204" pitchFamily="34" charset="0"/>
-              <a:buChar char="•"/>
-            </a:pPr>
-            <a:r>
-              <a:rPr lang="en-US" dirty="0" smtClean="0"/>
-              <a:t>Server side code - Java</a:t>
-            </a:r>
-          </a:p>
-          <a:p>
-            <a:pPr marL="800100" lvl="1" indent="-342900" algn="l">
-              <a:buFont typeface="Arial" panose="020B0604020202020204" pitchFamily="34" charset="0"/>
-              <a:buChar char="•"/>
-            </a:pPr>
-            <a:r>
-              <a:rPr lang="en-US" dirty="0" smtClean="0"/>
-              <a:t>Web-based code – </a:t>
-            </a:r>
-            <a:r>
-              <a:rPr lang="en-US" dirty="0" err="1" smtClean="0"/>
-              <a:t>Javascript</a:t>
-            </a:r>
-            <a:r>
-              <a:rPr lang="en-US" dirty="0" smtClean="0"/>
-              <a:t>, CSS, HTML</a:t>
-            </a:r>
-          </a:p>
-          <a:p>
-            <a:pPr lvl="1" algn="l"/>
-            <a:endParaRPr lang="en-US" dirty="0" smtClean="0"/>
-          </a:p>
-          <a:p>
-            <a:pPr marL="342900" indent="-342900" algn="l">
-              <a:buFont typeface="Arial" panose="020B0604020202020204" pitchFamily="34" charset="0"/>
-              <a:buChar char="•"/>
-            </a:pPr>
-            <a:r>
-              <a:rPr lang="en-US" sz="3200" dirty="0" smtClean="0"/>
-              <a:t>Code samples.</a:t>
-            </a:r>
-            <a:endParaRPr lang="en-US" sz="3200" dirty="0"/>
-          </a:p>
-          <a:p>
-            <a:pPr marL="342900" indent="-342900" algn="l">
-              <a:buFont typeface="Arial" panose="020B0604020202020204" pitchFamily="34" charset="0"/>
-              <a:buChar char="•"/>
-            </a:pPr>
+              <a:t>Code Review “Patterns”</a:t>
+            </a:r>
+            <a:endParaRPr lang="en-US" sz="3200" dirty="0" smtClean="0"/>
+          </a:p>
+          <a:p>
+            <a:pPr algn="l"/>
             <a:endParaRPr lang="en-US" sz="3200" dirty="0" smtClean="0"/>
           </a:p>
           <a:p>
@@ -5153,7 +7486,7 @@
           <a:p>
             <a:fld id="{216C5678-EE20-4FA5-88E2-6E0BD67A2E26}" type="datetime1">
               <a:rPr lang="en-US" smtClean="0"/>
-              <a:t>3/1/2016</a:t>
+              <a:t>3/13/2016</a:t>
             </a:fld>
             <a:endParaRPr lang="en-US" dirty="0"/>
           </a:p>
@@ -5278,7 +7611,7 @@
         <p:spPr>
           <a:xfrm>
             <a:off x="762000" y="1219200"/>
-            <a:ext cx="7781278" cy="4343400"/>
+            <a:ext cx="8001000" cy="5137150"/>
           </a:xfrm>
         </p:spPr>
         <p:txBody>
@@ -5339,7 +7672,7 @@
             </a:pPr>
             <a:r>
               <a:rPr lang="en-US" sz="3200" dirty="0" smtClean="0"/>
-              <a:t>Not a witch hunt or lay blame.</a:t>
+              <a:t>Not a witch hunt or assign blame.</a:t>
             </a:r>
           </a:p>
           <a:p>
@@ -5357,7 +7690,11 @@
             </a:r>
             <a:r>
               <a:rPr lang="en-US" sz="3200" dirty="0" smtClean="0"/>
-              <a:t> and Jr developers.</a:t>
+              <a:t> and Jr developers</a:t>
+            </a:r>
+            <a:r>
+              <a:rPr lang="en-US" sz="3200" dirty="0" smtClean="0"/>
+              <a:t>.</a:t>
             </a:r>
           </a:p>
           <a:p>
@@ -5386,7 +7723,7 @@
           <a:p>
             <a:fld id="{216C5678-EE20-4FA5-88E2-6E0BD67A2E26}" type="datetime1">
               <a:rPr lang="en-US" smtClean="0"/>
-              <a:t>3/1/2016</a:t>
+              <a:t>3/13/2016</a:t>
             </a:fld>
             <a:endParaRPr lang="en-US" dirty="0"/>
           </a:p>
@@ -5530,6 +7867,31 @@
             </a:r>
           </a:p>
           <a:p>
+            <a:r>
+              <a:rPr lang="en-US" sz="2000" dirty="0" smtClean="0"/>
+              <a:t>Code review + unit test + </a:t>
+            </a:r>
+            <a:r>
+              <a:rPr lang="en-US" sz="2000" dirty="0" err="1" smtClean="0"/>
+              <a:t>Linting</a:t>
+            </a:r>
+            <a:r>
+              <a:rPr lang="en-US" sz="2000" dirty="0" smtClean="0"/>
+              <a:t> + automation tests = </a:t>
+            </a:r>
+          </a:p>
+          <a:p>
+            <a:r>
+              <a:rPr lang="en-US" sz="2000" dirty="0" smtClean="0"/>
+              <a:t>high </a:t>
+            </a:r>
+            <a:r>
+              <a:rPr lang="en-US" sz="2000" smtClean="0"/>
+              <a:t>quality product</a:t>
+            </a:r>
+            <a:endParaRPr lang="en-US" sz="2000" dirty="0" smtClean="0"/>
+          </a:p>
+          <a:p>
             <a:pPr marL="342900" indent="-342900" algn="l">
               <a:buFont typeface="Arial" panose="020B0604020202020204" pitchFamily="34" charset="0"/>
               <a:buChar char="•"/>
@@ -5599,7 +7961,7 @@
           <a:p>
             <a:fld id="{216C5678-EE20-4FA5-88E2-6E0BD67A2E26}" type="datetime1">
               <a:rPr lang="en-US" smtClean="0"/>
-              <a:t>3/1/2016</a:t>
+              <a:t>3/13/2016</a:t>
             </a:fld>
             <a:endParaRPr lang="en-US" dirty="0"/>
           </a:p>
@@ -5705,7 +8067,15 @@
             <a:pPr algn="l"/>
             <a:r>
               <a:rPr lang="en-US" sz="4000" dirty="0" smtClean="0"/>
-              <a:t>The “When”</a:t>
+              <a:t>The “Why” (</a:t>
+            </a:r>
+            <a:r>
+              <a:rPr lang="en-US" sz="4000" dirty="0" err="1" smtClean="0"/>
+              <a:t>cont</a:t>
+            </a:r>
+            <a:r>
+              <a:rPr lang="en-US" sz="4000" dirty="0" smtClean="0"/>
+              <a:t>)</a:t>
             </a:r>
             <a:endParaRPr lang="en-US" sz="4000" dirty="0"/>
           </a:p>
@@ -5723,8 +8093,8 @@
         </p:nvSpPr>
         <p:spPr>
           <a:xfrm>
-            <a:off x="76200" y="1219200"/>
-            <a:ext cx="8686800" cy="4343400"/>
+            <a:off x="228600" y="914400"/>
+            <a:ext cx="8610600" cy="5486400"/>
           </a:xfrm>
         </p:spPr>
         <p:txBody>
@@ -5732,35 +8102,49 @@
             <a:noAutofit/>
           </a:bodyPr>
           <a:lstStyle/>
+          <a:p>
+            <a:pPr algn="l"/>
+            <a:r>
+              <a:rPr lang="en-US" sz="3200" dirty="0" smtClean="0"/>
+              <a:t>Cons:</a:t>
+            </a:r>
+          </a:p>
+          <a:p>
+            <a:pPr marL="457200" indent="-457200" algn="l">
+              <a:buFont typeface="Arial" panose="020B0604020202020204" pitchFamily="34" charset="0"/>
+              <a:buChar char="•"/>
+            </a:pPr>
+            <a:r>
+              <a:rPr lang="en-US" sz="3200" dirty="0" smtClean="0"/>
+              <a:t>Add ~10% to development effort.</a:t>
+            </a:r>
+          </a:p>
+          <a:p>
+            <a:pPr marL="457200" indent="-457200" algn="l">
+              <a:buFont typeface="Arial" panose="020B0604020202020204" pitchFamily="34" charset="0"/>
+              <a:buChar char="•"/>
+            </a:pPr>
+            <a:r>
+              <a:rPr lang="en-US" sz="3200" dirty="0" smtClean="0"/>
+              <a:t>Cost $$$</a:t>
+            </a:r>
+          </a:p>
+          <a:p>
+            <a:pPr marL="457200" indent="-457200" algn="l">
+              <a:buFont typeface="Arial" panose="020B0604020202020204" pitchFamily="34" charset="0"/>
+              <a:buChar char="•"/>
+            </a:pPr>
+            <a:r>
+              <a:rPr lang="en-US" sz="3200" dirty="0" smtClean="0"/>
+              <a:t>Not suitable for “throw away” projects (e.g. test harness/drivers, proof of concept app )</a:t>
+            </a:r>
+            <a:endParaRPr lang="en-US" sz="3200" dirty="0"/>
+          </a:p>
           <a:p>
             <a:pPr marL="342900" indent="-342900" algn="l">
               <a:buFont typeface="Arial" panose="020B0604020202020204" pitchFamily="34" charset="0"/>
               <a:buChar char="•"/>
             </a:pPr>
-            <a:r>
-              <a:rPr lang="en-US" sz="3200" dirty="0" smtClean="0"/>
-              <a:t>Right after a feature is completed.</a:t>
-            </a:r>
-          </a:p>
-          <a:p>
-            <a:pPr marL="342900" indent="-342900" algn="l">
-              <a:buFont typeface="Arial" panose="020B0604020202020204" pitchFamily="34" charset="0"/>
-              <a:buChar char="•"/>
-            </a:pPr>
-            <a:r>
-              <a:rPr lang="en-US" sz="3200" dirty="0" smtClean="0"/>
-              <a:t>For large feature set, review in piecemeal.</a:t>
-            </a:r>
-          </a:p>
-          <a:p>
-            <a:pPr marL="342900" indent="-342900" algn="l">
-              <a:buFont typeface="Arial" panose="020B0604020202020204" pitchFamily="34" charset="0"/>
-              <a:buChar char="•"/>
-            </a:pPr>
-            <a:r>
-              <a:rPr lang="en-US" sz="3200" dirty="0" smtClean="0"/>
-              <a:t>End of a sprint.</a:t>
-            </a:r>
             <a:endParaRPr lang="en-US" sz="3200" dirty="0"/>
           </a:p>
         </p:txBody>
@@ -5782,7 +8166,7 @@
           <a:p>
             <a:fld id="{216C5678-EE20-4FA5-88E2-6E0BD67A2E26}" type="datetime1">
               <a:rPr lang="en-US" smtClean="0"/>
-              <a:t>3/1/2016</a:t>
+              <a:t>3/13/2016</a:t>
             </a:fld>
             <a:endParaRPr lang="en-US" dirty="0"/>
           </a:p>
@@ -5838,7 +8222,7 @@
     </p:spTree>
     <p:extLst>
       <p:ext uri="{BB962C8B-B14F-4D97-AF65-F5344CB8AC3E}">
-        <p14:creationId xmlns:p14="http://schemas.microsoft.com/office/powerpoint/2010/main" val="3763827728"/>
+        <p14:creationId xmlns:p14="http://schemas.microsoft.com/office/powerpoint/2010/main" val="3352867163"/>
       </p:ext>
     </p:extLst>
   </p:cSld>
@@ -5888,7 +8272,7 @@
             <a:pPr algn="l"/>
             <a:r>
               <a:rPr lang="en-US" sz="4000" dirty="0" smtClean="0"/>
-              <a:t>The “How”</a:t>
+              <a:t>The “When”</a:t>
             </a:r>
             <a:endParaRPr lang="en-US" sz="4000" dirty="0"/>
           </a:p>
@@ -5906,8 +8290,8 @@
         </p:nvSpPr>
         <p:spPr>
           <a:xfrm>
-            <a:off x="152400" y="990600"/>
-            <a:ext cx="8839200" cy="5486400"/>
+            <a:off x="76200" y="1219200"/>
+            <a:ext cx="8686800" cy="4343400"/>
           </a:xfrm>
         </p:spPr>
         <p:txBody>
@@ -5916,45 +8300,42 @@
           </a:bodyPr>
           <a:lstStyle/>
           <a:p>
-            <a:pPr marL="514350" indent="-514350" algn="l">
-              <a:buFont typeface="+mj-lt"/>
-              <a:buAutoNum type="arabicPeriod"/>
+            <a:pPr marL="342900" indent="-342900" algn="l">
+              <a:buFont typeface="Arial" panose="020B0604020202020204" pitchFamily="34" charset="0"/>
+              <a:buChar char="•"/>
             </a:pPr>
             <a:r>
               <a:rPr lang="en-US" sz="3200" dirty="0" smtClean="0"/>
-              <a:t>Over-the-shoulder code review</a:t>
-            </a:r>
-          </a:p>
-          <a:p>
-            <a:pPr marL="514350" indent="-514350" algn="l">
-              <a:buFont typeface="+mj-lt"/>
-              <a:buAutoNum type="arabicPeriod"/>
+              <a:t>Right after a feature is completed.</a:t>
+            </a:r>
+          </a:p>
+          <a:p>
+            <a:pPr marL="342900" indent="-342900" algn="l">
+              <a:buFont typeface="Arial" panose="020B0604020202020204" pitchFamily="34" charset="0"/>
+              <a:buChar char="•"/>
             </a:pPr>
             <a:r>
               <a:rPr lang="en-US" sz="3200" dirty="0" smtClean="0"/>
-              <a:t>Formal code review</a:t>
-            </a:r>
-          </a:p>
-          <a:p>
-            <a:pPr marL="514350" indent="-514350" algn="l">
-              <a:buFont typeface="+mj-lt"/>
-              <a:buAutoNum type="arabicPeriod"/>
+              <a:t>For large feature set, review in piecemeal.</a:t>
+            </a:r>
+          </a:p>
+          <a:p>
+            <a:pPr marL="342900" indent="-342900" algn="l">
+              <a:buFont typeface="Arial" panose="020B0604020202020204" pitchFamily="34" charset="0"/>
+              <a:buChar char="•"/>
             </a:pPr>
             <a:r>
               <a:rPr lang="en-US" sz="3200" dirty="0" smtClean="0"/>
-              <a:t>Use code </a:t>
-            </a:r>
-            <a:r>
-              <a:rPr lang="en-US" sz="3200" smtClean="0"/>
-              <a:t>review software.</a:t>
-            </a:r>
-            <a:endParaRPr lang="en-US" sz="3200" dirty="0" smtClean="0"/>
-          </a:p>
-          <a:p>
-            <a:pPr marL="514350" indent="-514350" algn="l">
-              <a:buFont typeface="+mj-lt"/>
-              <a:buAutoNum type="arabicPeriod"/>
-            </a:pPr>
+              <a:t>End of a </a:t>
+            </a:r>
+            <a:r>
+              <a:rPr lang="en-US" sz="3200" dirty="0" smtClean="0"/>
+              <a:t>short sprint</a:t>
+            </a:r>
+            <a:r>
+              <a:rPr lang="en-US" sz="3200" dirty="0" smtClean="0"/>
+              <a:t>.</a:t>
+            </a:r>
             <a:endParaRPr lang="en-US" sz="3200" dirty="0"/>
           </a:p>
         </p:txBody>
@@ -5976,7 +8357,7 @@
           <a:p>
             <a:fld id="{216C5678-EE20-4FA5-88E2-6E0BD67A2E26}" type="datetime1">
               <a:rPr lang="en-US" smtClean="0"/>
-              <a:t>3/1/2016</a:t>
+              <a:t>3/13/2016</a:t>
             </a:fld>
             <a:endParaRPr lang="en-US" dirty="0"/>
           </a:p>
@@ -6032,7 +8413,7 @@
     </p:spTree>
     <p:extLst>
       <p:ext uri="{BB962C8B-B14F-4D97-AF65-F5344CB8AC3E}">
-        <p14:creationId xmlns:p14="http://schemas.microsoft.com/office/powerpoint/2010/main" val="3792425712"/>
+        <p14:creationId xmlns:p14="http://schemas.microsoft.com/office/powerpoint/2010/main" val="3763827728"/>
       </p:ext>
     </p:extLst>
   </p:cSld>
@@ -6100,8 +8481,8 @@
         </p:nvSpPr>
         <p:spPr>
           <a:xfrm>
-            <a:off x="762000" y="1219200"/>
-            <a:ext cx="7315200" cy="4343400"/>
+            <a:off x="152400" y="1219200"/>
+            <a:ext cx="8839200" cy="5137150"/>
           </a:xfrm>
         </p:spPr>
         <p:txBody>
@@ -6110,28 +8491,21 @@
           </a:bodyPr>
           <a:lstStyle/>
           <a:p>
-            <a:pPr marL="342900" indent="-342900" algn="l">
-              <a:buFont typeface="Arial" panose="020B0604020202020204" pitchFamily="34" charset="0"/>
-              <a:buChar char="•"/>
+            <a:pPr algn="l"/>
+            <a:r>
+              <a:rPr lang="en-US" sz="3200" b="1" dirty="0" smtClean="0"/>
+              <a:t>The Process</a:t>
+            </a:r>
+          </a:p>
+          <a:p>
+            <a:pPr lvl="1" algn="l"/>
+            <a:endParaRPr lang="en-US" sz="2800" dirty="0" smtClean="0"/>
+          </a:p>
+          <a:p>
+            <a:pPr marL="514350" indent="-514350" algn="l">
+              <a:buFont typeface="+mj-lt"/>
+              <a:buAutoNum type="arabicPeriod"/>
             </a:pPr>
-            <a:r>
-              <a:rPr lang="en-US" sz="3200" dirty="0" smtClean="0"/>
-              <a:t>Review in small chunks.</a:t>
-            </a:r>
-          </a:p>
-          <a:p>
-            <a:pPr marL="342900" indent="-342900" algn="l">
-              <a:buFont typeface="Arial" panose="020B0604020202020204" pitchFamily="34" charset="0"/>
-              <a:buChar char="•"/>
-            </a:pPr>
-            <a:r>
-              <a:rPr lang="en-US" sz="3200" dirty="0" smtClean="0"/>
-              <a:t>200 SLOC/</a:t>
-            </a:r>
-            <a:r>
-              <a:rPr lang="en-US" sz="3200" dirty="0" err="1" smtClean="0"/>
-              <a:t>hr</a:t>
-            </a:r>
             <a:endParaRPr lang="en-US" sz="3200" dirty="0"/>
           </a:p>
         </p:txBody>
@@ -6153,7 +8527,7 @@
           <a:p>
             <a:fld id="{216C5678-EE20-4FA5-88E2-6E0BD67A2E26}" type="datetime1">
               <a:rPr lang="en-US" smtClean="0"/>
-              <a:t>3/1/2016</a:t>
+              <a:t>3/13/2016</a:t>
             </a:fld>
             <a:endParaRPr lang="en-US" dirty="0"/>
           </a:p>
@@ -6206,10 +8580,467 @@
           </a:p>
         </p:txBody>
       </p:sp>
+      <p:sp>
+        <p:nvSpPr>
+          <p:cNvPr id="8" name="Rounded Rectangle 7"/>
+          <p:cNvSpPr/>
+          <p:nvPr/>
+        </p:nvSpPr>
+        <p:spPr>
+          <a:xfrm>
+            <a:off x="304800" y="2362200"/>
+            <a:ext cx="1524000" cy="838200"/>
+          </a:xfrm>
+          <a:prstGeom prst="roundRect">
+            <a:avLst/>
+          </a:prstGeom>
+        </p:spPr>
+        <p:style>
+          <a:lnRef idx="2">
+            <a:schemeClr val="accent1">
+              <a:shade val="50000"/>
+            </a:schemeClr>
+          </a:lnRef>
+          <a:fillRef idx="1">
+            <a:schemeClr val="accent1"/>
+          </a:fillRef>
+          <a:effectRef idx="0">
+            <a:schemeClr val="accent1"/>
+          </a:effectRef>
+          <a:fontRef idx="minor">
+            <a:schemeClr val="lt1"/>
+          </a:fontRef>
+        </p:style>
+        <p:txBody>
+          <a:bodyPr rtlCol="0" anchor="ctr"/>
+          <a:lstStyle/>
+          <a:p>
+            <a:pPr algn="ctr"/>
+            <a:r>
+              <a:rPr lang="en-US" dirty="0" smtClean="0"/>
+              <a:t>Code Complete</a:t>
+            </a:r>
+          </a:p>
+          <a:p>
+            <a:pPr algn="ctr"/>
+            <a:r>
+              <a:rPr lang="en-US" dirty="0" smtClean="0"/>
+              <a:t>(author)</a:t>
+            </a:r>
+            <a:endParaRPr lang="en-US" dirty="0"/>
+          </a:p>
+        </p:txBody>
+      </p:sp>
+      <p:sp>
+        <p:nvSpPr>
+          <p:cNvPr id="9" name="Rounded Rectangle 8"/>
+          <p:cNvSpPr/>
+          <p:nvPr/>
+        </p:nvSpPr>
+        <p:spPr>
+          <a:xfrm>
+            <a:off x="2590800" y="2391747"/>
+            <a:ext cx="1524000" cy="782216"/>
+          </a:xfrm>
+          <a:prstGeom prst="roundRect">
+            <a:avLst/>
+          </a:prstGeom>
+        </p:spPr>
+        <p:style>
+          <a:lnRef idx="2">
+            <a:schemeClr val="accent1">
+              <a:shade val="50000"/>
+            </a:schemeClr>
+          </a:lnRef>
+          <a:fillRef idx="1">
+            <a:schemeClr val="accent1"/>
+          </a:fillRef>
+          <a:effectRef idx="0">
+            <a:schemeClr val="accent1"/>
+          </a:effectRef>
+          <a:fontRef idx="minor">
+            <a:schemeClr val="lt1"/>
+          </a:fontRef>
+        </p:style>
+        <p:txBody>
+          <a:bodyPr rtlCol="0" anchor="ctr"/>
+          <a:lstStyle/>
+          <a:p>
+            <a:pPr algn="ctr"/>
+            <a:r>
+              <a:rPr lang="en-US" dirty="0" smtClean="0"/>
+              <a:t>Submit for Review (author)</a:t>
+            </a:r>
+            <a:endParaRPr lang="en-US" dirty="0"/>
+          </a:p>
+        </p:txBody>
+      </p:sp>
+      <p:sp>
+        <p:nvSpPr>
+          <p:cNvPr id="10" name="Rounded Rectangle 9"/>
+          <p:cNvSpPr/>
+          <p:nvPr/>
+        </p:nvSpPr>
+        <p:spPr>
+          <a:xfrm>
+            <a:off x="4953000" y="2327988"/>
+            <a:ext cx="1752600" cy="796212"/>
+          </a:xfrm>
+          <a:prstGeom prst="roundRect">
+            <a:avLst/>
+          </a:prstGeom>
+        </p:spPr>
+        <p:style>
+          <a:lnRef idx="2">
+            <a:schemeClr val="accent1">
+              <a:shade val="50000"/>
+            </a:schemeClr>
+          </a:lnRef>
+          <a:fillRef idx="1">
+            <a:schemeClr val="accent1"/>
+          </a:fillRef>
+          <a:effectRef idx="0">
+            <a:schemeClr val="accent1"/>
+          </a:effectRef>
+          <a:fontRef idx="minor">
+            <a:schemeClr val="lt1"/>
+          </a:fontRef>
+        </p:style>
+        <p:txBody>
+          <a:bodyPr rtlCol="0" anchor="ctr"/>
+          <a:lstStyle/>
+          <a:p>
+            <a:pPr algn="ctr"/>
+            <a:r>
+              <a:rPr lang="en-US" dirty="0" smtClean="0"/>
+              <a:t>Perform Review (reviewer(s))</a:t>
+            </a:r>
+            <a:endParaRPr lang="en-US" dirty="0"/>
+          </a:p>
+        </p:txBody>
+      </p:sp>
+      <p:sp>
+        <p:nvSpPr>
+          <p:cNvPr id="11" name="Rounded Rectangle 10"/>
+          <p:cNvSpPr/>
+          <p:nvPr/>
+        </p:nvSpPr>
+        <p:spPr>
+          <a:xfrm>
+            <a:off x="4980992" y="4038600"/>
+            <a:ext cx="1752600" cy="796212"/>
+          </a:xfrm>
+          <a:prstGeom prst="roundRect">
+            <a:avLst/>
+          </a:prstGeom>
+        </p:spPr>
+        <p:style>
+          <a:lnRef idx="2">
+            <a:schemeClr val="accent1">
+              <a:shade val="50000"/>
+            </a:schemeClr>
+          </a:lnRef>
+          <a:fillRef idx="1">
+            <a:schemeClr val="accent1"/>
+          </a:fillRef>
+          <a:effectRef idx="0">
+            <a:schemeClr val="accent1"/>
+          </a:effectRef>
+          <a:fontRef idx="minor">
+            <a:schemeClr val="lt1"/>
+          </a:fontRef>
+        </p:style>
+        <p:txBody>
+          <a:bodyPr rtlCol="0" anchor="ctr"/>
+          <a:lstStyle/>
+          <a:p>
+            <a:pPr algn="ctr"/>
+            <a:r>
+              <a:rPr lang="en-US" dirty="0" smtClean="0"/>
+              <a:t>Rework</a:t>
+            </a:r>
+          </a:p>
+          <a:p>
+            <a:pPr algn="ctr"/>
+            <a:r>
+              <a:rPr lang="en-US" dirty="0" smtClean="0"/>
+              <a:t>(author)</a:t>
+            </a:r>
+            <a:endParaRPr lang="en-US" dirty="0"/>
+          </a:p>
+        </p:txBody>
+      </p:sp>
+      <p:sp>
+        <p:nvSpPr>
+          <p:cNvPr id="12" name="Curved Left Arrow 11"/>
+          <p:cNvSpPr/>
+          <p:nvPr/>
+        </p:nvSpPr>
+        <p:spPr>
+          <a:xfrm>
+            <a:off x="6752096" y="3029147"/>
+            <a:ext cx="608825" cy="1216152"/>
+          </a:xfrm>
+          <a:prstGeom prst="curvedLeftArrow">
+            <a:avLst/>
+          </a:prstGeom>
+          <a:solidFill>
+            <a:srgbClr val="FFFF00"/>
+          </a:solidFill>
+        </p:spPr>
+        <p:style>
+          <a:lnRef idx="2">
+            <a:schemeClr val="accent1">
+              <a:shade val="50000"/>
+            </a:schemeClr>
+          </a:lnRef>
+          <a:fillRef idx="1">
+            <a:schemeClr val="accent1"/>
+          </a:fillRef>
+          <a:effectRef idx="0">
+            <a:schemeClr val="accent1"/>
+          </a:effectRef>
+          <a:fontRef idx="minor">
+            <a:schemeClr val="lt1"/>
+          </a:fontRef>
+        </p:style>
+        <p:txBody>
+          <a:bodyPr rtlCol="0" anchor="ctr"/>
+          <a:lstStyle/>
+          <a:p>
+            <a:pPr algn="ctr"/>
+            <a:endParaRPr lang="en-US">
+              <a:solidFill>
+                <a:schemeClr val="tx1"/>
+              </a:solidFill>
+            </a:endParaRPr>
+          </a:p>
+        </p:txBody>
+      </p:sp>
+      <p:sp>
+        <p:nvSpPr>
+          <p:cNvPr id="13" name="Curved Left Arrow 12"/>
+          <p:cNvSpPr/>
+          <p:nvPr/>
+        </p:nvSpPr>
+        <p:spPr>
+          <a:xfrm rot="10800000">
+            <a:off x="4296904" y="3027299"/>
+            <a:ext cx="609600" cy="1216152"/>
+          </a:xfrm>
+          <a:prstGeom prst="curvedLeftArrow">
+            <a:avLst/>
+          </a:prstGeom>
+          <a:solidFill>
+            <a:srgbClr val="FFFF00"/>
+          </a:solidFill>
+        </p:spPr>
+        <p:style>
+          <a:lnRef idx="2">
+            <a:schemeClr val="accent1">
+              <a:shade val="50000"/>
+            </a:schemeClr>
+          </a:lnRef>
+          <a:fillRef idx="1">
+            <a:schemeClr val="accent1"/>
+          </a:fillRef>
+          <a:effectRef idx="0">
+            <a:schemeClr val="accent1"/>
+          </a:effectRef>
+          <a:fontRef idx="minor">
+            <a:schemeClr val="lt1"/>
+          </a:fontRef>
+        </p:style>
+        <p:txBody>
+          <a:bodyPr rtlCol="0" anchor="ctr"/>
+          <a:lstStyle/>
+          <a:p>
+            <a:pPr algn="ctr"/>
+            <a:endParaRPr lang="en-US">
+              <a:solidFill>
+                <a:schemeClr val="tx1"/>
+              </a:solidFill>
+            </a:endParaRPr>
+          </a:p>
+        </p:txBody>
+      </p:sp>
+      <p:sp>
+        <p:nvSpPr>
+          <p:cNvPr id="14" name="Right Arrow 13"/>
+          <p:cNvSpPr/>
+          <p:nvPr/>
+        </p:nvSpPr>
+        <p:spPr>
+          <a:xfrm>
+            <a:off x="1828800" y="2667000"/>
+            <a:ext cx="685800" cy="245706"/>
+          </a:xfrm>
+          <a:prstGeom prst="rightArrow">
+            <a:avLst/>
+          </a:prstGeom>
+          <a:solidFill>
+            <a:srgbClr val="FFFF00"/>
+          </a:solidFill>
+        </p:spPr>
+        <p:style>
+          <a:lnRef idx="2">
+            <a:schemeClr val="accent1">
+              <a:shade val="50000"/>
+            </a:schemeClr>
+          </a:lnRef>
+          <a:fillRef idx="1">
+            <a:schemeClr val="accent1"/>
+          </a:fillRef>
+          <a:effectRef idx="0">
+            <a:schemeClr val="accent1"/>
+          </a:effectRef>
+          <a:fontRef idx="minor">
+            <a:schemeClr val="lt1"/>
+          </a:fontRef>
+        </p:style>
+        <p:txBody>
+          <a:bodyPr rtlCol="0" anchor="ctr"/>
+          <a:lstStyle/>
+          <a:p>
+            <a:pPr algn="ctr"/>
+            <a:endParaRPr lang="en-US"/>
+          </a:p>
+        </p:txBody>
+      </p:sp>
+      <p:sp>
+        <p:nvSpPr>
+          <p:cNvPr id="15" name="Right Arrow 14"/>
+          <p:cNvSpPr/>
+          <p:nvPr/>
+        </p:nvSpPr>
+        <p:spPr>
+          <a:xfrm>
+            <a:off x="4186491" y="2667000"/>
+            <a:ext cx="685800" cy="245706"/>
+          </a:xfrm>
+          <a:prstGeom prst="rightArrow">
+            <a:avLst/>
+          </a:prstGeom>
+          <a:solidFill>
+            <a:srgbClr val="FFFF00"/>
+          </a:solidFill>
+        </p:spPr>
+        <p:style>
+          <a:lnRef idx="2">
+            <a:schemeClr val="accent1">
+              <a:shade val="50000"/>
+            </a:schemeClr>
+          </a:lnRef>
+          <a:fillRef idx="1">
+            <a:schemeClr val="accent1"/>
+          </a:fillRef>
+          <a:effectRef idx="0">
+            <a:schemeClr val="accent1"/>
+          </a:effectRef>
+          <a:fontRef idx="minor">
+            <a:schemeClr val="lt1"/>
+          </a:fontRef>
+        </p:style>
+        <p:txBody>
+          <a:bodyPr rtlCol="0" anchor="ctr"/>
+          <a:lstStyle/>
+          <a:p>
+            <a:pPr algn="ctr"/>
+            <a:endParaRPr lang="en-US"/>
+          </a:p>
+        </p:txBody>
+      </p:sp>
+      <p:sp>
+        <p:nvSpPr>
+          <p:cNvPr id="16" name="Rounded Rectangle 15"/>
+          <p:cNvSpPr/>
+          <p:nvPr/>
+        </p:nvSpPr>
+        <p:spPr>
+          <a:xfrm>
+            <a:off x="7407416" y="2327988"/>
+            <a:ext cx="1446635" cy="796212"/>
+          </a:xfrm>
+          <a:prstGeom prst="roundRect">
+            <a:avLst/>
+          </a:prstGeom>
+        </p:spPr>
+        <p:style>
+          <a:lnRef idx="2">
+            <a:schemeClr val="accent1">
+              <a:shade val="50000"/>
+            </a:schemeClr>
+          </a:lnRef>
+          <a:fillRef idx="1">
+            <a:schemeClr val="accent1"/>
+          </a:fillRef>
+          <a:effectRef idx="0">
+            <a:schemeClr val="accent1"/>
+          </a:effectRef>
+          <a:fontRef idx="minor">
+            <a:schemeClr val="lt1"/>
+          </a:fontRef>
+        </p:style>
+        <p:txBody>
+          <a:bodyPr rtlCol="0" anchor="ctr"/>
+          <a:lstStyle/>
+          <a:p>
+            <a:pPr algn="ctr"/>
+            <a:r>
+              <a:rPr lang="en-US" dirty="0" smtClean="0"/>
+              <a:t>Merge to master</a:t>
+            </a:r>
+            <a:endParaRPr lang="en-US" dirty="0"/>
+          </a:p>
+        </p:txBody>
+      </p:sp>
+      <p:sp>
+        <p:nvSpPr>
+          <p:cNvPr id="17" name="Right Arrow 16"/>
+          <p:cNvSpPr/>
+          <p:nvPr/>
+        </p:nvSpPr>
+        <p:spPr>
+          <a:xfrm>
+            <a:off x="6786309" y="2578749"/>
+            <a:ext cx="597860" cy="240651"/>
+          </a:xfrm>
+          <a:prstGeom prst="rightArrow">
+            <a:avLst/>
+          </a:prstGeom>
+          <a:solidFill>
+            <a:srgbClr val="FFFF00"/>
+          </a:solidFill>
+        </p:spPr>
+        <p:style>
+          <a:lnRef idx="2">
+            <a:schemeClr val="accent1">
+              <a:shade val="50000"/>
+            </a:schemeClr>
+          </a:lnRef>
+          <a:fillRef idx="1">
+            <a:schemeClr val="accent1"/>
+          </a:fillRef>
+          <a:effectRef idx="0">
+            <a:schemeClr val="accent1"/>
+          </a:effectRef>
+          <a:fontRef idx="minor">
+            <a:schemeClr val="lt1"/>
+          </a:fontRef>
+        </p:style>
+        <p:txBody>
+          <a:bodyPr rtlCol="0" anchor="ctr"/>
+          <a:lstStyle/>
+          <a:p>
+            <a:pPr algn="ctr"/>
+            <a:endParaRPr lang="en-US"/>
+          </a:p>
+        </p:txBody>
+      </p:sp>
     </p:spTree>
     <p:extLst>
       <p:ext uri="{BB962C8B-B14F-4D97-AF65-F5344CB8AC3E}">
-        <p14:creationId xmlns:p14="http://schemas.microsoft.com/office/powerpoint/2010/main" val="3287493390"/>
+        <p14:creationId xmlns:p14="http://schemas.microsoft.com/office/powerpoint/2010/main" val="3792425712"/>
       </p:ext>
     </p:extLst>
   </p:cSld>
@@ -6259,7 +9090,19 @@
             <a:pPr algn="l"/>
             <a:r>
               <a:rPr lang="en-US" sz="4000" dirty="0" smtClean="0"/>
-              <a:t>The “How Not”</a:t>
+              <a:t>The “How</a:t>
+            </a:r>
+            <a:r>
+              <a:rPr lang="en-US" sz="4000" dirty="0" smtClean="0"/>
+              <a:t>” (</a:t>
+            </a:r>
+            <a:r>
+              <a:rPr lang="en-US" sz="4000" dirty="0" err="1" smtClean="0"/>
+              <a:t>cont</a:t>
+            </a:r>
+            <a:r>
+              <a:rPr lang="en-US" sz="4000" dirty="0" smtClean="0"/>
+              <a:t>)</a:t>
             </a:r>
             <a:endParaRPr lang="en-US" sz="4000" dirty="0"/>
           </a:p>
@@ -6277,8 +9120,8 @@
         </p:nvSpPr>
         <p:spPr>
           <a:xfrm>
-            <a:off x="762000" y="1219200"/>
-            <a:ext cx="7315200" cy="4343400"/>
+            <a:off x="152400" y="869950"/>
+            <a:ext cx="8839200" cy="5486400"/>
           </a:xfrm>
         </p:spPr>
         <p:txBody>
@@ -6286,6 +9129,77 @@
             <a:noAutofit/>
           </a:bodyPr>
           <a:lstStyle/>
+          <a:p>
+            <a:pPr marL="514350" indent="-514350" algn="l">
+              <a:buFont typeface="Arial" panose="020B0604020202020204" pitchFamily="34" charset="0"/>
+              <a:buChar char="•"/>
+            </a:pPr>
+            <a:r>
+              <a:rPr lang="en-US" sz="3200" dirty="0" smtClean="0"/>
+              <a:t>Review Types:</a:t>
+            </a:r>
+          </a:p>
+          <a:p>
+            <a:pPr marL="971550" lvl="1" indent="-514350" algn="l">
+              <a:buFont typeface="+mj-lt"/>
+              <a:buAutoNum type="romanUcPeriod"/>
+            </a:pPr>
+            <a:r>
+              <a:rPr lang="en-US" sz="2800" dirty="0" smtClean="0"/>
+              <a:t>Over-the-shoulder review</a:t>
+            </a:r>
+            <a:endParaRPr lang="en-US" sz="2800" dirty="0" smtClean="0"/>
+          </a:p>
+          <a:p>
+            <a:pPr marL="971550" lvl="1" indent="-514350" algn="l">
+              <a:buFont typeface="+mj-lt"/>
+              <a:buAutoNum type="romanUcPeriod"/>
+            </a:pPr>
+            <a:r>
+              <a:rPr lang="en-US" sz="2800" dirty="0" smtClean="0"/>
+              <a:t>Formal </a:t>
+            </a:r>
+            <a:r>
+              <a:rPr lang="en-US" sz="2800" dirty="0" smtClean="0"/>
+              <a:t>review</a:t>
+            </a:r>
+            <a:endParaRPr lang="en-US" sz="2800" dirty="0" smtClean="0"/>
+          </a:p>
+          <a:p>
+            <a:pPr marL="971550" lvl="1" indent="-514350" algn="l">
+              <a:buFont typeface="+mj-lt"/>
+              <a:buAutoNum type="romanUcPeriod"/>
+            </a:pPr>
+            <a:r>
+              <a:rPr lang="en-US" sz="2800" dirty="0" smtClean="0"/>
+              <a:t>Tool-assist review.</a:t>
+            </a:r>
+          </a:p>
+          <a:p>
+            <a:pPr marL="342900" indent="-342900" algn="l">
+              <a:buFont typeface="Arial" panose="020B0604020202020204" pitchFamily="34" charset="0"/>
+              <a:buChar char="•"/>
+            </a:pPr>
+            <a:r>
+              <a:rPr lang="en-US" sz="3200" dirty="0"/>
+              <a:t>Review in small chunks.</a:t>
+            </a:r>
+          </a:p>
+          <a:p>
+            <a:pPr marL="342900" indent="-342900" algn="l">
+              <a:buFont typeface="Arial" panose="020B0604020202020204" pitchFamily="34" charset="0"/>
+              <a:buChar char="•"/>
+            </a:pPr>
+            <a:r>
+              <a:rPr lang="en-US" sz="3200" dirty="0" smtClean="0"/>
+              <a:t>200 SLOC/</a:t>
+            </a:r>
+            <a:r>
+              <a:rPr lang="en-US" sz="3200" dirty="0" err="1" smtClean="0"/>
+              <a:t>hr</a:t>
+            </a:r>
+            <a:endParaRPr lang="en-US" sz="3200" dirty="0" smtClean="0"/>
+          </a:p>
           <a:p>
             <a:pPr marL="342900" indent="-342900" algn="l">
               <a:buFont typeface="Arial" panose="020B0604020202020204" pitchFamily="34" charset="0"/>
@@ -6293,6 +9207,46 @@
             </a:pPr>
             <a:endParaRPr lang="en-US" sz="3200" dirty="0"/>
           </a:p>
+          <a:p>
+            <a:pPr marL="342900" indent="-342900" algn="l">
+              <a:buFont typeface="Arial" panose="020B0604020202020204" pitchFamily="34" charset="0"/>
+              <a:buChar char="•"/>
+            </a:pPr>
+            <a:endParaRPr lang="en-US" sz="3200" dirty="0" smtClean="0"/>
+          </a:p>
+          <a:p>
+            <a:pPr algn="l"/>
+            <a:endParaRPr lang="en-US" sz="3200" dirty="0"/>
+          </a:p>
+          <a:p>
+            <a:pPr marL="342900" indent="-342900" algn="l">
+              <a:buFont typeface="Arial" panose="020B0604020202020204" pitchFamily="34" charset="0"/>
+              <a:buChar char="•"/>
+            </a:pPr>
+            <a:r>
+              <a:rPr lang="en-US" sz="3200" dirty="0"/>
+              <a:t>Have a coding </a:t>
+            </a:r>
+            <a:r>
+              <a:rPr lang="en-US" sz="3200" dirty="0" smtClean="0"/>
+              <a:t>Style Guide available</a:t>
+            </a:r>
+            <a:r>
+              <a:rPr lang="en-US" sz="3200" dirty="0"/>
+              <a:t>.</a:t>
+            </a:r>
+          </a:p>
+          <a:p>
+            <a:pPr lvl="1" algn="l"/>
+            <a:endParaRPr lang="en-US" sz="2800" dirty="0" smtClean="0"/>
+          </a:p>
+          <a:p>
+            <a:pPr marL="514350" indent="-514350" algn="l">
+              <a:buFont typeface="+mj-lt"/>
+              <a:buAutoNum type="arabicPeriod"/>
+            </a:pPr>
+            <a:endParaRPr lang="en-US" sz="3200" dirty="0"/>
+          </a:p>
         </p:txBody>
       </p:sp>
       <p:sp>
@@ -6312,7 +9266,7 @@
           <a:p>
             <a:fld id="{216C5678-EE20-4FA5-88E2-6E0BD67A2E26}" type="datetime1">
               <a:rPr lang="en-US" smtClean="0"/>
-              <a:t>3/1/2016</a:t>
+              <a:t>3/13/2016</a:t>
             </a:fld>
             <a:endParaRPr lang="en-US" dirty="0"/>
           </a:p>
@@ -6365,10 +9319,34 @@
           </a:p>
         </p:txBody>
       </p:sp>
+      <p:pic>
+        <p:nvPicPr>
+          <p:cNvPr id="7" name="Picture 6"/>
+          <p:cNvPicPr>
+            <a:picLocks noChangeAspect="1"/>
+          </p:cNvPicPr>
+          <p:nvPr/>
+        </p:nvPicPr>
+        <p:blipFill>
+          <a:blip r:embed="rId2"/>
+          <a:stretch>
+            <a:fillRect/>
+          </a:stretch>
+        </p:blipFill>
+        <p:spPr>
+          <a:xfrm>
+            <a:off x="3753174" y="3505200"/>
+            <a:ext cx="3333426" cy="2490265"/>
+          </a:xfrm>
+          <a:prstGeom prst="rect">
+            <a:avLst/>
+          </a:prstGeom>
+        </p:spPr>
+      </p:pic>
     </p:spTree>
     <p:extLst>
       <p:ext uri="{BB962C8B-B14F-4D97-AF65-F5344CB8AC3E}">
-        <p14:creationId xmlns:p14="http://schemas.microsoft.com/office/powerpoint/2010/main" val="3861664819"/>
+        <p14:creationId xmlns:p14="http://schemas.microsoft.com/office/powerpoint/2010/main" val="808228675"/>
       </p:ext>
     </p:extLst>
   </p:cSld>
@@ -6417,8 +9395,16 @@
           <a:p>
             <a:pPr algn="l"/>
             <a:r>
-              <a:rPr lang="en-US" sz="4000" dirty="0" smtClean="0"/>
-              <a:t>xx</a:t>
+              <a:rPr lang="en-US" sz="4000" dirty="0"/>
+              <a:t>The “How” (</a:t>
+            </a:r>
+            <a:r>
+              <a:rPr lang="en-US" sz="4000" dirty="0" err="1"/>
+              <a:t>cont</a:t>
+            </a:r>
+            <a:r>
+              <a:rPr lang="en-US" sz="4000" dirty="0"/>
+              <a:t>)</a:t>
             </a:r>
             <a:endParaRPr lang="en-US" sz="4000" dirty="0"/>
           </a:p>
@@ -6436,8 +9422,8 @@
         </p:nvSpPr>
         <p:spPr>
           <a:xfrm>
-            <a:off x="762000" y="1219200"/>
-            <a:ext cx="7315200" cy="4343400"/>
+            <a:off x="228600" y="1219200"/>
+            <a:ext cx="8610600" cy="2438400"/>
           </a:xfrm>
         </p:spPr>
         <p:txBody>
@@ -6446,12 +9432,74 @@
           </a:bodyPr>
           <a:lstStyle/>
           <a:p>
-            <a:pPr marL="342900" indent="-342900" algn="l">
+            <a:pPr marL="514350" indent="-514350" algn="l">
               <a:buFont typeface="Arial" panose="020B0604020202020204" pitchFamily="34" charset="0"/>
               <a:buChar char="•"/>
             </a:pPr>
+            <a:r>
+              <a:rPr lang="en-US" sz="3200" dirty="0"/>
+              <a:t>Goal:  100% review (best</a:t>
+            </a:r>
+            <a:r>
+              <a:rPr lang="en-US" sz="3200" dirty="0" smtClean="0"/>
+              <a:t>)</a:t>
+            </a:r>
+          </a:p>
+          <a:p>
+            <a:pPr algn="l"/>
+            <a:r>
+              <a:rPr lang="en-US" sz="3200" dirty="0"/>
+              <a:t> </a:t>
+            </a:r>
+            <a:r>
+              <a:rPr lang="en-US" sz="3200" dirty="0" smtClean="0"/>
+              <a:t>                75%+ is still good.</a:t>
+            </a:r>
             <a:endParaRPr lang="en-US" sz="3200" dirty="0"/>
           </a:p>
+          <a:p>
+            <a:pPr marL="514350" indent="-514350" algn="l">
+              <a:buFont typeface="Arial" panose="020B0604020202020204" pitchFamily="34" charset="0"/>
+              <a:buChar char="•"/>
+            </a:pPr>
+            <a:r>
+              <a:rPr lang="en-US" sz="3200" dirty="0" smtClean="0"/>
+              <a:t>No review of 3</a:t>
+            </a:r>
+            <a:r>
+              <a:rPr lang="en-US" sz="3200" baseline="30000" dirty="0" smtClean="0"/>
+              <a:t>rd</a:t>
+            </a:r>
+            <a:r>
+              <a:rPr lang="en-US" sz="3200" dirty="0"/>
+              <a:t>-</a:t>
+            </a:r>
+            <a:r>
+              <a:rPr lang="en-US" sz="3200" dirty="0" smtClean="0"/>
+              <a:t>party code.</a:t>
+            </a:r>
+          </a:p>
+          <a:p>
+            <a:pPr marL="514350" indent="-514350" algn="l">
+              <a:buFont typeface="Arial" panose="020B0604020202020204" pitchFamily="34" charset="0"/>
+              <a:buChar char="•"/>
+            </a:pPr>
+            <a:r>
+              <a:rPr lang="en-US" sz="3200" dirty="0" smtClean="0"/>
+              <a:t>“No Fear” &amp; “No Retaliation Mentality” environment.</a:t>
+            </a:r>
+          </a:p>
+          <a:p>
+            <a:pPr marL="514350" indent="-514350" algn="l">
+              <a:buFont typeface="Arial" panose="020B0604020202020204" pitchFamily="34" charset="0"/>
+              <a:buChar char="•"/>
+            </a:pPr>
+            <a:r>
+              <a:rPr lang="en-US" sz="3200" dirty="0" smtClean="0"/>
+              <a:t>“No penalty” for rejecting code which may delay a release.</a:t>
+            </a:r>
+            <a:endParaRPr lang="en-US" sz="3200" dirty="0"/>
+          </a:p>
         </p:txBody>
       </p:sp>
       <p:sp>
@@ -6471,7 +9519,7 @@
           <a:p>
             <a:fld id="{216C5678-EE20-4FA5-88E2-6E0BD67A2E26}" type="datetime1">
               <a:rPr lang="en-US" smtClean="0"/>
-              <a:t>3/1/2016</a:t>
+              <a:t>3/13/2016</a:t>
             </a:fld>
             <a:endParaRPr lang="en-US" dirty="0"/>
           </a:p>
@@ -6527,7 +9575,7 @@
     </p:spTree>
     <p:extLst>
       <p:ext uri="{BB962C8B-B14F-4D97-AF65-F5344CB8AC3E}">
-        <p14:creationId xmlns:p14="http://schemas.microsoft.com/office/powerpoint/2010/main" val="4125190243"/>
+        <p14:creationId xmlns:p14="http://schemas.microsoft.com/office/powerpoint/2010/main" val="1714697877"/>
       </p:ext>
     </p:extLst>
   </p:cSld>

--- a/codereview/tech-presentation-effective-codereview.pptx
+++ b/codereview/tech-presentation-effective-codereview.pptx
@@ -5,7 +5,7 @@
     <p:sldMasterId id="2147483648" r:id="rId1"/>
   </p:sldMasterIdLst>
   <p:notesMasterIdLst>
-    <p:notesMasterId r:id="rId20"/>
+    <p:notesMasterId r:id="rId25"/>
   </p:notesMasterIdLst>
   <p:sldIdLst>
     <p:sldId id="256" r:id="rId2"/>
@@ -23,9 +23,14 @@
     <p:sldId id="275" r:id="rId14"/>
     <p:sldId id="269" r:id="rId15"/>
     <p:sldId id="270" r:id="rId16"/>
-    <p:sldId id="271" r:id="rId17"/>
-    <p:sldId id="272" r:id="rId18"/>
-    <p:sldId id="267" r:id="rId19"/>
+    <p:sldId id="284" r:id="rId17"/>
+    <p:sldId id="285" r:id="rId18"/>
+    <p:sldId id="286" r:id="rId19"/>
+    <p:sldId id="287" r:id="rId20"/>
+    <p:sldId id="288" r:id="rId21"/>
+    <p:sldId id="271" r:id="rId22"/>
+    <p:sldId id="272" r:id="rId23"/>
+    <p:sldId id="267" r:id="rId24"/>
   </p:sldIdLst>
   <p:sldSz cx="9144000" cy="6858000" type="screen4x3"/>
   <p:notesSz cx="6858000" cy="9144000"/>
@@ -4255,11 +4260,7 @@
             <a:pPr algn="l"/>
             <a:r>
               <a:rPr lang="en-US" sz="4000" dirty="0" smtClean="0"/>
-              <a:t>The “How</a:t>
-            </a:r>
-            <a:r>
-              <a:rPr lang="en-US" sz="4000" dirty="0" smtClean="0"/>
-              <a:t>” (</a:t>
+              <a:t>The “How” (</a:t>
             </a:r>
             <a:r>
               <a:rPr lang="en-US" sz="4000" dirty="0" err="1" smtClean="0"/>
@@ -4300,7 +4301,6 @@
               <a:rPr lang="en-US" sz="3200" b="1" u="sng" dirty="0"/>
               <a:t>Over-the-shoulder</a:t>
             </a:r>
-            <a:endParaRPr lang="en-US" sz="3200" b="1" u="sng" dirty="0"/>
           </a:p>
         </p:txBody>
       </p:sp>
@@ -4901,11 +4901,7 @@
             <a:pPr algn="l"/>
             <a:r>
               <a:rPr lang="en-US" sz="4000" dirty="0" smtClean="0"/>
-              <a:t>The “How</a:t>
-            </a:r>
-            <a:r>
-              <a:rPr lang="en-US" sz="4000" dirty="0" smtClean="0"/>
-              <a:t>” (</a:t>
+              <a:t>The “How” (</a:t>
             </a:r>
             <a:r>
               <a:rPr lang="en-US" sz="4000" dirty="0" err="1" smtClean="0"/>
@@ -5553,11 +5549,7 @@
             <a:pPr algn="l"/>
             <a:r>
               <a:rPr lang="en-US" sz="4000" dirty="0" smtClean="0"/>
-              <a:t>The “How</a:t>
-            </a:r>
-            <a:r>
-              <a:rPr lang="en-US" sz="4000" dirty="0" smtClean="0"/>
-              <a:t>” (</a:t>
+              <a:t>The “How” (</a:t>
             </a:r>
             <a:r>
               <a:rPr lang="en-US" sz="4000" dirty="0" err="1" smtClean="0"/>
@@ -6388,7 +6380,7 @@
             <a:pPr algn="l"/>
             <a:r>
               <a:rPr lang="en-US" sz="4000" dirty="0" smtClean="0"/>
-              <a:t>xx</a:t>
+              <a:t>Code Review Patterns</a:t>
             </a:r>
             <a:endParaRPr lang="en-US" sz="4000" dirty="0"/>
           </a:p>
@@ -6396,7 +6388,77 @@
       </p:sp>
       <p:sp>
         <p:nvSpPr>
-          <p:cNvPr id="3" name="Subtitle 2"/>
+          <p:cNvPr id="4" name="Date Placeholder 3"/>
+          <p:cNvSpPr>
+            <a:spLocks noGrp="1"/>
+          </p:cNvSpPr>
+          <p:nvPr>
+            <p:ph type="dt" sz="half" idx="10"/>
+          </p:nvPr>
+        </p:nvSpPr>
+        <p:spPr/>
+        <p:txBody>
+          <a:bodyPr/>
+          <a:lstStyle/>
+          <a:p>
+            <a:fld id="{216C5678-EE20-4FA5-88E2-6E0BD67A2E26}" type="datetime1">
+              <a:rPr lang="en-US" smtClean="0"/>
+              <a:t>3/13/2016</a:t>
+            </a:fld>
+            <a:endParaRPr lang="en-US" dirty="0"/>
+          </a:p>
+        </p:txBody>
+      </p:sp>
+      <p:sp>
+        <p:nvSpPr>
+          <p:cNvPr id="5" name="Slide Number Placeholder 4"/>
+          <p:cNvSpPr>
+            <a:spLocks noGrp="1"/>
+          </p:cNvSpPr>
+          <p:nvPr>
+            <p:ph type="sldNum" sz="quarter" idx="11"/>
+          </p:nvPr>
+        </p:nvSpPr>
+        <p:spPr/>
+        <p:txBody>
+          <a:bodyPr/>
+          <a:lstStyle/>
+          <a:p>
+            <a:fld id="{BA9B540C-44DA-4F69-89C9-7C84606640D3}" type="slidenum">
+              <a:rPr lang="en-US" smtClean="0"/>
+              <a:pPr/>
+              <a:t>14</a:t>
+            </a:fld>
+            <a:endParaRPr lang="en-US" dirty="0"/>
+          </a:p>
+        </p:txBody>
+      </p:sp>
+      <p:sp>
+        <p:nvSpPr>
+          <p:cNvPr id="6" name="Footer Placeholder 5"/>
+          <p:cNvSpPr>
+            <a:spLocks noGrp="1"/>
+          </p:cNvSpPr>
+          <p:nvPr>
+            <p:ph type="ftr" sz="quarter" idx="12"/>
+          </p:nvPr>
+        </p:nvSpPr>
+        <p:spPr/>
+        <p:txBody>
+          <a:bodyPr/>
+          <a:lstStyle/>
+          <a:p>
+            <a:r>
+              <a:rPr lang="en-US" smtClean="0"/>
+              <a:t>Footer Text</a:t>
+            </a:r>
+            <a:endParaRPr lang="en-US" dirty="0"/>
+          </a:p>
+        </p:txBody>
+      </p:sp>
+      <p:sp>
+        <p:nvSpPr>
+          <p:cNvPr id="7" name="Subtitle 6"/>
           <p:cNvSpPr>
             <a:spLocks noGrp="1"/>
           </p:cNvSpPr>
@@ -6406,13 +6468,13 @@
         </p:nvSpPr>
         <p:spPr>
           <a:xfrm>
-            <a:off x="762000" y="1219200"/>
-            <a:ext cx="7315200" cy="4343400"/>
+            <a:off x="688910" y="1219200"/>
+            <a:ext cx="7854368" cy="4648200"/>
           </a:xfrm>
         </p:spPr>
         <p:txBody>
           <a:bodyPr>
-            <a:noAutofit/>
+            <a:normAutofit/>
           </a:bodyPr>
           <a:lstStyle/>
           <a:p>
@@ -6420,77 +6482,70 @@
               <a:buFont typeface="Arial" panose="020B0604020202020204" pitchFamily="34" charset="0"/>
               <a:buChar char="•"/>
             </a:pPr>
-            <a:endParaRPr lang="en-US" sz="3200" dirty="0"/>
-          </a:p>
-        </p:txBody>
-      </p:sp>
-      <p:sp>
-        <p:nvSpPr>
-          <p:cNvPr id="4" name="Date Placeholder 3"/>
-          <p:cNvSpPr>
-            <a:spLocks noGrp="1"/>
-          </p:cNvSpPr>
-          <p:nvPr>
-            <p:ph type="dt" sz="half" idx="10"/>
-          </p:nvPr>
-        </p:nvSpPr>
-        <p:spPr/>
-        <p:txBody>
-          <a:bodyPr/>
-          <a:lstStyle/>
-          <a:p>
-            <a:fld id="{216C5678-EE20-4FA5-88E2-6E0BD67A2E26}" type="datetime1">
-              <a:rPr lang="en-US" smtClean="0"/>
-              <a:t>3/13/2016</a:t>
-            </a:fld>
-            <a:endParaRPr lang="en-US" dirty="0"/>
-          </a:p>
-        </p:txBody>
-      </p:sp>
-      <p:sp>
-        <p:nvSpPr>
-          <p:cNvPr id="5" name="Slide Number Placeholder 4"/>
-          <p:cNvSpPr>
-            <a:spLocks noGrp="1"/>
-          </p:cNvSpPr>
-          <p:nvPr>
-            <p:ph type="sldNum" sz="quarter" idx="11"/>
-          </p:nvPr>
-        </p:nvSpPr>
-        <p:spPr/>
-        <p:txBody>
-          <a:bodyPr/>
-          <a:lstStyle/>
-          <a:p>
-            <a:fld id="{BA9B540C-44DA-4F69-89C9-7C84606640D3}" type="slidenum">
-              <a:rPr lang="en-US" smtClean="0"/>
-              <a:pPr/>
-              <a:t>14</a:t>
-            </a:fld>
-            <a:endParaRPr lang="en-US" dirty="0"/>
-          </a:p>
-        </p:txBody>
-      </p:sp>
-      <p:sp>
-        <p:nvSpPr>
-          <p:cNvPr id="6" name="Footer Placeholder 5"/>
-          <p:cNvSpPr>
-            <a:spLocks noGrp="1"/>
-          </p:cNvSpPr>
-          <p:nvPr>
-            <p:ph type="ftr" sz="quarter" idx="12"/>
-          </p:nvPr>
-        </p:nvSpPr>
-        <p:spPr/>
-        <p:txBody>
-          <a:bodyPr/>
-          <a:lstStyle/>
-          <a:p>
-            <a:r>
-              <a:rPr lang="en-US" smtClean="0"/>
-              <a:t>Footer Text</a:t>
-            </a:r>
-            <a:endParaRPr lang="en-US" dirty="0"/>
+            <a:r>
+              <a:rPr lang="en-US" sz="2800" dirty="0" smtClean="0"/>
+              <a:t>Readability</a:t>
+            </a:r>
+          </a:p>
+          <a:p>
+            <a:pPr marL="342900" indent="-342900" algn="l">
+              <a:buFont typeface="Arial" panose="020B0604020202020204" pitchFamily="34" charset="0"/>
+              <a:buChar char="•"/>
+            </a:pPr>
+            <a:r>
+              <a:rPr lang="en-US" sz="2800" dirty="0" smtClean="0"/>
+              <a:t>DRY Principle</a:t>
+            </a:r>
+          </a:p>
+          <a:p>
+            <a:pPr marL="342900" indent="-342900" algn="l">
+              <a:buFont typeface="Arial" panose="020B0604020202020204" pitchFamily="34" charset="0"/>
+              <a:buChar char="•"/>
+            </a:pPr>
+            <a:r>
+              <a:rPr lang="en-US" sz="2800" dirty="0" smtClean="0"/>
+              <a:t>Testable</a:t>
+            </a:r>
+          </a:p>
+          <a:p>
+            <a:pPr marL="342900" indent="-342900" algn="l">
+              <a:buFont typeface="Arial" panose="020B0604020202020204" pitchFamily="34" charset="0"/>
+              <a:buChar char="•"/>
+            </a:pPr>
+            <a:r>
+              <a:rPr lang="en-US" sz="2800" dirty="0" smtClean="0"/>
+              <a:t>Consistency</a:t>
+            </a:r>
+          </a:p>
+          <a:p>
+            <a:pPr marL="342900" indent="-342900" algn="l">
+              <a:buFont typeface="Arial" panose="020B0604020202020204" pitchFamily="34" charset="0"/>
+              <a:buChar char="•"/>
+            </a:pPr>
+            <a:r>
+              <a:rPr lang="en-US" sz="2800" dirty="0" smtClean="0"/>
+              <a:t>Miscellaneous.</a:t>
+            </a:r>
+          </a:p>
+          <a:p>
+            <a:pPr marL="800100" lvl="1" indent="-342900" algn="l">
+              <a:buFont typeface="Arial" panose="020B0604020202020204" pitchFamily="34" charset="0"/>
+              <a:buChar char="•"/>
+            </a:pPr>
+            <a:r>
+              <a:rPr lang="en-US" sz="2000" dirty="0" smtClean="0"/>
+              <a:t>Magic strings and number.</a:t>
+            </a:r>
+          </a:p>
+          <a:p>
+            <a:pPr marL="800100" lvl="1" indent="-342900" algn="l">
+              <a:buFont typeface="Arial" panose="020B0604020202020204" pitchFamily="34" charset="0"/>
+              <a:buChar char="•"/>
+            </a:pPr>
+            <a:r>
+              <a:rPr lang="en-US" sz="2000" dirty="0" smtClean="0"/>
+              <a:t>Large method body.</a:t>
+            </a:r>
           </a:p>
         </p:txBody>
       </p:sp>
@@ -6547,7 +6602,15 @@
             <a:pPr algn="l"/>
             <a:r>
               <a:rPr lang="en-US" sz="4000" dirty="0" smtClean="0"/>
-              <a:t>xx</a:t>
+              <a:t>Code Review Patterns (</a:t>
+            </a:r>
+            <a:r>
+              <a:rPr lang="en-US" sz="4000" dirty="0" err="1" smtClean="0"/>
+              <a:t>cont</a:t>
+            </a:r>
+            <a:r>
+              <a:rPr lang="en-US" sz="4000" dirty="0" smtClean="0"/>
+              <a:t>)</a:t>
             </a:r>
             <a:endParaRPr lang="en-US" sz="4000" dirty="0"/>
           </a:p>
@@ -6555,7 +6618,77 @@
       </p:sp>
       <p:sp>
         <p:nvSpPr>
-          <p:cNvPr id="3" name="Subtitle 2"/>
+          <p:cNvPr id="4" name="Date Placeholder 3"/>
+          <p:cNvSpPr>
+            <a:spLocks noGrp="1"/>
+          </p:cNvSpPr>
+          <p:nvPr>
+            <p:ph type="dt" sz="half" idx="10"/>
+          </p:nvPr>
+        </p:nvSpPr>
+        <p:spPr/>
+        <p:txBody>
+          <a:bodyPr/>
+          <a:lstStyle/>
+          <a:p>
+            <a:fld id="{216C5678-EE20-4FA5-88E2-6E0BD67A2E26}" type="datetime1">
+              <a:rPr lang="en-US" smtClean="0"/>
+              <a:t>3/13/2016</a:t>
+            </a:fld>
+            <a:endParaRPr lang="en-US" dirty="0"/>
+          </a:p>
+        </p:txBody>
+      </p:sp>
+      <p:sp>
+        <p:nvSpPr>
+          <p:cNvPr id="5" name="Slide Number Placeholder 4"/>
+          <p:cNvSpPr>
+            <a:spLocks noGrp="1"/>
+          </p:cNvSpPr>
+          <p:nvPr>
+            <p:ph type="sldNum" sz="quarter" idx="11"/>
+          </p:nvPr>
+        </p:nvSpPr>
+        <p:spPr/>
+        <p:txBody>
+          <a:bodyPr/>
+          <a:lstStyle/>
+          <a:p>
+            <a:fld id="{BA9B540C-44DA-4F69-89C9-7C84606640D3}" type="slidenum">
+              <a:rPr lang="en-US" smtClean="0"/>
+              <a:pPr/>
+              <a:t>15</a:t>
+            </a:fld>
+            <a:endParaRPr lang="en-US" dirty="0"/>
+          </a:p>
+        </p:txBody>
+      </p:sp>
+      <p:sp>
+        <p:nvSpPr>
+          <p:cNvPr id="6" name="Footer Placeholder 5"/>
+          <p:cNvSpPr>
+            <a:spLocks noGrp="1"/>
+          </p:cNvSpPr>
+          <p:nvPr>
+            <p:ph type="ftr" sz="quarter" idx="12"/>
+          </p:nvPr>
+        </p:nvSpPr>
+        <p:spPr/>
+        <p:txBody>
+          <a:bodyPr/>
+          <a:lstStyle/>
+          <a:p>
+            <a:r>
+              <a:rPr lang="en-US" smtClean="0"/>
+              <a:t>Footer Text</a:t>
+            </a:r>
+            <a:endParaRPr lang="en-US" dirty="0"/>
+          </a:p>
+        </p:txBody>
+      </p:sp>
+      <p:sp>
+        <p:nvSpPr>
+          <p:cNvPr id="8" name="Subtitle 2"/>
           <p:cNvSpPr>
             <a:spLocks noGrp="1"/>
           </p:cNvSpPr>
@@ -6565,8 +6698,8 @@
         </p:nvSpPr>
         <p:spPr>
           <a:xfrm>
-            <a:off x="762000" y="1219200"/>
-            <a:ext cx="7315200" cy="4343400"/>
+            <a:off x="228600" y="1066800"/>
+            <a:ext cx="7315200" cy="685800"/>
           </a:xfrm>
         </p:spPr>
         <p:txBody>
@@ -6574,82 +6707,211 @@
             <a:noAutofit/>
           </a:bodyPr>
           <a:lstStyle/>
+          <a:p>
+            <a:pPr algn="l"/>
+            <a:r>
+              <a:rPr lang="en-US" sz="3200" b="1" u="sng" dirty="0" smtClean="0"/>
+              <a:t>Readability</a:t>
+            </a:r>
+            <a:endParaRPr lang="en-US" sz="3200" b="1" u="sng" dirty="0"/>
+          </a:p>
+        </p:txBody>
+      </p:sp>
+      <p:sp>
+        <p:nvSpPr>
+          <p:cNvPr id="9" name="Subtitle 6"/>
+          <p:cNvSpPr txBox="1">
+            <a:spLocks/>
+          </p:cNvSpPr>
+          <p:nvPr/>
+        </p:nvSpPr>
+        <p:spPr>
+          <a:xfrm>
+            <a:off x="573183" y="1676400"/>
+            <a:ext cx="7854368" cy="4648200"/>
+          </a:xfrm>
+          <a:prstGeom prst="rect">
+            <a:avLst/>
+          </a:prstGeom>
+        </p:spPr>
+        <p:txBody>
+          <a:bodyPr vert="horz" lIns="91440" tIns="45720" rIns="91440" bIns="45720" rtlCol="0">
+            <a:normAutofit/>
+          </a:bodyPr>
+          <a:lstStyle>
+            <a:lvl1pPr marL="0" indent="0" algn="ctr" defTabSz="914400" rtl="0" eaLnBrk="1" latinLnBrk="0" hangingPunct="1">
+              <a:spcBef>
+                <a:spcPct val="20000"/>
+              </a:spcBef>
+              <a:buFont typeface="Arial" pitchFamily="34" charset="0"/>
+              <a:buNone/>
+              <a:defRPr sz="2400" kern="1200">
+                <a:solidFill>
+                  <a:schemeClr val="tx1">
+                    <a:tint val="75000"/>
+                  </a:schemeClr>
+                </a:solidFill>
+                <a:latin typeface="+mj-lt"/>
+                <a:ea typeface="+mn-ea"/>
+                <a:cs typeface="+mn-cs"/>
+              </a:defRPr>
+            </a:lvl1pPr>
+            <a:lvl2pPr marL="457200" indent="0" algn="ctr" defTabSz="914400" rtl="0" eaLnBrk="1" latinLnBrk="0" hangingPunct="1">
+              <a:spcBef>
+                <a:spcPct val="20000"/>
+              </a:spcBef>
+              <a:buFont typeface="Courier New" pitchFamily="49" charset="0"/>
+              <a:buNone/>
+              <a:defRPr sz="1600" kern="1200">
+                <a:solidFill>
+                  <a:schemeClr val="tx1">
+                    <a:tint val="75000"/>
+                  </a:schemeClr>
+                </a:solidFill>
+                <a:latin typeface="+mj-lt"/>
+                <a:ea typeface="+mn-ea"/>
+                <a:cs typeface="+mn-cs"/>
+              </a:defRPr>
+            </a:lvl2pPr>
+            <a:lvl3pPr marL="914400" indent="0" algn="ctr" defTabSz="914400" rtl="0" eaLnBrk="1" latinLnBrk="0" hangingPunct="1">
+              <a:spcBef>
+                <a:spcPct val="20000"/>
+              </a:spcBef>
+              <a:buFont typeface="Arial" pitchFamily="34" charset="0"/>
+              <a:buNone/>
+              <a:defRPr sz="1600" kern="1200">
+                <a:solidFill>
+                  <a:schemeClr val="tx1">
+                    <a:tint val="75000"/>
+                  </a:schemeClr>
+                </a:solidFill>
+                <a:latin typeface="+mj-lt"/>
+                <a:ea typeface="+mn-ea"/>
+                <a:cs typeface="+mn-cs"/>
+              </a:defRPr>
+            </a:lvl3pPr>
+            <a:lvl4pPr marL="1371600" indent="0" algn="ctr" defTabSz="914400" rtl="0" eaLnBrk="1" latinLnBrk="0" hangingPunct="1">
+              <a:spcBef>
+                <a:spcPct val="20000"/>
+              </a:spcBef>
+              <a:buFont typeface="Courier New" pitchFamily="49" charset="0"/>
+              <a:buNone/>
+              <a:defRPr sz="1600" kern="1200">
+                <a:solidFill>
+                  <a:schemeClr val="tx1">
+                    <a:tint val="75000"/>
+                  </a:schemeClr>
+                </a:solidFill>
+                <a:latin typeface="+mj-lt"/>
+                <a:ea typeface="+mn-ea"/>
+                <a:cs typeface="+mn-cs"/>
+              </a:defRPr>
+            </a:lvl4pPr>
+            <a:lvl5pPr marL="1828800" indent="0" algn="ctr" defTabSz="914400" rtl="0" eaLnBrk="1" latinLnBrk="0" hangingPunct="1">
+              <a:spcBef>
+                <a:spcPct val="20000"/>
+              </a:spcBef>
+              <a:buFont typeface="Arial" pitchFamily="34" charset="0"/>
+              <a:buNone/>
+              <a:defRPr sz="1600" kern="1200">
+                <a:solidFill>
+                  <a:schemeClr val="tx1">
+                    <a:tint val="75000"/>
+                  </a:schemeClr>
+                </a:solidFill>
+                <a:latin typeface="+mj-lt"/>
+                <a:ea typeface="+mn-ea"/>
+                <a:cs typeface="+mn-cs"/>
+              </a:defRPr>
+            </a:lvl5pPr>
+            <a:lvl6pPr marL="2286000" indent="0" algn="ctr" defTabSz="914400" rtl="0" eaLnBrk="1" latinLnBrk="0" hangingPunct="1">
+              <a:spcBef>
+                <a:spcPct val="20000"/>
+              </a:spcBef>
+              <a:buFont typeface="Courier New" pitchFamily="49" charset="0"/>
+              <a:buNone/>
+              <a:defRPr sz="1600" kern="1200">
+                <a:solidFill>
+                  <a:schemeClr val="tx1">
+                    <a:tint val="75000"/>
+                  </a:schemeClr>
+                </a:solidFill>
+                <a:latin typeface="+mj-lt"/>
+                <a:ea typeface="+mn-ea"/>
+                <a:cs typeface="+mn-cs"/>
+              </a:defRPr>
+            </a:lvl6pPr>
+            <a:lvl7pPr marL="2743200" indent="0" algn="ctr" defTabSz="914400" rtl="0" eaLnBrk="1" latinLnBrk="0" hangingPunct="1">
+              <a:spcBef>
+                <a:spcPct val="20000"/>
+              </a:spcBef>
+              <a:buFont typeface="Arial" pitchFamily="34" charset="0"/>
+              <a:buNone/>
+              <a:defRPr sz="1600" kern="1200">
+                <a:solidFill>
+                  <a:schemeClr val="tx1">
+                    <a:tint val="75000"/>
+                  </a:schemeClr>
+                </a:solidFill>
+                <a:latin typeface="+mj-lt"/>
+                <a:ea typeface="+mn-ea"/>
+                <a:cs typeface="+mn-cs"/>
+              </a:defRPr>
+            </a:lvl7pPr>
+            <a:lvl8pPr marL="3200400" indent="0" algn="ctr" defTabSz="914400" rtl="0" eaLnBrk="1" latinLnBrk="0" hangingPunct="1">
+              <a:spcBef>
+                <a:spcPct val="20000"/>
+              </a:spcBef>
+              <a:buFont typeface="Courier New" pitchFamily="49" charset="0"/>
+              <a:buNone/>
+              <a:defRPr sz="1600" kern="1200">
+                <a:solidFill>
+                  <a:schemeClr val="tx1">
+                    <a:tint val="75000"/>
+                  </a:schemeClr>
+                </a:solidFill>
+                <a:latin typeface="+mj-lt"/>
+                <a:ea typeface="+mn-ea"/>
+                <a:cs typeface="+mn-cs"/>
+              </a:defRPr>
+            </a:lvl8pPr>
+            <a:lvl9pPr marL="3657600" indent="0" algn="ctr" defTabSz="914400" rtl="0" eaLnBrk="1" latinLnBrk="0" hangingPunct="1">
+              <a:spcBef>
+                <a:spcPct val="20000"/>
+              </a:spcBef>
+              <a:buFont typeface="Arial" pitchFamily="34" charset="0"/>
+              <a:buNone/>
+              <a:defRPr sz="1600" kern="1200">
+                <a:solidFill>
+                  <a:schemeClr val="tx1">
+                    <a:tint val="75000"/>
+                  </a:schemeClr>
+                </a:solidFill>
+                <a:latin typeface="+mj-lt"/>
+                <a:ea typeface="+mn-ea"/>
+                <a:cs typeface="+mn-cs"/>
+              </a:defRPr>
+            </a:lvl9pPr>
+          </a:lstStyle>
           <a:p>
             <a:pPr marL="342900" indent="-342900" algn="l">
               <a:buFont typeface="Arial" panose="020B0604020202020204" pitchFamily="34" charset="0"/>
               <a:buChar char="•"/>
             </a:pPr>
-            <a:endParaRPr lang="en-US" sz="3200" dirty="0"/>
-          </a:p>
-        </p:txBody>
-      </p:sp>
-      <p:sp>
-        <p:nvSpPr>
-          <p:cNvPr id="4" name="Date Placeholder 3"/>
-          <p:cNvSpPr>
-            <a:spLocks noGrp="1"/>
-          </p:cNvSpPr>
-          <p:nvPr>
-            <p:ph type="dt" sz="half" idx="10"/>
-          </p:nvPr>
-        </p:nvSpPr>
-        <p:spPr/>
-        <p:txBody>
-          <a:bodyPr/>
-          <a:lstStyle/>
-          <a:p>
-            <a:fld id="{216C5678-EE20-4FA5-88E2-6E0BD67A2E26}" type="datetime1">
-              <a:rPr lang="en-US" smtClean="0"/>
-              <a:t>3/13/2016</a:t>
-            </a:fld>
-            <a:endParaRPr lang="en-US" dirty="0"/>
-          </a:p>
-        </p:txBody>
-      </p:sp>
-      <p:sp>
-        <p:nvSpPr>
-          <p:cNvPr id="5" name="Slide Number Placeholder 4"/>
-          <p:cNvSpPr>
-            <a:spLocks noGrp="1"/>
-          </p:cNvSpPr>
-          <p:nvPr>
-            <p:ph type="sldNum" sz="quarter" idx="11"/>
-          </p:nvPr>
-        </p:nvSpPr>
-        <p:spPr/>
-        <p:txBody>
-          <a:bodyPr/>
-          <a:lstStyle/>
-          <a:p>
-            <a:fld id="{BA9B540C-44DA-4F69-89C9-7C84606640D3}" type="slidenum">
-              <a:rPr lang="en-US" smtClean="0"/>
-              <a:pPr/>
-              <a:t>15</a:t>
-            </a:fld>
-            <a:endParaRPr lang="en-US" dirty="0"/>
-          </a:p>
-        </p:txBody>
-      </p:sp>
-      <p:sp>
-        <p:nvSpPr>
-          <p:cNvPr id="6" name="Footer Placeholder 5"/>
-          <p:cNvSpPr>
-            <a:spLocks noGrp="1"/>
-          </p:cNvSpPr>
-          <p:nvPr>
-            <p:ph type="ftr" sz="quarter" idx="12"/>
-          </p:nvPr>
-        </p:nvSpPr>
-        <p:spPr/>
-        <p:txBody>
-          <a:bodyPr/>
-          <a:lstStyle/>
-          <a:p>
-            <a:r>
-              <a:rPr lang="en-US" smtClean="0"/>
-              <a:t>Footer Text</a:t>
-            </a:r>
-            <a:endParaRPr lang="en-US" dirty="0"/>
+            <a:r>
+              <a:rPr lang="en-US" sz="2800" dirty="0" smtClean="0"/>
+              <a:t>Xx</a:t>
+            </a:r>
+          </a:p>
+          <a:p>
+            <a:pPr marL="342900" indent="-342900" algn="l">
+              <a:buFont typeface="Arial" panose="020B0604020202020204" pitchFamily="34" charset="0"/>
+              <a:buChar char="•"/>
+            </a:pPr>
+            <a:r>
+              <a:rPr lang="en-US" sz="2800" dirty="0" smtClean="0"/>
+              <a:t>Code Demo</a:t>
+            </a:r>
           </a:p>
         </p:txBody>
       </p:sp>
@@ -6706,7 +6968,15 @@
             <a:pPr algn="l"/>
             <a:r>
               <a:rPr lang="en-US" sz="4000" dirty="0" smtClean="0"/>
-              <a:t>xx</a:t>
+              <a:t>Code Review Patterns (</a:t>
+            </a:r>
+            <a:r>
+              <a:rPr lang="en-US" sz="4000" dirty="0" err="1" smtClean="0"/>
+              <a:t>cont</a:t>
+            </a:r>
+            <a:r>
+              <a:rPr lang="en-US" sz="4000" dirty="0" smtClean="0"/>
+              <a:t>)</a:t>
             </a:r>
             <a:endParaRPr lang="en-US" sz="4000" dirty="0"/>
           </a:p>
@@ -6714,7 +6984,77 @@
       </p:sp>
       <p:sp>
         <p:nvSpPr>
-          <p:cNvPr id="3" name="Subtitle 2"/>
+          <p:cNvPr id="4" name="Date Placeholder 3"/>
+          <p:cNvSpPr>
+            <a:spLocks noGrp="1"/>
+          </p:cNvSpPr>
+          <p:nvPr>
+            <p:ph type="dt" sz="half" idx="10"/>
+          </p:nvPr>
+        </p:nvSpPr>
+        <p:spPr/>
+        <p:txBody>
+          <a:bodyPr/>
+          <a:lstStyle/>
+          <a:p>
+            <a:fld id="{216C5678-EE20-4FA5-88E2-6E0BD67A2E26}" type="datetime1">
+              <a:rPr lang="en-US" smtClean="0"/>
+              <a:t>3/13/2016</a:t>
+            </a:fld>
+            <a:endParaRPr lang="en-US" dirty="0"/>
+          </a:p>
+        </p:txBody>
+      </p:sp>
+      <p:sp>
+        <p:nvSpPr>
+          <p:cNvPr id="5" name="Slide Number Placeholder 4"/>
+          <p:cNvSpPr>
+            <a:spLocks noGrp="1"/>
+          </p:cNvSpPr>
+          <p:nvPr>
+            <p:ph type="sldNum" sz="quarter" idx="11"/>
+          </p:nvPr>
+        </p:nvSpPr>
+        <p:spPr/>
+        <p:txBody>
+          <a:bodyPr/>
+          <a:lstStyle/>
+          <a:p>
+            <a:fld id="{BA9B540C-44DA-4F69-89C9-7C84606640D3}" type="slidenum">
+              <a:rPr lang="en-US" smtClean="0"/>
+              <a:pPr/>
+              <a:t>16</a:t>
+            </a:fld>
+            <a:endParaRPr lang="en-US" dirty="0"/>
+          </a:p>
+        </p:txBody>
+      </p:sp>
+      <p:sp>
+        <p:nvSpPr>
+          <p:cNvPr id="6" name="Footer Placeholder 5"/>
+          <p:cNvSpPr>
+            <a:spLocks noGrp="1"/>
+          </p:cNvSpPr>
+          <p:nvPr>
+            <p:ph type="ftr" sz="quarter" idx="12"/>
+          </p:nvPr>
+        </p:nvSpPr>
+        <p:spPr/>
+        <p:txBody>
+          <a:bodyPr/>
+          <a:lstStyle/>
+          <a:p>
+            <a:r>
+              <a:rPr lang="en-US" smtClean="0"/>
+              <a:t>Footer Text</a:t>
+            </a:r>
+            <a:endParaRPr lang="en-US" dirty="0"/>
+          </a:p>
+        </p:txBody>
+      </p:sp>
+      <p:sp>
+        <p:nvSpPr>
+          <p:cNvPr id="8" name="Subtitle 2"/>
           <p:cNvSpPr>
             <a:spLocks noGrp="1"/>
           </p:cNvSpPr>
@@ -6724,8 +7064,8 @@
         </p:nvSpPr>
         <p:spPr>
           <a:xfrm>
-            <a:off x="762000" y="1219200"/>
-            <a:ext cx="7315200" cy="4343400"/>
+            <a:off x="228600" y="1066800"/>
+            <a:ext cx="7315200" cy="685800"/>
           </a:xfrm>
         </p:spPr>
         <p:txBody>
@@ -6733,89 +7073,218 @@
             <a:noAutofit/>
           </a:bodyPr>
           <a:lstStyle/>
+          <a:p>
+            <a:pPr algn="l"/>
+            <a:r>
+              <a:rPr lang="en-US" sz="3200" b="1" u="sng" dirty="0" smtClean="0"/>
+              <a:t>DRY</a:t>
+            </a:r>
+            <a:endParaRPr lang="en-US" sz="3200" b="1" u="sng" dirty="0"/>
+          </a:p>
+        </p:txBody>
+      </p:sp>
+      <p:sp>
+        <p:nvSpPr>
+          <p:cNvPr id="7" name="Subtitle 6"/>
+          <p:cNvSpPr txBox="1">
+            <a:spLocks/>
+          </p:cNvSpPr>
+          <p:nvPr/>
+        </p:nvSpPr>
+        <p:spPr>
+          <a:xfrm>
+            <a:off x="573183" y="1676400"/>
+            <a:ext cx="7854368" cy="4648200"/>
+          </a:xfrm>
+          <a:prstGeom prst="rect">
+            <a:avLst/>
+          </a:prstGeom>
+        </p:spPr>
+        <p:txBody>
+          <a:bodyPr vert="horz" lIns="91440" tIns="45720" rIns="91440" bIns="45720" rtlCol="0">
+            <a:normAutofit/>
+          </a:bodyPr>
+          <a:lstStyle>
+            <a:lvl1pPr marL="0" indent="0" algn="ctr" defTabSz="914400" rtl="0" eaLnBrk="1" latinLnBrk="0" hangingPunct="1">
+              <a:spcBef>
+                <a:spcPct val="20000"/>
+              </a:spcBef>
+              <a:buFont typeface="Arial" pitchFamily="34" charset="0"/>
+              <a:buNone/>
+              <a:defRPr sz="2400" kern="1200">
+                <a:solidFill>
+                  <a:schemeClr val="tx1">
+                    <a:tint val="75000"/>
+                  </a:schemeClr>
+                </a:solidFill>
+                <a:latin typeface="+mj-lt"/>
+                <a:ea typeface="+mn-ea"/>
+                <a:cs typeface="+mn-cs"/>
+              </a:defRPr>
+            </a:lvl1pPr>
+            <a:lvl2pPr marL="457200" indent="0" algn="ctr" defTabSz="914400" rtl="0" eaLnBrk="1" latinLnBrk="0" hangingPunct="1">
+              <a:spcBef>
+                <a:spcPct val="20000"/>
+              </a:spcBef>
+              <a:buFont typeface="Courier New" pitchFamily="49" charset="0"/>
+              <a:buNone/>
+              <a:defRPr sz="1600" kern="1200">
+                <a:solidFill>
+                  <a:schemeClr val="tx1">
+                    <a:tint val="75000"/>
+                  </a:schemeClr>
+                </a:solidFill>
+                <a:latin typeface="+mj-lt"/>
+                <a:ea typeface="+mn-ea"/>
+                <a:cs typeface="+mn-cs"/>
+              </a:defRPr>
+            </a:lvl2pPr>
+            <a:lvl3pPr marL="914400" indent="0" algn="ctr" defTabSz="914400" rtl="0" eaLnBrk="1" latinLnBrk="0" hangingPunct="1">
+              <a:spcBef>
+                <a:spcPct val="20000"/>
+              </a:spcBef>
+              <a:buFont typeface="Arial" pitchFamily="34" charset="0"/>
+              <a:buNone/>
+              <a:defRPr sz="1600" kern="1200">
+                <a:solidFill>
+                  <a:schemeClr val="tx1">
+                    <a:tint val="75000"/>
+                  </a:schemeClr>
+                </a:solidFill>
+                <a:latin typeface="+mj-lt"/>
+                <a:ea typeface="+mn-ea"/>
+                <a:cs typeface="+mn-cs"/>
+              </a:defRPr>
+            </a:lvl3pPr>
+            <a:lvl4pPr marL="1371600" indent="0" algn="ctr" defTabSz="914400" rtl="0" eaLnBrk="1" latinLnBrk="0" hangingPunct="1">
+              <a:spcBef>
+                <a:spcPct val="20000"/>
+              </a:spcBef>
+              <a:buFont typeface="Courier New" pitchFamily="49" charset="0"/>
+              <a:buNone/>
+              <a:defRPr sz="1600" kern="1200">
+                <a:solidFill>
+                  <a:schemeClr val="tx1">
+                    <a:tint val="75000"/>
+                  </a:schemeClr>
+                </a:solidFill>
+                <a:latin typeface="+mj-lt"/>
+                <a:ea typeface="+mn-ea"/>
+                <a:cs typeface="+mn-cs"/>
+              </a:defRPr>
+            </a:lvl4pPr>
+            <a:lvl5pPr marL="1828800" indent="0" algn="ctr" defTabSz="914400" rtl="0" eaLnBrk="1" latinLnBrk="0" hangingPunct="1">
+              <a:spcBef>
+                <a:spcPct val="20000"/>
+              </a:spcBef>
+              <a:buFont typeface="Arial" pitchFamily="34" charset="0"/>
+              <a:buNone/>
+              <a:defRPr sz="1600" kern="1200">
+                <a:solidFill>
+                  <a:schemeClr val="tx1">
+                    <a:tint val="75000"/>
+                  </a:schemeClr>
+                </a:solidFill>
+                <a:latin typeface="+mj-lt"/>
+                <a:ea typeface="+mn-ea"/>
+                <a:cs typeface="+mn-cs"/>
+              </a:defRPr>
+            </a:lvl5pPr>
+            <a:lvl6pPr marL="2286000" indent="0" algn="ctr" defTabSz="914400" rtl="0" eaLnBrk="1" latinLnBrk="0" hangingPunct="1">
+              <a:spcBef>
+                <a:spcPct val="20000"/>
+              </a:spcBef>
+              <a:buFont typeface="Courier New" pitchFamily="49" charset="0"/>
+              <a:buNone/>
+              <a:defRPr sz="1600" kern="1200">
+                <a:solidFill>
+                  <a:schemeClr val="tx1">
+                    <a:tint val="75000"/>
+                  </a:schemeClr>
+                </a:solidFill>
+                <a:latin typeface="+mj-lt"/>
+                <a:ea typeface="+mn-ea"/>
+                <a:cs typeface="+mn-cs"/>
+              </a:defRPr>
+            </a:lvl6pPr>
+            <a:lvl7pPr marL="2743200" indent="0" algn="ctr" defTabSz="914400" rtl="0" eaLnBrk="1" latinLnBrk="0" hangingPunct="1">
+              <a:spcBef>
+                <a:spcPct val="20000"/>
+              </a:spcBef>
+              <a:buFont typeface="Arial" pitchFamily="34" charset="0"/>
+              <a:buNone/>
+              <a:defRPr sz="1600" kern="1200">
+                <a:solidFill>
+                  <a:schemeClr val="tx1">
+                    <a:tint val="75000"/>
+                  </a:schemeClr>
+                </a:solidFill>
+                <a:latin typeface="+mj-lt"/>
+                <a:ea typeface="+mn-ea"/>
+                <a:cs typeface="+mn-cs"/>
+              </a:defRPr>
+            </a:lvl7pPr>
+            <a:lvl8pPr marL="3200400" indent="0" algn="ctr" defTabSz="914400" rtl="0" eaLnBrk="1" latinLnBrk="0" hangingPunct="1">
+              <a:spcBef>
+                <a:spcPct val="20000"/>
+              </a:spcBef>
+              <a:buFont typeface="Courier New" pitchFamily="49" charset="0"/>
+              <a:buNone/>
+              <a:defRPr sz="1600" kern="1200">
+                <a:solidFill>
+                  <a:schemeClr val="tx1">
+                    <a:tint val="75000"/>
+                  </a:schemeClr>
+                </a:solidFill>
+                <a:latin typeface="+mj-lt"/>
+                <a:ea typeface="+mn-ea"/>
+                <a:cs typeface="+mn-cs"/>
+              </a:defRPr>
+            </a:lvl8pPr>
+            <a:lvl9pPr marL="3657600" indent="0" algn="ctr" defTabSz="914400" rtl="0" eaLnBrk="1" latinLnBrk="0" hangingPunct="1">
+              <a:spcBef>
+                <a:spcPct val="20000"/>
+              </a:spcBef>
+              <a:buFont typeface="Arial" pitchFamily="34" charset="0"/>
+              <a:buNone/>
+              <a:defRPr sz="1600" kern="1200">
+                <a:solidFill>
+                  <a:schemeClr val="tx1">
+                    <a:tint val="75000"/>
+                  </a:schemeClr>
+                </a:solidFill>
+                <a:latin typeface="+mj-lt"/>
+                <a:ea typeface="+mn-ea"/>
+                <a:cs typeface="+mn-cs"/>
+              </a:defRPr>
+            </a:lvl9pPr>
+          </a:lstStyle>
           <a:p>
             <a:pPr marL="342900" indent="-342900" algn="l">
               <a:buFont typeface="Arial" panose="020B0604020202020204" pitchFamily="34" charset="0"/>
               <a:buChar char="•"/>
             </a:pPr>
-            <a:endParaRPr lang="en-US" sz="3200" dirty="0"/>
-          </a:p>
-        </p:txBody>
-      </p:sp>
-      <p:sp>
-        <p:nvSpPr>
-          <p:cNvPr id="4" name="Date Placeholder 3"/>
-          <p:cNvSpPr>
-            <a:spLocks noGrp="1"/>
-          </p:cNvSpPr>
-          <p:nvPr>
-            <p:ph type="dt" sz="half" idx="10"/>
-          </p:nvPr>
-        </p:nvSpPr>
-        <p:spPr/>
-        <p:txBody>
-          <a:bodyPr/>
-          <a:lstStyle/>
-          <a:p>
-            <a:fld id="{216C5678-EE20-4FA5-88E2-6E0BD67A2E26}" type="datetime1">
-              <a:rPr lang="en-US" smtClean="0"/>
-              <a:t>3/13/2016</a:t>
-            </a:fld>
-            <a:endParaRPr lang="en-US" dirty="0"/>
-          </a:p>
-        </p:txBody>
-      </p:sp>
-      <p:sp>
-        <p:nvSpPr>
-          <p:cNvPr id="5" name="Slide Number Placeholder 4"/>
-          <p:cNvSpPr>
-            <a:spLocks noGrp="1"/>
-          </p:cNvSpPr>
-          <p:nvPr>
-            <p:ph type="sldNum" sz="quarter" idx="11"/>
-          </p:nvPr>
-        </p:nvSpPr>
-        <p:spPr/>
-        <p:txBody>
-          <a:bodyPr/>
-          <a:lstStyle/>
-          <a:p>
-            <a:fld id="{BA9B540C-44DA-4F69-89C9-7C84606640D3}" type="slidenum">
-              <a:rPr lang="en-US" smtClean="0"/>
-              <a:pPr/>
-              <a:t>16</a:t>
-            </a:fld>
-            <a:endParaRPr lang="en-US" dirty="0"/>
-          </a:p>
-        </p:txBody>
-      </p:sp>
-      <p:sp>
-        <p:nvSpPr>
-          <p:cNvPr id="6" name="Footer Placeholder 5"/>
-          <p:cNvSpPr>
-            <a:spLocks noGrp="1"/>
-          </p:cNvSpPr>
-          <p:nvPr>
-            <p:ph type="ftr" sz="quarter" idx="12"/>
-          </p:nvPr>
-        </p:nvSpPr>
-        <p:spPr/>
-        <p:txBody>
-          <a:bodyPr/>
-          <a:lstStyle/>
-          <a:p>
-            <a:r>
-              <a:rPr lang="en-US" smtClean="0"/>
-              <a:t>Footer Text</a:t>
-            </a:r>
-            <a:endParaRPr lang="en-US" dirty="0"/>
+            <a:r>
+              <a:rPr lang="en-US" sz="2800" dirty="0" smtClean="0"/>
+              <a:t>Xx</a:t>
+            </a:r>
+          </a:p>
+          <a:p>
+            <a:pPr marL="342900" indent="-342900" algn="l">
+              <a:buFont typeface="Arial" panose="020B0604020202020204" pitchFamily="34" charset="0"/>
+              <a:buChar char="•"/>
+            </a:pPr>
+            <a:r>
+              <a:rPr lang="en-US" sz="2800" dirty="0" smtClean="0"/>
+              <a:t>Code Demo</a:t>
+            </a:r>
           </a:p>
         </p:txBody>
       </p:sp>
     </p:spTree>
     <p:extLst>
       <p:ext uri="{BB962C8B-B14F-4D97-AF65-F5344CB8AC3E}">
-        <p14:creationId xmlns:p14="http://schemas.microsoft.com/office/powerpoint/2010/main" val="2740892730"/>
+        <p14:creationId xmlns:p14="http://schemas.microsoft.com/office/powerpoint/2010/main" val="3369183476"/>
       </p:ext>
     </p:extLst>
   </p:cSld>
@@ -6865,7 +7334,15 @@
             <a:pPr algn="l"/>
             <a:r>
               <a:rPr lang="en-US" sz="4000" dirty="0" smtClean="0"/>
-              <a:t>xx</a:t>
+              <a:t>Code Review Patterns (</a:t>
+            </a:r>
+            <a:r>
+              <a:rPr lang="en-US" sz="4000" dirty="0" err="1" smtClean="0"/>
+              <a:t>cont</a:t>
+            </a:r>
+            <a:r>
+              <a:rPr lang="en-US" sz="4000" dirty="0" smtClean="0"/>
+              <a:t>)</a:t>
             </a:r>
             <a:endParaRPr lang="en-US" sz="4000" dirty="0"/>
           </a:p>
@@ -6873,7 +7350,77 @@
       </p:sp>
       <p:sp>
         <p:nvSpPr>
-          <p:cNvPr id="3" name="Subtitle 2"/>
+          <p:cNvPr id="4" name="Date Placeholder 3"/>
+          <p:cNvSpPr>
+            <a:spLocks noGrp="1"/>
+          </p:cNvSpPr>
+          <p:nvPr>
+            <p:ph type="dt" sz="half" idx="10"/>
+          </p:nvPr>
+        </p:nvSpPr>
+        <p:spPr/>
+        <p:txBody>
+          <a:bodyPr/>
+          <a:lstStyle/>
+          <a:p>
+            <a:fld id="{216C5678-EE20-4FA5-88E2-6E0BD67A2E26}" type="datetime1">
+              <a:rPr lang="en-US" smtClean="0"/>
+              <a:t>3/13/2016</a:t>
+            </a:fld>
+            <a:endParaRPr lang="en-US" dirty="0"/>
+          </a:p>
+        </p:txBody>
+      </p:sp>
+      <p:sp>
+        <p:nvSpPr>
+          <p:cNvPr id="5" name="Slide Number Placeholder 4"/>
+          <p:cNvSpPr>
+            <a:spLocks noGrp="1"/>
+          </p:cNvSpPr>
+          <p:nvPr>
+            <p:ph type="sldNum" sz="quarter" idx="11"/>
+          </p:nvPr>
+        </p:nvSpPr>
+        <p:spPr/>
+        <p:txBody>
+          <a:bodyPr/>
+          <a:lstStyle/>
+          <a:p>
+            <a:fld id="{BA9B540C-44DA-4F69-89C9-7C84606640D3}" type="slidenum">
+              <a:rPr lang="en-US" smtClean="0"/>
+              <a:pPr/>
+              <a:t>17</a:t>
+            </a:fld>
+            <a:endParaRPr lang="en-US" dirty="0"/>
+          </a:p>
+        </p:txBody>
+      </p:sp>
+      <p:sp>
+        <p:nvSpPr>
+          <p:cNvPr id="6" name="Footer Placeholder 5"/>
+          <p:cNvSpPr>
+            <a:spLocks noGrp="1"/>
+          </p:cNvSpPr>
+          <p:nvPr>
+            <p:ph type="ftr" sz="quarter" idx="12"/>
+          </p:nvPr>
+        </p:nvSpPr>
+        <p:spPr/>
+        <p:txBody>
+          <a:bodyPr/>
+          <a:lstStyle/>
+          <a:p>
+            <a:r>
+              <a:rPr lang="en-US" smtClean="0"/>
+              <a:t>Footer Text</a:t>
+            </a:r>
+            <a:endParaRPr lang="en-US" dirty="0"/>
+          </a:p>
+        </p:txBody>
+      </p:sp>
+      <p:sp>
+        <p:nvSpPr>
+          <p:cNvPr id="8" name="Subtitle 2"/>
           <p:cNvSpPr>
             <a:spLocks noGrp="1"/>
           </p:cNvSpPr>
@@ -6883,8 +7430,8 @@
         </p:nvSpPr>
         <p:spPr>
           <a:xfrm>
-            <a:off x="762000" y="1219200"/>
-            <a:ext cx="7315200" cy="4343400"/>
+            <a:off x="228600" y="1066800"/>
+            <a:ext cx="7315200" cy="685800"/>
           </a:xfrm>
         </p:spPr>
         <p:txBody>
@@ -6892,89 +7439,218 @@
             <a:noAutofit/>
           </a:bodyPr>
           <a:lstStyle/>
+          <a:p>
+            <a:pPr algn="l"/>
+            <a:r>
+              <a:rPr lang="en-US" sz="3200" b="1" u="sng" dirty="0" smtClean="0"/>
+              <a:t>Testable</a:t>
+            </a:r>
+            <a:endParaRPr lang="en-US" sz="3200" b="1" u="sng" dirty="0"/>
+          </a:p>
+        </p:txBody>
+      </p:sp>
+      <p:sp>
+        <p:nvSpPr>
+          <p:cNvPr id="7" name="Subtitle 6"/>
+          <p:cNvSpPr txBox="1">
+            <a:spLocks/>
+          </p:cNvSpPr>
+          <p:nvPr/>
+        </p:nvSpPr>
+        <p:spPr>
+          <a:xfrm>
+            <a:off x="573183" y="1676400"/>
+            <a:ext cx="7854368" cy="4648200"/>
+          </a:xfrm>
+          <a:prstGeom prst="rect">
+            <a:avLst/>
+          </a:prstGeom>
+        </p:spPr>
+        <p:txBody>
+          <a:bodyPr vert="horz" lIns="91440" tIns="45720" rIns="91440" bIns="45720" rtlCol="0">
+            <a:normAutofit/>
+          </a:bodyPr>
+          <a:lstStyle>
+            <a:lvl1pPr marL="0" indent="0" algn="ctr" defTabSz="914400" rtl="0" eaLnBrk="1" latinLnBrk="0" hangingPunct="1">
+              <a:spcBef>
+                <a:spcPct val="20000"/>
+              </a:spcBef>
+              <a:buFont typeface="Arial" pitchFamily="34" charset="0"/>
+              <a:buNone/>
+              <a:defRPr sz="2400" kern="1200">
+                <a:solidFill>
+                  <a:schemeClr val="tx1">
+                    <a:tint val="75000"/>
+                  </a:schemeClr>
+                </a:solidFill>
+                <a:latin typeface="+mj-lt"/>
+                <a:ea typeface="+mn-ea"/>
+                <a:cs typeface="+mn-cs"/>
+              </a:defRPr>
+            </a:lvl1pPr>
+            <a:lvl2pPr marL="457200" indent="0" algn="ctr" defTabSz="914400" rtl="0" eaLnBrk="1" latinLnBrk="0" hangingPunct="1">
+              <a:spcBef>
+                <a:spcPct val="20000"/>
+              </a:spcBef>
+              <a:buFont typeface="Courier New" pitchFamily="49" charset="0"/>
+              <a:buNone/>
+              <a:defRPr sz="1600" kern="1200">
+                <a:solidFill>
+                  <a:schemeClr val="tx1">
+                    <a:tint val="75000"/>
+                  </a:schemeClr>
+                </a:solidFill>
+                <a:latin typeface="+mj-lt"/>
+                <a:ea typeface="+mn-ea"/>
+                <a:cs typeface="+mn-cs"/>
+              </a:defRPr>
+            </a:lvl2pPr>
+            <a:lvl3pPr marL="914400" indent="0" algn="ctr" defTabSz="914400" rtl="0" eaLnBrk="1" latinLnBrk="0" hangingPunct="1">
+              <a:spcBef>
+                <a:spcPct val="20000"/>
+              </a:spcBef>
+              <a:buFont typeface="Arial" pitchFamily="34" charset="0"/>
+              <a:buNone/>
+              <a:defRPr sz="1600" kern="1200">
+                <a:solidFill>
+                  <a:schemeClr val="tx1">
+                    <a:tint val="75000"/>
+                  </a:schemeClr>
+                </a:solidFill>
+                <a:latin typeface="+mj-lt"/>
+                <a:ea typeface="+mn-ea"/>
+                <a:cs typeface="+mn-cs"/>
+              </a:defRPr>
+            </a:lvl3pPr>
+            <a:lvl4pPr marL="1371600" indent="0" algn="ctr" defTabSz="914400" rtl="0" eaLnBrk="1" latinLnBrk="0" hangingPunct="1">
+              <a:spcBef>
+                <a:spcPct val="20000"/>
+              </a:spcBef>
+              <a:buFont typeface="Courier New" pitchFamily="49" charset="0"/>
+              <a:buNone/>
+              <a:defRPr sz="1600" kern="1200">
+                <a:solidFill>
+                  <a:schemeClr val="tx1">
+                    <a:tint val="75000"/>
+                  </a:schemeClr>
+                </a:solidFill>
+                <a:latin typeface="+mj-lt"/>
+                <a:ea typeface="+mn-ea"/>
+                <a:cs typeface="+mn-cs"/>
+              </a:defRPr>
+            </a:lvl4pPr>
+            <a:lvl5pPr marL="1828800" indent="0" algn="ctr" defTabSz="914400" rtl="0" eaLnBrk="1" latinLnBrk="0" hangingPunct="1">
+              <a:spcBef>
+                <a:spcPct val="20000"/>
+              </a:spcBef>
+              <a:buFont typeface="Arial" pitchFamily="34" charset="0"/>
+              <a:buNone/>
+              <a:defRPr sz="1600" kern="1200">
+                <a:solidFill>
+                  <a:schemeClr val="tx1">
+                    <a:tint val="75000"/>
+                  </a:schemeClr>
+                </a:solidFill>
+                <a:latin typeface="+mj-lt"/>
+                <a:ea typeface="+mn-ea"/>
+                <a:cs typeface="+mn-cs"/>
+              </a:defRPr>
+            </a:lvl5pPr>
+            <a:lvl6pPr marL="2286000" indent="0" algn="ctr" defTabSz="914400" rtl="0" eaLnBrk="1" latinLnBrk="0" hangingPunct="1">
+              <a:spcBef>
+                <a:spcPct val="20000"/>
+              </a:spcBef>
+              <a:buFont typeface="Courier New" pitchFamily="49" charset="0"/>
+              <a:buNone/>
+              <a:defRPr sz="1600" kern="1200">
+                <a:solidFill>
+                  <a:schemeClr val="tx1">
+                    <a:tint val="75000"/>
+                  </a:schemeClr>
+                </a:solidFill>
+                <a:latin typeface="+mj-lt"/>
+                <a:ea typeface="+mn-ea"/>
+                <a:cs typeface="+mn-cs"/>
+              </a:defRPr>
+            </a:lvl6pPr>
+            <a:lvl7pPr marL="2743200" indent="0" algn="ctr" defTabSz="914400" rtl="0" eaLnBrk="1" latinLnBrk="0" hangingPunct="1">
+              <a:spcBef>
+                <a:spcPct val="20000"/>
+              </a:spcBef>
+              <a:buFont typeface="Arial" pitchFamily="34" charset="0"/>
+              <a:buNone/>
+              <a:defRPr sz="1600" kern="1200">
+                <a:solidFill>
+                  <a:schemeClr val="tx1">
+                    <a:tint val="75000"/>
+                  </a:schemeClr>
+                </a:solidFill>
+                <a:latin typeface="+mj-lt"/>
+                <a:ea typeface="+mn-ea"/>
+                <a:cs typeface="+mn-cs"/>
+              </a:defRPr>
+            </a:lvl7pPr>
+            <a:lvl8pPr marL="3200400" indent="0" algn="ctr" defTabSz="914400" rtl="0" eaLnBrk="1" latinLnBrk="0" hangingPunct="1">
+              <a:spcBef>
+                <a:spcPct val="20000"/>
+              </a:spcBef>
+              <a:buFont typeface="Courier New" pitchFamily="49" charset="0"/>
+              <a:buNone/>
+              <a:defRPr sz="1600" kern="1200">
+                <a:solidFill>
+                  <a:schemeClr val="tx1">
+                    <a:tint val="75000"/>
+                  </a:schemeClr>
+                </a:solidFill>
+                <a:latin typeface="+mj-lt"/>
+                <a:ea typeface="+mn-ea"/>
+                <a:cs typeface="+mn-cs"/>
+              </a:defRPr>
+            </a:lvl8pPr>
+            <a:lvl9pPr marL="3657600" indent="0" algn="ctr" defTabSz="914400" rtl="0" eaLnBrk="1" latinLnBrk="0" hangingPunct="1">
+              <a:spcBef>
+                <a:spcPct val="20000"/>
+              </a:spcBef>
+              <a:buFont typeface="Arial" pitchFamily="34" charset="0"/>
+              <a:buNone/>
+              <a:defRPr sz="1600" kern="1200">
+                <a:solidFill>
+                  <a:schemeClr val="tx1">
+                    <a:tint val="75000"/>
+                  </a:schemeClr>
+                </a:solidFill>
+                <a:latin typeface="+mj-lt"/>
+                <a:ea typeface="+mn-ea"/>
+                <a:cs typeface="+mn-cs"/>
+              </a:defRPr>
+            </a:lvl9pPr>
+          </a:lstStyle>
           <a:p>
             <a:pPr marL="342900" indent="-342900" algn="l">
               <a:buFont typeface="Arial" panose="020B0604020202020204" pitchFamily="34" charset="0"/>
               <a:buChar char="•"/>
             </a:pPr>
-            <a:endParaRPr lang="en-US" sz="3200" dirty="0"/>
-          </a:p>
-        </p:txBody>
-      </p:sp>
-      <p:sp>
-        <p:nvSpPr>
-          <p:cNvPr id="4" name="Date Placeholder 3"/>
-          <p:cNvSpPr>
-            <a:spLocks noGrp="1"/>
-          </p:cNvSpPr>
-          <p:nvPr>
-            <p:ph type="dt" sz="half" idx="10"/>
-          </p:nvPr>
-        </p:nvSpPr>
-        <p:spPr/>
-        <p:txBody>
-          <a:bodyPr/>
-          <a:lstStyle/>
-          <a:p>
-            <a:fld id="{216C5678-EE20-4FA5-88E2-6E0BD67A2E26}" type="datetime1">
-              <a:rPr lang="en-US" smtClean="0"/>
-              <a:t>3/13/2016</a:t>
-            </a:fld>
-            <a:endParaRPr lang="en-US" dirty="0"/>
-          </a:p>
-        </p:txBody>
-      </p:sp>
-      <p:sp>
-        <p:nvSpPr>
-          <p:cNvPr id="5" name="Slide Number Placeholder 4"/>
-          <p:cNvSpPr>
-            <a:spLocks noGrp="1"/>
-          </p:cNvSpPr>
-          <p:nvPr>
-            <p:ph type="sldNum" sz="quarter" idx="11"/>
-          </p:nvPr>
-        </p:nvSpPr>
-        <p:spPr/>
-        <p:txBody>
-          <a:bodyPr/>
-          <a:lstStyle/>
-          <a:p>
-            <a:fld id="{BA9B540C-44DA-4F69-89C9-7C84606640D3}" type="slidenum">
-              <a:rPr lang="en-US" smtClean="0"/>
-              <a:pPr/>
-              <a:t>17</a:t>
-            </a:fld>
-            <a:endParaRPr lang="en-US" dirty="0"/>
-          </a:p>
-        </p:txBody>
-      </p:sp>
-      <p:sp>
-        <p:nvSpPr>
-          <p:cNvPr id="6" name="Footer Placeholder 5"/>
-          <p:cNvSpPr>
-            <a:spLocks noGrp="1"/>
-          </p:cNvSpPr>
-          <p:nvPr>
-            <p:ph type="ftr" sz="quarter" idx="12"/>
-          </p:nvPr>
-        </p:nvSpPr>
-        <p:spPr/>
-        <p:txBody>
-          <a:bodyPr/>
-          <a:lstStyle/>
-          <a:p>
-            <a:r>
-              <a:rPr lang="en-US" smtClean="0"/>
-              <a:t>Footer Text</a:t>
-            </a:r>
-            <a:endParaRPr lang="en-US" dirty="0"/>
+            <a:r>
+              <a:rPr lang="en-US" sz="2800" dirty="0" smtClean="0"/>
+              <a:t>Xx</a:t>
+            </a:r>
+          </a:p>
+          <a:p>
+            <a:pPr marL="342900" indent="-342900" algn="l">
+              <a:buFont typeface="Arial" panose="020B0604020202020204" pitchFamily="34" charset="0"/>
+              <a:buChar char="•"/>
+            </a:pPr>
+            <a:r>
+              <a:rPr lang="en-US" sz="2800" dirty="0" smtClean="0"/>
+              <a:t>Code Demo</a:t>
+            </a:r>
           </a:p>
         </p:txBody>
       </p:sp>
     </p:spTree>
     <p:extLst>
       <p:ext uri="{BB962C8B-B14F-4D97-AF65-F5344CB8AC3E}">
-        <p14:creationId xmlns:p14="http://schemas.microsoft.com/office/powerpoint/2010/main" val="2547404136"/>
+        <p14:creationId xmlns:p14="http://schemas.microsoft.com/office/powerpoint/2010/main" val="536111359"/>
       </p:ext>
     </p:extLst>
   </p:cSld>
@@ -7014,7 +7690,7 @@
         <p:spPr>
           <a:xfrm>
             <a:off x="685800" y="228600"/>
-            <a:ext cx="8458200" cy="685800"/>
+            <a:ext cx="7772400" cy="685800"/>
           </a:xfrm>
         </p:spPr>
         <p:txBody>
@@ -7024,7 +7700,15 @@
             <a:pPr algn="l"/>
             <a:r>
               <a:rPr lang="en-US" sz="4000" dirty="0" smtClean="0"/>
-              <a:t>Conclusion</a:t>
+              <a:t>Code Review Patterns (</a:t>
+            </a:r>
+            <a:r>
+              <a:rPr lang="en-US" sz="4000" dirty="0" err="1" smtClean="0"/>
+              <a:t>cont</a:t>
+            </a:r>
+            <a:r>
+              <a:rPr lang="en-US" sz="4000" dirty="0" smtClean="0"/>
+              <a:t>)</a:t>
             </a:r>
             <a:endParaRPr lang="en-US" sz="4000" dirty="0"/>
           </a:p>
@@ -7102,7 +7786,38 @@
       </p:sp>
       <p:sp>
         <p:nvSpPr>
-          <p:cNvPr id="7" name="Subtitle 2"/>
+          <p:cNvPr id="8" name="Subtitle 2"/>
+          <p:cNvSpPr>
+            <a:spLocks noGrp="1"/>
+          </p:cNvSpPr>
+          <p:nvPr>
+            <p:ph type="subTitle" idx="1"/>
+          </p:nvPr>
+        </p:nvSpPr>
+        <p:spPr>
+          <a:xfrm>
+            <a:off x="228600" y="1066800"/>
+            <a:ext cx="7315200" cy="685800"/>
+          </a:xfrm>
+        </p:spPr>
+        <p:txBody>
+          <a:bodyPr>
+            <a:noAutofit/>
+          </a:bodyPr>
+          <a:lstStyle/>
+          <a:p>
+            <a:pPr algn="l"/>
+            <a:r>
+              <a:rPr lang="en-US" sz="3200" b="1" u="sng" dirty="0" smtClean="0"/>
+              <a:t>Consistency</a:t>
+            </a:r>
+            <a:endParaRPr lang="en-US" sz="3200" b="1" u="sng" dirty="0"/>
+          </a:p>
+        </p:txBody>
+      </p:sp>
+      <p:sp>
+        <p:nvSpPr>
+          <p:cNvPr id="7" name="Subtitle 6"/>
           <p:cNvSpPr txBox="1">
             <a:spLocks/>
           </p:cNvSpPr>
@@ -7110,8 +7825,8 @@
         </p:nvSpPr>
         <p:spPr>
           <a:xfrm>
-            <a:off x="381000" y="1600200"/>
-            <a:ext cx="8458200" cy="3429000"/>
+            <a:off x="573183" y="1676400"/>
+            <a:ext cx="7854368" cy="4648200"/>
           </a:xfrm>
           <a:prstGeom prst="rect">
             <a:avLst/>
@@ -7282,8 +7997,8 @@
               <a:buChar char="•"/>
             </a:pPr>
             <a:r>
-              <a:rPr lang="en-US" sz="3200" dirty="0" smtClean="0"/>
-              <a:t>Introduction to Jasmine.</a:t>
+              <a:rPr lang="en-US" sz="2800" dirty="0" smtClean="0"/>
+              <a:t>Xx</a:t>
             </a:r>
           </a:p>
           <a:p>
@@ -7292,18 +8007,364 @@
               <a:buChar char="•"/>
             </a:pPr>
             <a:r>
-              <a:rPr lang="en-US" sz="3200" dirty="0" smtClean="0"/>
-              <a:t>Use Jasmine to mock ajax and long running functions</a:t>
-            </a:r>
-          </a:p>
+              <a:rPr lang="en-US" sz="2800" dirty="0" smtClean="0"/>
+              <a:t>Code Demo</a:t>
+            </a:r>
+          </a:p>
+        </p:txBody>
+      </p:sp>
+    </p:spTree>
+    <p:extLst>
+      <p:ext uri="{BB962C8B-B14F-4D97-AF65-F5344CB8AC3E}">
+        <p14:creationId xmlns:p14="http://schemas.microsoft.com/office/powerpoint/2010/main" val="2904839594"/>
+      </p:ext>
+    </p:extLst>
+  </p:cSld>
+  <p:clrMapOvr>
+    <a:masterClrMapping/>
+  </p:clrMapOvr>
+</p:sld>
+</file>
+
+<file path=ppt/slides/slide19.xml><?xml version="1.0" encoding="utf-8"?>
+<p:sld xmlns:a="http://schemas.openxmlformats.org/drawingml/2006/main" xmlns:r="http://schemas.openxmlformats.org/officeDocument/2006/relationships" xmlns:p="http://schemas.openxmlformats.org/presentationml/2006/main">
+  <p:cSld>
+    <p:spTree>
+      <p:nvGrpSpPr>
+        <p:cNvPr id="1" name=""/>
+        <p:cNvGrpSpPr/>
+        <p:nvPr/>
+      </p:nvGrpSpPr>
+      <p:grpSpPr>
+        <a:xfrm>
+          <a:off x="0" y="0"/>
+          <a:ext cx="0" cy="0"/>
+          <a:chOff x="0" y="0"/>
+          <a:chExt cx="0" cy="0"/>
+        </a:xfrm>
+      </p:grpSpPr>
+      <p:sp>
+        <p:nvSpPr>
+          <p:cNvPr id="2" name="Title 1"/>
+          <p:cNvSpPr>
+            <a:spLocks noGrp="1"/>
+          </p:cNvSpPr>
+          <p:nvPr>
+            <p:ph type="ctrTitle"/>
+          </p:nvPr>
+        </p:nvSpPr>
+        <p:spPr>
+          <a:xfrm>
+            <a:off x="685800" y="228600"/>
+            <a:ext cx="7772400" cy="685800"/>
+          </a:xfrm>
+        </p:spPr>
+        <p:txBody>
+          <a:bodyPr/>
+          <a:lstStyle/>
+          <a:p>
+            <a:pPr algn="l"/>
+            <a:r>
+              <a:rPr lang="en-US" sz="4000" dirty="0" smtClean="0"/>
+              <a:t>Code Review Patterns (</a:t>
+            </a:r>
+            <a:r>
+              <a:rPr lang="en-US" sz="4000" dirty="0" err="1" smtClean="0"/>
+              <a:t>cont</a:t>
+            </a:r>
+            <a:r>
+              <a:rPr lang="en-US" sz="4000" dirty="0" smtClean="0"/>
+              <a:t>)</a:t>
+            </a:r>
+            <a:endParaRPr lang="en-US" sz="4000" dirty="0"/>
+          </a:p>
+        </p:txBody>
+      </p:sp>
+      <p:sp>
+        <p:nvSpPr>
+          <p:cNvPr id="4" name="Date Placeholder 3"/>
+          <p:cNvSpPr>
+            <a:spLocks noGrp="1"/>
+          </p:cNvSpPr>
+          <p:nvPr>
+            <p:ph type="dt" sz="half" idx="10"/>
+          </p:nvPr>
+        </p:nvSpPr>
+        <p:spPr/>
+        <p:txBody>
+          <a:bodyPr/>
+          <a:lstStyle/>
+          <a:p>
+            <a:fld id="{216C5678-EE20-4FA5-88E2-6E0BD67A2E26}" type="datetime1">
+              <a:rPr lang="en-US" smtClean="0"/>
+              <a:t>3/13/2016</a:t>
+            </a:fld>
+            <a:endParaRPr lang="en-US" dirty="0"/>
+          </a:p>
+        </p:txBody>
+      </p:sp>
+      <p:sp>
+        <p:nvSpPr>
+          <p:cNvPr id="5" name="Slide Number Placeholder 4"/>
+          <p:cNvSpPr>
+            <a:spLocks noGrp="1"/>
+          </p:cNvSpPr>
+          <p:nvPr>
+            <p:ph type="sldNum" sz="quarter" idx="11"/>
+          </p:nvPr>
+        </p:nvSpPr>
+        <p:spPr/>
+        <p:txBody>
+          <a:bodyPr/>
+          <a:lstStyle/>
+          <a:p>
+            <a:fld id="{BA9B540C-44DA-4F69-89C9-7C84606640D3}" type="slidenum">
+              <a:rPr lang="en-US" smtClean="0"/>
+              <a:pPr/>
+              <a:t>19</a:t>
+            </a:fld>
+            <a:endParaRPr lang="en-US" dirty="0"/>
+          </a:p>
+        </p:txBody>
+      </p:sp>
+      <p:sp>
+        <p:nvSpPr>
+          <p:cNvPr id="6" name="Footer Placeholder 5"/>
+          <p:cNvSpPr>
+            <a:spLocks noGrp="1"/>
+          </p:cNvSpPr>
+          <p:nvPr>
+            <p:ph type="ftr" sz="quarter" idx="12"/>
+          </p:nvPr>
+        </p:nvSpPr>
+        <p:spPr/>
+        <p:txBody>
+          <a:bodyPr/>
+          <a:lstStyle/>
+          <a:p>
+            <a:r>
+              <a:rPr lang="en-US" smtClean="0"/>
+              <a:t>Footer Text</a:t>
+            </a:r>
+            <a:endParaRPr lang="en-US" dirty="0"/>
+          </a:p>
+        </p:txBody>
+      </p:sp>
+      <p:sp>
+        <p:nvSpPr>
+          <p:cNvPr id="8" name="Subtitle 2"/>
+          <p:cNvSpPr>
+            <a:spLocks noGrp="1"/>
+          </p:cNvSpPr>
+          <p:nvPr>
+            <p:ph type="subTitle" idx="1"/>
+          </p:nvPr>
+        </p:nvSpPr>
+        <p:spPr>
+          <a:xfrm>
+            <a:off x="228600" y="1066800"/>
+            <a:ext cx="7315200" cy="685800"/>
+          </a:xfrm>
+        </p:spPr>
+        <p:txBody>
+          <a:bodyPr>
+            <a:noAutofit/>
+          </a:bodyPr>
+          <a:lstStyle/>
+          <a:p>
+            <a:pPr algn="l"/>
+            <a:r>
+              <a:rPr lang="en-US" sz="3200" b="1" u="sng" dirty="0" smtClean="0"/>
+              <a:t>Readability</a:t>
+            </a:r>
+            <a:endParaRPr lang="en-US" sz="3200" b="1" u="sng" dirty="0"/>
+          </a:p>
+        </p:txBody>
+      </p:sp>
+      <p:sp>
+        <p:nvSpPr>
+          <p:cNvPr id="7" name="Subtitle 6"/>
+          <p:cNvSpPr txBox="1">
+            <a:spLocks/>
+          </p:cNvSpPr>
+          <p:nvPr/>
+        </p:nvSpPr>
+        <p:spPr>
+          <a:xfrm>
+            <a:off x="573183" y="1676400"/>
+            <a:ext cx="7854368" cy="4648200"/>
+          </a:xfrm>
+          <a:prstGeom prst="rect">
+            <a:avLst/>
+          </a:prstGeom>
+        </p:spPr>
+        <p:txBody>
+          <a:bodyPr vert="horz" lIns="91440" tIns="45720" rIns="91440" bIns="45720" rtlCol="0">
+            <a:normAutofit/>
+          </a:bodyPr>
+          <a:lstStyle>
+            <a:lvl1pPr marL="0" indent="0" algn="ctr" defTabSz="914400" rtl="0" eaLnBrk="1" latinLnBrk="0" hangingPunct="1">
+              <a:spcBef>
+                <a:spcPct val="20000"/>
+              </a:spcBef>
+              <a:buFont typeface="Arial" pitchFamily="34" charset="0"/>
+              <a:buNone/>
+              <a:defRPr sz="2400" kern="1200">
+                <a:solidFill>
+                  <a:schemeClr val="tx1">
+                    <a:tint val="75000"/>
+                  </a:schemeClr>
+                </a:solidFill>
+                <a:latin typeface="+mj-lt"/>
+                <a:ea typeface="+mn-ea"/>
+                <a:cs typeface="+mn-cs"/>
+              </a:defRPr>
+            </a:lvl1pPr>
+            <a:lvl2pPr marL="457200" indent="0" algn="ctr" defTabSz="914400" rtl="0" eaLnBrk="1" latinLnBrk="0" hangingPunct="1">
+              <a:spcBef>
+                <a:spcPct val="20000"/>
+              </a:spcBef>
+              <a:buFont typeface="Courier New" pitchFamily="49" charset="0"/>
+              <a:buNone/>
+              <a:defRPr sz="1600" kern="1200">
+                <a:solidFill>
+                  <a:schemeClr val="tx1">
+                    <a:tint val="75000"/>
+                  </a:schemeClr>
+                </a:solidFill>
+                <a:latin typeface="+mj-lt"/>
+                <a:ea typeface="+mn-ea"/>
+                <a:cs typeface="+mn-cs"/>
+              </a:defRPr>
+            </a:lvl2pPr>
+            <a:lvl3pPr marL="914400" indent="0" algn="ctr" defTabSz="914400" rtl="0" eaLnBrk="1" latinLnBrk="0" hangingPunct="1">
+              <a:spcBef>
+                <a:spcPct val="20000"/>
+              </a:spcBef>
+              <a:buFont typeface="Arial" pitchFamily="34" charset="0"/>
+              <a:buNone/>
+              <a:defRPr sz="1600" kern="1200">
+                <a:solidFill>
+                  <a:schemeClr val="tx1">
+                    <a:tint val="75000"/>
+                  </a:schemeClr>
+                </a:solidFill>
+                <a:latin typeface="+mj-lt"/>
+                <a:ea typeface="+mn-ea"/>
+                <a:cs typeface="+mn-cs"/>
+              </a:defRPr>
+            </a:lvl3pPr>
+            <a:lvl4pPr marL="1371600" indent="0" algn="ctr" defTabSz="914400" rtl="0" eaLnBrk="1" latinLnBrk="0" hangingPunct="1">
+              <a:spcBef>
+                <a:spcPct val="20000"/>
+              </a:spcBef>
+              <a:buFont typeface="Courier New" pitchFamily="49" charset="0"/>
+              <a:buNone/>
+              <a:defRPr sz="1600" kern="1200">
+                <a:solidFill>
+                  <a:schemeClr val="tx1">
+                    <a:tint val="75000"/>
+                  </a:schemeClr>
+                </a:solidFill>
+                <a:latin typeface="+mj-lt"/>
+                <a:ea typeface="+mn-ea"/>
+                <a:cs typeface="+mn-cs"/>
+              </a:defRPr>
+            </a:lvl4pPr>
+            <a:lvl5pPr marL="1828800" indent="0" algn="ctr" defTabSz="914400" rtl="0" eaLnBrk="1" latinLnBrk="0" hangingPunct="1">
+              <a:spcBef>
+                <a:spcPct val="20000"/>
+              </a:spcBef>
+              <a:buFont typeface="Arial" pitchFamily="34" charset="0"/>
+              <a:buNone/>
+              <a:defRPr sz="1600" kern="1200">
+                <a:solidFill>
+                  <a:schemeClr val="tx1">
+                    <a:tint val="75000"/>
+                  </a:schemeClr>
+                </a:solidFill>
+                <a:latin typeface="+mj-lt"/>
+                <a:ea typeface="+mn-ea"/>
+                <a:cs typeface="+mn-cs"/>
+              </a:defRPr>
+            </a:lvl5pPr>
+            <a:lvl6pPr marL="2286000" indent="0" algn="ctr" defTabSz="914400" rtl="0" eaLnBrk="1" latinLnBrk="0" hangingPunct="1">
+              <a:spcBef>
+                <a:spcPct val="20000"/>
+              </a:spcBef>
+              <a:buFont typeface="Courier New" pitchFamily="49" charset="0"/>
+              <a:buNone/>
+              <a:defRPr sz="1600" kern="1200">
+                <a:solidFill>
+                  <a:schemeClr val="tx1">
+                    <a:tint val="75000"/>
+                  </a:schemeClr>
+                </a:solidFill>
+                <a:latin typeface="+mj-lt"/>
+                <a:ea typeface="+mn-ea"/>
+                <a:cs typeface="+mn-cs"/>
+              </a:defRPr>
+            </a:lvl6pPr>
+            <a:lvl7pPr marL="2743200" indent="0" algn="ctr" defTabSz="914400" rtl="0" eaLnBrk="1" latinLnBrk="0" hangingPunct="1">
+              <a:spcBef>
+                <a:spcPct val="20000"/>
+              </a:spcBef>
+              <a:buFont typeface="Arial" pitchFamily="34" charset="0"/>
+              <a:buNone/>
+              <a:defRPr sz="1600" kern="1200">
+                <a:solidFill>
+                  <a:schemeClr val="tx1">
+                    <a:tint val="75000"/>
+                  </a:schemeClr>
+                </a:solidFill>
+                <a:latin typeface="+mj-lt"/>
+                <a:ea typeface="+mn-ea"/>
+                <a:cs typeface="+mn-cs"/>
+              </a:defRPr>
+            </a:lvl7pPr>
+            <a:lvl8pPr marL="3200400" indent="0" algn="ctr" defTabSz="914400" rtl="0" eaLnBrk="1" latinLnBrk="0" hangingPunct="1">
+              <a:spcBef>
+                <a:spcPct val="20000"/>
+              </a:spcBef>
+              <a:buFont typeface="Courier New" pitchFamily="49" charset="0"/>
+              <a:buNone/>
+              <a:defRPr sz="1600" kern="1200">
+                <a:solidFill>
+                  <a:schemeClr val="tx1">
+                    <a:tint val="75000"/>
+                  </a:schemeClr>
+                </a:solidFill>
+                <a:latin typeface="+mj-lt"/>
+                <a:ea typeface="+mn-ea"/>
+                <a:cs typeface="+mn-cs"/>
+              </a:defRPr>
+            </a:lvl8pPr>
+            <a:lvl9pPr marL="3657600" indent="0" algn="ctr" defTabSz="914400" rtl="0" eaLnBrk="1" latinLnBrk="0" hangingPunct="1">
+              <a:spcBef>
+                <a:spcPct val="20000"/>
+              </a:spcBef>
+              <a:buFont typeface="Arial" pitchFamily="34" charset="0"/>
+              <a:buNone/>
+              <a:defRPr sz="1600" kern="1200">
+                <a:solidFill>
+                  <a:schemeClr val="tx1">
+                    <a:tint val="75000"/>
+                  </a:schemeClr>
+                </a:solidFill>
+                <a:latin typeface="+mj-lt"/>
+                <a:ea typeface="+mn-ea"/>
+                <a:cs typeface="+mn-cs"/>
+              </a:defRPr>
+            </a:lvl9pPr>
+          </a:lstStyle>
           <a:p>
             <a:pPr marL="342900" indent="-342900" algn="l">
               <a:buFont typeface="Arial" panose="020B0604020202020204" pitchFamily="34" charset="0"/>
               <a:buChar char="•"/>
             </a:pPr>
             <a:r>
-              <a:rPr lang="en-US" sz="3200" dirty="0" smtClean="0"/>
-              <a:t>Use Karma to improve productivity.</a:t>
+              <a:rPr lang="en-US" sz="2800" dirty="0" smtClean="0"/>
+              <a:t>Xx</a:t>
             </a:r>
           </a:p>
           <a:p>
@@ -7312,23 +8373,16 @@
               <a:buChar char="•"/>
             </a:pPr>
             <a:r>
-              <a:rPr lang="en-US" sz="3200" dirty="0" smtClean="0"/>
-              <a:t>Questions?</a:t>
-            </a:r>
-          </a:p>
-          <a:p>
-            <a:pPr marL="342900" indent="-342900" algn="l">
-              <a:buFont typeface="Arial" panose="020B0604020202020204" pitchFamily="34" charset="0"/>
-              <a:buChar char="•"/>
-            </a:pPr>
-            <a:endParaRPr lang="en-US" dirty="0"/>
+              <a:rPr lang="en-US" sz="2800" dirty="0" smtClean="0"/>
+              <a:t>Code Demo</a:t>
+            </a:r>
           </a:p>
         </p:txBody>
       </p:sp>
     </p:spTree>
     <p:extLst>
       <p:ext uri="{BB962C8B-B14F-4D97-AF65-F5344CB8AC3E}">
-        <p14:creationId xmlns:p14="http://schemas.microsoft.com/office/powerpoint/2010/main" val="2610234656"/>
+        <p14:creationId xmlns:p14="http://schemas.microsoft.com/office/powerpoint/2010/main" val="1874786891"/>
       </p:ext>
     </p:extLst>
   </p:cSld>
@@ -7454,7 +8508,6 @@
               <a:rPr lang="en-US" sz="3200" dirty="0" smtClean="0"/>
               <a:t>Code Review “Patterns”</a:t>
             </a:r>
-            <a:endParaRPr lang="en-US" sz="3200" dirty="0" smtClean="0"/>
           </a:p>
           <a:p>
             <a:pPr algn="l"/>
@@ -7543,6 +8596,1084 @@
     <p:extLst>
       <p:ext uri="{BB962C8B-B14F-4D97-AF65-F5344CB8AC3E}">
         <p14:creationId xmlns:p14="http://schemas.microsoft.com/office/powerpoint/2010/main" val="1112403685"/>
+      </p:ext>
+    </p:extLst>
+  </p:cSld>
+  <p:clrMapOvr>
+    <a:masterClrMapping/>
+  </p:clrMapOvr>
+</p:sld>
+</file>
+
+<file path=ppt/slides/slide20.xml><?xml version="1.0" encoding="utf-8"?>
+<p:sld xmlns:a="http://schemas.openxmlformats.org/drawingml/2006/main" xmlns:r="http://schemas.openxmlformats.org/officeDocument/2006/relationships" xmlns:p="http://schemas.openxmlformats.org/presentationml/2006/main">
+  <p:cSld>
+    <p:spTree>
+      <p:nvGrpSpPr>
+        <p:cNvPr id="1" name=""/>
+        <p:cNvGrpSpPr/>
+        <p:nvPr/>
+      </p:nvGrpSpPr>
+      <p:grpSpPr>
+        <a:xfrm>
+          <a:off x="0" y="0"/>
+          <a:ext cx="0" cy="0"/>
+          <a:chOff x="0" y="0"/>
+          <a:chExt cx="0" cy="0"/>
+        </a:xfrm>
+      </p:grpSpPr>
+      <p:sp>
+        <p:nvSpPr>
+          <p:cNvPr id="2" name="Title 1"/>
+          <p:cNvSpPr>
+            <a:spLocks noGrp="1"/>
+          </p:cNvSpPr>
+          <p:nvPr>
+            <p:ph type="ctrTitle"/>
+          </p:nvPr>
+        </p:nvSpPr>
+        <p:spPr>
+          <a:xfrm>
+            <a:off x="685800" y="228600"/>
+            <a:ext cx="7772400" cy="685800"/>
+          </a:xfrm>
+        </p:spPr>
+        <p:txBody>
+          <a:bodyPr/>
+          <a:lstStyle/>
+          <a:p>
+            <a:pPr algn="l"/>
+            <a:r>
+              <a:rPr lang="en-US" sz="4000" dirty="0" smtClean="0"/>
+              <a:t>Code Review Patterns (</a:t>
+            </a:r>
+            <a:r>
+              <a:rPr lang="en-US" sz="4000" dirty="0" err="1" smtClean="0"/>
+              <a:t>cont</a:t>
+            </a:r>
+            <a:r>
+              <a:rPr lang="en-US" sz="4000" dirty="0" smtClean="0"/>
+              <a:t>)</a:t>
+            </a:r>
+            <a:endParaRPr lang="en-US" sz="4000" dirty="0"/>
+          </a:p>
+        </p:txBody>
+      </p:sp>
+      <p:sp>
+        <p:nvSpPr>
+          <p:cNvPr id="4" name="Date Placeholder 3"/>
+          <p:cNvSpPr>
+            <a:spLocks noGrp="1"/>
+          </p:cNvSpPr>
+          <p:nvPr>
+            <p:ph type="dt" sz="half" idx="10"/>
+          </p:nvPr>
+        </p:nvSpPr>
+        <p:spPr/>
+        <p:txBody>
+          <a:bodyPr/>
+          <a:lstStyle/>
+          <a:p>
+            <a:fld id="{216C5678-EE20-4FA5-88E2-6E0BD67A2E26}" type="datetime1">
+              <a:rPr lang="en-US" smtClean="0"/>
+              <a:t>3/13/2016</a:t>
+            </a:fld>
+            <a:endParaRPr lang="en-US" dirty="0"/>
+          </a:p>
+        </p:txBody>
+      </p:sp>
+      <p:sp>
+        <p:nvSpPr>
+          <p:cNvPr id="5" name="Slide Number Placeholder 4"/>
+          <p:cNvSpPr>
+            <a:spLocks noGrp="1"/>
+          </p:cNvSpPr>
+          <p:nvPr>
+            <p:ph type="sldNum" sz="quarter" idx="11"/>
+          </p:nvPr>
+        </p:nvSpPr>
+        <p:spPr/>
+        <p:txBody>
+          <a:bodyPr/>
+          <a:lstStyle/>
+          <a:p>
+            <a:fld id="{BA9B540C-44DA-4F69-89C9-7C84606640D3}" type="slidenum">
+              <a:rPr lang="en-US" smtClean="0"/>
+              <a:pPr/>
+              <a:t>20</a:t>
+            </a:fld>
+            <a:endParaRPr lang="en-US" dirty="0"/>
+          </a:p>
+        </p:txBody>
+      </p:sp>
+      <p:sp>
+        <p:nvSpPr>
+          <p:cNvPr id="6" name="Footer Placeholder 5"/>
+          <p:cNvSpPr>
+            <a:spLocks noGrp="1"/>
+          </p:cNvSpPr>
+          <p:nvPr>
+            <p:ph type="ftr" sz="quarter" idx="12"/>
+          </p:nvPr>
+        </p:nvSpPr>
+        <p:spPr/>
+        <p:txBody>
+          <a:bodyPr/>
+          <a:lstStyle/>
+          <a:p>
+            <a:r>
+              <a:rPr lang="en-US" smtClean="0"/>
+              <a:t>Footer Text</a:t>
+            </a:r>
+            <a:endParaRPr lang="en-US" dirty="0"/>
+          </a:p>
+        </p:txBody>
+      </p:sp>
+      <p:sp>
+        <p:nvSpPr>
+          <p:cNvPr id="8" name="Subtitle 2"/>
+          <p:cNvSpPr>
+            <a:spLocks noGrp="1"/>
+          </p:cNvSpPr>
+          <p:nvPr>
+            <p:ph type="subTitle" idx="1"/>
+          </p:nvPr>
+        </p:nvSpPr>
+        <p:spPr>
+          <a:xfrm>
+            <a:off x="228600" y="1066800"/>
+            <a:ext cx="7315200" cy="685800"/>
+          </a:xfrm>
+        </p:spPr>
+        <p:txBody>
+          <a:bodyPr>
+            <a:noAutofit/>
+          </a:bodyPr>
+          <a:lstStyle/>
+          <a:p>
+            <a:pPr algn="l"/>
+            <a:r>
+              <a:rPr lang="en-US" sz="3200" b="1" u="sng" dirty="0" err="1" smtClean="0"/>
+              <a:t>Misc</a:t>
+            </a:r>
+            <a:endParaRPr lang="en-US" sz="3200" b="1" u="sng" dirty="0"/>
+          </a:p>
+        </p:txBody>
+      </p:sp>
+      <p:sp>
+        <p:nvSpPr>
+          <p:cNvPr id="7" name="Subtitle 6"/>
+          <p:cNvSpPr txBox="1">
+            <a:spLocks/>
+          </p:cNvSpPr>
+          <p:nvPr/>
+        </p:nvSpPr>
+        <p:spPr>
+          <a:xfrm>
+            <a:off x="573183" y="1676400"/>
+            <a:ext cx="7854368" cy="4648200"/>
+          </a:xfrm>
+          <a:prstGeom prst="rect">
+            <a:avLst/>
+          </a:prstGeom>
+        </p:spPr>
+        <p:txBody>
+          <a:bodyPr vert="horz" lIns="91440" tIns="45720" rIns="91440" bIns="45720" rtlCol="0">
+            <a:normAutofit/>
+          </a:bodyPr>
+          <a:lstStyle>
+            <a:lvl1pPr marL="0" indent="0" algn="ctr" defTabSz="914400" rtl="0" eaLnBrk="1" latinLnBrk="0" hangingPunct="1">
+              <a:spcBef>
+                <a:spcPct val="20000"/>
+              </a:spcBef>
+              <a:buFont typeface="Arial" pitchFamily="34" charset="0"/>
+              <a:buNone/>
+              <a:defRPr sz="2400" kern="1200">
+                <a:solidFill>
+                  <a:schemeClr val="tx1">
+                    <a:tint val="75000"/>
+                  </a:schemeClr>
+                </a:solidFill>
+                <a:latin typeface="+mj-lt"/>
+                <a:ea typeface="+mn-ea"/>
+                <a:cs typeface="+mn-cs"/>
+              </a:defRPr>
+            </a:lvl1pPr>
+            <a:lvl2pPr marL="457200" indent="0" algn="ctr" defTabSz="914400" rtl="0" eaLnBrk="1" latinLnBrk="0" hangingPunct="1">
+              <a:spcBef>
+                <a:spcPct val="20000"/>
+              </a:spcBef>
+              <a:buFont typeface="Courier New" pitchFamily="49" charset="0"/>
+              <a:buNone/>
+              <a:defRPr sz="1600" kern="1200">
+                <a:solidFill>
+                  <a:schemeClr val="tx1">
+                    <a:tint val="75000"/>
+                  </a:schemeClr>
+                </a:solidFill>
+                <a:latin typeface="+mj-lt"/>
+                <a:ea typeface="+mn-ea"/>
+                <a:cs typeface="+mn-cs"/>
+              </a:defRPr>
+            </a:lvl2pPr>
+            <a:lvl3pPr marL="914400" indent="0" algn="ctr" defTabSz="914400" rtl="0" eaLnBrk="1" latinLnBrk="0" hangingPunct="1">
+              <a:spcBef>
+                <a:spcPct val="20000"/>
+              </a:spcBef>
+              <a:buFont typeface="Arial" pitchFamily="34" charset="0"/>
+              <a:buNone/>
+              <a:defRPr sz="1600" kern="1200">
+                <a:solidFill>
+                  <a:schemeClr val="tx1">
+                    <a:tint val="75000"/>
+                  </a:schemeClr>
+                </a:solidFill>
+                <a:latin typeface="+mj-lt"/>
+                <a:ea typeface="+mn-ea"/>
+                <a:cs typeface="+mn-cs"/>
+              </a:defRPr>
+            </a:lvl3pPr>
+            <a:lvl4pPr marL="1371600" indent="0" algn="ctr" defTabSz="914400" rtl="0" eaLnBrk="1" latinLnBrk="0" hangingPunct="1">
+              <a:spcBef>
+                <a:spcPct val="20000"/>
+              </a:spcBef>
+              <a:buFont typeface="Courier New" pitchFamily="49" charset="0"/>
+              <a:buNone/>
+              <a:defRPr sz="1600" kern="1200">
+                <a:solidFill>
+                  <a:schemeClr val="tx1">
+                    <a:tint val="75000"/>
+                  </a:schemeClr>
+                </a:solidFill>
+                <a:latin typeface="+mj-lt"/>
+                <a:ea typeface="+mn-ea"/>
+                <a:cs typeface="+mn-cs"/>
+              </a:defRPr>
+            </a:lvl4pPr>
+            <a:lvl5pPr marL="1828800" indent="0" algn="ctr" defTabSz="914400" rtl="0" eaLnBrk="1" latinLnBrk="0" hangingPunct="1">
+              <a:spcBef>
+                <a:spcPct val="20000"/>
+              </a:spcBef>
+              <a:buFont typeface="Arial" pitchFamily="34" charset="0"/>
+              <a:buNone/>
+              <a:defRPr sz="1600" kern="1200">
+                <a:solidFill>
+                  <a:schemeClr val="tx1">
+                    <a:tint val="75000"/>
+                  </a:schemeClr>
+                </a:solidFill>
+                <a:latin typeface="+mj-lt"/>
+                <a:ea typeface="+mn-ea"/>
+                <a:cs typeface="+mn-cs"/>
+              </a:defRPr>
+            </a:lvl5pPr>
+            <a:lvl6pPr marL="2286000" indent="0" algn="ctr" defTabSz="914400" rtl="0" eaLnBrk="1" latinLnBrk="0" hangingPunct="1">
+              <a:spcBef>
+                <a:spcPct val="20000"/>
+              </a:spcBef>
+              <a:buFont typeface="Courier New" pitchFamily="49" charset="0"/>
+              <a:buNone/>
+              <a:defRPr sz="1600" kern="1200">
+                <a:solidFill>
+                  <a:schemeClr val="tx1">
+                    <a:tint val="75000"/>
+                  </a:schemeClr>
+                </a:solidFill>
+                <a:latin typeface="+mj-lt"/>
+                <a:ea typeface="+mn-ea"/>
+                <a:cs typeface="+mn-cs"/>
+              </a:defRPr>
+            </a:lvl6pPr>
+            <a:lvl7pPr marL="2743200" indent="0" algn="ctr" defTabSz="914400" rtl="0" eaLnBrk="1" latinLnBrk="0" hangingPunct="1">
+              <a:spcBef>
+                <a:spcPct val="20000"/>
+              </a:spcBef>
+              <a:buFont typeface="Arial" pitchFamily="34" charset="0"/>
+              <a:buNone/>
+              <a:defRPr sz="1600" kern="1200">
+                <a:solidFill>
+                  <a:schemeClr val="tx1">
+                    <a:tint val="75000"/>
+                  </a:schemeClr>
+                </a:solidFill>
+                <a:latin typeface="+mj-lt"/>
+                <a:ea typeface="+mn-ea"/>
+                <a:cs typeface="+mn-cs"/>
+              </a:defRPr>
+            </a:lvl7pPr>
+            <a:lvl8pPr marL="3200400" indent="0" algn="ctr" defTabSz="914400" rtl="0" eaLnBrk="1" latinLnBrk="0" hangingPunct="1">
+              <a:spcBef>
+                <a:spcPct val="20000"/>
+              </a:spcBef>
+              <a:buFont typeface="Courier New" pitchFamily="49" charset="0"/>
+              <a:buNone/>
+              <a:defRPr sz="1600" kern="1200">
+                <a:solidFill>
+                  <a:schemeClr val="tx1">
+                    <a:tint val="75000"/>
+                  </a:schemeClr>
+                </a:solidFill>
+                <a:latin typeface="+mj-lt"/>
+                <a:ea typeface="+mn-ea"/>
+                <a:cs typeface="+mn-cs"/>
+              </a:defRPr>
+            </a:lvl8pPr>
+            <a:lvl9pPr marL="3657600" indent="0" algn="ctr" defTabSz="914400" rtl="0" eaLnBrk="1" latinLnBrk="0" hangingPunct="1">
+              <a:spcBef>
+                <a:spcPct val="20000"/>
+              </a:spcBef>
+              <a:buFont typeface="Arial" pitchFamily="34" charset="0"/>
+              <a:buNone/>
+              <a:defRPr sz="1600" kern="1200">
+                <a:solidFill>
+                  <a:schemeClr val="tx1">
+                    <a:tint val="75000"/>
+                  </a:schemeClr>
+                </a:solidFill>
+                <a:latin typeface="+mj-lt"/>
+                <a:ea typeface="+mn-ea"/>
+                <a:cs typeface="+mn-cs"/>
+              </a:defRPr>
+            </a:lvl9pPr>
+          </a:lstStyle>
+          <a:p>
+            <a:pPr marL="342900" indent="-342900" algn="l">
+              <a:buFont typeface="Arial" panose="020B0604020202020204" pitchFamily="34" charset="0"/>
+              <a:buChar char="•"/>
+            </a:pPr>
+            <a:r>
+              <a:rPr lang="en-US" sz="2800" dirty="0" smtClean="0"/>
+              <a:t>Xx</a:t>
+            </a:r>
+          </a:p>
+          <a:p>
+            <a:pPr marL="342900" indent="-342900" algn="l">
+              <a:buFont typeface="Arial" panose="020B0604020202020204" pitchFamily="34" charset="0"/>
+              <a:buChar char="•"/>
+            </a:pPr>
+            <a:r>
+              <a:rPr lang="en-US" sz="2800" dirty="0" smtClean="0"/>
+              <a:t>Code Demo</a:t>
+            </a:r>
+          </a:p>
+        </p:txBody>
+      </p:sp>
+    </p:spTree>
+    <p:extLst>
+      <p:ext uri="{BB962C8B-B14F-4D97-AF65-F5344CB8AC3E}">
+        <p14:creationId xmlns:p14="http://schemas.microsoft.com/office/powerpoint/2010/main" val="3192479005"/>
+      </p:ext>
+    </p:extLst>
+  </p:cSld>
+  <p:clrMapOvr>
+    <a:masterClrMapping/>
+  </p:clrMapOvr>
+</p:sld>
+</file>
+
+<file path=ppt/slides/slide21.xml><?xml version="1.0" encoding="utf-8"?>
+<p:sld xmlns:a="http://schemas.openxmlformats.org/drawingml/2006/main" xmlns:r="http://schemas.openxmlformats.org/officeDocument/2006/relationships" xmlns:p="http://schemas.openxmlformats.org/presentationml/2006/main">
+  <p:cSld>
+    <p:spTree>
+      <p:nvGrpSpPr>
+        <p:cNvPr id="1" name=""/>
+        <p:cNvGrpSpPr/>
+        <p:nvPr/>
+      </p:nvGrpSpPr>
+      <p:grpSpPr>
+        <a:xfrm>
+          <a:off x="0" y="0"/>
+          <a:ext cx="0" cy="0"/>
+          <a:chOff x="0" y="0"/>
+          <a:chExt cx="0" cy="0"/>
+        </a:xfrm>
+      </p:grpSpPr>
+      <p:sp>
+        <p:nvSpPr>
+          <p:cNvPr id="2" name="Title 1"/>
+          <p:cNvSpPr>
+            <a:spLocks noGrp="1"/>
+          </p:cNvSpPr>
+          <p:nvPr>
+            <p:ph type="ctrTitle"/>
+          </p:nvPr>
+        </p:nvSpPr>
+        <p:spPr>
+          <a:xfrm>
+            <a:off x="685800" y="228600"/>
+            <a:ext cx="7772400" cy="685800"/>
+          </a:xfrm>
+        </p:spPr>
+        <p:txBody>
+          <a:bodyPr/>
+          <a:lstStyle/>
+          <a:p>
+            <a:pPr algn="l"/>
+            <a:r>
+              <a:rPr lang="en-US" sz="4000" dirty="0" smtClean="0"/>
+              <a:t>Conclusion</a:t>
+            </a:r>
+            <a:endParaRPr lang="en-US" sz="4000" dirty="0"/>
+          </a:p>
+        </p:txBody>
+      </p:sp>
+      <p:sp>
+        <p:nvSpPr>
+          <p:cNvPr id="3" name="Subtitle 2"/>
+          <p:cNvSpPr>
+            <a:spLocks noGrp="1"/>
+          </p:cNvSpPr>
+          <p:nvPr>
+            <p:ph type="subTitle" idx="1"/>
+          </p:nvPr>
+        </p:nvSpPr>
+        <p:spPr>
+          <a:xfrm>
+            <a:off x="762000" y="1219200"/>
+            <a:ext cx="7315200" cy="4343400"/>
+          </a:xfrm>
+        </p:spPr>
+        <p:txBody>
+          <a:bodyPr>
+            <a:noAutofit/>
+          </a:bodyPr>
+          <a:lstStyle/>
+          <a:p>
+            <a:pPr marL="342900" indent="-342900" algn="l">
+              <a:buFont typeface="Arial" panose="020B0604020202020204" pitchFamily="34" charset="0"/>
+              <a:buChar char="•"/>
+            </a:pPr>
+            <a:r>
+              <a:rPr lang="en-US" sz="3200" dirty="0" smtClean="0"/>
+              <a:t>Discussed the 3 </a:t>
+            </a:r>
+            <a:r>
+              <a:rPr lang="en-US" sz="3200" dirty="0" err="1" smtClean="0"/>
+              <a:t>Ws</a:t>
+            </a:r>
+            <a:r>
+              <a:rPr lang="en-US" sz="3200" dirty="0" smtClean="0"/>
+              <a:t> and How.</a:t>
+            </a:r>
+          </a:p>
+          <a:p>
+            <a:pPr marL="342900" indent="-342900" algn="l">
+              <a:buFont typeface="Arial" panose="020B0604020202020204" pitchFamily="34" charset="0"/>
+              <a:buChar char="•"/>
+            </a:pPr>
+            <a:r>
+              <a:rPr lang="en-US" sz="3200" dirty="0" smtClean="0"/>
+              <a:t>Discussed the pros and cons of three review approaches.</a:t>
+            </a:r>
+          </a:p>
+          <a:p>
+            <a:pPr marL="342900" indent="-342900" algn="l">
+              <a:buFont typeface="Arial" panose="020B0604020202020204" pitchFamily="34" charset="0"/>
+              <a:buChar char="•"/>
+            </a:pPr>
+            <a:r>
+              <a:rPr lang="en-US" sz="3200" dirty="0" smtClean="0"/>
+              <a:t>Discussed various code review patterns and </a:t>
+            </a:r>
+            <a:r>
+              <a:rPr lang="en-US" sz="3200" dirty="0" err="1" smtClean="0"/>
+              <a:t>gotchas</a:t>
+            </a:r>
+            <a:r>
+              <a:rPr lang="en-US" sz="3200" smtClean="0"/>
+              <a:t>.</a:t>
+            </a:r>
+            <a:endParaRPr lang="en-US" sz="3200" dirty="0"/>
+          </a:p>
+        </p:txBody>
+      </p:sp>
+      <p:sp>
+        <p:nvSpPr>
+          <p:cNvPr id="4" name="Date Placeholder 3"/>
+          <p:cNvSpPr>
+            <a:spLocks noGrp="1"/>
+          </p:cNvSpPr>
+          <p:nvPr>
+            <p:ph type="dt" sz="half" idx="10"/>
+          </p:nvPr>
+        </p:nvSpPr>
+        <p:spPr/>
+        <p:txBody>
+          <a:bodyPr/>
+          <a:lstStyle/>
+          <a:p>
+            <a:fld id="{216C5678-EE20-4FA5-88E2-6E0BD67A2E26}" type="datetime1">
+              <a:rPr lang="en-US" smtClean="0"/>
+              <a:t>3/13/2016</a:t>
+            </a:fld>
+            <a:endParaRPr lang="en-US" dirty="0"/>
+          </a:p>
+        </p:txBody>
+      </p:sp>
+      <p:sp>
+        <p:nvSpPr>
+          <p:cNvPr id="5" name="Slide Number Placeholder 4"/>
+          <p:cNvSpPr>
+            <a:spLocks noGrp="1"/>
+          </p:cNvSpPr>
+          <p:nvPr>
+            <p:ph type="sldNum" sz="quarter" idx="11"/>
+          </p:nvPr>
+        </p:nvSpPr>
+        <p:spPr/>
+        <p:txBody>
+          <a:bodyPr/>
+          <a:lstStyle/>
+          <a:p>
+            <a:fld id="{BA9B540C-44DA-4F69-89C9-7C84606640D3}" type="slidenum">
+              <a:rPr lang="en-US" smtClean="0"/>
+              <a:pPr/>
+              <a:t>21</a:t>
+            </a:fld>
+            <a:endParaRPr lang="en-US" dirty="0"/>
+          </a:p>
+        </p:txBody>
+      </p:sp>
+      <p:sp>
+        <p:nvSpPr>
+          <p:cNvPr id="6" name="Footer Placeholder 5"/>
+          <p:cNvSpPr>
+            <a:spLocks noGrp="1"/>
+          </p:cNvSpPr>
+          <p:nvPr>
+            <p:ph type="ftr" sz="quarter" idx="12"/>
+          </p:nvPr>
+        </p:nvSpPr>
+        <p:spPr/>
+        <p:txBody>
+          <a:bodyPr/>
+          <a:lstStyle/>
+          <a:p>
+            <a:r>
+              <a:rPr lang="en-US" smtClean="0"/>
+              <a:t>Footer Text</a:t>
+            </a:r>
+            <a:endParaRPr lang="en-US" dirty="0"/>
+          </a:p>
+        </p:txBody>
+      </p:sp>
+    </p:spTree>
+    <p:extLst>
+      <p:ext uri="{BB962C8B-B14F-4D97-AF65-F5344CB8AC3E}">
+        <p14:creationId xmlns:p14="http://schemas.microsoft.com/office/powerpoint/2010/main" val="2740892730"/>
+      </p:ext>
+    </p:extLst>
+  </p:cSld>
+  <p:clrMapOvr>
+    <a:masterClrMapping/>
+  </p:clrMapOvr>
+</p:sld>
+</file>
+
+<file path=ppt/slides/slide22.xml><?xml version="1.0" encoding="utf-8"?>
+<p:sld xmlns:a="http://schemas.openxmlformats.org/drawingml/2006/main" xmlns:r="http://schemas.openxmlformats.org/officeDocument/2006/relationships" xmlns:p="http://schemas.openxmlformats.org/presentationml/2006/main">
+  <p:cSld>
+    <p:spTree>
+      <p:nvGrpSpPr>
+        <p:cNvPr id="1" name=""/>
+        <p:cNvGrpSpPr/>
+        <p:nvPr/>
+      </p:nvGrpSpPr>
+      <p:grpSpPr>
+        <a:xfrm>
+          <a:off x="0" y="0"/>
+          <a:ext cx="0" cy="0"/>
+          <a:chOff x="0" y="0"/>
+          <a:chExt cx="0" cy="0"/>
+        </a:xfrm>
+      </p:grpSpPr>
+      <p:sp>
+        <p:nvSpPr>
+          <p:cNvPr id="2" name="Title 1"/>
+          <p:cNvSpPr>
+            <a:spLocks noGrp="1"/>
+          </p:cNvSpPr>
+          <p:nvPr>
+            <p:ph type="ctrTitle"/>
+          </p:nvPr>
+        </p:nvSpPr>
+        <p:spPr>
+          <a:xfrm>
+            <a:off x="685800" y="228600"/>
+            <a:ext cx="7772400" cy="685800"/>
+          </a:xfrm>
+        </p:spPr>
+        <p:txBody>
+          <a:bodyPr/>
+          <a:lstStyle/>
+          <a:p>
+            <a:pPr algn="l"/>
+            <a:r>
+              <a:rPr lang="en-US" sz="4000" dirty="0" smtClean="0"/>
+              <a:t>xx</a:t>
+            </a:r>
+            <a:endParaRPr lang="en-US" sz="4000" dirty="0"/>
+          </a:p>
+        </p:txBody>
+      </p:sp>
+      <p:sp>
+        <p:nvSpPr>
+          <p:cNvPr id="3" name="Subtitle 2"/>
+          <p:cNvSpPr>
+            <a:spLocks noGrp="1"/>
+          </p:cNvSpPr>
+          <p:nvPr>
+            <p:ph type="subTitle" idx="1"/>
+          </p:nvPr>
+        </p:nvSpPr>
+        <p:spPr>
+          <a:xfrm>
+            <a:off x="762000" y="1219200"/>
+            <a:ext cx="7315200" cy="4343400"/>
+          </a:xfrm>
+        </p:spPr>
+        <p:txBody>
+          <a:bodyPr>
+            <a:noAutofit/>
+          </a:bodyPr>
+          <a:lstStyle/>
+          <a:p>
+            <a:pPr marL="342900" indent="-342900" algn="l">
+              <a:buFont typeface="Arial" panose="020B0604020202020204" pitchFamily="34" charset="0"/>
+              <a:buChar char="•"/>
+            </a:pPr>
+            <a:endParaRPr lang="en-US" sz="3200" dirty="0"/>
+          </a:p>
+        </p:txBody>
+      </p:sp>
+      <p:sp>
+        <p:nvSpPr>
+          <p:cNvPr id="4" name="Date Placeholder 3"/>
+          <p:cNvSpPr>
+            <a:spLocks noGrp="1"/>
+          </p:cNvSpPr>
+          <p:nvPr>
+            <p:ph type="dt" sz="half" idx="10"/>
+          </p:nvPr>
+        </p:nvSpPr>
+        <p:spPr/>
+        <p:txBody>
+          <a:bodyPr/>
+          <a:lstStyle/>
+          <a:p>
+            <a:fld id="{216C5678-EE20-4FA5-88E2-6E0BD67A2E26}" type="datetime1">
+              <a:rPr lang="en-US" smtClean="0"/>
+              <a:t>3/13/2016</a:t>
+            </a:fld>
+            <a:endParaRPr lang="en-US" dirty="0"/>
+          </a:p>
+        </p:txBody>
+      </p:sp>
+      <p:sp>
+        <p:nvSpPr>
+          <p:cNvPr id="5" name="Slide Number Placeholder 4"/>
+          <p:cNvSpPr>
+            <a:spLocks noGrp="1"/>
+          </p:cNvSpPr>
+          <p:nvPr>
+            <p:ph type="sldNum" sz="quarter" idx="11"/>
+          </p:nvPr>
+        </p:nvSpPr>
+        <p:spPr/>
+        <p:txBody>
+          <a:bodyPr/>
+          <a:lstStyle/>
+          <a:p>
+            <a:fld id="{BA9B540C-44DA-4F69-89C9-7C84606640D3}" type="slidenum">
+              <a:rPr lang="en-US" smtClean="0"/>
+              <a:pPr/>
+              <a:t>22</a:t>
+            </a:fld>
+            <a:endParaRPr lang="en-US" dirty="0"/>
+          </a:p>
+        </p:txBody>
+      </p:sp>
+      <p:sp>
+        <p:nvSpPr>
+          <p:cNvPr id="6" name="Footer Placeholder 5"/>
+          <p:cNvSpPr>
+            <a:spLocks noGrp="1"/>
+          </p:cNvSpPr>
+          <p:nvPr>
+            <p:ph type="ftr" sz="quarter" idx="12"/>
+          </p:nvPr>
+        </p:nvSpPr>
+        <p:spPr/>
+        <p:txBody>
+          <a:bodyPr/>
+          <a:lstStyle/>
+          <a:p>
+            <a:r>
+              <a:rPr lang="en-US" smtClean="0"/>
+              <a:t>Footer Text</a:t>
+            </a:r>
+            <a:endParaRPr lang="en-US" dirty="0"/>
+          </a:p>
+        </p:txBody>
+      </p:sp>
+    </p:spTree>
+    <p:extLst>
+      <p:ext uri="{BB962C8B-B14F-4D97-AF65-F5344CB8AC3E}">
+        <p14:creationId xmlns:p14="http://schemas.microsoft.com/office/powerpoint/2010/main" val="2547404136"/>
+      </p:ext>
+    </p:extLst>
+  </p:cSld>
+  <p:clrMapOvr>
+    <a:masterClrMapping/>
+  </p:clrMapOvr>
+</p:sld>
+</file>
+
+<file path=ppt/slides/slide23.xml><?xml version="1.0" encoding="utf-8"?>
+<p:sld xmlns:a="http://schemas.openxmlformats.org/drawingml/2006/main" xmlns:r="http://schemas.openxmlformats.org/officeDocument/2006/relationships" xmlns:p="http://schemas.openxmlformats.org/presentationml/2006/main">
+  <p:cSld>
+    <p:spTree>
+      <p:nvGrpSpPr>
+        <p:cNvPr id="1" name=""/>
+        <p:cNvGrpSpPr/>
+        <p:nvPr/>
+      </p:nvGrpSpPr>
+      <p:grpSpPr>
+        <a:xfrm>
+          <a:off x="0" y="0"/>
+          <a:ext cx="0" cy="0"/>
+          <a:chOff x="0" y="0"/>
+          <a:chExt cx="0" cy="0"/>
+        </a:xfrm>
+      </p:grpSpPr>
+      <p:sp>
+        <p:nvSpPr>
+          <p:cNvPr id="2" name="Title 1"/>
+          <p:cNvSpPr>
+            <a:spLocks noGrp="1"/>
+          </p:cNvSpPr>
+          <p:nvPr>
+            <p:ph type="ctrTitle"/>
+          </p:nvPr>
+        </p:nvSpPr>
+        <p:spPr>
+          <a:xfrm>
+            <a:off x="685800" y="228600"/>
+            <a:ext cx="8458200" cy="685800"/>
+          </a:xfrm>
+        </p:spPr>
+        <p:txBody>
+          <a:bodyPr/>
+          <a:lstStyle/>
+          <a:p>
+            <a:pPr algn="l"/>
+            <a:r>
+              <a:rPr lang="en-US" sz="4000" dirty="0" smtClean="0"/>
+              <a:t>Conclusion</a:t>
+            </a:r>
+            <a:endParaRPr lang="en-US" sz="4000" dirty="0"/>
+          </a:p>
+        </p:txBody>
+      </p:sp>
+      <p:sp>
+        <p:nvSpPr>
+          <p:cNvPr id="4" name="Date Placeholder 3"/>
+          <p:cNvSpPr>
+            <a:spLocks noGrp="1"/>
+          </p:cNvSpPr>
+          <p:nvPr>
+            <p:ph type="dt" sz="half" idx="10"/>
+          </p:nvPr>
+        </p:nvSpPr>
+        <p:spPr/>
+        <p:txBody>
+          <a:bodyPr/>
+          <a:lstStyle/>
+          <a:p>
+            <a:fld id="{216C5678-EE20-4FA5-88E2-6E0BD67A2E26}" type="datetime1">
+              <a:rPr lang="en-US" smtClean="0"/>
+              <a:t>3/13/2016</a:t>
+            </a:fld>
+            <a:endParaRPr lang="en-US" dirty="0"/>
+          </a:p>
+        </p:txBody>
+      </p:sp>
+      <p:sp>
+        <p:nvSpPr>
+          <p:cNvPr id="5" name="Slide Number Placeholder 4"/>
+          <p:cNvSpPr>
+            <a:spLocks noGrp="1"/>
+          </p:cNvSpPr>
+          <p:nvPr>
+            <p:ph type="sldNum" sz="quarter" idx="11"/>
+          </p:nvPr>
+        </p:nvSpPr>
+        <p:spPr/>
+        <p:txBody>
+          <a:bodyPr/>
+          <a:lstStyle/>
+          <a:p>
+            <a:fld id="{BA9B540C-44DA-4F69-89C9-7C84606640D3}" type="slidenum">
+              <a:rPr lang="en-US" smtClean="0"/>
+              <a:pPr/>
+              <a:t>23</a:t>
+            </a:fld>
+            <a:endParaRPr lang="en-US" dirty="0"/>
+          </a:p>
+        </p:txBody>
+      </p:sp>
+      <p:sp>
+        <p:nvSpPr>
+          <p:cNvPr id="6" name="Footer Placeholder 5"/>
+          <p:cNvSpPr>
+            <a:spLocks noGrp="1"/>
+          </p:cNvSpPr>
+          <p:nvPr>
+            <p:ph type="ftr" sz="quarter" idx="12"/>
+          </p:nvPr>
+        </p:nvSpPr>
+        <p:spPr/>
+        <p:txBody>
+          <a:bodyPr/>
+          <a:lstStyle/>
+          <a:p>
+            <a:r>
+              <a:rPr lang="en-US" smtClean="0"/>
+              <a:t>Footer Text</a:t>
+            </a:r>
+            <a:endParaRPr lang="en-US" dirty="0"/>
+          </a:p>
+        </p:txBody>
+      </p:sp>
+      <p:sp>
+        <p:nvSpPr>
+          <p:cNvPr id="7" name="Subtitle 2"/>
+          <p:cNvSpPr txBox="1">
+            <a:spLocks/>
+          </p:cNvSpPr>
+          <p:nvPr/>
+        </p:nvSpPr>
+        <p:spPr>
+          <a:xfrm>
+            <a:off x="381000" y="1600200"/>
+            <a:ext cx="8458200" cy="3429000"/>
+          </a:xfrm>
+          <a:prstGeom prst="rect">
+            <a:avLst/>
+          </a:prstGeom>
+        </p:spPr>
+        <p:txBody>
+          <a:bodyPr vert="horz" lIns="91440" tIns="45720" rIns="91440" bIns="45720" rtlCol="0">
+            <a:normAutofit/>
+          </a:bodyPr>
+          <a:lstStyle>
+            <a:lvl1pPr marL="0" indent="0" algn="ctr" defTabSz="914400" rtl="0" eaLnBrk="1" latinLnBrk="0" hangingPunct="1">
+              <a:spcBef>
+                <a:spcPct val="20000"/>
+              </a:spcBef>
+              <a:buFont typeface="Arial" pitchFamily="34" charset="0"/>
+              <a:buNone/>
+              <a:defRPr sz="2400" kern="1200">
+                <a:solidFill>
+                  <a:schemeClr val="tx1">
+                    <a:tint val="75000"/>
+                  </a:schemeClr>
+                </a:solidFill>
+                <a:latin typeface="+mj-lt"/>
+                <a:ea typeface="+mn-ea"/>
+                <a:cs typeface="+mn-cs"/>
+              </a:defRPr>
+            </a:lvl1pPr>
+            <a:lvl2pPr marL="457200" indent="0" algn="ctr" defTabSz="914400" rtl="0" eaLnBrk="1" latinLnBrk="0" hangingPunct="1">
+              <a:spcBef>
+                <a:spcPct val="20000"/>
+              </a:spcBef>
+              <a:buFont typeface="Courier New" pitchFamily="49" charset="0"/>
+              <a:buNone/>
+              <a:defRPr sz="1600" kern="1200">
+                <a:solidFill>
+                  <a:schemeClr val="tx1">
+                    <a:tint val="75000"/>
+                  </a:schemeClr>
+                </a:solidFill>
+                <a:latin typeface="+mj-lt"/>
+                <a:ea typeface="+mn-ea"/>
+                <a:cs typeface="+mn-cs"/>
+              </a:defRPr>
+            </a:lvl2pPr>
+            <a:lvl3pPr marL="914400" indent="0" algn="ctr" defTabSz="914400" rtl="0" eaLnBrk="1" latinLnBrk="0" hangingPunct="1">
+              <a:spcBef>
+                <a:spcPct val="20000"/>
+              </a:spcBef>
+              <a:buFont typeface="Arial" pitchFamily="34" charset="0"/>
+              <a:buNone/>
+              <a:defRPr sz="1600" kern="1200">
+                <a:solidFill>
+                  <a:schemeClr val="tx1">
+                    <a:tint val="75000"/>
+                  </a:schemeClr>
+                </a:solidFill>
+                <a:latin typeface="+mj-lt"/>
+                <a:ea typeface="+mn-ea"/>
+                <a:cs typeface="+mn-cs"/>
+              </a:defRPr>
+            </a:lvl3pPr>
+            <a:lvl4pPr marL="1371600" indent="0" algn="ctr" defTabSz="914400" rtl="0" eaLnBrk="1" latinLnBrk="0" hangingPunct="1">
+              <a:spcBef>
+                <a:spcPct val="20000"/>
+              </a:spcBef>
+              <a:buFont typeface="Courier New" pitchFamily="49" charset="0"/>
+              <a:buNone/>
+              <a:defRPr sz="1600" kern="1200">
+                <a:solidFill>
+                  <a:schemeClr val="tx1">
+                    <a:tint val="75000"/>
+                  </a:schemeClr>
+                </a:solidFill>
+                <a:latin typeface="+mj-lt"/>
+                <a:ea typeface="+mn-ea"/>
+                <a:cs typeface="+mn-cs"/>
+              </a:defRPr>
+            </a:lvl4pPr>
+            <a:lvl5pPr marL="1828800" indent="0" algn="ctr" defTabSz="914400" rtl="0" eaLnBrk="1" latinLnBrk="0" hangingPunct="1">
+              <a:spcBef>
+                <a:spcPct val="20000"/>
+              </a:spcBef>
+              <a:buFont typeface="Arial" pitchFamily="34" charset="0"/>
+              <a:buNone/>
+              <a:defRPr sz="1600" kern="1200">
+                <a:solidFill>
+                  <a:schemeClr val="tx1">
+                    <a:tint val="75000"/>
+                  </a:schemeClr>
+                </a:solidFill>
+                <a:latin typeface="+mj-lt"/>
+                <a:ea typeface="+mn-ea"/>
+                <a:cs typeface="+mn-cs"/>
+              </a:defRPr>
+            </a:lvl5pPr>
+            <a:lvl6pPr marL="2286000" indent="0" algn="ctr" defTabSz="914400" rtl="0" eaLnBrk="1" latinLnBrk="0" hangingPunct="1">
+              <a:spcBef>
+                <a:spcPct val="20000"/>
+              </a:spcBef>
+              <a:buFont typeface="Courier New" pitchFamily="49" charset="0"/>
+              <a:buNone/>
+              <a:defRPr sz="1600" kern="1200">
+                <a:solidFill>
+                  <a:schemeClr val="tx1">
+                    <a:tint val="75000"/>
+                  </a:schemeClr>
+                </a:solidFill>
+                <a:latin typeface="+mj-lt"/>
+                <a:ea typeface="+mn-ea"/>
+                <a:cs typeface="+mn-cs"/>
+              </a:defRPr>
+            </a:lvl6pPr>
+            <a:lvl7pPr marL="2743200" indent="0" algn="ctr" defTabSz="914400" rtl="0" eaLnBrk="1" latinLnBrk="0" hangingPunct="1">
+              <a:spcBef>
+                <a:spcPct val="20000"/>
+              </a:spcBef>
+              <a:buFont typeface="Arial" pitchFamily="34" charset="0"/>
+              <a:buNone/>
+              <a:defRPr sz="1600" kern="1200">
+                <a:solidFill>
+                  <a:schemeClr val="tx1">
+                    <a:tint val="75000"/>
+                  </a:schemeClr>
+                </a:solidFill>
+                <a:latin typeface="+mj-lt"/>
+                <a:ea typeface="+mn-ea"/>
+                <a:cs typeface="+mn-cs"/>
+              </a:defRPr>
+            </a:lvl7pPr>
+            <a:lvl8pPr marL="3200400" indent="0" algn="ctr" defTabSz="914400" rtl="0" eaLnBrk="1" latinLnBrk="0" hangingPunct="1">
+              <a:spcBef>
+                <a:spcPct val="20000"/>
+              </a:spcBef>
+              <a:buFont typeface="Courier New" pitchFamily="49" charset="0"/>
+              <a:buNone/>
+              <a:defRPr sz="1600" kern="1200">
+                <a:solidFill>
+                  <a:schemeClr val="tx1">
+                    <a:tint val="75000"/>
+                  </a:schemeClr>
+                </a:solidFill>
+                <a:latin typeface="+mj-lt"/>
+                <a:ea typeface="+mn-ea"/>
+                <a:cs typeface="+mn-cs"/>
+              </a:defRPr>
+            </a:lvl8pPr>
+            <a:lvl9pPr marL="3657600" indent="0" algn="ctr" defTabSz="914400" rtl="0" eaLnBrk="1" latinLnBrk="0" hangingPunct="1">
+              <a:spcBef>
+                <a:spcPct val="20000"/>
+              </a:spcBef>
+              <a:buFont typeface="Arial" pitchFamily="34" charset="0"/>
+              <a:buNone/>
+              <a:defRPr sz="1600" kern="1200">
+                <a:solidFill>
+                  <a:schemeClr val="tx1">
+                    <a:tint val="75000"/>
+                  </a:schemeClr>
+                </a:solidFill>
+                <a:latin typeface="+mj-lt"/>
+                <a:ea typeface="+mn-ea"/>
+                <a:cs typeface="+mn-cs"/>
+              </a:defRPr>
+            </a:lvl9pPr>
+          </a:lstStyle>
+          <a:p>
+            <a:pPr marL="342900" indent="-342900" algn="l">
+              <a:buFont typeface="Arial" panose="020B0604020202020204" pitchFamily="34" charset="0"/>
+              <a:buChar char="•"/>
+            </a:pPr>
+            <a:r>
+              <a:rPr lang="en-US" sz="3200" dirty="0" smtClean="0"/>
+              <a:t>Introduction to Jasmine.</a:t>
+            </a:r>
+          </a:p>
+          <a:p>
+            <a:pPr marL="342900" indent="-342900" algn="l">
+              <a:buFont typeface="Arial" panose="020B0604020202020204" pitchFamily="34" charset="0"/>
+              <a:buChar char="•"/>
+            </a:pPr>
+            <a:r>
+              <a:rPr lang="en-US" sz="3200" dirty="0" smtClean="0"/>
+              <a:t>Use Jasmine to mock ajax and long running functions</a:t>
+            </a:r>
+          </a:p>
+          <a:p>
+            <a:pPr marL="342900" indent="-342900" algn="l">
+              <a:buFont typeface="Arial" panose="020B0604020202020204" pitchFamily="34" charset="0"/>
+              <a:buChar char="•"/>
+            </a:pPr>
+            <a:r>
+              <a:rPr lang="en-US" sz="3200" dirty="0" smtClean="0"/>
+              <a:t>Use Karma to improve productivity.</a:t>
+            </a:r>
+          </a:p>
+          <a:p>
+            <a:pPr marL="342900" indent="-342900" algn="l">
+              <a:buFont typeface="Arial" panose="020B0604020202020204" pitchFamily="34" charset="0"/>
+              <a:buChar char="•"/>
+            </a:pPr>
+            <a:r>
+              <a:rPr lang="en-US" sz="3200" dirty="0" smtClean="0"/>
+              <a:t>Questions?</a:t>
+            </a:r>
+          </a:p>
+          <a:p>
+            <a:pPr marL="342900" indent="-342900" algn="l">
+              <a:buFont typeface="Arial" panose="020B0604020202020204" pitchFamily="34" charset="0"/>
+              <a:buChar char="•"/>
+            </a:pPr>
+            <a:endParaRPr lang="en-US" dirty="0"/>
+          </a:p>
+        </p:txBody>
+      </p:sp>
+    </p:spTree>
+    <p:extLst>
+      <p:ext uri="{BB962C8B-B14F-4D97-AF65-F5344CB8AC3E}">
+        <p14:creationId xmlns:p14="http://schemas.microsoft.com/office/powerpoint/2010/main" val="2610234656"/>
       </p:ext>
     </p:extLst>
   </p:cSld>
@@ -7690,11 +9821,7 @@
             </a:r>
             <a:r>
               <a:rPr lang="en-US" sz="3200" dirty="0" smtClean="0"/>
-              <a:t> and Jr developers</a:t>
-            </a:r>
-            <a:r>
-              <a:rPr lang="en-US" sz="3200" dirty="0" smtClean="0"/>
-              <a:t>.</a:t>
+              <a:t> and Jr developers.</a:t>
             </a:r>
           </a:p>
           <a:p>
@@ -8326,15 +10453,7 @@
             </a:pPr>
             <a:r>
               <a:rPr lang="en-US" sz="3200" dirty="0" smtClean="0"/>
-              <a:t>End of a </a:t>
-            </a:r>
-            <a:r>
-              <a:rPr lang="en-US" sz="3200" dirty="0" smtClean="0"/>
-              <a:t>short sprint</a:t>
-            </a:r>
-            <a:r>
-              <a:rPr lang="en-US" sz="3200" dirty="0" smtClean="0"/>
-              <a:t>.</a:t>
+              <a:t>End of a short sprint.</a:t>
             </a:r>
             <a:endParaRPr lang="en-US" sz="3200" dirty="0"/>
           </a:p>
@@ -9090,11 +11209,7 @@
             <a:pPr algn="l"/>
             <a:r>
               <a:rPr lang="en-US" sz="4000" dirty="0" smtClean="0"/>
-              <a:t>The “How</a:t>
-            </a:r>
-            <a:r>
-              <a:rPr lang="en-US" sz="4000" dirty="0" smtClean="0"/>
-              <a:t>” (</a:t>
+              <a:t>The “How” (</a:t>
             </a:r>
             <a:r>
               <a:rPr lang="en-US" sz="4000" dirty="0" err="1" smtClean="0"/>
@@ -9148,7 +11263,6 @@
               <a:rPr lang="en-US" sz="2800" dirty="0" smtClean="0"/>
               <a:t>Over-the-shoulder review</a:t>
             </a:r>
-            <a:endParaRPr lang="en-US" sz="2800" dirty="0" smtClean="0"/>
           </a:p>
           <a:p>
             <a:pPr marL="971550" lvl="1" indent="-514350" algn="l">
@@ -9157,13 +11271,8 @@
             </a:pPr>
             <a:r>
               <a:rPr lang="en-US" sz="2800" dirty="0" smtClean="0"/>
-              <a:t>Formal </a:t>
-            </a:r>
-            <a:r>
-              <a:rPr lang="en-US" sz="2800" dirty="0" smtClean="0"/>
-              <a:t>review</a:t>
-            </a:r>
-            <a:endParaRPr lang="en-US" sz="2800" dirty="0" smtClean="0"/>
+              <a:t>Formal review</a:t>
+            </a:r>
           </a:p>
           <a:p>
             <a:pPr marL="971550" lvl="1" indent="-514350" algn="l">
@@ -9406,7 +11515,6 @@
               <a:rPr lang="en-US" sz="4000" dirty="0"/>
               <a:t>)</a:t>
             </a:r>
-            <a:endParaRPr lang="en-US" sz="4000" dirty="0"/>
           </a:p>
         </p:txBody>
       </p:sp>

--- a/codereview/tech-presentation-effective-codereview.pptx
+++ b/codereview/tech-presentation-effective-codereview.pptx
@@ -5,7 +5,7 @@
     <p:sldMasterId id="2147483648" r:id="rId1"/>
   </p:sldMasterIdLst>
   <p:notesMasterIdLst>
-    <p:notesMasterId r:id="rId25"/>
+    <p:notesMasterId r:id="rId27"/>
   </p:notesMasterIdLst>
   <p:sldIdLst>
     <p:sldId id="256" r:id="rId2"/>
@@ -20,17 +20,19 @@
     <p:sldId id="277" r:id="rId11"/>
     <p:sldId id="282" r:id="rId12"/>
     <p:sldId id="283" r:id="rId13"/>
-    <p:sldId id="275" r:id="rId14"/>
+    <p:sldId id="289" r:id="rId14"/>
     <p:sldId id="269" r:id="rId15"/>
-    <p:sldId id="270" r:id="rId16"/>
-    <p:sldId id="284" r:id="rId17"/>
-    <p:sldId id="285" r:id="rId18"/>
-    <p:sldId id="286" r:id="rId19"/>
-    <p:sldId id="287" r:id="rId20"/>
-    <p:sldId id="288" r:id="rId21"/>
-    <p:sldId id="271" r:id="rId22"/>
-    <p:sldId id="272" r:id="rId23"/>
-    <p:sldId id="267" r:id="rId24"/>
+    <p:sldId id="290" r:id="rId16"/>
+    <p:sldId id="270" r:id="rId17"/>
+    <p:sldId id="291" r:id="rId18"/>
+    <p:sldId id="284" r:id="rId19"/>
+    <p:sldId id="285" r:id="rId20"/>
+    <p:sldId id="286" r:id="rId21"/>
+    <p:sldId id="287" r:id="rId22"/>
+    <p:sldId id="288" r:id="rId23"/>
+    <p:sldId id="271" r:id="rId24"/>
+    <p:sldId id="272" r:id="rId25"/>
+    <p:sldId id="267" r:id="rId26"/>
   </p:sldIdLst>
   <p:sldSz cx="9144000" cy="6858000" type="screen4x3"/>
   <p:notesSz cx="6858000" cy="9144000"/>
@@ -230,7 +232,7 @@
           <a:p>
             <a:fld id="{436134EC-835B-48D8-BDB5-96D4A8A8ACE7}" type="datetimeFigureOut">
               <a:rPr lang="en-US" smtClean="0"/>
-              <a:t>3/13/2016</a:t>
+              <a:t>3/19/2016</a:t>
             </a:fld>
             <a:endParaRPr lang="en-US"/>
           </a:p>
@@ -980,7 +982,7 @@
           <a:p>
             <a:fld id="{216C5678-EE20-4FA5-88E2-6E0BD67A2E26}" type="datetime1">
               <a:rPr lang="en-US" smtClean="0"/>
-              <a:t>3/13/2016</a:t>
+              <a:t>3/19/2016</a:t>
             </a:fld>
             <a:endParaRPr lang="en-US" dirty="0"/>
           </a:p>
@@ -1150,7 +1152,7 @@
           <a:p>
             <a:fld id="{EA051B39-B140-43FE-96DB-472A2B59CE7C}" type="datetime1">
               <a:rPr lang="en-US" smtClean="0"/>
-              <a:t>3/13/2016</a:t>
+              <a:t>3/19/2016</a:t>
             </a:fld>
             <a:endParaRPr lang="en-US"/>
           </a:p>
@@ -1330,7 +1332,7 @@
           <a:p>
             <a:fld id="{DA600BB2-27C5-458B-ABCE-839C88CF47CE}" type="datetime1">
               <a:rPr lang="en-US" smtClean="0"/>
-              <a:t>3/13/2016</a:t>
+              <a:t>3/19/2016</a:t>
             </a:fld>
             <a:endParaRPr lang="en-US"/>
           </a:p>
@@ -1518,7 +1520,7 @@
           <a:p>
             <a:fld id="{B11D738E-8962-435F-8C43-147B8DD7E819}" type="datetime1">
               <a:rPr lang="en-US" smtClean="0"/>
-              <a:t>3/13/2016</a:t>
+              <a:t>3/19/2016</a:t>
             </a:fld>
             <a:endParaRPr lang="en-US"/>
           </a:p>
@@ -1785,7 +1787,7 @@
           <a:p>
             <a:fld id="{09CAEA93-55E7-4DA9-90C2-089A26EEFEC4}" type="datetime1">
               <a:rPr lang="en-US" smtClean="0"/>
-              <a:t>3/13/2016</a:t>
+              <a:t>3/19/2016</a:t>
             </a:fld>
             <a:endParaRPr lang="en-US"/>
           </a:p>
@@ -2138,7 +2140,7 @@
           <a:p>
             <a:fld id="{E34CF3C7-6809-4F39-BD67-A75817BDDE0A}" type="datetime1">
               <a:rPr lang="en-US" smtClean="0"/>
-              <a:t>3/13/2016</a:t>
+              <a:t>3/19/2016</a:t>
             </a:fld>
             <a:endParaRPr lang="en-US"/>
           </a:p>
@@ -2451,7 +2453,7 @@
           <a:p>
             <a:fld id="{F7EAEB24-CE78-465C-A726-91D0868FA48F}" type="datetime1">
               <a:rPr lang="en-US" smtClean="0"/>
-              <a:t>3/13/2016</a:t>
+              <a:t>3/19/2016</a:t>
             </a:fld>
             <a:endParaRPr lang="en-US"/>
           </a:p>
@@ -2683,7 +2685,7 @@
           <a:p>
             <a:fld id="{40BAADF0-1749-4E8B-9691-B44A5F8C0895}" type="datetime1">
               <a:rPr lang="en-US" smtClean="0"/>
-              <a:t>3/13/2016</a:t>
+              <a:t>3/19/2016</a:t>
             </a:fld>
             <a:endParaRPr lang="en-US"/>
           </a:p>
@@ -2778,7 +2780,7 @@
           <a:p>
             <a:fld id="{A8AF628A-A867-4937-BBE5-207DB6F9C51A}" type="datetime1">
               <a:rPr lang="en-US" smtClean="0"/>
-              <a:t>3/13/2016</a:t>
+              <a:t>3/19/2016</a:t>
             </a:fld>
             <a:endParaRPr lang="en-US"/>
           </a:p>
@@ -3071,7 +3073,7 @@
           <a:p>
             <a:fld id="{118BBB94-68E6-4675-A946-F1C5994EDBD7}" type="datetime1">
               <a:rPr lang="en-US" smtClean="0"/>
-              <a:t>3/13/2016</a:t>
+              <a:t>3/19/2016</a:t>
             </a:fld>
             <a:endParaRPr lang="en-US"/>
           </a:p>
@@ -3345,7 +3347,7 @@
           <a:p>
             <a:fld id="{DC3B8377-21E3-4835-B75D-4E2847E2750F}" type="datetime1">
               <a:rPr lang="en-US" smtClean="0"/>
-              <a:t>3/13/2016</a:t>
+              <a:t>3/19/2016</a:t>
             </a:fld>
             <a:endParaRPr lang="en-US"/>
           </a:p>
@@ -3560,7 +3562,7 @@
           <a:p>
             <a:fld id="{B0C4986D-6BE9-4264-908F-02DB36FD8D6C}" type="datetime1">
               <a:rPr lang="en-US" smtClean="0"/>
-              <a:t>3/13/2016</a:t>
+              <a:t>3/19/2016</a:t>
             </a:fld>
             <a:endParaRPr lang="en-US" dirty="0"/>
           </a:p>
@@ -4154,7 +4156,7 @@
           <a:p>
             <a:fld id="{216C5678-EE20-4FA5-88E2-6E0BD67A2E26}" type="datetime1">
               <a:rPr lang="en-US" smtClean="0"/>
-              <a:t>3/13/2016</a:t>
+              <a:t>3/19/2016</a:t>
             </a:fld>
             <a:endParaRPr lang="en-US" dirty="0"/>
           </a:p>
@@ -4321,7 +4323,7 @@
           <a:p>
             <a:fld id="{216C5678-EE20-4FA5-88E2-6E0BD67A2E26}" type="datetime1">
               <a:rPr lang="en-US" smtClean="0"/>
-              <a:t>3/13/2016</a:t>
+              <a:t>3/19/2016</a:t>
             </a:fld>
             <a:endParaRPr lang="en-US" dirty="0"/>
           </a:p>
@@ -4963,7 +4965,7 @@
           <a:p>
             <a:fld id="{216C5678-EE20-4FA5-88E2-6E0BD67A2E26}" type="datetime1">
               <a:rPr lang="en-US" smtClean="0"/>
-              <a:t>3/13/2016</a:t>
+              <a:t>3/19/2016</a:t>
             </a:fld>
             <a:endParaRPr lang="en-US" dirty="0"/>
           </a:p>
@@ -5611,7 +5613,7 @@
           <a:p>
             <a:fld id="{216C5678-EE20-4FA5-88E2-6E0BD67A2E26}" type="datetime1">
               <a:rPr lang="en-US" smtClean="0"/>
-              <a:t>3/13/2016</a:t>
+              <a:t>3/19/2016</a:t>
             </a:fld>
             <a:endParaRPr lang="en-US" dirty="0"/>
           </a:p>
@@ -6251,7 +6253,25 @@
             </a:pPr>
             <a:r>
               <a:rPr lang="en-US" sz="3200" dirty="0" smtClean="0"/>
-              <a:t>TODO</a:t>
+              <a:t>Use review as a “retaliation” or to “insult” other developers.</a:t>
+            </a:r>
+          </a:p>
+          <a:p>
+            <a:pPr marL="514350" indent="-514350" algn="l">
+              <a:buFont typeface="Arial" panose="020B0604020202020204" pitchFamily="34" charset="0"/>
+              <a:buChar char="•"/>
+            </a:pPr>
+            <a:r>
+              <a:rPr lang="en-US" sz="3200" dirty="0" smtClean="0"/>
+              <a:t>Use review “bug/defects</a:t>
+            </a:r>
+            <a:r>
+              <a:rPr lang="en-US" sz="3200" dirty="0"/>
+              <a:t>” report </a:t>
+            </a:r>
+            <a:r>
+              <a:rPr lang="en-US" sz="3200" dirty="0" smtClean="0"/>
+              <a:t>to gauge employees’ annual performance.</a:t>
             </a:r>
             <a:endParaRPr lang="en-US" sz="3200" dirty="0"/>
           </a:p>
@@ -6274,7 +6294,7 @@
           <a:p>
             <a:fld id="{216C5678-EE20-4FA5-88E2-6E0BD67A2E26}" type="datetime1">
               <a:rPr lang="en-US" smtClean="0"/>
-              <a:t>3/13/2016</a:t>
+              <a:t>3/19/2016</a:t>
             </a:fld>
             <a:endParaRPr lang="en-US" dirty="0"/>
           </a:p>
@@ -6330,7 +6350,7 @@
     </p:spTree>
     <p:extLst>
       <p:ext uri="{BB962C8B-B14F-4D97-AF65-F5344CB8AC3E}">
-        <p14:creationId xmlns:p14="http://schemas.microsoft.com/office/powerpoint/2010/main" val="3861664819"/>
+        <p14:creationId xmlns:p14="http://schemas.microsoft.com/office/powerpoint/2010/main" val="3315397029"/>
       </p:ext>
     </p:extLst>
   </p:cSld>
@@ -6403,7 +6423,7 @@
           <a:p>
             <a:fld id="{216C5678-EE20-4FA5-88E2-6E0BD67A2E26}" type="datetime1">
               <a:rPr lang="en-US" smtClean="0"/>
-              <a:t>3/13/2016</a:t>
+              <a:t>3/19/2016</a:t>
             </a:fld>
             <a:endParaRPr lang="en-US" dirty="0"/>
           </a:p>
@@ -6493,8 +6513,8 @@
               <a:buChar char="•"/>
             </a:pPr>
             <a:r>
-              <a:rPr lang="en-US" sz="2800" dirty="0" smtClean="0"/>
-              <a:t>DRY Principle</a:t>
+              <a:rPr lang="en-US" sz="2800" dirty="0"/>
+              <a:t>Consistency</a:t>
             </a:r>
           </a:p>
           <a:p>
@@ -6504,7 +6524,7 @@
             </a:pPr>
             <a:r>
               <a:rPr lang="en-US" sz="2800" dirty="0" smtClean="0"/>
-              <a:t>Testable</a:t>
+              <a:t>DRY Principle</a:t>
             </a:r>
           </a:p>
           <a:p>
@@ -6514,7 +6534,7 @@
             </a:pPr>
             <a:r>
               <a:rPr lang="en-US" sz="2800" dirty="0" smtClean="0"/>
-              <a:t>Consistency</a:t>
+              <a:t>Testable</a:t>
             </a:r>
           </a:p>
           <a:p>
@@ -6592,7 +6612,7 @@
         <p:spPr>
           <a:xfrm>
             <a:off x="685800" y="228600"/>
-            <a:ext cx="7772400" cy="685800"/>
+            <a:ext cx="9525000" cy="685800"/>
           </a:xfrm>
         </p:spPr>
         <p:txBody>
@@ -6602,15 +6622,7 @@
             <a:pPr algn="l"/>
             <a:r>
               <a:rPr lang="en-US" sz="4000" dirty="0" smtClean="0"/>
-              <a:t>Code Review Patterns (</a:t>
-            </a:r>
-            <a:r>
-              <a:rPr lang="en-US" sz="4000" dirty="0" err="1" smtClean="0"/>
-              <a:t>cont</a:t>
-            </a:r>
-            <a:r>
-              <a:rPr lang="en-US" sz="4000" dirty="0" smtClean="0"/>
-              <a:t>)</a:t>
+              <a:t>Code Review Patterns - Readability</a:t>
             </a:r>
             <a:endParaRPr lang="en-US" sz="4000" dirty="0"/>
           </a:p>
@@ -6633,7 +6645,7 @@
           <a:p>
             <a:fld id="{216C5678-EE20-4FA5-88E2-6E0BD67A2E26}" type="datetime1">
               <a:rPr lang="en-US" smtClean="0"/>
-              <a:t>3/13/2016</a:t>
+              <a:t>3/19/2016</a:t>
             </a:fld>
             <a:endParaRPr lang="en-US" dirty="0"/>
           </a:p>
@@ -6688,37 +6700,6 @@
       </p:sp>
       <p:sp>
         <p:nvSpPr>
-          <p:cNvPr id="8" name="Subtitle 2"/>
-          <p:cNvSpPr>
-            <a:spLocks noGrp="1"/>
-          </p:cNvSpPr>
-          <p:nvPr>
-            <p:ph type="subTitle" idx="1"/>
-          </p:nvPr>
-        </p:nvSpPr>
-        <p:spPr>
-          <a:xfrm>
-            <a:off x="228600" y="1066800"/>
-            <a:ext cx="7315200" cy="685800"/>
-          </a:xfrm>
-        </p:spPr>
-        <p:txBody>
-          <a:bodyPr>
-            <a:noAutofit/>
-          </a:bodyPr>
-          <a:lstStyle/>
-          <a:p>
-            <a:pPr algn="l"/>
-            <a:r>
-              <a:rPr lang="en-US" sz="3200" b="1" u="sng" dirty="0" smtClean="0"/>
-              <a:t>Readability</a:t>
-            </a:r>
-            <a:endParaRPr lang="en-US" sz="3200" b="1" u="sng" dirty="0"/>
-          </a:p>
-        </p:txBody>
-      </p:sp>
-      <p:sp>
-        <p:nvSpPr>
           <p:cNvPr id="9" name="Subtitle 6"/>
           <p:cNvSpPr txBox="1">
             <a:spLocks/>
@@ -6727,7 +6708,7 @@
         </p:nvSpPr>
         <p:spPr>
           <a:xfrm>
-            <a:off x="573183" y="1676400"/>
+            <a:off x="573183" y="990600"/>
             <a:ext cx="7854368" cy="4648200"/>
           </a:xfrm>
           <a:prstGeom prst="rect">
@@ -6900,7 +6881,7 @@
             </a:pPr>
             <a:r>
               <a:rPr lang="en-US" sz="2800" dirty="0" smtClean="0"/>
-              <a:t>Xx</a:t>
+              <a:t>Quite subjective.  </a:t>
             </a:r>
           </a:p>
           <a:p>
@@ -6910,7 +6891,47 @@
             </a:pPr>
             <a:r>
               <a:rPr lang="en-US" sz="2800" dirty="0" smtClean="0"/>
-              <a:t>Code Demo</a:t>
+              <a:t>Use style guide as a guideline.</a:t>
+            </a:r>
+          </a:p>
+          <a:p>
+            <a:pPr marL="342900" indent="-342900" algn="l">
+              <a:buFont typeface="Arial" panose="020B0604020202020204" pitchFamily="34" charset="0"/>
+              <a:buChar char="•"/>
+            </a:pPr>
+            <a:r>
+              <a:rPr lang="en-US" sz="2800" dirty="0" smtClean="0"/>
+              <a:t>Code should be </a:t>
+            </a:r>
+            <a:r>
+              <a:rPr lang="en-US" sz="2800" dirty="0" smtClean="0"/>
+              <a:t>readable &amp; understandable </a:t>
+            </a:r>
+            <a:r>
+              <a:rPr lang="en-US" sz="2800" dirty="0" smtClean="0"/>
+              <a:t>6 months or a year from now by different </a:t>
+            </a:r>
+            <a:r>
+              <a:rPr lang="en-US" sz="2800" dirty="0" smtClean="0"/>
+              <a:t>developers.</a:t>
+            </a:r>
+            <a:endParaRPr lang="en-US" sz="2800" dirty="0" smtClean="0"/>
+          </a:p>
+          <a:p>
+            <a:pPr marL="342900" indent="-342900" algn="l">
+              <a:buFont typeface="Arial" panose="020B0604020202020204" pitchFamily="34" charset="0"/>
+              <a:buChar char="•"/>
+            </a:pPr>
+            <a:endParaRPr lang="en-US" sz="2800" dirty="0" smtClean="0"/>
+          </a:p>
+          <a:p>
+            <a:pPr marL="342900" indent="-342900" algn="l">
+              <a:buFont typeface="Arial" panose="020B0604020202020204" pitchFamily="34" charset="0"/>
+              <a:buChar char="•"/>
+            </a:pPr>
+            <a:r>
+              <a:rPr lang="en-US" sz="2800" dirty="0" smtClean="0"/>
+              <a:t>Code Demo.</a:t>
             </a:r>
           </a:p>
         </p:txBody>
@@ -6918,7 +6939,7 @@
     </p:spTree>
     <p:extLst>
       <p:ext uri="{BB962C8B-B14F-4D97-AF65-F5344CB8AC3E}">
-        <p14:creationId xmlns:p14="http://schemas.microsoft.com/office/powerpoint/2010/main" val="398520826"/>
+        <p14:creationId xmlns:p14="http://schemas.microsoft.com/office/powerpoint/2010/main" val="2978454629"/>
       </p:ext>
     </p:extLst>
   </p:cSld>
@@ -6957,8 +6978,8 @@
         </p:nvSpPr>
         <p:spPr>
           <a:xfrm>
-            <a:off x="685800" y="228600"/>
-            <a:ext cx="7772400" cy="685800"/>
+            <a:off x="152400" y="838200"/>
+            <a:ext cx="9906000" cy="685800"/>
           </a:xfrm>
         </p:spPr>
         <p:txBody>
@@ -6967,8 +6988,19 @@
           <a:p>
             <a:pPr algn="l"/>
             <a:r>
+              <a:rPr lang="en-US" sz="4000" dirty="0"/>
+              <a:t>Code Review Patterns </a:t>
+            </a:r>
+            <a:r>
               <a:rPr lang="en-US" sz="4000" dirty="0" smtClean="0"/>
-              <a:t>Code Review Patterns (</a:t>
+              <a:t>– Readability </a:t>
+            </a:r>
+            <a:br>
+              <a:rPr lang="en-US" sz="4000" dirty="0" smtClean="0"/>
+            </a:br>
+            <a:r>
+              <a:rPr lang="en-US" sz="4000" dirty="0" smtClean="0"/>
+              <a:t>(</a:t>
             </a:r>
             <a:r>
               <a:rPr lang="en-US" sz="4000" dirty="0" err="1" smtClean="0"/>
@@ -6992,14 +7024,19 @@
             <p:ph type="dt" sz="half" idx="10"/>
           </p:nvPr>
         </p:nvSpPr>
-        <p:spPr/>
+        <p:spPr>
+          <a:xfrm>
+            <a:off x="6363347" y="7864475"/>
+            <a:ext cx="2085975" cy="365125"/>
+          </a:xfrm>
+        </p:spPr>
         <p:txBody>
           <a:bodyPr/>
           <a:lstStyle/>
           <a:p>
             <a:fld id="{216C5678-EE20-4FA5-88E2-6E0BD67A2E26}" type="datetime1">
               <a:rPr lang="en-US" smtClean="0"/>
-              <a:t>3/13/2016</a:t>
+              <a:t>3/19/2016</a:t>
             </a:fld>
             <a:endParaRPr lang="en-US" dirty="0"/>
           </a:p>
@@ -7015,7 +7052,12 @@
             <p:ph type="sldNum" sz="quarter" idx="11"/>
           </p:nvPr>
         </p:nvSpPr>
-        <p:spPr/>
+        <p:spPr>
+          <a:xfrm>
+            <a:off x="8543278" y="7864475"/>
+            <a:ext cx="561975" cy="365125"/>
+          </a:xfrm>
+        </p:spPr>
         <p:txBody>
           <a:bodyPr/>
           <a:lstStyle/>
@@ -7039,53 +7081,27 @@
             <p:ph type="ftr" sz="quarter" idx="12"/>
           </p:nvPr>
         </p:nvSpPr>
-        <p:spPr/>
-        <p:txBody>
-          <a:bodyPr/>
-          <a:lstStyle/>
-          <a:p>
-            <a:r>
-              <a:rPr lang="en-US" smtClean="0"/>
-              <a:t>Footer Text</a:t>
-            </a:r>
-            <a:endParaRPr lang="en-US" dirty="0"/>
-          </a:p>
-        </p:txBody>
-      </p:sp>
-      <p:sp>
-        <p:nvSpPr>
-          <p:cNvPr id="8" name="Subtitle 2"/>
-          <p:cNvSpPr>
-            <a:spLocks noGrp="1"/>
-          </p:cNvSpPr>
-          <p:nvPr>
-            <p:ph type="subTitle" idx="1"/>
-          </p:nvPr>
-        </p:nvSpPr>
         <p:spPr>
           <a:xfrm>
-            <a:off x="228600" y="1066800"/>
-            <a:ext cx="7315200" cy="685800"/>
+            <a:off x="659165" y="7864475"/>
+            <a:ext cx="2847975" cy="365125"/>
           </a:xfrm>
         </p:spPr>
         <p:txBody>
-          <a:bodyPr>
-            <a:noAutofit/>
-          </a:bodyPr>
-          <a:lstStyle/>
-          <a:p>
-            <a:pPr algn="l"/>
-            <a:r>
-              <a:rPr lang="en-US" sz="3200" b="1" u="sng" dirty="0" smtClean="0"/>
-              <a:t>DRY</a:t>
-            </a:r>
-            <a:endParaRPr lang="en-US" sz="3200" b="1" u="sng" dirty="0"/>
-          </a:p>
-        </p:txBody>
-      </p:sp>
-      <p:sp>
-        <p:nvSpPr>
-          <p:cNvPr id="7" name="Subtitle 6"/>
+          <a:bodyPr/>
+          <a:lstStyle/>
+          <a:p>
+            <a:r>
+              <a:rPr lang="en-US" smtClean="0"/>
+              <a:t>Footer Text</a:t>
+            </a:r>
+            <a:endParaRPr lang="en-US" dirty="0"/>
+          </a:p>
+        </p:txBody>
+      </p:sp>
+      <p:sp>
+        <p:nvSpPr>
+          <p:cNvPr id="9" name="Subtitle 6"/>
           <p:cNvSpPr txBox="1">
             <a:spLocks/>
           </p:cNvSpPr>
@@ -7093,8 +7109,8 @@
         </p:nvSpPr>
         <p:spPr>
           <a:xfrm>
-            <a:off x="573183" y="1676400"/>
-            <a:ext cx="7854368" cy="4648200"/>
+            <a:off x="304800" y="1708150"/>
+            <a:ext cx="7854368" cy="654050"/>
           </a:xfrm>
           <a:prstGeom prst="rect">
             <a:avLst/>
@@ -7260,13 +7276,198 @@
             </a:lvl9pPr>
           </a:lstStyle>
           <a:p>
+            <a:pPr algn="l"/>
+            <a:r>
+              <a:rPr lang="en-US" sz="2800" dirty="0" smtClean="0"/>
+              <a:t>What is wrong?</a:t>
+            </a:r>
+          </a:p>
+        </p:txBody>
+      </p:sp>
+      <p:sp>
+        <p:nvSpPr>
+          <p:cNvPr id="10" name="Subtitle 6"/>
+          <p:cNvSpPr txBox="1">
+            <a:spLocks/>
+          </p:cNvSpPr>
+          <p:nvPr/>
+        </p:nvSpPr>
+        <p:spPr>
+          <a:xfrm>
+            <a:off x="573183" y="2286000"/>
+            <a:ext cx="7854368" cy="2209800"/>
+          </a:xfrm>
+          <a:prstGeom prst="rect">
+            <a:avLst/>
+          </a:prstGeom>
+        </p:spPr>
+        <p:txBody>
+          <a:bodyPr vert="horz" lIns="91440" tIns="45720" rIns="91440" bIns="45720" rtlCol="0">
+            <a:normAutofit/>
+          </a:bodyPr>
+          <a:lstStyle>
+            <a:lvl1pPr marL="0" indent="0" algn="ctr" defTabSz="914400" rtl="0" eaLnBrk="1" latinLnBrk="0" hangingPunct="1">
+              <a:spcBef>
+                <a:spcPct val="20000"/>
+              </a:spcBef>
+              <a:buFont typeface="Arial" pitchFamily="34" charset="0"/>
+              <a:buNone/>
+              <a:defRPr sz="2400" kern="1200">
+                <a:solidFill>
+                  <a:schemeClr val="tx1">
+                    <a:tint val="75000"/>
+                  </a:schemeClr>
+                </a:solidFill>
+                <a:latin typeface="+mj-lt"/>
+                <a:ea typeface="+mn-ea"/>
+                <a:cs typeface="+mn-cs"/>
+              </a:defRPr>
+            </a:lvl1pPr>
+            <a:lvl2pPr marL="457200" indent="0" algn="ctr" defTabSz="914400" rtl="0" eaLnBrk="1" latinLnBrk="0" hangingPunct="1">
+              <a:spcBef>
+                <a:spcPct val="20000"/>
+              </a:spcBef>
+              <a:buFont typeface="Courier New" pitchFamily="49" charset="0"/>
+              <a:buNone/>
+              <a:defRPr sz="1600" kern="1200">
+                <a:solidFill>
+                  <a:schemeClr val="tx1">
+                    <a:tint val="75000"/>
+                  </a:schemeClr>
+                </a:solidFill>
+                <a:latin typeface="+mj-lt"/>
+                <a:ea typeface="+mn-ea"/>
+                <a:cs typeface="+mn-cs"/>
+              </a:defRPr>
+            </a:lvl2pPr>
+            <a:lvl3pPr marL="914400" indent="0" algn="ctr" defTabSz="914400" rtl="0" eaLnBrk="1" latinLnBrk="0" hangingPunct="1">
+              <a:spcBef>
+                <a:spcPct val="20000"/>
+              </a:spcBef>
+              <a:buFont typeface="Arial" pitchFamily="34" charset="0"/>
+              <a:buNone/>
+              <a:defRPr sz="1600" kern="1200">
+                <a:solidFill>
+                  <a:schemeClr val="tx1">
+                    <a:tint val="75000"/>
+                  </a:schemeClr>
+                </a:solidFill>
+                <a:latin typeface="+mj-lt"/>
+                <a:ea typeface="+mn-ea"/>
+                <a:cs typeface="+mn-cs"/>
+              </a:defRPr>
+            </a:lvl3pPr>
+            <a:lvl4pPr marL="1371600" indent="0" algn="ctr" defTabSz="914400" rtl="0" eaLnBrk="1" latinLnBrk="0" hangingPunct="1">
+              <a:spcBef>
+                <a:spcPct val="20000"/>
+              </a:spcBef>
+              <a:buFont typeface="Courier New" pitchFamily="49" charset="0"/>
+              <a:buNone/>
+              <a:defRPr sz="1600" kern="1200">
+                <a:solidFill>
+                  <a:schemeClr val="tx1">
+                    <a:tint val="75000"/>
+                  </a:schemeClr>
+                </a:solidFill>
+                <a:latin typeface="+mj-lt"/>
+                <a:ea typeface="+mn-ea"/>
+                <a:cs typeface="+mn-cs"/>
+              </a:defRPr>
+            </a:lvl4pPr>
+            <a:lvl5pPr marL="1828800" indent="0" algn="ctr" defTabSz="914400" rtl="0" eaLnBrk="1" latinLnBrk="0" hangingPunct="1">
+              <a:spcBef>
+                <a:spcPct val="20000"/>
+              </a:spcBef>
+              <a:buFont typeface="Arial" pitchFamily="34" charset="0"/>
+              <a:buNone/>
+              <a:defRPr sz="1600" kern="1200">
+                <a:solidFill>
+                  <a:schemeClr val="tx1">
+                    <a:tint val="75000"/>
+                  </a:schemeClr>
+                </a:solidFill>
+                <a:latin typeface="+mj-lt"/>
+                <a:ea typeface="+mn-ea"/>
+                <a:cs typeface="+mn-cs"/>
+              </a:defRPr>
+            </a:lvl5pPr>
+            <a:lvl6pPr marL="2286000" indent="0" algn="ctr" defTabSz="914400" rtl="0" eaLnBrk="1" latinLnBrk="0" hangingPunct="1">
+              <a:spcBef>
+                <a:spcPct val="20000"/>
+              </a:spcBef>
+              <a:buFont typeface="Courier New" pitchFamily="49" charset="0"/>
+              <a:buNone/>
+              <a:defRPr sz="1600" kern="1200">
+                <a:solidFill>
+                  <a:schemeClr val="tx1">
+                    <a:tint val="75000"/>
+                  </a:schemeClr>
+                </a:solidFill>
+                <a:latin typeface="+mj-lt"/>
+                <a:ea typeface="+mn-ea"/>
+                <a:cs typeface="+mn-cs"/>
+              </a:defRPr>
+            </a:lvl6pPr>
+            <a:lvl7pPr marL="2743200" indent="0" algn="ctr" defTabSz="914400" rtl="0" eaLnBrk="1" latinLnBrk="0" hangingPunct="1">
+              <a:spcBef>
+                <a:spcPct val="20000"/>
+              </a:spcBef>
+              <a:buFont typeface="Arial" pitchFamily="34" charset="0"/>
+              <a:buNone/>
+              <a:defRPr sz="1600" kern="1200">
+                <a:solidFill>
+                  <a:schemeClr val="tx1">
+                    <a:tint val="75000"/>
+                  </a:schemeClr>
+                </a:solidFill>
+                <a:latin typeface="+mj-lt"/>
+                <a:ea typeface="+mn-ea"/>
+                <a:cs typeface="+mn-cs"/>
+              </a:defRPr>
+            </a:lvl7pPr>
+            <a:lvl8pPr marL="3200400" indent="0" algn="ctr" defTabSz="914400" rtl="0" eaLnBrk="1" latinLnBrk="0" hangingPunct="1">
+              <a:spcBef>
+                <a:spcPct val="20000"/>
+              </a:spcBef>
+              <a:buFont typeface="Courier New" pitchFamily="49" charset="0"/>
+              <a:buNone/>
+              <a:defRPr sz="1600" kern="1200">
+                <a:solidFill>
+                  <a:schemeClr val="tx1">
+                    <a:tint val="75000"/>
+                  </a:schemeClr>
+                </a:solidFill>
+                <a:latin typeface="+mj-lt"/>
+                <a:ea typeface="+mn-ea"/>
+                <a:cs typeface="+mn-cs"/>
+              </a:defRPr>
+            </a:lvl8pPr>
+            <a:lvl9pPr marL="3657600" indent="0" algn="ctr" defTabSz="914400" rtl="0" eaLnBrk="1" latinLnBrk="0" hangingPunct="1">
+              <a:spcBef>
+                <a:spcPct val="20000"/>
+              </a:spcBef>
+              <a:buFont typeface="Arial" pitchFamily="34" charset="0"/>
+              <a:buNone/>
+              <a:defRPr sz="1600" kern="1200">
+                <a:solidFill>
+                  <a:schemeClr val="tx1">
+                    <a:tint val="75000"/>
+                  </a:schemeClr>
+                </a:solidFill>
+                <a:latin typeface="+mj-lt"/>
+                <a:ea typeface="+mn-ea"/>
+                <a:cs typeface="+mn-cs"/>
+              </a:defRPr>
+            </a:lvl9pPr>
+          </a:lstStyle>
+          <a:p>
             <a:pPr marL="342900" indent="-342900" algn="l">
               <a:buFont typeface="Arial" panose="020B0604020202020204" pitchFamily="34" charset="0"/>
               <a:buChar char="•"/>
             </a:pPr>
             <a:r>
-              <a:rPr lang="en-US" sz="2800" dirty="0" smtClean="0"/>
-              <a:t>Xx</a:t>
+              <a:rPr lang="en-US" dirty="0" smtClean="0"/>
+              <a:t>Not liberal use of whitespaces.</a:t>
             </a:r>
           </a:p>
           <a:p>
@@ -7275,8 +7476,229 @@
               <a:buChar char="•"/>
             </a:pPr>
             <a:r>
+              <a:rPr lang="en-US" dirty="0" smtClean="0"/>
+              <a:t>Poorly-worded variable names.</a:t>
+            </a:r>
+          </a:p>
+          <a:p>
+            <a:pPr marL="342900" indent="-342900" algn="l">
+              <a:buFont typeface="Arial" panose="020B0604020202020204" pitchFamily="34" charset="0"/>
+              <a:buChar char="•"/>
+            </a:pPr>
+            <a:r>
+              <a:rPr lang="en-US" dirty="0" smtClean="0"/>
+              <a:t>Lengthy line.</a:t>
+            </a:r>
+          </a:p>
+          <a:p>
+            <a:pPr marL="342900" indent="-342900" algn="l">
+              <a:buFont typeface="Arial" panose="020B0604020202020204" pitchFamily="34" charset="0"/>
+              <a:buChar char="•"/>
+            </a:pPr>
+            <a:r>
+              <a:rPr lang="en-US" dirty="0" smtClean="0"/>
+              <a:t>Mixture of </a:t>
+            </a:r>
+            <a:r>
+              <a:rPr lang="en-US" dirty="0" err="1" smtClean="0"/>
+              <a:t>underscore_casing</a:t>
+            </a:r>
+            <a:r>
+              <a:rPr lang="en-US" dirty="0" smtClean="0"/>
+              <a:t> and </a:t>
+            </a:r>
+            <a:r>
+              <a:rPr lang="en-US" dirty="0" err="1" smtClean="0"/>
+              <a:t>camelCase</a:t>
+            </a:r>
+            <a:r>
               <a:rPr lang="en-US" sz="2800" dirty="0" smtClean="0"/>
-              <a:t>Code Demo</a:t>
+              <a:t>.</a:t>
+            </a:r>
+          </a:p>
+        </p:txBody>
+      </p:sp>
+      <p:sp>
+        <p:nvSpPr>
+          <p:cNvPr id="11" name="Subtitle 6"/>
+          <p:cNvSpPr txBox="1">
+            <a:spLocks/>
+          </p:cNvSpPr>
+          <p:nvPr/>
+        </p:nvSpPr>
+        <p:spPr>
+          <a:xfrm>
+            <a:off x="349649" y="4603750"/>
+            <a:ext cx="7854368" cy="654050"/>
+          </a:xfrm>
+          <a:prstGeom prst="rect">
+            <a:avLst/>
+          </a:prstGeom>
+        </p:spPr>
+        <p:txBody>
+          <a:bodyPr vert="horz" lIns="91440" tIns="45720" rIns="91440" bIns="45720" rtlCol="0">
+            <a:normAutofit/>
+          </a:bodyPr>
+          <a:lstStyle>
+            <a:lvl1pPr marL="0" indent="0" algn="ctr" defTabSz="914400" rtl="0" eaLnBrk="1" latinLnBrk="0" hangingPunct="1">
+              <a:spcBef>
+                <a:spcPct val="20000"/>
+              </a:spcBef>
+              <a:buFont typeface="Arial" pitchFamily="34" charset="0"/>
+              <a:buNone/>
+              <a:defRPr sz="2400" kern="1200">
+                <a:solidFill>
+                  <a:schemeClr val="tx1">
+                    <a:tint val="75000"/>
+                  </a:schemeClr>
+                </a:solidFill>
+                <a:latin typeface="+mj-lt"/>
+                <a:ea typeface="+mn-ea"/>
+                <a:cs typeface="+mn-cs"/>
+              </a:defRPr>
+            </a:lvl1pPr>
+            <a:lvl2pPr marL="457200" indent="0" algn="ctr" defTabSz="914400" rtl="0" eaLnBrk="1" latinLnBrk="0" hangingPunct="1">
+              <a:spcBef>
+                <a:spcPct val="20000"/>
+              </a:spcBef>
+              <a:buFont typeface="Courier New" pitchFamily="49" charset="0"/>
+              <a:buNone/>
+              <a:defRPr sz="1600" kern="1200">
+                <a:solidFill>
+                  <a:schemeClr val="tx1">
+                    <a:tint val="75000"/>
+                  </a:schemeClr>
+                </a:solidFill>
+                <a:latin typeface="+mj-lt"/>
+                <a:ea typeface="+mn-ea"/>
+                <a:cs typeface="+mn-cs"/>
+              </a:defRPr>
+            </a:lvl2pPr>
+            <a:lvl3pPr marL="914400" indent="0" algn="ctr" defTabSz="914400" rtl="0" eaLnBrk="1" latinLnBrk="0" hangingPunct="1">
+              <a:spcBef>
+                <a:spcPct val="20000"/>
+              </a:spcBef>
+              <a:buFont typeface="Arial" pitchFamily="34" charset="0"/>
+              <a:buNone/>
+              <a:defRPr sz="1600" kern="1200">
+                <a:solidFill>
+                  <a:schemeClr val="tx1">
+                    <a:tint val="75000"/>
+                  </a:schemeClr>
+                </a:solidFill>
+                <a:latin typeface="+mj-lt"/>
+                <a:ea typeface="+mn-ea"/>
+                <a:cs typeface="+mn-cs"/>
+              </a:defRPr>
+            </a:lvl3pPr>
+            <a:lvl4pPr marL="1371600" indent="0" algn="ctr" defTabSz="914400" rtl="0" eaLnBrk="1" latinLnBrk="0" hangingPunct="1">
+              <a:spcBef>
+                <a:spcPct val="20000"/>
+              </a:spcBef>
+              <a:buFont typeface="Courier New" pitchFamily="49" charset="0"/>
+              <a:buNone/>
+              <a:defRPr sz="1600" kern="1200">
+                <a:solidFill>
+                  <a:schemeClr val="tx1">
+                    <a:tint val="75000"/>
+                  </a:schemeClr>
+                </a:solidFill>
+                <a:latin typeface="+mj-lt"/>
+                <a:ea typeface="+mn-ea"/>
+                <a:cs typeface="+mn-cs"/>
+              </a:defRPr>
+            </a:lvl4pPr>
+            <a:lvl5pPr marL="1828800" indent="0" algn="ctr" defTabSz="914400" rtl="0" eaLnBrk="1" latinLnBrk="0" hangingPunct="1">
+              <a:spcBef>
+                <a:spcPct val="20000"/>
+              </a:spcBef>
+              <a:buFont typeface="Arial" pitchFamily="34" charset="0"/>
+              <a:buNone/>
+              <a:defRPr sz="1600" kern="1200">
+                <a:solidFill>
+                  <a:schemeClr val="tx1">
+                    <a:tint val="75000"/>
+                  </a:schemeClr>
+                </a:solidFill>
+                <a:latin typeface="+mj-lt"/>
+                <a:ea typeface="+mn-ea"/>
+                <a:cs typeface="+mn-cs"/>
+              </a:defRPr>
+            </a:lvl5pPr>
+            <a:lvl6pPr marL="2286000" indent="0" algn="ctr" defTabSz="914400" rtl="0" eaLnBrk="1" latinLnBrk="0" hangingPunct="1">
+              <a:spcBef>
+                <a:spcPct val="20000"/>
+              </a:spcBef>
+              <a:buFont typeface="Courier New" pitchFamily="49" charset="0"/>
+              <a:buNone/>
+              <a:defRPr sz="1600" kern="1200">
+                <a:solidFill>
+                  <a:schemeClr val="tx1">
+                    <a:tint val="75000"/>
+                  </a:schemeClr>
+                </a:solidFill>
+                <a:latin typeface="+mj-lt"/>
+                <a:ea typeface="+mn-ea"/>
+                <a:cs typeface="+mn-cs"/>
+              </a:defRPr>
+            </a:lvl6pPr>
+            <a:lvl7pPr marL="2743200" indent="0" algn="ctr" defTabSz="914400" rtl="0" eaLnBrk="1" latinLnBrk="0" hangingPunct="1">
+              <a:spcBef>
+                <a:spcPct val="20000"/>
+              </a:spcBef>
+              <a:buFont typeface="Arial" pitchFamily="34" charset="0"/>
+              <a:buNone/>
+              <a:defRPr sz="1600" kern="1200">
+                <a:solidFill>
+                  <a:schemeClr val="tx1">
+                    <a:tint val="75000"/>
+                  </a:schemeClr>
+                </a:solidFill>
+                <a:latin typeface="+mj-lt"/>
+                <a:ea typeface="+mn-ea"/>
+                <a:cs typeface="+mn-cs"/>
+              </a:defRPr>
+            </a:lvl7pPr>
+            <a:lvl8pPr marL="3200400" indent="0" algn="ctr" defTabSz="914400" rtl="0" eaLnBrk="1" latinLnBrk="0" hangingPunct="1">
+              <a:spcBef>
+                <a:spcPct val="20000"/>
+              </a:spcBef>
+              <a:buFont typeface="Courier New" pitchFamily="49" charset="0"/>
+              <a:buNone/>
+              <a:defRPr sz="1600" kern="1200">
+                <a:solidFill>
+                  <a:schemeClr val="tx1">
+                    <a:tint val="75000"/>
+                  </a:schemeClr>
+                </a:solidFill>
+                <a:latin typeface="+mj-lt"/>
+                <a:ea typeface="+mn-ea"/>
+                <a:cs typeface="+mn-cs"/>
+              </a:defRPr>
+            </a:lvl8pPr>
+            <a:lvl9pPr marL="3657600" indent="0" algn="ctr" defTabSz="914400" rtl="0" eaLnBrk="1" latinLnBrk="0" hangingPunct="1">
+              <a:spcBef>
+                <a:spcPct val="20000"/>
+              </a:spcBef>
+              <a:buFont typeface="Arial" pitchFamily="34" charset="0"/>
+              <a:buNone/>
+              <a:defRPr sz="1600" kern="1200">
+                <a:solidFill>
+                  <a:schemeClr val="tx1">
+                    <a:tint val="75000"/>
+                  </a:schemeClr>
+                </a:solidFill>
+                <a:latin typeface="+mj-lt"/>
+                <a:ea typeface="+mn-ea"/>
+                <a:cs typeface="+mn-cs"/>
+              </a:defRPr>
+            </a:lvl9pPr>
+          </a:lstStyle>
+          <a:p>
+            <a:pPr algn="l"/>
+            <a:r>
+              <a:rPr lang="en-US" sz="2800" dirty="0" smtClean="0"/>
+              <a:t>How can we make it better?</a:t>
             </a:r>
           </a:p>
         </p:txBody>
@@ -7284,7 +7706,7 @@
     </p:spTree>
     <p:extLst>
       <p:ext uri="{BB962C8B-B14F-4D97-AF65-F5344CB8AC3E}">
-        <p14:creationId xmlns:p14="http://schemas.microsoft.com/office/powerpoint/2010/main" val="3369183476"/>
+        <p14:creationId xmlns:p14="http://schemas.microsoft.com/office/powerpoint/2010/main" val="398520826"/>
       </p:ext>
     </p:extLst>
   </p:cSld>
@@ -7323,8 +7745,8 @@
         </p:nvSpPr>
         <p:spPr>
           <a:xfrm>
-            <a:off x="685800" y="228600"/>
-            <a:ext cx="7772400" cy="685800"/>
+            <a:off x="152400" y="838200"/>
+            <a:ext cx="9906000" cy="685800"/>
           </a:xfrm>
         </p:spPr>
         <p:txBody>
@@ -7333,17 +7755,24 @@
           <a:p>
             <a:pPr algn="l"/>
             <a:r>
+              <a:rPr lang="en-US" sz="4000" dirty="0"/>
+              <a:t>Code Review Patterns </a:t>
+            </a:r>
+            <a:r>
               <a:rPr lang="en-US" sz="4000" dirty="0" smtClean="0"/>
-              <a:t>Code Review Patterns (</a:t>
-            </a:r>
-            <a:r>
-              <a:rPr lang="en-US" sz="4000" dirty="0" err="1" smtClean="0"/>
-              <a:t>cont</a:t>
+              <a:t>– </a:t>
             </a:r>
             <a:r>
               <a:rPr lang="en-US" sz="4000" dirty="0" smtClean="0"/>
-              <a:t>)</a:t>
-            </a:r>
+              <a:t>Consistency</a:t>
+            </a:r>
+            <a:r>
+              <a:rPr lang="en-US" sz="4000" dirty="0" smtClean="0"/>
+              <a:t/>
+            </a:r>
+            <a:br>
+              <a:rPr lang="en-US" sz="4000" dirty="0" smtClean="0"/>
+            </a:br>
             <a:endParaRPr lang="en-US" sz="4000" dirty="0"/>
           </a:p>
         </p:txBody>
@@ -7358,14 +7787,19 @@
             <p:ph type="dt" sz="half" idx="10"/>
           </p:nvPr>
         </p:nvSpPr>
-        <p:spPr/>
+        <p:spPr>
+          <a:xfrm>
+            <a:off x="6363347" y="7864475"/>
+            <a:ext cx="2085975" cy="365125"/>
+          </a:xfrm>
+        </p:spPr>
         <p:txBody>
           <a:bodyPr/>
           <a:lstStyle/>
           <a:p>
             <a:fld id="{216C5678-EE20-4FA5-88E2-6E0BD67A2E26}" type="datetime1">
               <a:rPr lang="en-US" smtClean="0"/>
-              <a:t>3/13/2016</a:t>
+              <a:t>3/19/2016</a:t>
             </a:fld>
             <a:endParaRPr lang="en-US" dirty="0"/>
           </a:p>
@@ -7381,7 +7815,12 @@
             <p:ph type="sldNum" sz="quarter" idx="11"/>
           </p:nvPr>
         </p:nvSpPr>
-        <p:spPr/>
+        <p:spPr>
+          <a:xfrm>
+            <a:off x="8543278" y="7864475"/>
+            <a:ext cx="561975" cy="365125"/>
+          </a:xfrm>
+        </p:spPr>
         <p:txBody>
           <a:bodyPr/>
           <a:lstStyle/>
@@ -7405,53 +7844,27 @@
             <p:ph type="ftr" sz="quarter" idx="12"/>
           </p:nvPr>
         </p:nvSpPr>
-        <p:spPr/>
-        <p:txBody>
-          <a:bodyPr/>
-          <a:lstStyle/>
-          <a:p>
-            <a:r>
-              <a:rPr lang="en-US" smtClean="0"/>
-              <a:t>Footer Text</a:t>
-            </a:r>
-            <a:endParaRPr lang="en-US" dirty="0"/>
-          </a:p>
-        </p:txBody>
-      </p:sp>
-      <p:sp>
-        <p:nvSpPr>
-          <p:cNvPr id="8" name="Subtitle 2"/>
-          <p:cNvSpPr>
-            <a:spLocks noGrp="1"/>
-          </p:cNvSpPr>
-          <p:nvPr>
-            <p:ph type="subTitle" idx="1"/>
-          </p:nvPr>
-        </p:nvSpPr>
         <p:spPr>
           <a:xfrm>
-            <a:off x="228600" y="1066800"/>
-            <a:ext cx="7315200" cy="685800"/>
+            <a:off x="659165" y="7864475"/>
+            <a:ext cx="2847975" cy="365125"/>
           </a:xfrm>
         </p:spPr>
         <p:txBody>
-          <a:bodyPr>
-            <a:noAutofit/>
-          </a:bodyPr>
-          <a:lstStyle/>
-          <a:p>
-            <a:pPr algn="l"/>
-            <a:r>
-              <a:rPr lang="en-US" sz="3200" b="1" u="sng" dirty="0" smtClean="0"/>
-              <a:t>Testable</a:t>
-            </a:r>
-            <a:endParaRPr lang="en-US" sz="3200" b="1" u="sng" dirty="0"/>
-          </a:p>
-        </p:txBody>
-      </p:sp>
-      <p:sp>
-        <p:nvSpPr>
-          <p:cNvPr id="7" name="Subtitle 6"/>
+          <a:bodyPr/>
+          <a:lstStyle/>
+          <a:p>
+            <a:r>
+              <a:rPr lang="en-US" smtClean="0"/>
+              <a:t>Footer Text</a:t>
+            </a:r>
+            <a:endParaRPr lang="en-US" dirty="0"/>
+          </a:p>
+        </p:txBody>
+      </p:sp>
+      <p:sp>
+        <p:nvSpPr>
+          <p:cNvPr id="12" name="Subtitle 6"/>
           <p:cNvSpPr txBox="1">
             <a:spLocks/>
           </p:cNvSpPr>
@@ -7459,7 +7872,7 @@
         </p:nvSpPr>
         <p:spPr>
           <a:xfrm>
-            <a:off x="573183" y="1676400"/>
+            <a:off x="573183" y="990600"/>
             <a:ext cx="7854368" cy="4648200"/>
           </a:xfrm>
           <a:prstGeom prst="rect">
@@ -7632,7 +8045,49 @@
             </a:pPr>
             <a:r>
               <a:rPr lang="en-US" sz="2800" dirty="0" smtClean="0"/>
-              <a:t>Xx</a:t>
+              <a:t>New code’s styles, error handing, patterns, </a:t>
+            </a:r>
+            <a:r>
+              <a:rPr lang="en-US" sz="2800" dirty="0" err="1" smtClean="0"/>
+              <a:t>etc</a:t>
+            </a:r>
+            <a:r>
+              <a:rPr lang="en-US" sz="2800" dirty="0" smtClean="0"/>
+              <a:t> should match those of existing </a:t>
+            </a:r>
+            <a:r>
+              <a:rPr lang="en-US" sz="2800" dirty="0" smtClean="0"/>
+              <a:t>code</a:t>
+            </a:r>
+            <a:r>
+              <a:rPr lang="en-US" sz="2800" dirty="0" smtClean="0"/>
+              <a:t>.</a:t>
+            </a:r>
+          </a:p>
+          <a:p>
+            <a:pPr algn="l"/>
+            <a:r>
+              <a:rPr lang="en-US" sz="2800" dirty="0" smtClean="0"/>
+              <a:t>     </a:t>
+            </a:r>
+            <a:r>
+              <a:rPr lang="en-US" sz="2000" i="1" dirty="0" smtClean="0"/>
+              <a:t>Exception: </a:t>
+            </a:r>
+            <a:r>
+              <a:rPr lang="en-US" sz="2000" i="1" dirty="0" smtClean="0"/>
+              <a:t>old, legacy code </a:t>
+            </a:r>
+            <a:r>
+              <a:rPr lang="en-US" sz="2000" i="1" dirty="0" smtClean="0"/>
+              <a:t>prior to code review process </a:t>
+            </a:r>
+          </a:p>
+          <a:p>
+            <a:pPr algn="l"/>
+            <a:r>
+              <a:rPr lang="en-US" sz="2000" i="1" dirty="0" smtClean="0"/>
+              <a:t>       is exempt.</a:t>
             </a:r>
           </a:p>
           <a:p>
@@ -7641,16 +8096,36 @@
               <a:buChar char="•"/>
             </a:pPr>
             <a:r>
+              <a:rPr lang="en-US" sz="2800" i="1" dirty="0" smtClean="0"/>
+              <a:t>Coding Style Guide should </a:t>
+            </a:r>
+            <a:r>
+              <a:rPr lang="en-US" sz="2800" i="1" smtClean="0"/>
+              <a:t>help.</a:t>
+            </a:r>
+            <a:endParaRPr lang="en-US" sz="2800" dirty="0" smtClean="0"/>
+          </a:p>
+          <a:p>
+            <a:pPr marL="342900" indent="-342900" algn="l">
+              <a:buFont typeface="Arial" panose="020B0604020202020204" pitchFamily="34" charset="0"/>
+              <a:buChar char="•"/>
+            </a:pPr>
+            <a:r>
               <a:rPr lang="en-US" sz="2800" dirty="0" smtClean="0"/>
-              <a:t>Code Demo</a:t>
-            </a:r>
+              <a:t>Code </a:t>
+            </a:r>
+            <a:r>
+              <a:rPr lang="en-US" sz="2800" dirty="0" smtClean="0"/>
+              <a:t>Demo.</a:t>
+            </a:r>
+            <a:endParaRPr lang="en-US" sz="2800" dirty="0" smtClean="0"/>
           </a:p>
         </p:txBody>
       </p:sp>
     </p:spTree>
     <p:extLst>
       <p:ext uri="{BB962C8B-B14F-4D97-AF65-F5344CB8AC3E}">
-        <p14:creationId xmlns:p14="http://schemas.microsoft.com/office/powerpoint/2010/main" val="536111359"/>
+        <p14:creationId xmlns:p14="http://schemas.microsoft.com/office/powerpoint/2010/main" val="2791645930"/>
       </p:ext>
     </p:extLst>
   </p:cSld>
@@ -7731,7 +8206,7 @@
           <a:p>
             <a:fld id="{216C5678-EE20-4FA5-88E2-6E0BD67A2E26}" type="datetime1">
               <a:rPr lang="en-US" smtClean="0"/>
-              <a:t>3/13/2016</a:t>
+              <a:t>3/19/2016</a:t>
             </a:fld>
             <a:endParaRPr lang="en-US" dirty="0"/>
           </a:p>
@@ -7809,7 +8284,7 @@
             <a:pPr algn="l"/>
             <a:r>
               <a:rPr lang="en-US" sz="3200" b="1" u="sng" dirty="0" smtClean="0"/>
-              <a:t>Consistency</a:t>
+              <a:t>DRY</a:t>
             </a:r>
             <a:endParaRPr lang="en-US" sz="3200" b="1" u="sng" dirty="0"/>
           </a:p>
@@ -8016,7 +8491,7 @@
     </p:spTree>
     <p:extLst>
       <p:ext uri="{BB962C8B-B14F-4D97-AF65-F5344CB8AC3E}">
-        <p14:creationId xmlns:p14="http://schemas.microsoft.com/office/powerpoint/2010/main" val="2904839594"/>
+        <p14:creationId xmlns:p14="http://schemas.microsoft.com/office/powerpoint/2010/main" val="3369183476"/>
       </p:ext>
     </p:extLst>
   </p:cSld>
@@ -8097,7 +8572,7 @@
           <a:p>
             <a:fld id="{216C5678-EE20-4FA5-88E2-6E0BD67A2E26}" type="datetime1">
               <a:rPr lang="en-US" smtClean="0"/>
-              <a:t>3/13/2016</a:t>
+              <a:t>3/19/2016</a:t>
             </a:fld>
             <a:endParaRPr lang="en-US" dirty="0"/>
           </a:p>
@@ -8175,7 +8650,7 @@
             <a:pPr algn="l"/>
             <a:r>
               <a:rPr lang="en-US" sz="3200" b="1" u="sng" dirty="0" smtClean="0"/>
-              <a:t>Readability</a:t>
+              <a:t>Testable</a:t>
             </a:r>
             <a:endParaRPr lang="en-US" sz="3200" b="1" u="sng" dirty="0"/>
           </a:p>
@@ -8382,7 +8857,7 @@
     </p:spTree>
     <p:extLst>
       <p:ext uri="{BB962C8B-B14F-4D97-AF65-F5344CB8AC3E}">
-        <p14:creationId xmlns:p14="http://schemas.microsoft.com/office/powerpoint/2010/main" val="1874786891"/>
+        <p14:creationId xmlns:p14="http://schemas.microsoft.com/office/powerpoint/2010/main" val="536111359"/>
       </p:ext>
     </p:extLst>
   </p:cSld>
@@ -8539,7 +9014,7 @@
           <a:p>
             <a:fld id="{216C5678-EE20-4FA5-88E2-6E0BD67A2E26}" type="datetime1">
               <a:rPr lang="en-US" smtClean="0"/>
-              <a:t>3/13/2016</a:t>
+              <a:t>3/19/2016</a:t>
             </a:fld>
             <a:endParaRPr lang="en-US" dirty="0"/>
           </a:p>
@@ -8676,7 +9151,7 @@
           <a:p>
             <a:fld id="{216C5678-EE20-4FA5-88E2-6E0BD67A2E26}" type="datetime1">
               <a:rPr lang="en-US" smtClean="0"/>
-              <a:t>3/13/2016</a:t>
+              <a:t>3/19/2016</a:t>
             </a:fld>
             <a:endParaRPr lang="en-US" dirty="0"/>
           </a:p>
@@ -8753,8 +9228,8 @@
           <a:p>
             <a:pPr algn="l"/>
             <a:r>
-              <a:rPr lang="en-US" sz="3200" b="1" u="sng" dirty="0" err="1" smtClean="0"/>
-              <a:t>Misc</a:t>
+              <a:rPr lang="en-US" sz="3200" b="1" u="sng" dirty="0" smtClean="0"/>
+              <a:t>Consistency</a:t>
             </a:r>
             <a:endParaRPr lang="en-US" sz="3200" b="1" u="sng" dirty="0"/>
           </a:p>
@@ -8961,7 +9436,7 @@
     </p:spTree>
     <p:extLst>
       <p:ext uri="{BB962C8B-B14F-4D97-AF65-F5344CB8AC3E}">
-        <p14:creationId xmlns:p14="http://schemas.microsoft.com/office/powerpoint/2010/main" val="3192479005"/>
+        <p14:creationId xmlns:p14="http://schemas.microsoft.com/office/powerpoint/2010/main" val="2904839594"/>
       </p:ext>
     </p:extLst>
   </p:cSld>
@@ -9011,7 +9486,15 @@
             <a:pPr algn="l"/>
             <a:r>
               <a:rPr lang="en-US" sz="4000" dirty="0" smtClean="0"/>
-              <a:t>Conclusion</a:t>
+              <a:t>Code Review Patterns (</a:t>
+            </a:r>
+            <a:r>
+              <a:rPr lang="en-US" sz="4000" dirty="0" err="1" smtClean="0"/>
+              <a:t>cont</a:t>
+            </a:r>
+            <a:r>
+              <a:rPr lang="en-US" sz="4000" dirty="0" smtClean="0"/>
+              <a:t>)</a:t>
             </a:r>
             <a:endParaRPr lang="en-US" sz="4000" dirty="0"/>
           </a:p>
@@ -9019,7 +9502,77 @@
       </p:sp>
       <p:sp>
         <p:nvSpPr>
-          <p:cNvPr id="3" name="Subtitle 2"/>
+          <p:cNvPr id="4" name="Date Placeholder 3"/>
+          <p:cNvSpPr>
+            <a:spLocks noGrp="1"/>
+          </p:cNvSpPr>
+          <p:nvPr>
+            <p:ph type="dt" sz="half" idx="10"/>
+          </p:nvPr>
+        </p:nvSpPr>
+        <p:spPr/>
+        <p:txBody>
+          <a:bodyPr/>
+          <a:lstStyle/>
+          <a:p>
+            <a:fld id="{216C5678-EE20-4FA5-88E2-6E0BD67A2E26}" type="datetime1">
+              <a:rPr lang="en-US" smtClean="0"/>
+              <a:t>3/19/2016</a:t>
+            </a:fld>
+            <a:endParaRPr lang="en-US" dirty="0"/>
+          </a:p>
+        </p:txBody>
+      </p:sp>
+      <p:sp>
+        <p:nvSpPr>
+          <p:cNvPr id="5" name="Slide Number Placeholder 4"/>
+          <p:cNvSpPr>
+            <a:spLocks noGrp="1"/>
+          </p:cNvSpPr>
+          <p:nvPr>
+            <p:ph type="sldNum" sz="quarter" idx="11"/>
+          </p:nvPr>
+        </p:nvSpPr>
+        <p:spPr/>
+        <p:txBody>
+          <a:bodyPr/>
+          <a:lstStyle/>
+          <a:p>
+            <a:fld id="{BA9B540C-44DA-4F69-89C9-7C84606640D3}" type="slidenum">
+              <a:rPr lang="en-US" smtClean="0"/>
+              <a:pPr/>
+              <a:t>21</a:t>
+            </a:fld>
+            <a:endParaRPr lang="en-US" dirty="0"/>
+          </a:p>
+        </p:txBody>
+      </p:sp>
+      <p:sp>
+        <p:nvSpPr>
+          <p:cNvPr id="6" name="Footer Placeholder 5"/>
+          <p:cNvSpPr>
+            <a:spLocks noGrp="1"/>
+          </p:cNvSpPr>
+          <p:nvPr>
+            <p:ph type="ftr" sz="quarter" idx="12"/>
+          </p:nvPr>
+        </p:nvSpPr>
+        <p:spPr/>
+        <p:txBody>
+          <a:bodyPr/>
+          <a:lstStyle/>
+          <a:p>
+            <a:r>
+              <a:rPr lang="en-US" smtClean="0"/>
+              <a:t>Footer Text</a:t>
+            </a:r>
+            <a:endParaRPr lang="en-US" dirty="0"/>
+          </a:p>
+        </p:txBody>
+      </p:sp>
+      <p:sp>
+        <p:nvSpPr>
+          <p:cNvPr id="8" name="Subtitle 2"/>
           <p:cNvSpPr>
             <a:spLocks noGrp="1"/>
           </p:cNvSpPr>
@@ -9029,8 +9582,8 @@
         </p:nvSpPr>
         <p:spPr>
           <a:xfrm>
-            <a:off x="762000" y="1219200"/>
-            <a:ext cx="7315200" cy="4343400"/>
+            <a:off x="228600" y="1066800"/>
+            <a:ext cx="7315200" cy="685800"/>
           </a:xfrm>
         </p:spPr>
         <p:txBody>
@@ -9038,22 +9591,200 @@
             <a:noAutofit/>
           </a:bodyPr>
           <a:lstStyle/>
+          <a:p>
+            <a:pPr algn="l"/>
+            <a:r>
+              <a:rPr lang="en-US" sz="3200" b="1" u="sng" dirty="0" smtClean="0"/>
+              <a:t>Readability</a:t>
+            </a:r>
+            <a:endParaRPr lang="en-US" sz="3200" b="1" u="sng" dirty="0"/>
+          </a:p>
+        </p:txBody>
+      </p:sp>
+      <p:sp>
+        <p:nvSpPr>
+          <p:cNvPr id="7" name="Subtitle 6"/>
+          <p:cNvSpPr txBox="1">
+            <a:spLocks/>
+          </p:cNvSpPr>
+          <p:nvPr/>
+        </p:nvSpPr>
+        <p:spPr>
+          <a:xfrm>
+            <a:off x="573183" y="1676400"/>
+            <a:ext cx="7854368" cy="4648200"/>
+          </a:xfrm>
+          <a:prstGeom prst="rect">
+            <a:avLst/>
+          </a:prstGeom>
+        </p:spPr>
+        <p:txBody>
+          <a:bodyPr vert="horz" lIns="91440" tIns="45720" rIns="91440" bIns="45720" rtlCol="0">
+            <a:normAutofit/>
+          </a:bodyPr>
+          <a:lstStyle>
+            <a:lvl1pPr marL="0" indent="0" algn="ctr" defTabSz="914400" rtl="0" eaLnBrk="1" latinLnBrk="0" hangingPunct="1">
+              <a:spcBef>
+                <a:spcPct val="20000"/>
+              </a:spcBef>
+              <a:buFont typeface="Arial" pitchFamily="34" charset="0"/>
+              <a:buNone/>
+              <a:defRPr sz="2400" kern="1200">
+                <a:solidFill>
+                  <a:schemeClr val="tx1">
+                    <a:tint val="75000"/>
+                  </a:schemeClr>
+                </a:solidFill>
+                <a:latin typeface="+mj-lt"/>
+                <a:ea typeface="+mn-ea"/>
+                <a:cs typeface="+mn-cs"/>
+              </a:defRPr>
+            </a:lvl1pPr>
+            <a:lvl2pPr marL="457200" indent="0" algn="ctr" defTabSz="914400" rtl="0" eaLnBrk="1" latinLnBrk="0" hangingPunct="1">
+              <a:spcBef>
+                <a:spcPct val="20000"/>
+              </a:spcBef>
+              <a:buFont typeface="Courier New" pitchFamily="49" charset="0"/>
+              <a:buNone/>
+              <a:defRPr sz="1600" kern="1200">
+                <a:solidFill>
+                  <a:schemeClr val="tx1">
+                    <a:tint val="75000"/>
+                  </a:schemeClr>
+                </a:solidFill>
+                <a:latin typeface="+mj-lt"/>
+                <a:ea typeface="+mn-ea"/>
+                <a:cs typeface="+mn-cs"/>
+              </a:defRPr>
+            </a:lvl2pPr>
+            <a:lvl3pPr marL="914400" indent="0" algn="ctr" defTabSz="914400" rtl="0" eaLnBrk="1" latinLnBrk="0" hangingPunct="1">
+              <a:spcBef>
+                <a:spcPct val="20000"/>
+              </a:spcBef>
+              <a:buFont typeface="Arial" pitchFamily="34" charset="0"/>
+              <a:buNone/>
+              <a:defRPr sz="1600" kern="1200">
+                <a:solidFill>
+                  <a:schemeClr val="tx1">
+                    <a:tint val="75000"/>
+                  </a:schemeClr>
+                </a:solidFill>
+                <a:latin typeface="+mj-lt"/>
+                <a:ea typeface="+mn-ea"/>
+                <a:cs typeface="+mn-cs"/>
+              </a:defRPr>
+            </a:lvl3pPr>
+            <a:lvl4pPr marL="1371600" indent="0" algn="ctr" defTabSz="914400" rtl="0" eaLnBrk="1" latinLnBrk="0" hangingPunct="1">
+              <a:spcBef>
+                <a:spcPct val="20000"/>
+              </a:spcBef>
+              <a:buFont typeface="Courier New" pitchFamily="49" charset="0"/>
+              <a:buNone/>
+              <a:defRPr sz="1600" kern="1200">
+                <a:solidFill>
+                  <a:schemeClr val="tx1">
+                    <a:tint val="75000"/>
+                  </a:schemeClr>
+                </a:solidFill>
+                <a:latin typeface="+mj-lt"/>
+                <a:ea typeface="+mn-ea"/>
+                <a:cs typeface="+mn-cs"/>
+              </a:defRPr>
+            </a:lvl4pPr>
+            <a:lvl5pPr marL="1828800" indent="0" algn="ctr" defTabSz="914400" rtl="0" eaLnBrk="1" latinLnBrk="0" hangingPunct="1">
+              <a:spcBef>
+                <a:spcPct val="20000"/>
+              </a:spcBef>
+              <a:buFont typeface="Arial" pitchFamily="34" charset="0"/>
+              <a:buNone/>
+              <a:defRPr sz="1600" kern="1200">
+                <a:solidFill>
+                  <a:schemeClr val="tx1">
+                    <a:tint val="75000"/>
+                  </a:schemeClr>
+                </a:solidFill>
+                <a:latin typeface="+mj-lt"/>
+                <a:ea typeface="+mn-ea"/>
+                <a:cs typeface="+mn-cs"/>
+              </a:defRPr>
+            </a:lvl5pPr>
+            <a:lvl6pPr marL="2286000" indent="0" algn="ctr" defTabSz="914400" rtl="0" eaLnBrk="1" latinLnBrk="0" hangingPunct="1">
+              <a:spcBef>
+                <a:spcPct val="20000"/>
+              </a:spcBef>
+              <a:buFont typeface="Courier New" pitchFamily="49" charset="0"/>
+              <a:buNone/>
+              <a:defRPr sz="1600" kern="1200">
+                <a:solidFill>
+                  <a:schemeClr val="tx1">
+                    <a:tint val="75000"/>
+                  </a:schemeClr>
+                </a:solidFill>
+                <a:latin typeface="+mj-lt"/>
+                <a:ea typeface="+mn-ea"/>
+                <a:cs typeface="+mn-cs"/>
+              </a:defRPr>
+            </a:lvl6pPr>
+            <a:lvl7pPr marL="2743200" indent="0" algn="ctr" defTabSz="914400" rtl="0" eaLnBrk="1" latinLnBrk="0" hangingPunct="1">
+              <a:spcBef>
+                <a:spcPct val="20000"/>
+              </a:spcBef>
+              <a:buFont typeface="Arial" pitchFamily="34" charset="0"/>
+              <a:buNone/>
+              <a:defRPr sz="1600" kern="1200">
+                <a:solidFill>
+                  <a:schemeClr val="tx1">
+                    <a:tint val="75000"/>
+                  </a:schemeClr>
+                </a:solidFill>
+                <a:latin typeface="+mj-lt"/>
+                <a:ea typeface="+mn-ea"/>
+                <a:cs typeface="+mn-cs"/>
+              </a:defRPr>
+            </a:lvl7pPr>
+            <a:lvl8pPr marL="3200400" indent="0" algn="ctr" defTabSz="914400" rtl="0" eaLnBrk="1" latinLnBrk="0" hangingPunct="1">
+              <a:spcBef>
+                <a:spcPct val="20000"/>
+              </a:spcBef>
+              <a:buFont typeface="Courier New" pitchFamily="49" charset="0"/>
+              <a:buNone/>
+              <a:defRPr sz="1600" kern="1200">
+                <a:solidFill>
+                  <a:schemeClr val="tx1">
+                    <a:tint val="75000"/>
+                  </a:schemeClr>
+                </a:solidFill>
+                <a:latin typeface="+mj-lt"/>
+                <a:ea typeface="+mn-ea"/>
+                <a:cs typeface="+mn-cs"/>
+              </a:defRPr>
+            </a:lvl8pPr>
+            <a:lvl9pPr marL="3657600" indent="0" algn="ctr" defTabSz="914400" rtl="0" eaLnBrk="1" latinLnBrk="0" hangingPunct="1">
+              <a:spcBef>
+                <a:spcPct val="20000"/>
+              </a:spcBef>
+              <a:buFont typeface="Arial" pitchFamily="34" charset="0"/>
+              <a:buNone/>
+              <a:defRPr sz="1600" kern="1200">
+                <a:solidFill>
+                  <a:schemeClr val="tx1">
+                    <a:tint val="75000"/>
+                  </a:schemeClr>
+                </a:solidFill>
+                <a:latin typeface="+mj-lt"/>
+                <a:ea typeface="+mn-ea"/>
+                <a:cs typeface="+mn-cs"/>
+              </a:defRPr>
+            </a:lvl9pPr>
+          </a:lstStyle>
           <a:p>
             <a:pPr marL="342900" indent="-342900" algn="l">
               <a:buFont typeface="Arial" panose="020B0604020202020204" pitchFamily="34" charset="0"/>
               <a:buChar char="•"/>
             </a:pPr>
             <a:r>
-              <a:rPr lang="en-US" sz="3200" dirty="0" smtClean="0"/>
-              <a:t>Discussed the 3 </a:t>
-            </a:r>
-            <a:r>
-              <a:rPr lang="en-US" sz="3200" dirty="0" err="1" smtClean="0"/>
-              <a:t>Ws</a:t>
-            </a:r>
-            <a:r>
-              <a:rPr lang="en-US" sz="3200" dirty="0" smtClean="0"/>
-              <a:t> and How.</a:t>
+              <a:rPr lang="en-US" sz="2800" dirty="0" smtClean="0"/>
+              <a:t>Xx</a:t>
             </a:r>
           </a:p>
           <a:p>
@@ -9062,105 +9793,16 @@
               <a:buChar char="•"/>
             </a:pPr>
             <a:r>
-              <a:rPr lang="en-US" sz="3200" dirty="0" smtClean="0"/>
-              <a:t>Discussed the pros and cons of three review approaches.</a:t>
-            </a:r>
-          </a:p>
-          <a:p>
-            <a:pPr marL="342900" indent="-342900" algn="l">
-              <a:buFont typeface="Arial" panose="020B0604020202020204" pitchFamily="34" charset="0"/>
-              <a:buChar char="•"/>
-            </a:pPr>
-            <a:r>
-              <a:rPr lang="en-US" sz="3200" dirty="0" smtClean="0"/>
-              <a:t>Discussed various code review patterns and </a:t>
-            </a:r>
-            <a:r>
-              <a:rPr lang="en-US" sz="3200" dirty="0" err="1" smtClean="0"/>
-              <a:t>gotchas</a:t>
-            </a:r>
-            <a:r>
-              <a:rPr lang="en-US" sz="3200" smtClean="0"/>
-              <a:t>.</a:t>
-            </a:r>
-            <a:endParaRPr lang="en-US" sz="3200" dirty="0"/>
-          </a:p>
-        </p:txBody>
-      </p:sp>
-      <p:sp>
-        <p:nvSpPr>
-          <p:cNvPr id="4" name="Date Placeholder 3"/>
-          <p:cNvSpPr>
-            <a:spLocks noGrp="1"/>
-          </p:cNvSpPr>
-          <p:nvPr>
-            <p:ph type="dt" sz="half" idx="10"/>
-          </p:nvPr>
-        </p:nvSpPr>
-        <p:spPr/>
-        <p:txBody>
-          <a:bodyPr/>
-          <a:lstStyle/>
-          <a:p>
-            <a:fld id="{216C5678-EE20-4FA5-88E2-6E0BD67A2E26}" type="datetime1">
-              <a:rPr lang="en-US" smtClean="0"/>
-              <a:t>3/13/2016</a:t>
-            </a:fld>
-            <a:endParaRPr lang="en-US" dirty="0"/>
-          </a:p>
-        </p:txBody>
-      </p:sp>
-      <p:sp>
-        <p:nvSpPr>
-          <p:cNvPr id="5" name="Slide Number Placeholder 4"/>
-          <p:cNvSpPr>
-            <a:spLocks noGrp="1"/>
-          </p:cNvSpPr>
-          <p:nvPr>
-            <p:ph type="sldNum" sz="quarter" idx="11"/>
-          </p:nvPr>
-        </p:nvSpPr>
-        <p:spPr/>
-        <p:txBody>
-          <a:bodyPr/>
-          <a:lstStyle/>
-          <a:p>
-            <a:fld id="{BA9B540C-44DA-4F69-89C9-7C84606640D3}" type="slidenum">
-              <a:rPr lang="en-US" smtClean="0"/>
-              <a:pPr/>
-              <a:t>21</a:t>
-            </a:fld>
-            <a:endParaRPr lang="en-US" dirty="0"/>
-          </a:p>
-        </p:txBody>
-      </p:sp>
-      <p:sp>
-        <p:nvSpPr>
-          <p:cNvPr id="6" name="Footer Placeholder 5"/>
-          <p:cNvSpPr>
-            <a:spLocks noGrp="1"/>
-          </p:cNvSpPr>
-          <p:nvPr>
-            <p:ph type="ftr" sz="quarter" idx="12"/>
-          </p:nvPr>
-        </p:nvSpPr>
-        <p:spPr/>
-        <p:txBody>
-          <a:bodyPr/>
-          <a:lstStyle/>
-          <a:p>
-            <a:r>
-              <a:rPr lang="en-US" smtClean="0"/>
-              <a:t>Footer Text</a:t>
-            </a:r>
-            <a:endParaRPr lang="en-US" dirty="0"/>
+              <a:rPr lang="en-US" sz="2800" dirty="0" smtClean="0"/>
+              <a:t>Code Demo</a:t>
+            </a:r>
           </a:p>
         </p:txBody>
       </p:sp>
     </p:spTree>
     <p:extLst>
       <p:ext uri="{BB962C8B-B14F-4D97-AF65-F5344CB8AC3E}">
-        <p14:creationId xmlns:p14="http://schemas.microsoft.com/office/powerpoint/2010/main" val="2740892730"/>
+        <p14:creationId xmlns:p14="http://schemas.microsoft.com/office/powerpoint/2010/main" val="1874786891"/>
       </p:ext>
     </p:extLst>
   </p:cSld>
@@ -9210,7 +9852,15 @@
             <a:pPr algn="l"/>
             <a:r>
               <a:rPr lang="en-US" sz="4000" dirty="0" smtClean="0"/>
-              <a:t>xx</a:t>
+              <a:t>Code Review Patterns (</a:t>
+            </a:r>
+            <a:r>
+              <a:rPr lang="en-US" sz="4000" dirty="0" err="1" smtClean="0"/>
+              <a:t>cont</a:t>
+            </a:r>
+            <a:r>
+              <a:rPr lang="en-US" sz="4000" dirty="0" smtClean="0"/>
+              <a:t>)</a:t>
             </a:r>
             <a:endParaRPr lang="en-US" sz="4000" dirty="0"/>
           </a:p>
@@ -9218,7 +9868,77 @@
       </p:sp>
       <p:sp>
         <p:nvSpPr>
-          <p:cNvPr id="3" name="Subtitle 2"/>
+          <p:cNvPr id="4" name="Date Placeholder 3"/>
+          <p:cNvSpPr>
+            <a:spLocks noGrp="1"/>
+          </p:cNvSpPr>
+          <p:nvPr>
+            <p:ph type="dt" sz="half" idx="10"/>
+          </p:nvPr>
+        </p:nvSpPr>
+        <p:spPr/>
+        <p:txBody>
+          <a:bodyPr/>
+          <a:lstStyle/>
+          <a:p>
+            <a:fld id="{216C5678-EE20-4FA5-88E2-6E0BD67A2E26}" type="datetime1">
+              <a:rPr lang="en-US" smtClean="0"/>
+              <a:t>3/19/2016</a:t>
+            </a:fld>
+            <a:endParaRPr lang="en-US" dirty="0"/>
+          </a:p>
+        </p:txBody>
+      </p:sp>
+      <p:sp>
+        <p:nvSpPr>
+          <p:cNvPr id="5" name="Slide Number Placeholder 4"/>
+          <p:cNvSpPr>
+            <a:spLocks noGrp="1"/>
+          </p:cNvSpPr>
+          <p:nvPr>
+            <p:ph type="sldNum" sz="quarter" idx="11"/>
+          </p:nvPr>
+        </p:nvSpPr>
+        <p:spPr/>
+        <p:txBody>
+          <a:bodyPr/>
+          <a:lstStyle/>
+          <a:p>
+            <a:fld id="{BA9B540C-44DA-4F69-89C9-7C84606640D3}" type="slidenum">
+              <a:rPr lang="en-US" smtClean="0"/>
+              <a:pPr/>
+              <a:t>22</a:t>
+            </a:fld>
+            <a:endParaRPr lang="en-US" dirty="0"/>
+          </a:p>
+        </p:txBody>
+      </p:sp>
+      <p:sp>
+        <p:nvSpPr>
+          <p:cNvPr id="6" name="Footer Placeholder 5"/>
+          <p:cNvSpPr>
+            <a:spLocks noGrp="1"/>
+          </p:cNvSpPr>
+          <p:nvPr>
+            <p:ph type="ftr" sz="quarter" idx="12"/>
+          </p:nvPr>
+        </p:nvSpPr>
+        <p:spPr/>
+        <p:txBody>
+          <a:bodyPr/>
+          <a:lstStyle/>
+          <a:p>
+            <a:r>
+              <a:rPr lang="en-US" smtClean="0"/>
+              <a:t>Footer Text</a:t>
+            </a:r>
+            <a:endParaRPr lang="en-US" dirty="0"/>
+          </a:p>
+        </p:txBody>
+      </p:sp>
+      <p:sp>
+        <p:nvSpPr>
+          <p:cNvPr id="8" name="Subtitle 2"/>
           <p:cNvSpPr>
             <a:spLocks noGrp="1"/>
           </p:cNvSpPr>
@@ -9228,8 +9948,8 @@
         </p:nvSpPr>
         <p:spPr>
           <a:xfrm>
-            <a:off x="762000" y="1219200"/>
-            <a:ext cx="7315200" cy="4343400"/>
+            <a:off x="228600" y="1066800"/>
+            <a:ext cx="7315200" cy="685800"/>
           </a:xfrm>
         </p:spPr>
         <p:txBody>
@@ -9237,89 +9957,218 @@
             <a:noAutofit/>
           </a:bodyPr>
           <a:lstStyle/>
+          <a:p>
+            <a:pPr algn="l"/>
+            <a:r>
+              <a:rPr lang="en-US" sz="3200" b="1" u="sng" dirty="0" err="1" smtClean="0"/>
+              <a:t>Misc</a:t>
+            </a:r>
+            <a:endParaRPr lang="en-US" sz="3200" b="1" u="sng" dirty="0"/>
+          </a:p>
+        </p:txBody>
+      </p:sp>
+      <p:sp>
+        <p:nvSpPr>
+          <p:cNvPr id="7" name="Subtitle 6"/>
+          <p:cNvSpPr txBox="1">
+            <a:spLocks/>
+          </p:cNvSpPr>
+          <p:nvPr/>
+        </p:nvSpPr>
+        <p:spPr>
+          <a:xfrm>
+            <a:off x="573183" y="1676400"/>
+            <a:ext cx="7854368" cy="4648200"/>
+          </a:xfrm>
+          <a:prstGeom prst="rect">
+            <a:avLst/>
+          </a:prstGeom>
+        </p:spPr>
+        <p:txBody>
+          <a:bodyPr vert="horz" lIns="91440" tIns="45720" rIns="91440" bIns="45720" rtlCol="0">
+            <a:normAutofit/>
+          </a:bodyPr>
+          <a:lstStyle>
+            <a:lvl1pPr marL="0" indent="0" algn="ctr" defTabSz="914400" rtl="0" eaLnBrk="1" latinLnBrk="0" hangingPunct="1">
+              <a:spcBef>
+                <a:spcPct val="20000"/>
+              </a:spcBef>
+              <a:buFont typeface="Arial" pitchFamily="34" charset="0"/>
+              <a:buNone/>
+              <a:defRPr sz="2400" kern="1200">
+                <a:solidFill>
+                  <a:schemeClr val="tx1">
+                    <a:tint val="75000"/>
+                  </a:schemeClr>
+                </a:solidFill>
+                <a:latin typeface="+mj-lt"/>
+                <a:ea typeface="+mn-ea"/>
+                <a:cs typeface="+mn-cs"/>
+              </a:defRPr>
+            </a:lvl1pPr>
+            <a:lvl2pPr marL="457200" indent="0" algn="ctr" defTabSz="914400" rtl="0" eaLnBrk="1" latinLnBrk="0" hangingPunct="1">
+              <a:spcBef>
+                <a:spcPct val="20000"/>
+              </a:spcBef>
+              <a:buFont typeface="Courier New" pitchFamily="49" charset="0"/>
+              <a:buNone/>
+              <a:defRPr sz="1600" kern="1200">
+                <a:solidFill>
+                  <a:schemeClr val="tx1">
+                    <a:tint val="75000"/>
+                  </a:schemeClr>
+                </a:solidFill>
+                <a:latin typeface="+mj-lt"/>
+                <a:ea typeface="+mn-ea"/>
+                <a:cs typeface="+mn-cs"/>
+              </a:defRPr>
+            </a:lvl2pPr>
+            <a:lvl3pPr marL="914400" indent="0" algn="ctr" defTabSz="914400" rtl="0" eaLnBrk="1" latinLnBrk="0" hangingPunct="1">
+              <a:spcBef>
+                <a:spcPct val="20000"/>
+              </a:spcBef>
+              <a:buFont typeface="Arial" pitchFamily="34" charset="0"/>
+              <a:buNone/>
+              <a:defRPr sz="1600" kern="1200">
+                <a:solidFill>
+                  <a:schemeClr val="tx1">
+                    <a:tint val="75000"/>
+                  </a:schemeClr>
+                </a:solidFill>
+                <a:latin typeface="+mj-lt"/>
+                <a:ea typeface="+mn-ea"/>
+                <a:cs typeface="+mn-cs"/>
+              </a:defRPr>
+            </a:lvl3pPr>
+            <a:lvl4pPr marL="1371600" indent="0" algn="ctr" defTabSz="914400" rtl="0" eaLnBrk="1" latinLnBrk="0" hangingPunct="1">
+              <a:spcBef>
+                <a:spcPct val="20000"/>
+              </a:spcBef>
+              <a:buFont typeface="Courier New" pitchFamily="49" charset="0"/>
+              <a:buNone/>
+              <a:defRPr sz="1600" kern="1200">
+                <a:solidFill>
+                  <a:schemeClr val="tx1">
+                    <a:tint val="75000"/>
+                  </a:schemeClr>
+                </a:solidFill>
+                <a:latin typeface="+mj-lt"/>
+                <a:ea typeface="+mn-ea"/>
+                <a:cs typeface="+mn-cs"/>
+              </a:defRPr>
+            </a:lvl4pPr>
+            <a:lvl5pPr marL="1828800" indent="0" algn="ctr" defTabSz="914400" rtl="0" eaLnBrk="1" latinLnBrk="0" hangingPunct="1">
+              <a:spcBef>
+                <a:spcPct val="20000"/>
+              </a:spcBef>
+              <a:buFont typeface="Arial" pitchFamily="34" charset="0"/>
+              <a:buNone/>
+              <a:defRPr sz="1600" kern="1200">
+                <a:solidFill>
+                  <a:schemeClr val="tx1">
+                    <a:tint val="75000"/>
+                  </a:schemeClr>
+                </a:solidFill>
+                <a:latin typeface="+mj-lt"/>
+                <a:ea typeface="+mn-ea"/>
+                <a:cs typeface="+mn-cs"/>
+              </a:defRPr>
+            </a:lvl5pPr>
+            <a:lvl6pPr marL="2286000" indent="0" algn="ctr" defTabSz="914400" rtl="0" eaLnBrk="1" latinLnBrk="0" hangingPunct="1">
+              <a:spcBef>
+                <a:spcPct val="20000"/>
+              </a:spcBef>
+              <a:buFont typeface="Courier New" pitchFamily="49" charset="0"/>
+              <a:buNone/>
+              <a:defRPr sz="1600" kern="1200">
+                <a:solidFill>
+                  <a:schemeClr val="tx1">
+                    <a:tint val="75000"/>
+                  </a:schemeClr>
+                </a:solidFill>
+                <a:latin typeface="+mj-lt"/>
+                <a:ea typeface="+mn-ea"/>
+                <a:cs typeface="+mn-cs"/>
+              </a:defRPr>
+            </a:lvl6pPr>
+            <a:lvl7pPr marL="2743200" indent="0" algn="ctr" defTabSz="914400" rtl="0" eaLnBrk="1" latinLnBrk="0" hangingPunct="1">
+              <a:spcBef>
+                <a:spcPct val="20000"/>
+              </a:spcBef>
+              <a:buFont typeface="Arial" pitchFamily="34" charset="0"/>
+              <a:buNone/>
+              <a:defRPr sz="1600" kern="1200">
+                <a:solidFill>
+                  <a:schemeClr val="tx1">
+                    <a:tint val="75000"/>
+                  </a:schemeClr>
+                </a:solidFill>
+                <a:latin typeface="+mj-lt"/>
+                <a:ea typeface="+mn-ea"/>
+                <a:cs typeface="+mn-cs"/>
+              </a:defRPr>
+            </a:lvl7pPr>
+            <a:lvl8pPr marL="3200400" indent="0" algn="ctr" defTabSz="914400" rtl="0" eaLnBrk="1" latinLnBrk="0" hangingPunct="1">
+              <a:spcBef>
+                <a:spcPct val="20000"/>
+              </a:spcBef>
+              <a:buFont typeface="Courier New" pitchFamily="49" charset="0"/>
+              <a:buNone/>
+              <a:defRPr sz="1600" kern="1200">
+                <a:solidFill>
+                  <a:schemeClr val="tx1">
+                    <a:tint val="75000"/>
+                  </a:schemeClr>
+                </a:solidFill>
+                <a:latin typeface="+mj-lt"/>
+                <a:ea typeface="+mn-ea"/>
+                <a:cs typeface="+mn-cs"/>
+              </a:defRPr>
+            </a:lvl8pPr>
+            <a:lvl9pPr marL="3657600" indent="0" algn="ctr" defTabSz="914400" rtl="0" eaLnBrk="1" latinLnBrk="0" hangingPunct="1">
+              <a:spcBef>
+                <a:spcPct val="20000"/>
+              </a:spcBef>
+              <a:buFont typeface="Arial" pitchFamily="34" charset="0"/>
+              <a:buNone/>
+              <a:defRPr sz="1600" kern="1200">
+                <a:solidFill>
+                  <a:schemeClr val="tx1">
+                    <a:tint val="75000"/>
+                  </a:schemeClr>
+                </a:solidFill>
+                <a:latin typeface="+mj-lt"/>
+                <a:ea typeface="+mn-ea"/>
+                <a:cs typeface="+mn-cs"/>
+              </a:defRPr>
+            </a:lvl9pPr>
+          </a:lstStyle>
           <a:p>
             <a:pPr marL="342900" indent="-342900" algn="l">
               <a:buFont typeface="Arial" panose="020B0604020202020204" pitchFamily="34" charset="0"/>
               <a:buChar char="•"/>
             </a:pPr>
-            <a:endParaRPr lang="en-US" sz="3200" dirty="0"/>
-          </a:p>
-        </p:txBody>
-      </p:sp>
-      <p:sp>
-        <p:nvSpPr>
-          <p:cNvPr id="4" name="Date Placeholder 3"/>
-          <p:cNvSpPr>
-            <a:spLocks noGrp="1"/>
-          </p:cNvSpPr>
-          <p:nvPr>
-            <p:ph type="dt" sz="half" idx="10"/>
-          </p:nvPr>
-        </p:nvSpPr>
-        <p:spPr/>
-        <p:txBody>
-          <a:bodyPr/>
-          <a:lstStyle/>
-          <a:p>
-            <a:fld id="{216C5678-EE20-4FA5-88E2-6E0BD67A2E26}" type="datetime1">
-              <a:rPr lang="en-US" smtClean="0"/>
-              <a:t>3/13/2016</a:t>
-            </a:fld>
-            <a:endParaRPr lang="en-US" dirty="0"/>
-          </a:p>
-        </p:txBody>
-      </p:sp>
-      <p:sp>
-        <p:nvSpPr>
-          <p:cNvPr id="5" name="Slide Number Placeholder 4"/>
-          <p:cNvSpPr>
-            <a:spLocks noGrp="1"/>
-          </p:cNvSpPr>
-          <p:nvPr>
-            <p:ph type="sldNum" sz="quarter" idx="11"/>
-          </p:nvPr>
-        </p:nvSpPr>
-        <p:spPr/>
-        <p:txBody>
-          <a:bodyPr/>
-          <a:lstStyle/>
-          <a:p>
-            <a:fld id="{BA9B540C-44DA-4F69-89C9-7C84606640D3}" type="slidenum">
-              <a:rPr lang="en-US" smtClean="0"/>
-              <a:pPr/>
-              <a:t>22</a:t>
-            </a:fld>
-            <a:endParaRPr lang="en-US" dirty="0"/>
-          </a:p>
-        </p:txBody>
-      </p:sp>
-      <p:sp>
-        <p:nvSpPr>
-          <p:cNvPr id="6" name="Footer Placeholder 5"/>
-          <p:cNvSpPr>
-            <a:spLocks noGrp="1"/>
-          </p:cNvSpPr>
-          <p:nvPr>
-            <p:ph type="ftr" sz="quarter" idx="12"/>
-          </p:nvPr>
-        </p:nvSpPr>
-        <p:spPr/>
-        <p:txBody>
-          <a:bodyPr/>
-          <a:lstStyle/>
-          <a:p>
-            <a:r>
-              <a:rPr lang="en-US" smtClean="0"/>
-              <a:t>Footer Text</a:t>
-            </a:r>
-            <a:endParaRPr lang="en-US" dirty="0"/>
+            <a:r>
+              <a:rPr lang="en-US" sz="2800" dirty="0" smtClean="0"/>
+              <a:t>Xx</a:t>
+            </a:r>
+          </a:p>
+          <a:p>
+            <a:pPr marL="342900" indent="-342900" algn="l">
+              <a:buFont typeface="Arial" panose="020B0604020202020204" pitchFamily="34" charset="0"/>
+              <a:buChar char="•"/>
+            </a:pPr>
+            <a:r>
+              <a:rPr lang="en-US" sz="2800" dirty="0" smtClean="0"/>
+              <a:t>Code Demo</a:t>
+            </a:r>
           </a:p>
         </p:txBody>
       </p:sp>
     </p:spTree>
     <p:extLst>
       <p:ext uri="{BB962C8B-B14F-4D97-AF65-F5344CB8AC3E}">
-        <p14:creationId xmlns:p14="http://schemas.microsoft.com/office/powerpoint/2010/main" val="2547404136"/>
+        <p14:creationId xmlns:p14="http://schemas.microsoft.com/office/powerpoint/2010/main" val="3192479005"/>
       </p:ext>
     </p:extLst>
   </p:cSld>
@@ -9359,6 +10208,364 @@
         <p:spPr>
           <a:xfrm>
             <a:off x="685800" y="228600"/>
+            <a:ext cx="7772400" cy="685800"/>
+          </a:xfrm>
+        </p:spPr>
+        <p:txBody>
+          <a:bodyPr/>
+          <a:lstStyle/>
+          <a:p>
+            <a:pPr algn="l"/>
+            <a:r>
+              <a:rPr lang="en-US" sz="4000" dirty="0" smtClean="0"/>
+              <a:t>Conclusion</a:t>
+            </a:r>
+            <a:endParaRPr lang="en-US" sz="4000" dirty="0"/>
+          </a:p>
+        </p:txBody>
+      </p:sp>
+      <p:sp>
+        <p:nvSpPr>
+          <p:cNvPr id="3" name="Subtitle 2"/>
+          <p:cNvSpPr>
+            <a:spLocks noGrp="1"/>
+          </p:cNvSpPr>
+          <p:nvPr>
+            <p:ph type="subTitle" idx="1"/>
+          </p:nvPr>
+        </p:nvSpPr>
+        <p:spPr>
+          <a:xfrm>
+            <a:off x="762000" y="1219200"/>
+            <a:ext cx="7315200" cy="4343400"/>
+          </a:xfrm>
+        </p:spPr>
+        <p:txBody>
+          <a:bodyPr>
+            <a:noAutofit/>
+          </a:bodyPr>
+          <a:lstStyle/>
+          <a:p>
+            <a:pPr marL="342900" indent="-342900" algn="l">
+              <a:buFont typeface="Arial" panose="020B0604020202020204" pitchFamily="34" charset="0"/>
+              <a:buChar char="•"/>
+            </a:pPr>
+            <a:r>
+              <a:rPr lang="en-US" sz="3200" dirty="0" smtClean="0"/>
+              <a:t>Discussed the 3 </a:t>
+            </a:r>
+            <a:r>
+              <a:rPr lang="en-US" sz="3200" dirty="0" err="1" smtClean="0"/>
+              <a:t>Ws</a:t>
+            </a:r>
+            <a:r>
+              <a:rPr lang="en-US" sz="3200" dirty="0" smtClean="0"/>
+              <a:t> and How.</a:t>
+            </a:r>
+          </a:p>
+          <a:p>
+            <a:pPr marL="342900" indent="-342900" algn="l">
+              <a:buFont typeface="Arial" panose="020B0604020202020204" pitchFamily="34" charset="0"/>
+              <a:buChar char="•"/>
+            </a:pPr>
+            <a:r>
+              <a:rPr lang="en-US" sz="3200" dirty="0" smtClean="0"/>
+              <a:t>Discussed the pros and cons of three review approaches.</a:t>
+            </a:r>
+          </a:p>
+          <a:p>
+            <a:pPr marL="342900" indent="-342900" algn="l">
+              <a:buFont typeface="Arial" panose="020B0604020202020204" pitchFamily="34" charset="0"/>
+              <a:buChar char="•"/>
+            </a:pPr>
+            <a:r>
+              <a:rPr lang="en-US" sz="3200" dirty="0" smtClean="0"/>
+              <a:t>Discussed various code review patterns and </a:t>
+            </a:r>
+            <a:r>
+              <a:rPr lang="en-US" sz="3200" dirty="0" err="1" smtClean="0"/>
+              <a:t>gotchas</a:t>
+            </a:r>
+            <a:r>
+              <a:rPr lang="en-US" sz="3200" smtClean="0"/>
+              <a:t>.</a:t>
+            </a:r>
+            <a:endParaRPr lang="en-US" sz="3200" dirty="0"/>
+          </a:p>
+        </p:txBody>
+      </p:sp>
+      <p:sp>
+        <p:nvSpPr>
+          <p:cNvPr id="4" name="Date Placeholder 3"/>
+          <p:cNvSpPr>
+            <a:spLocks noGrp="1"/>
+          </p:cNvSpPr>
+          <p:nvPr>
+            <p:ph type="dt" sz="half" idx="10"/>
+          </p:nvPr>
+        </p:nvSpPr>
+        <p:spPr/>
+        <p:txBody>
+          <a:bodyPr/>
+          <a:lstStyle/>
+          <a:p>
+            <a:fld id="{216C5678-EE20-4FA5-88E2-6E0BD67A2E26}" type="datetime1">
+              <a:rPr lang="en-US" smtClean="0"/>
+              <a:t>3/19/2016</a:t>
+            </a:fld>
+            <a:endParaRPr lang="en-US" dirty="0"/>
+          </a:p>
+        </p:txBody>
+      </p:sp>
+      <p:sp>
+        <p:nvSpPr>
+          <p:cNvPr id="5" name="Slide Number Placeholder 4"/>
+          <p:cNvSpPr>
+            <a:spLocks noGrp="1"/>
+          </p:cNvSpPr>
+          <p:nvPr>
+            <p:ph type="sldNum" sz="quarter" idx="11"/>
+          </p:nvPr>
+        </p:nvSpPr>
+        <p:spPr/>
+        <p:txBody>
+          <a:bodyPr/>
+          <a:lstStyle/>
+          <a:p>
+            <a:fld id="{BA9B540C-44DA-4F69-89C9-7C84606640D3}" type="slidenum">
+              <a:rPr lang="en-US" smtClean="0"/>
+              <a:pPr/>
+              <a:t>23</a:t>
+            </a:fld>
+            <a:endParaRPr lang="en-US" dirty="0"/>
+          </a:p>
+        </p:txBody>
+      </p:sp>
+      <p:sp>
+        <p:nvSpPr>
+          <p:cNvPr id="6" name="Footer Placeholder 5"/>
+          <p:cNvSpPr>
+            <a:spLocks noGrp="1"/>
+          </p:cNvSpPr>
+          <p:nvPr>
+            <p:ph type="ftr" sz="quarter" idx="12"/>
+          </p:nvPr>
+        </p:nvSpPr>
+        <p:spPr/>
+        <p:txBody>
+          <a:bodyPr/>
+          <a:lstStyle/>
+          <a:p>
+            <a:r>
+              <a:rPr lang="en-US" smtClean="0"/>
+              <a:t>Footer Text</a:t>
+            </a:r>
+            <a:endParaRPr lang="en-US" dirty="0"/>
+          </a:p>
+        </p:txBody>
+      </p:sp>
+    </p:spTree>
+    <p:extLst>
+      <p:ext uri="{BB962C8B-B14F-4D97-AF65-F5344CB8AC3E}">
+        <p14:creationId xmlns:p14="http://schemas.microsoft.com/office/powerpoint/2010/main" val="2740892730"/>
+      </p:ext>
+    </p:extLst>
+  </p:cSld>
+  <p:clrMapOvr>
+    <a:masterClrMapping/>
+  </p:clrMapOvr>
+</p:sld>
+</file>
+
+<file path=ppt/slides/slide24.xml><?xml version="1.0" encoding="utf-8"?>
+<p:sld xmlns:a="http://schemas.openxmlformats.org/drawingml/2006/main" xmlns:r="http://schemas.openxmlformats.org/officeDocument/2006/relationships" xmlns:p="http://schemas.openxmlformats.org/presentationml/2006/main">
+  <p:cSld>
+    <p:spTree>
+      <p:nvGrpSpPr>
+        <p:cNvPr id="1" name=""/>
+        <p:cNvGrpSpPr/>
+        <p:nvPr/>
+      </p:nvGrpSpPr>
+      <p:grpSpPr>
+        <a:xfrm>
+          <a:off x="0" y="0"/>
+          <a:ext cx="0" cy="0"/>
+          <a:chOff x="0" y="0"/>
+          <a:chExt cx="0" cy="0"/>
+        </a:xfrm>
+      </p:grpSpPr>
+      <p:sp>
+        <p:nvSpPr>
+          <p:cNvPr id="2" name="Title 1"/>
+          <p:cNvSpPr>
+            <a:spLocks noGrp="1"/>
+          </p:cNvSpPr>
+          <p:nvPr>
+            <p:ph type="ctrTitle"/>
+          </p:nvPr>
+        </p:nvSpPr>
+        <p:spPr>
+          <a:xfrm>
+            <a:off x="685800" y="228600"/>
+            <a:ext cx="7772400" cy="685800"/>
+          </a:xfrm>
+        </p:spPr>
+        <p:txBody>
+          <a:bodyPr/>
+          <a:lstStyle/>
+          <a:p>
+            <a:pPr algn="l"/>
+            <a:r>
+              <a:rPr lang="en-US" sz="4000" dirty="0" smtClean="0"/>
+              <a:t>xx</a:t>
+            </a:r>
+            <a:endParaRPr lang="en-US" sz="4000" dirty="0"/>
+          </a:p>
+        </p:txBody>
+      </p:sp>
+      <p:sp>
+        <p:nvSpPr>
+          <p:cNvPr id="3" name="Subtitle 2"/>
+          <p:cNvSpPr>
+            <a:spLocks noGrp="1"/>
+          </p:cNvSpPr>
+          <p:nvPr>
+            <p:ph type="subTitle" idx="1"/>
+          </p:nvPr>
+        </p:nvSpPr>
+        <p:spPr>
+          <a:xfrm>
+            <a:off x="762000" y="1219200"/>
+            <a:ext cx="7315200" cy="4343400"/>
+          </a:xfrm>
+        </p:spPr>
+        <p:txBody>
+          <a:bodyPr>
+            <a:noAutofit/>
+          </a:bodyPr>
+          <a:lstStyle/>
+          <a:p>
+            <a:pPr marL="342900" indent="-342900" algn="l">
+              <a:buFont typeface="Arial" panose="020B0604020202020204" pitchFamily="34" charset="0"/>
+              <a:buChar char="•"/>
+            </a:pPr>
+            <a:endParaRPr lang="en-US" sz="3200" dirty="0"/>
+          </a:p>
+        </p:txBody>
+      </p:sp>
+      <p:sp>
+        <p:nvSpPr>
+          <p:cNvPr id="4" name="Date Placeholder 3"/>
+          <p:cNvSpPr>
+            <a:spLocks noGrp="1"/>
+          </p:cNvSpPr>
+          <p:nvPr>
+            <p:ph type="dt" sz="half" idx="10"/>
+          </p:nvPr>
+        </p:nvSpPr>
+        <p:spPr/>
+        <p:txBody>
+          <a:bodyPr/>
+          <a:lstStyle/>
+          <a:p>
+            <a:fld id="{216C5678-EE20-4FA5-88E2-6E0BD67A2E26}" type="datetime1">
+              <a:rPr lang="en-US" smtClean="0"/>
+              <a:t>3/19/2016</a:t>
+            </a:fld>
+            <a:endParaRPr lang="en-US" dirty="0"/>
+          </a:p>
+        </p:txBody>
+      </p:sp>
+      <p:sp>
+        <p:nvSpPr>
+          <p:cNvPr id="5" name="Slide Number Placeholder 4"/>
+          <p:cNvSpPr>
+            <a:spLocks noGrp="1"/>
+          </p:cNvSpPr>
+          <p:nvPr>
+            <p:ph type="sldNum" sz="quarter" idx="11"/>
+          </p:nvPr>
+        </p:nvSpPr>
+        <p:spPr/>
+        <p:txBody>
+          <a:bodyPr/>
+          <a:lstStyle/>
+          <a:p>
+            <a:fld id="{BA9B540C-44DA-4F69-89C9-7C84606640D3}" type="slidenum">
+              <a:rPr lang="en-US" smtClean="0"/>
+              <a:pPr/>
+              <a:t>24</a:t>
+            </a:fld>
+            <a:endParaRPr lang="en-US" dirty="0"/>
+          </a:p>
+        </p:txBody>
+      </p:sp>
+      <p:sp>
+        <p:nvSpPr>
+          <p:cNvPr id="6" name="Footer Placeholder 5"/>
+          <p:cNvSpPr>
+            <a:spLocks noGrp="1"/>
+          </p:cNvSpPr>
+          <p:nvPr>
+            <p:ph type="ftr" sz="quarter" idx="12"/>
+          </p:nvPr>
+        </p:nvSpPr>
+        <p:spPr/>
+        <p:txBody>
+          <a:bodyPr/>
+          <a:lstStyle/>
+          <a:p>
+            <a:r>
+              <a:rPr lang="en-US" smtClean="0"/>
+              <a:t>Footer Text</a:t>
+            </a:r>
+            <a:endParaRPr lang="en-US" dirty="0"/>
+          </a:p>
+        </p:txBody>
+      </p:sp>
+    </p:spTree>
+    <p:extLst>
+      <p:ext uri="{BB962C8B-B14F-4D97-AF65-F5344CB8AC3E}">
+        <p14:creationId xmlns:p14="http://schemas.microsoft.com/office/powerpoint/2010/main" val="2547404136"/>
+      </p:ext>
+    </p:extLst>
+  </p:cSld>
+  <p:clrMapOvr>
+    <a:masterClrMapping/>
+  </p:clrMapOvr>
+</p:sld>
+</file>
+
+<file path=ppt/slides/slide25.xml><?xml version="1.0" encoding="utf-8"?>
+<p:sld xmlns:a="http://schemas.openxmlformats.org/drawingml/2006/main" xmlns:r="http://schemas.openxmlformats.org/officeDocument/2006/relationships" xmlns:p="http://schemas.openxmlformats.org/presentationml/2006/main">
+  <p:cSld>
+    <p:spTree>
+      <p:nvGrpSpPr>
+        <p:cNvPr id="1" name=""/>
+        <p:cNvGrpSpPr/>
+        <p:nvPr/>
+      </p:nvGrpSpPr>
+      <p:grpSpPr>
+        <a:xfrm>
+          <a:off x="0" y="0"/>
+          <a:ext cx="0" cy="0"/>
+          <a:chOff x="0" y="0"/>
+          <a:chExt cx="0" cy="0"/>
+        </a:xfrm>
+      </p:grpSpPr>
+      <p:sp>
+        <p:nvSpPr>
+          <p:cNvPr id="2" name="Title 1"/>
+          <p:cNvSpPr>
+            <a:spLocks noGrp="1"/>
+          </p:cNvSpPr>
+          <p:nvPr>
+            <p:ph type="ctrTitle"/>
+          </p:nvPr>
+        </p:nvSpPr>
+        <p:spPr>
+          <a:xfrm>
+            <a:off x="685800" y="228600"/>
             <a:ext cx="8458200" cy="685800"/>
           </a:xfrm>
         </p:spPr>
@@ -9392,7 +10599,7 @@
           <a:p>
             <a:fld id="{216C5678-EE20-4FA5-88E2-6E0BD67A2E26}" type="datetime1">
               <a:rPr lang="en-US" smtClean="0"/>
-              <a:t>3/13/2016</a:t>
+              <a:t>3/19/2016</a:t>
             </a:fld>
             <a:endParaRPr lang="en-US" dirty="0"/>
           </a:p>
@@ -9416,7 +10623,7 @@
             <a:fld id="{BA9B540C-44DA-4F69-89C9-7C84606640D3}" type="slidenum">
               <a:rPr lang="en-US" smtClean="0"/>
               <a:pPr/>
-              <a:t>23</a:t>
+              <a:t>25</a:t>
             </a:fld>
             <a:endParaRPr lang="en-US" dirty="0"/>
           </a:p>
@@ -9850,7 +11057,7 @@
           <a:p>
             <a:fld id="{216C5678-EE20-4FA5-88E2-6E0BD67A2E26}" type="datetime1">
               <a:rPr lang="en-US" smtClean="0"/>
-              <a:t>3/13/2016</a:t>
+              <a:t>3/19/2016</a:t>
             </a:fld>
             <a:endParaRPr lang="en-US" dirty="0"/>
           </a:p>
@@ -9974,8 +11181,8 @@
         </p:nvSpPr>
         <p:spPr>
           <a:xfrm>
-            <a:off x="228600" y="914400"/>
-            <a:ext cx="8610600" cy="5486400"/>
+            <a:off x="228599" y="914400"/>
+            <a:ext cx="8876653" cy="5486400"/>
           </a:xfrm>
         </p:spPr>
         <p:txBody>
@@ -9989,7 +11196,7 @@
               <a:buChar char="•"/>
             </a:pPr>
             <a:r>
-              <a:rPr lang="en-US" sz="3200" dirty="0" smtClean="0"/>
+              <a:rPr lang="en-US" sz="2800" dirty="0" smtClean="0"/>
               <a:t>Very effective way to discover defects &amp; difficult-to-find bugs.</a:t>
             </a:r>
           </a:p>
@@ -10010,13 +11217,8 @@
           <a:p>
             <a:r>
               <a:rPr lang="en-US" sz="2000" dirty="0" smtClean="0"/>
-              <a:t>high </a:t>
-            </a:r>
-            <a:r>
-              <a:rPr lang="en-US" sz="2000" smtClean="0"/>
-              <a:t>quality product</a:t>
-            </a:r>
-            <a:endParaRPr lang="en-US" sz="2000" dirty="0" smtClean="0"/>
+              <a:t>High-quality product</a:t>
+            </a:r>
           </a:p>
           <a:p>
             <a:pPr marL="342900" indent="-342900" algn="l">
@@ -10024,7 +11226,7 @@
               <a:buChar char="•"/>
             </a:pPr>
             <a:r>
-              <a:rPr lang="en-US" sz="3200" dirty="0" smtClean="0"/>
+              <a:rPr lang="en-US" sz="2800" dirty="0" smtClean="0"/>
               <a:t>Provides a check before code goes to production.</a:t>
             </a:r>
           </a:p>
@@ -10034,8 +11236,8 @@
               <a:buChar char="•"/>
             </a:pPr>
             <a:r>
-              <a:rPr lang="en-US" sz="3200" dirty="0" smtClean="0"/>
-              <a:t>To learn from each other and be better developers.</a:t>
+              <a:rPr lang="en-US" sz="2800" dirty="0" smtClean="0"/>
+              <a:t>Encourage developers to write cleaner and better code since it will be looked at.</a:t>
             </a:r>
           </a:p>
           <a:p>
@@ -10044,8 +11246,8 @@
               <a:buChar char="•"/>
             </a:pPr>
             <a:r>
-              <a:rPr lang="en-US" sz="3200" dirty="0" smtClean="0"/>
-              <a:t>Improve quality of the team &amp; code.</a:t>
+              <a:rPr lang="en-US" sz="2800" dirty="0" smtClean="0"/>
+              <a:t>To learn from each other &amp; share “tribal knowledge”.</a:t>
             </a:r>
           </a:p>
           <a:p>
@@ -10054,11 +11256,21 @@
               <a:buChar char="•"/>
             </a:pPr>
             <a:r>
-              <a:rPr lang="en-US" sz="3200" dirty="0" smtClean="0"/>
+              <a:rPr lang="en-US" sz="2800" dirty="0" smtClean="0"/>
+              <a:t>Improve quality of the team &amp; code.</a:t>
+            </a:r>
+          </a:p>
+          <a:p>
+            <a:pPr marL="342900" indent="-342900" algn="l">
+              <a:buFont typeface="Arial" panose="020B0604020202020204" pitchFamily="34" charset="0"/>
+              <a:buChar char="•"/>
+            </a:pPr>
+            <a:r>
+              <a:rPr lang="en-US" sz="2800" dirty="0" smtClean="0"/>
               <a:t>Meet </a:t>
             </a:r>
             <a:r>
-              <a:rPr lang="en-US" sz="3200" dirty="0"/>
+              <a:rPr lang="en-US" sz="2800" dirty="0"/>
               <a:t>CMMI Level 3</a:t>
             </a:r>
           </a:p>
@@ -10088,7 +11300,7 @@
           <a:p>
             <a:fld id="{216C5678-EE20-4FA5-88E2-6E0BD67A2E26}" type="datetime1">
               <a:rPr lang="en-US" smtClean="0"/>
-              <a:t>3/13/2016</a:t>
+              <a:t>3/19/2016</a:t>
             </a:fld>
             <a:endParaRPr lang="en-US" dirty="0"/>
           </a:p>
@@ -10293,7 +11505,7 @@
           <a:p>
             <a:fld id="{216C5678-EE20-4FA5-88E2-6E0BD67A2E26}" type="datetime1">
               <a:rPr lang="en-US" smtClean="0"/>
-              <a:t>3/13/2016</a:t>
+              <a:t>3/19/2016</a:t>
             </a:fld>
             <a:endParaRPr lang="en-US" dirty="0"/>
           </a:p>
@@ -10476,7 +11688,7 @@
           <a:p>
             <a:fld id="{216C5678-EE20-4FA5-88E2-6E0BD67A2E26}" type="datetime1">
               <a:rPr lang="en-US" smtClean="0"/>
-              <a:t>3/13/2016</a:t>
+              <a:t>3/19/2016</a:t>
             </a:fld>
             <a:endParaRPr lang="en-US" dirty="0"/>
           </a:p>
@@ -10646,7 +11858,7 @@
           <a:p>
             <a:fld id="{216C5678-EE20-4FA5-88E2-6E0BD67A2E26}" type="datetime1">
               <a:rPr lang="en-US" smtClean="0"/>
-              <a:t>3/13/2016</a:t>
+              <a:t>3/19/2016</a:t>
             </a:fld>
             <a:endParaRPr lang="en-US" dirty="0"/>
           </a:p>
@@ -11235,7 +12447,7 @@
         </p:nvSpPr>
         <p:spPr>
           <a:xfrm>
-            <a:off x="152400" y="869950"/>
+            <a:off x="152400" y="838200"/>
             <a:ext cx="8839200" cy="5486400"/>
           </a:xfrm>
         </p:spPr>
@@ -11301,7 +12513,7 @@
             </a:pPr>
             <a:r>
               <a:rPr lang="en-US" sz="3200" dirty="0" smtClean="0"/>
-              <a:t>200 SLOC/</a:t>
+              <a:t>200-400 SLOC/</a:t>
             </a:r>
             <a:r>
               <a:rPr lang="en-US" sz="3200" dirty="0" err="1" smtClean="0"/>
@@ -11338,7 +12550,15 @@
             </a:r>
             <a:r>
               <a:rPr lang="en-US" sz="3200" dirty="0" smtClean="0"/>
-              <a:t>Style Guide available</a:t>
+              <a:t>Style Guide or </a:t>
+            </a:r>
+            <a:r>
+              <a:rPr lang="en-US" sz="3200" dirty="0"/>
+              <a:t>C</a:t>
+            </a:r>
+            <a:r>
+              <a:rPr lang="en-US" sz="3200" dirty="0" smtClean="0"/>
+              <a:t>hecklist available</a:t>
             </a:r>
             <a:r>
               <a:rPr lang="en-US" sz="3200" dirty="0"/>
@@ -11375,7 +12595,7 @@
           <a:p>
             <a:fld id="{216C5678-EE20-4FA5-88E2-6E0BD67A2E26}" type="datetime1">
               <a:rPr lang="en-US" smtClean="0"/>
-              <a:t>3/13/2016</a:t>
+              <a:t>3/19/2016</a:t>
             </a:fld>
             <a:endParaRPr lang="en-US" dirty="0"/>
           </a:p>
@@ -11430,7 +12650,7 @@
       </p:sp>
       <p:pic>
         <p:nvPicPr>
-          <p:cNvPr id="7" name="Picture 6"/>
+          <p:cNvPr id="8" name="Picture 7"/>
           <p:cNvPicPr>
             <a:picLocks noChangeAspect="1"/>
           </p:cNvPicPr>
@@ -11444,8 +12664,8 @@
         </p:blipFill>
         <p:spPr>
           <a:xfrm>
-            <a:off x="3753174" y="3505200"/>
-            <a:ext cx="3333426" cy="2490265"/>
+            <a:off x="4191000" y="3505200"/>
+            <a:ext cx="3810796" cy="2362200"/>
           </a:xfrm>
           <a:prstGeom prst="rect">
             <a:avLst/>
@@ -11531,7 +12751,7 @@
         <p:spPr>
           <a:xfrm>
             <a:off x="228600" y="1219200"/>
-            <a:ext cx="8610600" cy="2438400"/>
+            <a:ext cx="8686800" cy="4724400"/>
           </a:xfrm>
         </p:spPr>
         <p:txBody>
@@ -11546,11 +12766,11 @@
             </a:pPr>
             <a:r>
               <a:rPr lang="en-US" sz="3200" dirty="0"/>
-              <a:t>Goal:  100% review (best</a:t>
+              <a:t>Goal:  100% </a:t>
             </a:r>
             <a:r>
               <a:rPr lang="en-US" sz="3200" dirty="0" smtClean="0"/>
-              <a:t>)</a:t>
+              <a:t>coverage</a:t>
             </a:r>
           </a:p>
           <a:p>
@@ -11561,7 +12781,7 @@
             </a:r>
             <a:r>
               <a:rPr lang="en-US" sz="3200" dirty="0" smtClean="0"/>
-              <a:t>                75%+ is still good.</a:t>
+              <a:t>                75%+ coverage is still good.</a:t>
             </a:r>
             <a:endParaRPr lang="en-US" sz="3200" dirty="0"/>
           </a:p>
@@ -11594,19 +12814,28 @@
             </a:pPr>
             <a:r>
               <a:rPr lang="en-US" sz="3200" dirty="0" smtClean="0"/>
-              <a:t>“No Fear” &amp; “No Retaliation Mentality” environment.</a:t>
-            </a:r>
-          </a:p>
-          <a:p>
-            <a:pPr marL="514350" indent="-514350" algn="l">
+              <a:t>Foster a positive culture.</a:t>
+            </a:r>
+          </a:p>
+          <a:p>
+            <a:pPr marL="800100" lvl="1" indent="-342900" algn="l">
               <a:buFont typeface="Arial" panose="020B0604020202020204" pitchFamily="34" charset="0"/>
               <a:buChar char="•"/>
             </a:pPr>
             <a:r>
-              <a:rPr lang="en-US" sz="3200" dirty="0" smtClean="0"/>
-              <a:t>“No penalty” for rejecting code which may delay a release.</a:t>
-            </a:r>
-            <a:endParaRPr lang="en-US" sz="3200" dirty="0"/>
+              <a:rPr lang="en-US" sz="2400" dirty="0" smtClean="0"/>
+              <a:t>“No Fear” &amp; “No Retaliation” environment.</a:t>
+            </a:r>
+          </a:p>
+          <a:p>
+            <a:pPr marL="800100" lvl="1" indent="-342900" algn="l">
+              <a:buFont typeface="Arial" panose="020B0604020202020204" pitchFamily="34" charset="0"/>
+              <a:buChar char="•"/>
+            </a:pPr>
+            <a:r>
+              <a:rPr lang="en-US" sz="2400" dirty="0" smtClean="0"/>
+              <a:t>“No penalty” for rejecting code &amp; may delay a release.</a:t>
+            </a:r>
           </a:p>
         </p:txBody>
       </p:sp>
@@ -11627,7 +12856,7 @@
           <a:p>
             <a:fld id="{216C5678-EE20-4FA5-88E2-6E0BD67A2E26}" type="datetime1">
               <a:rPr lang="en-US" smtClean="0"/>
-              <a:t>3/13/2016</a:t>
+              <a:t>3/19/2016</a:t>
             </a:fld>
             <a:endParaRPr lang="en-US" dirty="0"/>
           </a:p>

--- a/codereview/tech-presentation-effective-codereview.pptx
+++ b/codereview/tech-presentation-effective-codereview.pptx
@@ -5,7 +5,7 @@
     <p:sldMasterId id="2147483648" r:id="rId1"/>
   </p:sldMasterIdLst>
   <p:notesMasterIdLst>
-    <p:notesMasterId r:id="rId27"/>
+    <p:notesMasterId r:id="rId26"/>
   </p:notesMasterIdLst>
   <p:sldIdLst>
     <p:sldId id="256" r:id="rId2"/>
@@ -25,14 +25,13 @@
     <p:sldId id="290" r:id="rId16"/>
     <p:sldId id="270" r:id="rId17"/>
     <p:sldId id="291" r:id="rId18"/>
-    <p:sldId id="284" r:id="rId19"/>
-    <p:sldId id="285" r:id="rId20"/>
-    <p:sldId id="286" r:id="rId21"/>
-    <p:sldId id="287" r:id="rId22"/>
-    <p:sldId id="288" r:id="rId23"/>
-    <p:sldId id="271" r:id="rId24"/>
-    <p:sldId id="272" r:id="rId25"/>
-    <p:sldId id="267" r:id="rId26"/>
+    <p:sldId id="292" r:id="rId19"/>
+    <p:sldId id="293" r:id="rId20"/>
+    <p:sldId id="294" r:id="rId21"/>
+    <p:sldId id="295" r:id="rId22"/>
+    <p:sldId id="271" r:id="rId23"/>
+    <p:sldId id="272" r:id="rId24"/>
+    <p:sldId id="267" r:id="rId25"/>
   </p:sldIdLst>
   <p:sldSz cx="9144000" cy="6858000" type="screen4x3"/>
   <p:notesSz cx="6858000" cy="9144000"/>
@@ -6901,21 +6900,8 @@
             </a:pPr>
             <a:r>
               <a:rPr lang="en-US" sz="2800" dirty="0" smtClean="0"/>
-              <a:t>Code should be </a:t>
-            </a:r>
-            <a:r>
-              <a:rPr lang="en-US" sz="2800" dirty="0" smtClean="0"/>
-              <a:t>readable &amp; understandable </a:t>
-            </a:r>
-            <a:r>
-              <a:rPr lang="en-US" sz="2800" dirty="0" smtClean="0"/>
-              <a:t>6 months or a year from now by different </a:t>
-            </a:r>
-            <a:r>
-              <a:rPr lang="en-US" sz="2800" dirty="0" smtClean="0"/>
-              <a:t>developers.</a:t>
-            </a:r>
-            <a:endParaRPr lang="en-US" sz="2800" dirty="0" smtClean="0"/>
+              <a:t>Code should be readable &amp; understandable 6 months or a year from now by different developers.</a:t>
+            </a:r>
           </a:p>
           <a:p>
             <a:pPr marL="342900" indent="-342900" algn="l">
@@ -7760,15 +7746,7 @@
             </a:r>
             <a:r>
               <a:rPr lang="en-US" sz="4000" dirty="0" smtClean="0"/>
-              <a:t>– </a:t>
-            </a:r>
-            <a:r>
-              <a:rPr lang="en-US" sz="4000" dirty="0" smtClean="0"/>
-              <a:t>Consistency</a:t>
-            </a:r>
-            <a:r>
-              <a:rPr lang="en-US" sz="4000" dirty="0" smtClean="0"/>
-              <a:t/>
+              <a:t>– Consistency</a:t>
             </a:r>
             <a:br>
               <a:rPr lang="en-US" sz="4000" dirty="0" smtClean="0"/>
@@ -8053,15 +8031,7 @@
             </a:r>
             <a:r>
               <a:rPr lang="en-US" sz="2800" dirty="0" smtClean="0"/>
-              <a:t> should match those of existing </a:t>
-            </a:r>
-            <a:r>
-              <a:rPr lang="en-US" sz="2800" dirty="0" smtClean="0"/>
-              <a:t>code</a:t>
-            </a:r>
-            <a:r>
-              <a:rPr lang="en-US" sz="2800" dirty="0" smtClean="0"/>
-              <a:t>.</a:t>
+              <a:t> should match those of existing code.</a:t>
             </a:r>
           </a:p>
           <a:p>
@@ -8072,15 +8042,7 @@
             </a:r>
             <a:r>
               <a:rPr lang="en-US" sz="2000" i="1" dirty="0" smtClean="0"/>
-              <a:t>Exception: </a:t>
-            </a:r>
-            <a:r>
-              <a:rPr lang="en-US" sz="2000" i="1" dirty="0" smtClean="0"/>
-              <a:t>old, legacy code </a:t>
-            </a:r>
-            <a:r>
-              <a:rPr lang="en-US" sz="2000" i="1" dirty="0" smtClean="0"/>
-              <a:t>prior to code review process </a:t>
+              <a:t>Exception: old, legacy code prior to code review process </a:t>
             </a:r>
           </a:p>
           <a:p>
@@ -8097,11 +8059,7 @@
             </a:pPr>
             <a:r>
               <a:rPr lang="en-US" sz="2800" i="1" dirty="0" smtClean="0"/>
-              <a:t>Coding Style Guide should </a:t>
-            </a:r>
-            <a:r>
-              <a:rPr lang="en-US" sz="2800" i="1" smtClean="0"/>
-              <a:t>help.</a:t>
+              <a:t>Coding Style Guide should help.</a:t>
             </a:r>
             <a:endParaRPr lang="en-US" sz="2800" dirty="0" smtClean="0"/>
           </a:p>
@@ -8112,13 +8070,8 @@
             </a:pPr>
             <a:r>
               <a:rPr lang="en-US" sz="2800" dirty="0" smtClean="0"/>
-              <a:t>Code </a:t>
-            </a:r>
-            <a:r>
-              <a:rPr lang="en-US" sz="2800" dirty="0" smtClean="0"/>
-              <a:t>Demo.</a:t>
-            </a:r>
-            <a:endParaRPr lang="en-US" sz="2800" dirty="0" smtClean="0"/>
+              <a:t>Code Demo.</a:t>
+            </a:r>
           </a:p>
         </p:txBody>
       </p:sp>
@@ -8164,8 +8117,8 @@
         </p:nvSpPr>
         <p:spPr>
           <a:xfrm>
-            <a:off x="685800" y="228600"/>
-            <a:ext cx="7772400" cy="685800"/>
+            <a:off x="152400" y="1371600"/>
+            <a:ext cx="9906000" cy="685800"/>
           </a:xfrm>
         </p:spPr>
         <p:txBody>
@@ -8174,8 +8127,23 @@
           <a:p>
             <a:pPr algn="l"/>
             <a:r>
+              <a:rPr lang="en-US" sz="4000" dirty="0"/>
+              <a:t>Code Review Patterns </a:t>
+            </a:r>
+            <a:r>
               <a:rPr lang="en-US" sz="4000" dirty="0" smtClean="0"/>
-              <a:t>Code Review Patterns (</a:t>
+              <a:t>– </a:t>
+            </a:r>
+            <a:r>
+              <a:rPr lang="en-US" sz="4000" dirty="0" smtClean="0"/>
+              <a:t>Consistency </a:t>
+            </a:r>
+            <a:br>
+              <a:rPr lang="en-US" sz="4000" dirty="0" smtClean="0"/>
+            </a:br>
+            <a:r>
+              <a:rPr lang="en-US" sz="4000" dirty="0" smtClean="0"/>
+              <a:t>(</a:t>
             </a:r>
             <a:r>
               <a:rPr lang="en-US" sz="4000" dirty="0" err="1" smtClean="0"/>
@@ -8185,6 +8153,13 @@
               <a:rPr lang="en-US" sz="4000" dirty="0" smtClean="0"/>
               <a:t>)</a:t>
             </a:r>
+            <a:r>
+              <a:rPr lang="en-US" sz="4000" dirty="0" smtClean="0"/>
+              <a:t/>
+            </a:r>
+            <a:br>
+              <a:rPr lang="en-US" sz="4000" dirty="0" smtClean="0"/>
+            </a:br>
             <a:endParaRPr lang="en-US" sz="4000" dirty="0"/>
           </a:p>
         </p:txBody>
@@ -8199,7 +8174,12 @@
             <p:ph type="dt" sz="half" idx="10"/>
           </p:nvPr>
         </p:nvSpPr>
-        <p:spPr/>
+        <p:spPr>
+          <a:xfrm>
+            <a:off x="6363347" y="7864475"/>
+            <a:ext cx="2085975" cy="365125"/>
+          </a:xfrm>
+        </p:spPr>
         <p:txBody>
           <a:bodyPr/>
           <a:lstStyle/>
@@ -8222,7 +8202,12 @@
             <p:ph type="sldNum" sz="quarter" idx="11"/>
           </p:nvPr>
         </p:nvSpPr>
-        <p:spPr/>
+        <p:spPr>
+          <a:xfrm>
+            <a:off x="8543278" y="7864475"/>
+            <a:ext cx="561975" cy="365125"/>
+          </a:xfrm>
+        </p:spPr>
         <p:txBody>
           <a:bodyPr/>
           <a:lstStyle/>
@@ -8246,47 +8231,21 @@
             <p:ph type="ftr" sz="quarter" idx="12"/>
           </p:nvPr>
         </p:nvSpPr>
-        <p:spPr/>
-        <p:txBody>
-          <a:bodyPr/>
-          <a:lstStyle/>
-          <a:p>
-            <a:r>
-              <a:rPr lang="en-US" smtClean="0"/>
-              <a:t>Footer Text</a:t>
-            </a:r>
-            <a:endParaRPr lang="en-US" dirty="0"/>
-          </a:p>
-        </p:txBody>
-      </p:sp>
-      <p:sp>
-        <p:nvSpPr>
-          <p:cNvPr id="8" name="Subtitle 2"/>
-          <p:cNvSpPr>
-            <a:spLocks noGrp="1"/>
-          </p:cNvSpPr>
-          <p:nvPr>
-            <p:ph type="subTitle" idx="1"/>
-          </p:nvPr>
-        </p:nvSpPr>
         <p:spPr>
           <a:xfrm>
-            <a:off x="228600" y="1066800"/>
-            <a:ext cx="7315200" cy="685800"/>
+            <a:off x="659165" y="7864475"/>
+            <a:ext cx="2847975" cy="365125"/>
           </a:xfrm>
         </p:spPr>
         <p:txBody>
-          <a:bodyPr>
-            <a:noAutofit/>
-          </a:bodyPr>
-          <a:lstStyle/>
-          <a:p>
-            <a:pPr algn="l"/>
-            <a:r>
-              <a:rPr lang="en-US" sz="3200" b="1" u="sng" dirty="0" smtClean="0"/>
-              <a:t>DRY</a:t>
-            </a:r>
-            <a:endParaRPr lang="en-US" sz="3200" b="1" u="sng" dirty="0"/>
+          <a:bodyPr/>
+          <a:lstStyle/>
+          <a:p>
+            <a:r>
+              <a:rPr lang="en-US" smtClean="0"/>
+              <a:t>Footer Text</a:t>
+            </a:r>
+            <a:endParaRPr lang="en-US" dirty="0"/>
           </a:p>
         </p:txBody>
       </p:sp>
@@ -8300,8 +8259,8 @@
         </p:nvSpPr>
         <p:spPr>
           <a:xfrm>
-            <a:off x="573183" y="1676400"/>
-            <a:ext cx="7854368" cy="4648200"/>
+            <a:off x="317693" y="1676400"/>
+            <a:ext cx="7854368" cy="654050"/>
           </a:xfrm>
           <a:prstGeom prst="rect">
             <a:avLst/>
@@ -8467,13 +8426,198 @@
             </a:lvl9pPr>
           </a:lstStyle>
           <a:p>
+            <a:pPr algn="l"/>
+            <a:r>
+              <a:rPr lang="en-US" sz="2800" dirty="0" smtClean="0"/>
+              <a:t>What is wrong?</a:t>
+            </a:r>
+          </a:p>
+        </p:txBody>
+      </p:sp>
+      <p:sp>
+        <p:nvSpPr>
+          <p:cNvPr id="8" name="Subtitle 6"/>
+          <p:cNvSpPr txBox="1">
+            <a:spLocks/>
+          </p:cNvSpPr>
+          <p:nvPr/>
+        </p:nvSpPr>
+        <p:spPr>
+          <a:xfrm>
+            <a:off x="586076" y="2254250"/>
+            <a:ext cx="7854368" cy="2209800"/>
+          </a:xfrm>
+          <a:prstGeom prst="rect">
+            <a:avLst/>
+          </a:prstGeom>
+        </p:spPr>
+        <p:txBody>
+          <a:bodyPr vert="horz" lIns="91440" tIns="45720" rIns="91440" bIns="45720" rtlCol="0">
+            <a:normAutofit/>
+          </a:bodyPr>
+          <a:lstStyle>
+            <a:lvl1pPr marL="0" indent="0" algn="ctr" defTabSz="914400" rtl="0" eaLnBrk="1" latinLnBrk="0" hangingPunct="1">
+              <a:spcBef>
+                <a:spcPct val="20000"/>
+              </a:spcBef>
+              <a:buFont typeface="Arial" pitchFamily="34" charset="0"/>
+              <a:buNone/>
+              <a:defRPr sz="2400" kern="1200">
+                <a:solidFill>
+                  <a:schemeClr val="tx1">
+                    <a:tint val="75000"/>
+                  </a:schemeClr>
+                </a:solidFill>
+                <a:latin typeface="+mj-lt"/>
+                <a:ea typeface="+mn-ea"/>
+                <a:cs typeface="+mn-cs"/>
+              </a:defRPr>
+            </a:lvl1pPr>
+            <a:lvl2pPr marL="457200" indent="0" algn="ctr" defTabSz="914400" rtl="0" eaLnBrk="1" latinLnBrk="0" hangingPunct="1">
+              <a:spcBef>
+                <a:spcPct val="20000"/>
+              </a:spcBef>
+              <a:buFont typeface="Courier New" pitchFamily="49" charset="0"/>
+              <a:buNone/>
+              <a:defRPr sz="1600" kern="1200">
+                <a:solidFill>
+                  <a:schemeClr val="tx1">
+                    <a:tint val="75000"/>
+                  </a:schemeClr>
+                </a:solidFill>
+                <a:latin typeface="+mj-lt"/>
+                <a:ea typeface="+mn-ea"/>
+                <a:cs typeface="+mn-cs"/>
+              </a:defRPr>
+            </a:lvl2pPr>
+            <a:lvl3pPr marL="914400" indent="0" algn="ctr" defTabSz="914400" rtl="0" eaLnBrk="1" latinLnBrk="0" hangingPunct="1">
+              <a:spcBef>
+                <a:spcPct val="20000"/>
+              </a:spcBef>
+              <a:buFont typeface="Arial" pitchFamily="34" charset="0"/>
+              <a:buNone/>
+              <a:defRPr sz="1600" kern="1200">
+                <a:solidFill>
+                  <a:schemeClr val="tx1">
+                    <a:tint val="75000"/>
+                  </a:schemeClr>
+                </a:solidFill>
+                <a:latin typeface="+mj-lt"/>
+                <a:ea typeface="+mn-ea"/>
+                <a:cs typeface="+mn-cs"/>
+              </a:defRPr>
+            </a:lvl3pPr>
+            <a:lvl4pPr marL="1371600" indent="0" algn="ctr" defTabSz="914400" rtl="0" eaLnBrk="1" latinLnBrk="0" hangingPunct="1">
+              <a:spcBef>
+                <a:spcPct val="20000"/>
+              </a:spcBef>
+              <a:buFont typeface="Courier New" pitchFamily="49" charset="0"/>
+              <a:buNone/>
+              <a:defRPr sz="1600" kern="1200">
+                <a:solidFill>
+                  <a:schemeClr val="tx1">
+                    <a:tint val="75000"/>
+                  </a:schemeClr>
+                </a:solidFill>
+                <a:latin typeface="+mj-lt"/>
+                <a:ea typeface="+mn-ea"/>
+                <a:cs typeface="+mn-cs"/>
+              </a:defRPr>
+            </a:lvl4pPr>
+            <a:lvl5pPr marL="1828800" indent="0" algn="ctr" defTabSz="914400" rtl="0" eaLnBrk="1" latinLnBrk="0" hangingPunct="1">
+              <a:spcBef>
+                <a:spcPct val="20000"/>
+              </a:spcBef>
+              <a:buFont typeface="Arial" pitchFamily="34" charset="0"/>
+              <a:buNone/>
+              <a:defRPr sz="1600" kern="1200">
+                <a:solidFill>
+                  <a:schemeClr val="tx1">
+                    <a:tint val="75000"/>
+                  </a:schemeClr>
+                </a:solidFill>
+                <a:latin typeface="+mj-lt"/>
+                <a:ea typeface="+mn-ea"/>
+                <a:cs typeface="+mn-cs"/>
+              </a:defRPr>
+            </a:lvl5pPr>
+            <a:lvl6pPr marL="2286000" indent="0" algn="ctr" defTabSz="914400" rtl="0" eaLnBrk="1" latinLnBrk="0" hangingPunct="1">
+              <a:spcBef>
+                <a:spcPct val="20000"/>
+              </a:spcBef>
+              <a:buFont typeface="Courier New" pitchFamily="49" charset="0"/>
+              <a:buNone/>
+              <a:defRPr sz="1600" kern="1200">
+                <a:solidFill>
+                  <a:schemeClr val="tx1">
+                    <a:tint val="75000"/>
+                  </a:schemeClr>
+                </a:solidFill>
+                <a:latin typeface="+mj-lt"/>
+                <a:ea typeface="+mn-ea"/>
+                <a:cs typeface="+mn-cs"/>
+              </a:defRPr>
+            </a:lvl6pPr>
+            <a:lvl7pPr marL="2743200" indent="0" algn="ctr" defTabSz="914400" rtl="0" eaLnBrk="1" latinLnBrk="0" hangingPunct="1">
+              <a:spcBef>
+                <a:spcPct val="20000"/>
+              </a:spcBef>
+              <a:buFont typeface="Arial" pitchFamily="34" charset="0"/>
+              <a:buNone/>
+              <a:defRPr sz="1600" kern="1200">
+                <a:solidFill>
+                  <a:schemeClr val="tx1">
+                    <a:tint val="75000"/>
+                  </a:schemeClr>
+                </a:solidFill>
+                <a:latin typeface="+mj-lt"/>
+                <a:ea typeface="+mn-ea"/>
+                <a:cs typeface="+mn-cs"/>
+              </a:defRPr>
+            </a:lvl7pPr>
+            <a:lvl8pPr marL="3200400" indent="0" algn="ctr" defTabSz="914400" rtl="0" eaLnBrk="1" latinLnBrk="0" hangingPunct="1">
+              <a:spcBef>
+                <a:spcPct val="20000"/>
+              </a:spcBef>
+              <a:buFont typeface="Courier New" pitchFamily="49" charset="0"/>
+              <a:buNone/>
+              <a:defRPr sz="1600" kern="1200">
+                <a:solidFill>
+                  <a:schemeClr val="tx1">
+                    <a:tint val="75000"/>
+                  </a:schemeClr>
+                </a:solidFill>
+                <a:latin typeface="+mj-lt"/>
+                <a:ea typeface="+mn-ea"/>
+                <a:cs typeface="+mn-cs"/>
+              </a:defRPr>
+            </a:lvl8pPr>
+            <a:lvl9pPr marL="3657600" indent="0" algn="ctr" defTabSz="914400" rtl="0" eaLnBrk="1" latinLnBrk="0" hangingPunct="1">
+              <a:spcBef>
+                <a:spcPct val="20000"/>
+              </a:spcBef>
+              <a:buFont typeface="Arial" pitchFamily="34" charset="0"/>
+              <a:buNone/>
+              <a:defRPr sz="1600" kern="1200">
+                <a:solidFill>
+                  <a:schemeClr val="tx1">
+                    <a:tint val="75000"/>
+                  </a:schemeClr>
+                </a:solidFill>
+                <a:latin typeface="+mj-lt"/>
+                <a:ea typeface="+mn-ea"/>
+                <a:cs typeface="+mn-cs"/>
+              </a:defRPr>
+            </a:lvl9pPr>
+          </a:lstStyle>
+          <a:p>
             <a:pPr marL="342900" indent="-342900" algn="l">
               <a:buFont typeface="Arial" panose="020B0604020202020204" pitchFamily="34" charset="0"/>
               <a:buChar char="•"/>
             </a:pPr>
             <a:r>
-              <a:rPr lang="en-US" sz="2800" dirty="0" smtClean="0"/>
-              <a:t>Xx</a:t>
+              <a:rPr lang="en-US" dirty="0" smtClean="0"/>
+              <a:t>No precondition checks.</a:t>
             </a:r>
           </a:p>
           <a:p>
@@ -8482,8 +8626,211 @@
               <a:buChar char="•"/>
             </a:pPr>
             <a:r>
+              <a:rPr lang="en-US" dirty="0" smtClean="0"/>
+              <a:t>Inconsistent ways of logging errors.  </a:t>
+            </a:r>
+          </a:p>
+          <a:p>
+            <a:pPr marL="342900" indent="-342900" algn="l">
+              <a:buFont typeface="Arial" panose="020B0604020202020204" pitchFamily="34" charset="0"/>
+              <a:buChar char="•"/>
+            </a:pPr>
+            <a:r>
+              <a:rPr lang="en-US" dirty="0" smtClean="0"/>
+              <a:t>Multiple return statements</a:t>
+            </a:r>
+            <a:r>
               <a:rPr lang="en-US" sz="2800" dirty="0" smtClean="0"/>
-              <a:t>Code Demo</a:t>
+              <a:t>.</a:t>
+            </a:r>
+          </a:p>
+          <a:p>
+            <a:pPr algn="l"/>
+            <a:endParaRPr lang="en-US" sz="2800" dirty="0"/>
+          </a:p>
+        </p:txBody>
+      </p:sp>
+      <p:sp>
+        <p:nvSpPr>
+          <p:cNvPr id="9" name="Subtitle 6"/>
+          <p:cNvSpPr txBox="1">
+            <a:spLocks/>
+          </p:cNvSpPr>
+          <p:nvPr/>
+        </p:nvSpPr>
+        <p:spPr>
+          <a:xfrm>
+            <a:off x="362542" y="4572000"/>
+            <a:ext cx="7854368" cy="654050"/>
+          </a:xfrm>
+          <a:prstGeom prst="rect">
+            <a:avLst/>
+          </a:prstGeom>
+        </p:spPr>
+        <p:txBody>
+          <a:bodyPr vert="horz" lIns="91440" tIns="45720" rIns="91440" bIns="45720" rtlCol="0">
+            <a:normAutofit/>
+          </a:bodyPr>
+          <a:lstStyle>
+            <a:lvl1pPr marL="0" indent="0" algn="ctr" defTabSz="914400" rtl="0" eaLnBrk="1" latinLnBrk="0" hangingPunct="1">
+              <a:spcBef>
+                <a:spcPct val="20000"/>
+              </a:spcBef>
+              <a:buFont typeface="Arial" pitchFamily="34" charset="0"/>
+              <a:buNone/>
+              <a:defRPr sz="2400" kern="1200">
+                <a:solidFill>
+                  <a:schemeClr val="tx1">
+                    <a:tint val="75000"/>
+                  </a:schemeClr>
+                </a:solidFill>
+                <a:latin typeface="+mj-lt"/>
+                <a:ea typeface="+mn-ea"/>
+                <a:cs typeface="+mn-cs"/>
+              </a:defRPr>
+            </a:lvl1pPr>
+            <a:lvl2pPr marL="457200" indent="0" algn="ctr" defTabSz="914400" rtl="0" eaLnBrk="1" latinLnBrk="0" hangingPunct="1">
+              <a:spcBef>
+                <a:spcPct val="20000"/>
+              </a:spcBef>
+              <a:buFont typeface="Courier New" pitchFamily="49" charset="0"/>
+              <a:buNone/>
+              <a:defRPr sz="1600" kern="1200">
+                <a:solidFill>
+                  <a:schemeClr val="tx1">
+                    <a:tint val="75000"/>
+                  </a:schemeClr>
+                </a:solidFill>
+                <a:latin typeface="+mj-lt"/>
+                <a:ea typeface="+mn-ea"/>
+                <a:cs typeface="+mn-cs"/>
+              </a:defRPr>
+            </a:lvl2pPr>
+            <a:lvl3pPr marL="914400" indent="0" algn="ctr" defTabSz="914400" rtl="0" eaLnBrk="1" latinLnBrk="0" hangingPunct="1">
+              <a:spcBef>
+                <a:spcPct val="20000"/>
+              </a:spcBef>
+              <a:buFont typeface="Arial" pitchFamily="34" charset="0"/>
+              <a:buNone/>
+              <a:defRPr sz="1600" kern="1200">
+                <a:solidFill>
+                  <a:schemeClr val="tx1">
+                    <a:tint val="75000"/>
+                  </a:schemeClr>
+                </a:solidFill>
+                <a:latin typeface="+mj-lt"/>
+                <a:ea typeface="+mn-ea"/>
+                <a:cs typeface="+mn-cs"/>
+              </a:defRPr>
+            </a:lvl3pPr>
+            <a:lvl4pPr marL="1371600" indent="0" algn="ctr" defTabSz="914400" rtl="0" eaLnBrk="1" latinLnBrk="0" hangingPunct="1">
+              <a:spcBef>
+                <a:spcPct val="20000"/>
+              </a:spcBef>
+              <a:buFont typeface="Courier New" pitchFamily="49" charset="0"/>
+              <a:buNone/>
+              <a:defRPr sz="1600" kern="1200">
+                <a:solidFill>
+                  <a:schemeClr val="tx1">
+                    <a:tint val="75000"/>
+                  </a:schemeClr>
+                </a:solidFill>
+                <a:latin typeface="+mj-lt"/>
+                <a:ea typeface="+mn-ea"/>
+                <a:cs typeface="+mn-cs"/>
+              </a:defRPr>
+            </a:lvl4pPr>
+            <a:lvl5pPr marL="1828800" indent="0" algn="ctr" defTabSz="914400" rtl="0" eaLnBrk="1" latinLnBrk="0" hangingPunct="1">
+              <a:spcBef>
+                <a:spcPct val="20000"/>
+              </a:spcBef>
+              <a:buFont typeface="Arial" pitchFamily="34" charset="0"/>
+              <a:buNone/>
+              <a:defRPr sz="1600" kern="1200">
+                <a:solidFill>
+                  <a:schemeClr val="tx1">
+                    <a:tint val="75000"/>
+                  </a:schemeClr>
+                </a:solidFill>
+                <a:latin typeface="+mj-lt"/>
+                <a:ea typeface="+mn-ea"/>
+                <a:cs typeface="+mn-cs"/>
+              </a:defRPr>
+            </a:lvl5pPr>
+            <a:lvl6pPr marL="2286000" indent="0" algn="ctr" defTabSz="914400" rtl="0" eaLnBrk="1" latinLnBrk="0" hangingPunct="1">
+              <a:spcBef>
+                <a:spcPct val="20000"/>
+              </a:spcBef>
+              <a:buFont typeface="Courier New" pitchFamily="49" charset="0"/>
+              <a:buNone/>
+              <a:defRPr sz="1600" kern="1200">
+                <a:solidFill>
+                  <a:schemeClr val="tx1">
+                    <a:tint val="75000"/>
+                  </a:schemeClr>
+                </a:solidFill>
+                <a:latin typeface="+mj-lt"/>
+                <a:ea typeface="+mn-ea"/>
+                <a:cs typeface="+mn-cs"/>
+              </a:defRPr>
+            </a:lvl6pPr>
+            <a:lvl7pPr marL="2743200" indent="0" algn="ctr" defTabSz="914400" rtl="0" eaLnBrk="1" latinLnBrk="0" hangingPunct="1">
+              <a:spcBef>
+                <a:spcPct val="20000"/>
+              </a:spcBef>
+              <a:buFont typeface="Arial" pitchFamily="34" charset="0"/>
+              <a:buNone/>
+              <a:defRPr sz="1600" kern="1200">
+                <a:solidFill>
+                  <a:schemeClr val="tx1">
+                    <a:tint val="75000"/>
+                  </a:schemeClr>
+                </a:solidFill>
+                <a:latin typeface="+mj-lt"/>
+                <a:ea typeface="+mn-ea"/>
+                <a:cs typeface="+mn-cs"/>
+              </a:defRPr>
+            </a:lvl7pPr>
+            <a:lvl8pPr marL="3200400" indent="0" algn="ctr" defTabSz="914400" rtl="0" eaLnBrk="1" latinLnBrk="0" hangingPunct="1">
+              <a:spcBef>
+                <a:spcPct val="20000"/>
+              </a:spcBef>
+              <a:buFont typeface="Courier New" pitchFamily="49" charset="0"/>
+              <a:buNone/>
+              <a:defRPr sz="1600" kern="1200">
+                <a:solidFill>
+                  <a:schemeClr val="tx1">
+                    <a:tint val="75000"/>
+                  </a:schemeClr>
+                </a:solidFill>
+                <a:latin typeface="+mj-lt"/>
+                <a:ea typeface="+mn-ea"/>
+                <a:cs typeface="+mn-cs"/>
+              </a:defRPr>
+            </a:lvl8pPr>
+            <a:lvl9pPr marL="3657600" indent="0" algn="ctr" defTabSz="914400" rtl="0" eaLnBrk="1" latinLnBrk="0" hangingPunct="1">
+              <a:spcBef>
+                <a:spcPct val="20000"/>
+              </a:spcBef>
+              <a:buFont typeface="Arial" pitchFamily="34" charset="0"/>
+              <a:buNone/>
+              <a:defRPr sz="1600" kern="1200">
+                <a:solidFill>
+                  <a:schemeClr val="tx1">
+                    <a:tint val="75000"/>
+                  </a:schemeClr>
+                </a:solidFill>
+                <a:latin typeface="+mj-lt"/>
+                <a:ea typeface="+mn-ea"/>
+                <a:cs typeface="+mn-cs"/>
+              </a:defRPr>
+            </a:lvl9pPr>
+          </a:lstStyle>
+          <a:p>
+            <a:pPr algn="l"/>
+            <a:r>
+              <a:rPr lang="en-US" sz="2800" dirty="0" smtClean="0"/>
+              <a:t>How can we make it better?</a:t>
             </a:r>
           </a:p>
         </p:txBody>
@@ -8491,7 +8838,7 @@
     </p:spTree>
     <p:extLst>
       <p:ext uri="{BB962C8B-B14F-4D97-AF65-F5344CB8AC3E}">
-        <p14:creationId xmlns:p14="http://schemas.microsoft.com/office/powerpoint/2010/main" val="3369183476"/>
+        <p14:creationId xmlns:p14="http://schemas.microsoft.com/office/powerpoint/2010/main" val="2558023341"/>
       </p:ext>
     </p:extLst>
   </p:cSld>
@@ -8530,8 +8877,8 @@
         </p:nvSpPr>
         <p:spPr>
           <a:xfrm>
-            <a:off x="685800" y="228600"/>
-            <a:ext cx="7772400" cy="685800"/>
+            <a:off x="152400" y="838200"/>
+            <a:ext cx="9906000" cy="685800"/>
           </a:xfrm>
         </p:spPr>
         <p:txBody>
@@ -8540,17 +8887,24 @@
           <a:p>
             <a:pPr algn="l"/>
             <a:r>
+              <a:rPr lang="en-US" sz="4000" dirty="0"/>
+              <a:t>Code Review Patterns </a:t>
+            </a:r>
+            <a:r>
               <a:rPr lang="en-US" sz="4000" dirty="0" smtClean="0"/>
-              <a:t>Code Review Patterns (</a:t>
-            </a:r>
-            <a:r>
-              <a:rPr lang="en-US" sz="4000" dirty="0" err="1" smtClean="0"/>
-              <a:t>cont</a:t>
+              <a:t>– </a:t>
             </a:r>
             <a:r>
               <a:rPr lang="en-US" sz="4000" dirty="0" smtClean="0"/>
-              <a:t>)</a:t>
-            </a:r>
+              <a:t>DRY</a:t>
+            </a:r>
+            <a:r>
+              <a:rPr lang="en-US" sz="4000" dirty="0" smtClean="0"/>
+              <a:t/>
+            </a:r>
+            <a:br>
+              <a:rPr lang="en-US" sz="4000" dirty="0" smtClean="0"/>
+            </a:br>
             <a:endParaRPr lang="en-US" sz="4000" dirty="0"/>
           </a:p>
         </p:txBody>
@@ -8565,7 +8919,12 @@
             <p:ph type="dt" sz="half" idx="10"/>
           </p:nvPr>
         </p:nvSpPr>
-        <p:spPr/>
+        <p:spPr>
+          <a:xfrm>
+            <a:off x="6363347" y="7864475"/>
+            <a:ext cx="2085975" cy="365125"/>
+          </a:xfrm>
+        </p:spPr>
         <p:txBody>
           <a:bodyPr/>
           <a:lstStyle/>
@@ -8588,7 +8947,12 @@
             <p:ph type="sldNum" sz="quarter" idx="11"/>
           </p:nvPr>
         </p:nvSpPr>
-        <p:spPr/>
+        <p:spPr>
+          <a:xfrm>
+            <a:off x="8543278" y="7864475"/>
+            <a:ext cx="561975" cy="365125"/>
+          </a:xfrm>
+        </p:spPr>
         <p:txBody>
           <a:bodyPr/>
           <a:lstStyle/>
@@ -8612,53 +8976,27 @@
             <p:ph type="ftr" sz="quarter" idx="12"/>
           </p:nvPr>
         </p:nvSpPr>
-        <p:spPr/>
-        <p:txBody>
-          <a:bodyPr/>
-          <a:lstStyle/>
-          <a:p>
-            <a:r>
-              <a:rPr lang="en-US" smtClean="0"/>
-              <a:t>Footer Text</a:t>
-            </a:r>
-            <a:endParaRPr lang="en-US" dirty="0"/>
-          </a:p>
-        </p:txBody>
-      </p:sp>
-      <p:sp>
-        <p:nvSpPr>
-          <p:cNvPr id="8" name="Subtitle 2"/>
-          <p:cNvSpPr>
-            <a:spLocks noGrp="1"/>
-          </p:cNvSpPr>
-          <p:nvPr>
-            <p:ph type="subTitle" idx="1"/>
-          </p:nvPr>
-        </p:nvSpPr>
         <p:spPr>
           <a:xfrm>
-            <a:off x="228600" y="1066800"/>
-            <a:ext cx="7315200" cy="685800"/>
+            <a:off x="659165" y="7864475"/>
+            <a:ext cx="2847975" cy="365125"/>
           </a:xfrm>
         </p:spPr>
         <p:txBody>
-          <a:bodyPr>
-            <a:noAutofit/>
-          </a:bodyPr>
-          <a:lstStyle/>
-          <a:p>
-            <a:pPr algn="l"/>
-            <a:r>
-              <a:rPr lang="en-US" sz="3200" b="1" u="sng" dirty="0" smtClean="0"/>
-              <a:t>Testable</a:t>
-            </a:r>
-            <a:endParaRPr lang="en-US" sz="3200" b="1" u="sng" dirty="0"/>
-          </a:p>
-        </p:txBody>
-      </p:sp>
-      <p:sp>
-        <p:nvSpPr>
-          <p:cNvPr id="7" name="Subtitle 6"/>
+          <a:bodyPr/>
+          <a:lstStyle/>
+          <a:p>
+            <a:r>
+              <a:rPr lang="en-US" smtClean="0"/>
+              <a:t>Footer Text</a:t>
+            </a:r>
+            <a:endParaRPr lang="en-US" dirty="0"/>
+          </a:p>
+        </p:txBody>
+      </p:sp>
+      <p:sp>
+        <p:nvSpPr>
+          <p:cNvPr id="12" name="Subtitle 6"/>
           <p:cNvSpPr txBox="1">
             <a:spLocks/>
           </p:cNvSpPr>
@@ -8666,7 +9004,7 @@
         </p:nvSpPr>
         <p:spPr>
           <a:xfrm>
-            <a:off x="573183" y="1676400"/>
+            <a:off x="573183" y="990600"/>
             <a:ext cx="7854368" cy="4648200"/>
           </a:xfrm>
           <a:prstGeom prst="rect">
@@ -8839,7 +9177,7 @@
             </a:pPr>
             <a:r>
               <a:rPr lang="en-US" sz="2800" dirty="0" smtClean="0"/>
-              <a:t>Xx</a:t>
+              <a:t>Look for repeating code blocks. Results of copy/paste.</a:t>
             </a:r>
           </a:p>
           <a:p>
@@ -8849,15 +9187,32 @@
             </a:pPr>
             <a:r>
               <a:rPr lang="en-US" sz="2800" dirty="0" smtClean="0"/>
-              <a:t>Code Demo</a:t>
-            </a:r>
+              <a:t>Look for repeating magic string and numbers.</a:t>
+            </a:r>
+          </a:p>
+          <a:p>
+            <a:pPr marL="342900" indent="-342900" algn="l">
+              <a:buFont typeface="Arial" panose="020B0604020202020204" pitchFamily="34" charset="0"/>
+              <a:buChar char="•"/>
+            </a:pPr>
+            <a:r>
+              <a:rPr lang="en-US" sz="2800" dirty="0"/>
+              <a:t>Code Demo.</a:t>
+            </a:r>
+          </a:p>
+          <a:p>
+            <a:pPr marL="342900" indent="-342900" algn="l">
+              <a:buFont typeface="Arial" panose="020B0604020202020204" pitchFamily="34" charset="0"/>
+              <a:buChar char="•"/>
+            </a:pPr>
+            <a:endParaRPr lang="en-US" sz="2800" dirty="0" smtClean="0"/>
           </a:p>
         </p:txBody>
       </p:sp>
     </p:spTree>
     <p:extLst>
       <p:ext uri="{BB962C8B-B14F-4D97-AF65-F5344CB8AC3E}">
-        <p14:creationId xmlns:p14="http://schemas.microsoft.com/office/powerpoint/2010/main" val="536111359"/>
+        <p14:creationId xmlns:p14="http://schemas.microsoft.com/office/powerpoint/2010/main" val="1403601786"/>
       </p:ext>
     </p:extLst>
   </p:cSld>
@@ -9109,8 +9464,8 @@
         </p:nvSpPr>
         <p:spPr>
           <a:xfrm>
-            <a:off x="685800" y="228600"/>
-            <a:ext cx="7772400" cy="685800"/>
+            <a:off x="228600" y="777258"/>
+            <a:ext cx="9906000" cy="685800"/>
           </a:xfrm>
         </p:spPr>
         <p:txBody>
@@ -9119,8 +9474,12 @@
           <a:p>
             <a:pPr algn="l"/>
             <a:r>
+              <a:rPr lang="en-US" sz="4000" dirty="0"/>
+              <a:t>Code Review Patterns – </a:t>
+            </a:r>
+            <a:r>
               <a:rPr lang="en-US" sz="4000" dirty="0" smtClean="0"/>
-              <a:t>Code Review Patterns (</a:t>
+              <a:t>DRY (</a:t>
             </a:r>
             <a:r>
               <a:rPr lang="en-US" sz="4000" dirty="0" err="1" smtClean="0"/>
@@ -9130,6 +9489,13 @@
               <a:rPr lang="en-US" sz="4000" dirty="0" smtClean="0"/>
               <a:t>)</a:t>
             </a:r>
+            <a:r>
+              <a:rPr lang="en-US" sz="4000" dirty="0" smtClean="0"/>
+              <a:t/>
+            </a:r>
+            <a:br>
+              <a:rPr lang="en-US" sz="4000" dirty="0" smtClean="0"/>
+            </a:br>
             <a:endParaRPr lang="en-US" sz="4000" dirty="0"/>
           </a:p>
         </p:txBody>
@@ -9144,14 +9510,19 @@
             <p:ph type="dt" sz="half" idx="10"/>
           </p:nvPr>
         </p:nvSpPr>
-        <p:spPr/>
+        <p:spPr>
+          <a:xfrm>
+            <a:off x="6363347" y="7864475"/>
+            <a:ext cx="2085975" cy="365125"/>
+          </a:xfrm>
+        </p:spPr>
         <p:txBody>
           <a:bodyPr/>
           <a:lstStyle/>
           <a:p>
             <a:fld id="{216C5678-EE20-4FA5-88E2-6E0BD67A2E26}" type="datetime1">
               <a:rPr lang="en-US" smtClean="0"/>
-              <a:t>3/19/2016</a:t>
+              <a:t>3/20/2016</a:t>
             </a:fld>
             <a:endParaRPr lang="en-US" dirty="0"/>
           </a:p>
@@ -9167,7 +9538,12 @@
             <p:ph type="sldNum" sz="quarter" idx="11"/>
           </p:nvPr>
         </p:nvSpPr>
-        <p:spPr/>
+        <p:spPr>
+          <a:xfrm>
+            <a:off x="8543278" y="7864475"/>
+            <a:ext cx="561975" cy="365125"/>
+          </a:xfrm>
+        </p:spPr>
         <p:txBody>
           <a:bodyPr/>
           <a:lstStyle/>
@@ -9191,47 +9567,21 @@
             <p:ph type="ftr" sz="quarter" idx="12"/>
           </p:nvPr>
         </p:nvSpPr>
-        <p:spPr/>
-        <p:txBody>
-          <a:bodyPr/>
-          <a:lstStyle/>
-          <a:p>
-            <a:r>
-              <a:rPr lang="en-US" smtClean="0"/>
-              <a:t>Footer Text</a:t>
-            </a:r>
-            <a:endParaRPr lang="en-US" dirty="0"/>
-          </a:p>
-        </p:txBody>
-      </p:sp>
-      <p:sp>
-        <p:nvSpPr>
-          <p:cNvPr id="8" name="Subtitle 2"/>
-          <p:cNvSpPr>
-            <a:spLocks noGrp="1"/>
-          </p:cNvSpPr>
-          <p:nvPr>
-            <p:ph type="subTitle" idx="1"/>
-          </p:nvPr>
-        </p:nvSpPr>
         <p:spPr>
           <a:xfrm>
-            <a:off x="228600" y="1066800"/>
-            <a:ext cx="7315200" cy="685800"/>
+            <a:off x="659165" y="7864475"/>
+            <a:ext cx="2847975" cy="365125"/>
           </a:xfrm>
         </p:spPr>
         <p:txBody>
-          <a:bodyPr>
-            <a:noAutofit/>
-          </a:bodyPr>
-          <a:lstStyle/>
-          <a:p>
-            <a:pPr algn="l"/>
-            <a:r>
-              <a:rPr lang="en-US" sz="3200" b="1" u="sng" dirty="0" smtClean="0"/>
-              <a:t>Consistency</a:t>
-            </a:r>
-            <a:endParaRPr lang="en-US" sz="3200" b="1" u="sng" dirty="0"/>
+          <a:bodyPr/>
+          <a:lstStyle/>
+          <a:p>
+            <a:r>
+              <a:rPr lang="en-US" smtClean="0"/>
+              <a:t>Footer Text</a:t>
+            </a:r>
+            <a:endParaRPr lang="en-US" dirty="0"/>
           </a:p>
         </p:txBody>
       </p:sp>
@@ -9245,8 +9595,8 @@
         </p:nvSpPr>
         <p:spPr>
           <a:xfrm>
-            <a:off x="573183" y="1676400"/>
-            <a:ext cx="7854368" cy="4648200"/>
+            <a:off x="317693" y="990600"/>
+            <a:ext cx="7854368" cy="654050"/>
           </a:xfrm>
           <a:prstGeom prst="rect">
             <a:avLst/>
@@ -9412,13 +9762,198 @@
             </a:lvl9pPr>
           </a:lstStyle>
           <a:p>
+            <a:pPr algn="l"/>
+            <a:r>
+              <a:rPr lang="en-US" sz="2800" dirty="0" smtClean="0"/>
+              <a:t>What is wrong?</a:t>
+            </a:r>
+          </a:p>
+        </p:txBody>
+      </p:sp>
+      <p:sp>
+        <p:nvSpPr>
+          <p:cNvPr id="8" name="Subtitle 6"/>
+          <p:cNvSpPr txBox="1">
+            <a:spLocks/>
+          </p:cNvSpPr>
+          <p:nvPr/>
+        </p:nvSpPr>
+        <p:spPr>
+          <a:xfrm>
+            <a:off x="586076" y="1600200"/>
+            <a:ext cx="7854368" cy="2209800"/>
+          </a:xfrm>
+          <a:prstGeom prst="rect">
+            <a:avLst/>
+          </a:prstGeom>
+        </p:spPr>
+        <p:txBody>
+          <a:bodyPr vert="horz" lIns="91440" tIns="45720" rIns="91440" bIns="45720" rtlCol="0">
+            <a:normAutofit/>
+          </a:bodyPr>
+          <a:lstStyle>
+            <a:lvl1pPr marL="0" indent="0" algn="ctr" defTabSz="914400" rtl="0" eaLnBrk="1" latinLnBrk="0" hangingPunct="1">
+              <a:spcBef>
+                <a:spcPct val="20000"/>
+              </a:spcBef>
+              <a:buFont typeface="Arial" pitchFamily="34" charset="0"/>
+              <a:buNone/>
+              <a:defRPr sz="2400" kern="1200">
+                <a:solidFill>
+                  <a:schemeClr val="tx1">
+                    <a:tint val="75000"/>
+                  </a:schemeClr>
+                </a:solidFill>
+                <a:latin typeface="+mj-lt"/>
+                <a:ea typeface="+mn-ea"/>
+                <a:cs typeface="+mn-cs"/>
+              </a:defRPr>
+            </a:lvl1pPr>
+            <a:lvl2pPr marL="457200" indent="0" algn="ctr" defTabSz="914400" rtl="0" eaLnBrk="1" latinLnBrk="0" hangingPunct="1">
+              <a:spcBef>
+                <a:spcPct val="20000"/>
+              </a:spcBef>
+              <a:buFont typeface="Courier New" pitchFamily="49" charset="0"/>
+              <a:buNone/>
+              <a:defRPr sz="1600" kern="1200">
+                <a:solidFill>
+                  <a:schemeClr val="tx1">
+                    <a:tint val="75000"/>
+                  </a:schemeClr>
+                </a:solidFill>
+                <a:latin typeface="+mj-lt"/>
+                <a:ea typeface="+mn-ea"/>
+                <a:cs typeface="+mn-cs"/>
+              </a:defRPr>
+            </a:lvl2pPr>
+            <a:lvl3pPr marL="914400" indent="0" algn="ctr" defTabSz="914400" rtl="0" eaLnBrk="1" latinLnBrk="0" hangingPunct="1">
+              <a:spcBef>
+                <a:spcPct val="20000"/>
+              </a:spcBef>
+              <a:buFont typeface="Arial" pitchFamily="34" charset="0"/>
+              <a:buNone/>
+              <a:defRPr sz="1600" kern="1200">
+                <a:solidFill>
+                  <a:schemeClr val="tx1">
+                    <a:tint val="75000"/>
+                  </a:schemeClr>
+                </a:solidFill>
+                <a:latin typeface="+mj-lt"/>
+                <a:ea typeface="+mn-ea"/>
+                <a:cs typeface="+mn-cs"/>
+              </a:defRPr>
+            </a:lvl3pPr>
+            <a:lvl4pPr marL="1371600" indent="0" algn="ctr" defTabSz="914400" rtl="0" eaLnBrk="1" latinLnBrk="0" hangingPunct="1">
+              <a:spcBef>
+                <a:spcPct val="20000"/>
+              </a:spcBef>
+              <a:buFont typeface="Courier New" pitchFamily="49" charset="0"/>
+              <a:buNone/>
+              <a:defRPr sz="1600" kern="1200">
+                <a:solidFill>
+                  <a:schemeClr val="tx1">
+                    <a:tint val="75000"/>
+                  </a:schemeClr>
+                </a:solidFill>
+                <a:latin typeface="+mj-lt"/>
+                <a:ea typeface="+mn-ea"/>
+                <a:cs typeface="+mn-cs"/>
+              </a:defRPr>
+            </a:lvl4pPr>
+            <a:lvl5pPr marL="1828800" indent="0" algn="ctr" defTabSz="914400" rtl="0" eaLnBrk="1" latinLnBrk="0" hangingPunct="1">
+              <a:spcBef>
+                <a:spcPct val="20000"/>
+              </a:spcBef>
+              <a:buFont typeface="Arial" pitchFamily="34" charset="0"/>
+              <a:buNone/>
+              <a:defRPr sz="1600" kern="1200">
+                <a:solidFill>
+                  <a:schemeClr val="tx1">
+                    <a:tint val="75000"/>
+                  </a:schemeClr>
+                </a:solidFill>
+                <a:latin typeface="+mj-lt"/>
+                <a:ea typeface="+mn-ea"/>
+                <a:cs typeface="+mn-cs"/>
+              </a:defRPr>
+            </a:lvl5pPr>
+            <a:lvl6pPr marL="2286000" indent="0" algn="ctr" defTabSz="914400" rtl="0" eaLnBrk="1" latinLnBrk="0" hangingPunct="1">
+              <a:spcBef>
+                <a:spcPct val="20000"/>
+              </a:spcBef>
+              <a:buFont typeface="Courier New" pitchFamily="49" charset="0"/>
+              <a:buNone/>
+              <a:defRPr sz="1600" kern="1200">
+                <a:solidFill>
+                  <a:schemeClr val="tx1">
+                    <a:tint val="75000"/>
+                  </a:schemeClr>
+                </a:solidFill>
+                <a:latin typeface="+mj-lt"/>
+                <a:ea typeface="+mn-ea"/>
+                <a:cs typeface="+mn-cs"/>
+              </a:defRPr>
+            </a:lvl6pPr>
+            <a:lvl7pPr marL="2743200" indent="0" algn="ctr" defTabSz="914400" rtl="0" eaLnBrk="1" latinLnBrk="0" hangingPunct="1">
+              <a:spcBef>
+                <a:spcPct val="20000"/>
+              </a:spcBef>
+              <a:buFont typeface="Arial" pitchFamily="34" charset="0"/>
+              <a:buNone/>
+              <a:defRPr sz="1600" kern="1200">
+                <a:solidFill>
+                  <a:schemeClr val="tx1">
+                    <a:tint val="75000"/>
+                  </a:schemeClr>
+                </a:solidFill>
+                <a:latin typeface="+mj-lt"/>
+                <a:ea typeface="+mn-ea"/>
+                <a:cs typeface="+mn-cs"/>
+              </a:defRPr>
+            </a:lvl7pPr>
+            <a:lvl8pPr marL="3200400" indent="0" algn="ctr" defTabSz="914400" rtl="0" eaLnBrk="1" latinLnBrk="0" hangingPunct="1">
+              <a:spcBef>
+                <a:spcPct val="20000"/>
+              </a:spcBef>
+              <a:buFont typeface="Courier New" pitchFamily="49" charset="0"/>
+              <a:buNone/>
+              <a:defRPr sz="1600" kern="1200">
+                <a:solidFill>
+                  <a:schemeClr val="tx1">
+                    <a:tint val="75000"/>
+                  </a:schemeClr>
+                </a:solidFill>
+                <a:latin typeface="+mj-lt"/>
+                <a:ea typeface="+mn-ea"/>
+                <a:cs typeface="+mn-cs"/>
+              </a:defRPr>
+            </a:lvl8pPr>
+            <a:lvl9pPr marL="3657600" indent="0" algn="ctr" defTabSz="914400" rtl="0" eaLnBrk="1" latinLnBrk="0" hangingPunct="1">
+              <a:spcBef>
+                <a:spcPct val="20000"/>
+              </a:spcBef>
+              <a:buFont typeface="Arial" pitchFamily="34" charset="0"/>
+              <a:buNone/>
+              <a:defRPr sz="1600" kern="1200">
+                <a:solidFill>
+                  <a:schemeClr val="tx1">
+                    <a:tint val="75000"/>
+                  </a:schemeClr>
+                </a:solidFill>
+                <a:latin typeface="+mj-lt"/>
+                <a:ea typeface="+mn-ea"/>
+                <a:cs typeface="+mn-cs"/>
+              </a:defRPr>
+            </a:lvl9pPr>
+          </a:lstStyle>
+          <a:p>
             <a:pPr marL="342900" indent="-342900" algn="l">
               <a:buFont typeface="Arial" panose="020B0604020202020204" pitchFamily="34" charset="0"/>
               <a:buChar char="•"/>
             </a:pPr>
             <a:r>
-              <a:rPr lang="en-US" sz="2800" dirty="0" smtClean="0"/>
-              <a:t>Xx</a:t>
+              <a:rPr lang="en-US" dirty="0" smtClean="0"/>
+              <a:t>Duplication of magic number 7926 miles.</a:t>
             </a:r>
           </a:p>
           <a:p>
@@ -9427,8 +9962,198 @@
               <a:buChar char="•"/>
             </a:pPr>
             <a:r>
+              <a:rPr lang="en-US" dirty="0" smtClean="0"/>
+              <a:t>Copy/Paste same block of code</a:t>
+            </a:r>
+            <a:endParaRPr lang="en-US" sz="2800" dirty="0" smtClean="0"/>
+          </a:p>
+          <a:p>
+            <a:pPr algn="l"/>
+            <a:endParaRPr lang="en-US" sz="2800" dirty="0"/>
+          </a:p>
+        </p:txBody>
+      </p:sp>
+      <p:sp>
+        <p:nvSpPr>
+          <p:cNvPr id="9" name="Subtitle 6"/>
+          <p:cNvSpPr txBox="1">
+            <a:spLocks/>
+          </p:cNvSpPr>
+          <p:nvPr/>
+        </p:nvSpPr>
+        <p:spPr>
+          <a:xfrm>
+            <a:off x="362542" y="2819400"/>
+            <a:ext cx="7854368" cy="654050"/>
+          </a:xfrm>
+          <a:prstGeom prst="rect">
+            <a:avLst/>
+          </a:prstGeom>
+        </p:spPr>
+        <p:txBody>
+          <a:bodyPr vert="horz" lIns="91440" tIns="45720" rIns="91440" bIns="45720" rtlCol="0">
+            <a:normAutofit/>
+          </a:bodyPr>
+          <a:lstStyle>
+            <a:lvl1pPr marL="0" indent="0" algn="ctr" defTabSz="914400" rtl="0" eaLnBrk="1" latinLnBrk="0" hangingPunct="1">
+              <a:spcBef>
+                <a:spcPct val="20000"/>
+              </a:spcBef>
+              <a:buFont typeface="Arial" pitchFamily="34" charset="0"/>
+              <a:buNone/>
+              <a:defRPr sz="2400" kern="1200">
+                <a:solidFill>
+                  <a:schemeClr val="tx1">
+                    <a:tint val="75000"/>
+                  </a:schemeClr>
+                </a:solidFill>
+                <a:latin typeface="+mj-lt"/>
+                <a:ea typeface="+mn-ea"/>
+                <a:cs typeface="+mn-cs"/>
+              </a:defRPr>
+            </a:lvl1pPr>
+            <a:lvl2pPr marL="457200" indent="0" algn="ctr" defTabSz="914400" rtl="0" eaLnBrk="1" latinLnBrk="0" hangingPunct="1">
+              <a:spcBef>
+                <a:spcPct val="20000"/>
+              </a:spcBef>
+              <a:buFont typeface="Courier New" pitchFamily="49" charset="0"/>
+              <a:buNone/>
+              <a:defRPr sz="1600" kern="1200">
+                <a:solidFill>
+                  <a:schemeClr val="tx1">
+                    <a:tint val="75000"/>
+                  </a:schemeClr>
+                </a:solidFill>
+                <a:latin typeface="+mj-lt"/>
+                <a:ea typeface="+mn-ea"/>
+                <a:cs typeface="+mn-cs"/>
+              </a:defRPr>
+            </a:lvl2pPr>
+            <a:lvl3pPr marL="914400" indent="0" algn="ctr" defTabSz="914400" rtl="0" eaLnBrk="1" latinLnBrk="0" hangingPunct="1">
+              <a:spcBef>
+                <a:spcPct val="20000"/>
+              </a:spcBef>
+              <a:buFont typeface="Arial" pitchFamily="34" charset="0"/>
+              <a:buNone/>
+              <a:defRPr sz="1600" kern="1200">
+                <a:solidFill>
+                  <a:schemeClr val="tx1">
+                    <a:tint val="75000"/>
+                  </a:schemeClr>
+                </a:solidFill>
+                <a:latin typeface="+mj-lt"/>
+                <a:ea typeface="+mn-ea"/>
+                <a:cs typeface="+mn-cs"/>
+              </a:defRPr>
+            </a:lvl3pPr>
+            <a:lvl4pPr marL="1371600" indent="0" algn="ctr" defTabSz="914400" rtl="0" eaLnBrk="1" latinLnBrk="0" hangingPunct="1">
+              <a:spcBef>
+                <a:spcPct val="20000"/>
+              </a:spcBef>
+              <a:buFont typeface="Courier New" pitchFamily="49" charset="0"/>
+              <a:buNone/>
+              <a:defRPr sz="1600" kern="1200">
+                <a:solidFill>
+                  <a:schemeClr val="tx1">
+                    <a:tint val="75000"/>
+                  </a:schemeClr>
+                </a:solidFill>
+                <a:latin typeface="+mj-lt"/>
+                <a:ea typeface="+mn-ea"/>
+                <a:cs typeface="+mn-cs"/>
+              </a:defRPr>
+            </a:lvl4pPr>
+            <a:lvl5pPr marL="1828800" indent="0" algn="ctr" defTabSz="914400" rtl="0" eaLnBrk="1" latinLnBrk="0" hangingPunct="1">
+              <a:spcBef>
+                <a:spcPct val="20000"/>
+              </a:spcBef>
+              <a:buFont typeface="Arial" pitchFamily="34" charset="0"/>
+              <a:buNone/>
+              <a:defRPr sz="1600" kern="1200">
+                <a:solidFill>
+                  <a:schemeClr val="tx1">
+                    <a:tint val="75000"/>
+                  </a:schemeClr>
+                </a:solidFill>
+                <a:latin typeface="+mj-lt"/>
+                <a:ea typeface="+mn-ea"/>
+                <a:cs typeface="+mn-cs"/>
+              </a:defRPr>
+            </a:lvl5pPr>
+            <a:lvl6pPr marL="2286000" indent="0" algn="ctr" defTabSz="914400" rtl="0" eaLnBrk="1" latinLnBrk="0" hangingPunct="1">
+              <a:spcBef>
+                <a:spcPct val="20000"/>
+              </a:spcBef>
+              <a:buFont typeface="Courier New" pitchFamily="49" charset="0"/>
+              <a:buNone/>
+              <a:defRPr sz="1600" kern="1200">
+                <a:solidFill>
+                  <a:schemeClr val="tx1">
+                    <a:tint val="75000"/>
+                  </a:schemeClr>
+                </a:solidFill>
+                <a:latin typeface="+mj-lt"/>
+                <a:ea typeface="+mn-ea"/>
+                <a:cs typeface="+mn-cs"/>
+              </a:defRPr>
+            </a:lvl6pPr>
+            <a:lvl7pPr marL="2743200" indent="0" algn="ctr" defTabSz="914400" rtl="0" eaLnBrk="1" latinLnBrk="0" hangingPunct="1">
+              <a:spcBef>
+                <a:spcPct val="20000"/>
+              </a:spcBef>
+              <a:buFont typeface="Arial" pitchFamily="34" charset="0"/>
+              <a:buNone/>
+              <a:defRPr sz="1600" kern="1200">
+                <a:solidFill>
+                  <a:schemeClr val="tx1">
+                    <a:tint val="75000"/>
+                  </a:schemeClr>
+                </a:solidFill>
+                <a:latin typeface="+mj-lt"/>
+                <a:ea typeface="+mn-ea"/>
+                <a:cs typeface="+mn-cs"/>
+              </a:defRPr>
+            </a:lvl7pPr>
+            <a:lvl8pPr marL="3200400" indent="0" algn="ctr" defTabSz="914400" rtl="0" eaLnBrk="1" latinLnBrk="0" hangingPunct="1">
+              <a:spcBef>
+                <a:spcPct val="20000"/>
+              </a:spcBef>
+              <a:buFont typeface="Courier New" pitchFamily="49" charset="0"/>
+              <a:buNone/>
+              <a:defRPr sz="1600" kern="1200">
+                <a:solidFill>
+                  <a:schemeClr val="tx1">
+                    <a:tint val="75000"/>
+                  </a:schemeClr>
+                </a:solidFill>
+                <a:latin typeface="+mj-lt"/>
+                <a:ea typeface="+mn-ea"/>
+                <a:cs typeface="+mn-cs"/>
+              </a:defRPr>
+            </a:lvl8pPr>
+            <a:lvl9pPr marL="3657600" indent="0" algn="ctr" defTabSz="914400" rtl="0" eaLnBrk="1" latinLnBrk="0" hangingPunct="1">
+              <a:spcBef>
+                <a:spcPct val="20000"/>
+              </a:spcBef>
+              <a:buFont typeface="Arial" pitchFamily="34" charset="0"/>
+              <a:buNone/>
+              <a:defRPr sz="1600" kern="1200">
+                <a:solidFill>
+                  <a:schemeClr val="tx1">
+                    <a:tint val="75000"/>
+                  </a:schemeClr>
+                </a:solidFill>
+                <a:latin typeface="+mj-lt"/>
+                <a:ea typeface="+mn-ea"/>
+                <a:cs typeface="+mn-cs"/>
+              </a:defRPr>
+            </a:lvl9pPr>
+          </a:lstStyle>
+          <a:p>
+            <a:pPr algn="l"/>
+            <a:r>
               <a:rPr lang="en-US" sz="2800" dirty="0" smtClean="0"/>
-              <a:t>Code Demo</a:t>
+              <a:t>How can we make it better?</a:t>
             </a:r>
           </a:p>
         </p:txBody>
@@ -9436,7 +10161,7 @@
     </p:spTree>
     <p:extLst>
       <p:ext uri="{BB962C8B-B14F-4D97-AF65-F5344CB8AC3E}">
-        <p14:creationId xmlns:p14="http://schemas.microsoft.com/office/powerpoint/2010/main" val="2904839594"/>
+        <p14:creationId xmlns:p14="http://schemas.microsoft.com/office/powerpoint/2010/main" val="1277828346"/>
       </p:ext>
     </p:extLst>
   </p:cSld>
@@ -9475,8 +10200,8 @@
         </p:nvSpPr>
         <p:spPr>
           <a:xfrm>
-            <a:off x="685800" y="228600"/>
-            <a:ext cx="7772400" cy="685800"/>
+            <a:off x="152400" y="838200"/>
+            <a:ext cx="9906000" cy="685800"/>
           </a:xfrm>
         </p:spPr>
         <p:txBody>
@@ -9485,17 +10210,24 @@
           <a:p>
             <a:pPr algn="l"/>
             <a:r>
+              <a:rPr lang="en-US" sz="4000" dirty="0"/>
+              <a:t>Code Review Patterns </a:t>
+            </a:r>
+            <a:r>
               <a:rPr lang="en-US" sz="4000" dirty="0" smtClean="0"/>
-              <a:t>Code Review Patterns (</a:t>
-            </a:r>
-            <a:r>
-              <a:rPr lang="en-US" sz="4000" dirty="0" err="1" smtClean="0"/>
-              <a:t>cont</a:t>
+              <a:t>– </a:t>
             </a:r>
             <a:r>
               <a:rPr lang="en-US" sz="4000" dirty="0" smtClean="0"/>
-              <a:t>)</a:t>
-            </a:r>
+              <a:t>Testable</a:t>
+            </a:r>
+            <a:r>
+              <a:rPr lang="en-US" sz="4000" dirty="0" smtClean="0"/>
+              <a:t/>
+            </a:r>
+            <a:br>
+              <a:rPr lang="en-US" sz="4000" dirty="0" smtClean="0"/>
+            </a:br>
             <a:endParaRPr lang="en-US" sz="4000" dirty="0"/>
           </a:p>
         </p:txBody>
@@ -9510,14 +10242,19 @@
             <p:ph type="dt" sz="half" idx="10"/>
           </p:nvPr>
         </p:nvSpPr>
-        <p:spPr/>
+        <p:spPr>
+          <a:xfrm>
+            <a:off x="6363347" y="7864475"/>
+            <a:ext cx="2085975" cy="365125"/>
+          </a:xfrm>
+        </p:spPr>
         <p:txBody>
           <a:bodyPr/>
           <a:lstStyle/>
           <a:p>
             <a:fld id="{216C5678-EE20-4FA5-88E2-6E0BD67A2E26}" type="datetime1">
               <a:rPr lang="en-US" smtClean="0"/>
-              <a:t>3/19/2016</a:t>
+              <a:t>3/20/2016</a:t>
             </a:fld>
             <a:endParaRPr lang="en-US" dirty="0"/>
           </a:p>
@@ -9533,7 +10270,12 @@
             <p:ph type="sldNum" sz="quarter" idx="11"/>
           </p:nvPr>
         </p:nvSpPr>
-        <p:spPr/>
+        <p:spPr>
+          <a:xfrm>
+            <a:off x="8543278" y="7864475"/>
+            <a:ext cx="561975" cy="365125"/>
+          </a:xfrm>
+        </p:spPr>
         <p:txBody>
           <a:bodyPr/>
           <a:lstStyle/>
@@ -9557,53 +10299,27 @@
             <p:ph type="ftr" sz="quarter" idx="12"/>
           </p:nvPr>
         </p:nvSpPr>
-        <p:spPr/>
-        <p:txBody>
-          <a:bodyPr/>
-          <a:lstStyle/>
-          <a:p>
-            <a:r>
-              <a:rPr lang="en-US" smtClean="0"/>
-              <a:t>Footer Text</a:t>
-            </a:r>
-            <a:endParaRPr lang="en-US" dirty="0"/>
-          </a:p>
-        </p:txBody>
-      </p:sp>
-      <p:sp>
-        <p:nvSpPr>
-          <p:cNvPr id="8" name="Subtitle 2"/>
-          <p:cNvSpPr>
-            <a:spLocks noGrp="1"/>
-          </p:cNvSpPr>
-          <p:nvPr>
-            <p:ph type="subTitle" idx="1"/>
-          </p:nvPr>
-        </p:nvSpPr>
         <p:spPr>
           <a:xfrm>
-            <a:off x="228600" y="1066800"/>
-            <a:ext cx="7315200" cy="685800"/>
+            <a:off x="659165" y="7864475"/>
+            <a:ext cx="2847975" cy="365125"/>
           </a:xfrm>
         </p:spPr>
         <p:txBody>
-          <a:bodyPr>
-            <a:noAutofit/>
-          </a:bodyPr>
-          <a:lstStyle/>
-          <a:p>
-            <a:pPr algn="l"/>
-            <a:r>
-              <a:rPr lang="en-US" sz="3200" b="1" u="sng" dirty="0" smtClean="0"/>
-              <a:t>Readability</a:t>
-            </a:r>
-            <a:endParaRPr lang="en-US" sz="3200" b="1" u="sng" dirty="0"/>
-          </a:p>
-        </p:txBody>
-      </p:sp>
-      <p:sp>
-        <p:nvSpPr>
-          <p:cNvPr id="7" name="Subtitle 6"/>
+          <a:bodyPr/>
+          <a:lstStyle/>
+          <a:p>
+            <a:r>
+              <a:rPr lang="en-US" smtClean="0"/>
+              <a:t>Footer Text</a:t>
+            </a:r>
+            <a:endParaRPr lang="en-US" dirty="0"/>
+          </a:p>
+        </p:txBody>
+      </p:sp>
+      <p:sp>
+        <p:nvSpPr>
+          <p:cNvPr id="12" name="Subtitle 6"/>
           <p:cNvSpPr txBox="1">
             <a:spLocks/>
           </p:cNvSpPr>
@@ -9611,8 +10327,8 @@
         </p:nvSpPr>
         <p:spPr>
           <a:xfrm>
-            <a:off x="573183" y="1676400"/>
-            <a:ext cx="7854368" cy="4648200"/>
+            <a:off x="304800" y="990600"/>
+            <a:ext cx="8418417" cy="4648200"/>
           </a:xfrm>
           <a:prstGeom prst="rect">
             <a:avLst/>
@@ -9784,8 +10500,41 @@
             </a:pPr>
             <a:r>
               <a:rPr lang="en-US" sz="2800" dirty="0" smtClean="0"/>
-              <a:t>Xx</a:t>
-            </a:r>
+              <a:t>Make liberal use of Dependency Injection and </a:t>
+            </a:r>
+            <a:r>
+              <a:rPr lang="en-US" sz="2800" dirty="0" err="1" smtClean="0"/>
+              <a:t>IoC</a:t>
+            </a:r>
+            <a:r>
+              <a:rPr lang="en-US" sz="2800" dirty="0" smtClean="0"/>
+              <a:t> Container (</a:t>
+            </a:r>
+            <a:r>
+              <a:rPr lang="en-US" sz="2800" dirty="0" err="1" smtClean="0"/>
+              <a:t>eg</a:t>
+            </a:r>
+            <a:r>
+              <a:rPr lang="en-US" sz="2800" dirty="0" smtClean="0"/>
+              <a:t> Spring, </a:t>
+            </a:r>
+            <a:r>
+              <a:rPr lang="en-US" sz="2800" dirty="0" err="1" smtClean="0"/>
+              <a:t>Ninject</a:t>
+            </a:r>
+            <a:r>
+              <a:rPr lang="en-US" sz="2800" dirty="0" smtClean="0"/>
+              <a:t>, </a:t>
+            </a:r>
+            <a:r>
+              <a:rPr lang="en-US" sz="2800" dirty="0" err="1" smtClean="0"/>
+              <a:t>etc</a:t>
+            </a:r>
+            <a:r>
+              <a:rPr lang="en-US" sz="2800" dirty="0" smtClean="0"/>
+              <a:t>)</a:t>
+            </a:r>
+            <a:endParaRPr lang="en-US" sz="2800" dirty="0" smtClean="0"/>
           </a:p>
           <a:p>
             <a:pPr marL="342900" indent="-342900" algn="l">
@@ -9794,15 +10543,43 @@
             </a:pPr>
             <a:r>
               <a:rPr lang="en-US" sz="2800" dirty="0" smtClean="0"/>
-              <a:t>Code Demo</a:t>
-            </a:r>
+              <a:t>Externalize “heavy weight” dependency.</a:t>
+            </a:r>
+          </a:p>
+          <a:p>
+            <a:pPr marL="342900" indent="-342900" algn="l">
+              <a:buFont typeface="Arial" panose="020B0604020202020204" pitchFamily="34" charset="0"/>
+              <a:buChar char="•"/>
+            </a:pPr>
+            <a:r>
+              <a:rPr lang="en-US" sz="2800" dirty="0" smtClean="0"/>
+              <a:t>Use “mocks”.</a:t>
+            </a:r>
+          </a:p>
+          <a:p>
+            <a:pPr marL="342900" indent="-342900" algn="l">
+              <a:buFont typeface="Arial" panose="020B0604020202020204" pitchFamily="34" charset="0"/>
+              <a:buChar char="•"/>
+            </a:pPr>
+            <a:r>
+              <a:rPr lang="en-US" sz="2800" smtClean="0"/>
+              <a:t>Code Demo.</a:t>
+            </a:r>
+            <a:endParaRPr lang="en-US" sz="2800" dirty="0"/>
+          </a:p>
+          <a:p>
+            <a:pPr marL="342900" indent="-342900" algn="l">
+              <a:buFont typeface="Arial" panose="020B0604020202020204" pitchFamily="34" charset="0"/>
+              <a:buChar char="•"/>
+            </a:pPr>
+            <a:endParaRPr lang="en-US" sz="2800" dirty="0" smtClean="0"/>
           </a:p>
         </p:txBody>
       </p:sp>
     </p:spTree>
     <p:extLst>
       <p:ext uri="{BB962C8B-B14F-4D97-AF65-F5344CB8AC3E}">
-        <p14:creationId xmlns:p14="http://schemas.microsoft.com/office/powerpoint/2010/main" val="1874786891"/>
+        <p14:creationId xmlns:p14="http://schemas.microsoft.com/office/powerpoint/2010/main" val="2314830792"/>
       </p:ext>
     </p:extLst>
   </p:cSld>
@@ -9852,17 +10629,79 @@
             <a:pPr algn="l"/>
             <a:r>
               <a:rPr lang="en-US" sz="4000" dirty="0" smtClean="0"/>
-              <a:t>Code Review Patterns (</a:t>
-            </a:r>
-            <a:r>
-              <a:rPr lang="en-US" sz="4000" dirty="0" err="1" smtClean="0"/>
-              <a:t>cont</a:t>
-            </a:r>
-            <a:r>
-              <a:rPr lang="en-US" sz="4000" dirty="0" smtClean="0"/>
-              <a:t>)</a:t>
+              <a:t>Conclusion</a:t>
             </a:r>
             <a:endParaRPr lang="en-US" sz="4000" dirty="0"/>
+          </a:p>
+        </p:txBody>
+      </p:sp>
+      <p:sp>
+        <p:nvSpPr>
+          <p:cNvPr id="3" name="Subtitle 2"/>
+          <p:cNvSpPr>
+            <a:spLocks noGrp="1"/>
+          </p:cNvSpPr>
+          <p:nvPr>
+            <p:ph type="subTitle" idx="1"/>
+          </p:nvPr>
+        </p:nvSpPr>
+        <p:spPr>
+          <a:xfrm>
+            <a:off x="762000" y="1219200"/>
+            <a:ext cx="7315200" cy="4343400"/>
+          </a:xfrm>
+        </p:spPr>
+        <p:txBody>
+          <a:bodyPr>
+            <a:noAutofit/>
+          </a:bodyPr>
+          <a:lstStyle/>
+          <a:p>
+            <a:pPr marL="342900" indent="-342900" algn="l">
+              <a:buFont typeface="Arial" panose="020B0604020202020204" pitchFamily="34" charset="0"/>
+              <a:buChar char="•"/>
+            </a:pPr>
+            <a:r>
+              <a:rPr lang="en-US" sz="3200" dirty="0" smtClean="0"/>
+              <a:t>Discussed the 3 </a:t>
+            </a:r>
+            <a:r>
+              <a:rPr lang="en-US" sz="3200" dirty="0" err="1" smtClean="0"/>
+              <a:t>Ws</a:t>
+            </a:r>
+            <a:r>
+              <a:rPr lang="en-US" sz="3200" dirty="0" smtClean="0"/>
+              <a:t> and How.</a:t>
+            </a:r>
+          </a:p>
+          <a:p>
+            <a:pPr marL="342900" indent="-342900" algn="l">
+              <a:buFont typeface="Arial" panose="020B0604020202020204" pitchFamily="34" charset="0"/>
+              <a:buChar char="•"/>
+            </a:pPr>
+            <a:r>
+              <a:rPr lang="en-US" sz="3200" dirty="0" smtClean="0"/>
+              <a:t>Discussed the pros and cons of three review approaches.</a:t>
+            </a:r>
+          </a:p>
+          <a:p>
+            <a:pPr marL="342900" indent="-342900" algn="l">
+              <a:buFont typeface="Arial" panose="020B0604020202020204" pitchFamily="34" charset="0"/>
+              <a:buChar char="•"/>
+            </a:pPr>
+            <a:r>
+              <a:rPr lang="en-US" sz="3200" dirty="0" smtClean="0"/>
+              <a:t>Discussed various code review patterns and </a:t>
+            </a:r>
+            <a:r>
+              <a:rPr lang="en-US" sz="3200" dirty="0" err="1" smtClean="0"/>
+              <a:t>gotchas</a:t>
+            </a:r>
+            <a:r>
+              <a:rPr lang="en-US" sz="3200" smtClean="0"/>
+              <a:t>.</a:t>
+            </a:r>
+            <a:endParaRPr lang="en-US" sz="3200" dirty="0"/>
           </a:p>
         </p:txBody>
       </p:sp>
@@ -9936,239 +10775,10 @@
           </a:p>
         </p:txBody>
       </p:sp>
-      <p:sp>
-        <p:nvSpPr>
-          <p:cNvPr id="8" name="Subtitle 2"/>
-          <p:cNvSpPr>
-            <a:spLocks noGrp="1"/>
-          </p:cNvSpPr>
-          <p:nvPr>
-            <p:ph type="subTitle" idx="1"/>
-          </p:nvPr>
-        </p:nvSpPr>
-        <p:spPr>
-          <a:xfrm>
-            <a:off x="228600" y="1066800"/>
-            <a:ext cx="7315200" cy="685800"/>
-          </a:xfrm>
-        </p:spPr>
-        <p:txBody>
-          <a:bodyPr>
-            <a:noAutofit/>
-          </a:bodyPr>
-          <a:lstStyle/>
-          <a:p>
-            <a:pPr algn="l"/>
-            <a:r>
-              <a:rPr lang="en-US" sz="3200" b="1" u="sng" dirty="0" err="1" smtClean="0"/>
-              <a:t>Misc</a:t>
-            </a:r>
-            <a:endParaRPr lang="en-US" sz="3200" b="1" u="sng" dirty="0"/>
-          </a:p>
-        </p:txBody>
-      </p:sp>
-      <p:sp>
-        <p:nvSpPr>
-          <p:cNvPr id="7" name="Subtitle 6"/>
-          <p:cNvSpPr txBox="1">
-            <a:spLocks/>
-          </p:cNvSpPr>
-          <p:nvPr/>
-        </p:nvSpPr>
-        <p:spPr>
-          <a:xfrm>
-            <a:off x="573183" y="1676400"/>
-            <a:ext cx="7854368" cy="4648200"/>
-          </a:xfrm>
-          <a:prstGeom prst="rect">
-            <a:avLst/>
-          </a:prstGeom>
-        </p:spPr>
-        <p:txBody>
-          <a:bodyPr vert="horz" lIns="91440" tIns="45720" rIns="91440" bIns="45720" rtlCol="0">
-            <a:normAutofit/>
-          </a:bodyPr>
-          <a:lstStyle>
-            <a:lvl1pPr marL="0" indent="0" algn="ctr" defTabSz="914400" rtl="0" eaLnBrk="1" latinLnBrk="0" hangingPunct="1">
-              <a:spcBef>
-                <a:spcPct val="20000"/>
-              </a:spcBef>
-              <a:buFont typeface="Arial" pitchFamily="34" charset="0"/>
-              <a:buNone/>
-              <a:defRPr sz="2400" kern="1200">
-                <a:solidFill>
-                  <a:schemeClr val="tx1">
-                    <a:tint val="75000"/>
-                  </a:schemeClr>
-                </a:solidFill>
-                <a:latin typeface="+mj-lt"/>
-                <a:ea typeface="+mn-ea"/>
-                <a:cs typeface="+mn-cs"/>
-              </a:defRPr>
-            </a:lvl1pPr>
-            <a:lvl2pPr marL="457200" indent="0" algn="ctr" defTabSz="914400" rtl="0" eaLnBrk="1" latinLnBrk="0" hangingPunct="1">
-              <a:spcBef>
-                <a:spcPct val="20000"/>
-              </a:spcBef>
-              <a:buFont typeface="Courier New" pitchFamily="49" charset="0"/>
-              <a:buNone/>
-              <a:defRPr sz="1600" kern="1200">
-                <a:solidFill>
-                  <a:schemeClr val="tx1">
-                    <a:tint val="75000"/>
-                  </a:schemeClr>
-                </a:solidFill>
-                <a:latin typeface="+mj-lt"/>
-                <a:ea typeface="+mn-ea"/>
-                <a:cs typeface="+mn-cs"/>
-              </a:defRPr>
-            </a:lvl2pPr>
-            <a:lvl3pPr marL="914400" indent="0" algn="ctr" defTabSz="914400" rtl="0" eaLnBrk="1" latinLnBrk="0" hangingPunct="1">
-              <a:spcBef>
-                <a:spcPct val="20000"/>
-              </a:spcBef>
-              <a:buFont typeface="Arial" pitchFamily="34" charset="0"/>
-              <a:buNone/>
-              <a:defRPr sz="1600" kern="1200">
-                <a:solidFill>
-                  <a:schemeClr val="tx1">
-                    <a:tint val="75000"/>
-                  </a:schemeClr>
-                </a:solidFill>
-                <a:latin typeface="+mj-lt"/>
-                <a:ea typeface="+mn-ea"/>
-                <a:cs typeface="+mn-cs"/>
-              </a:defRPr>
-            </a:lvl3pPr>
-            <a:lvl4pPr marL="1371600" indent="0" algn="ctr" defTabSz="914400" rtl="0" eaLnBrk="1" latinLnBrk="0" hangingPunct="1">
-              <a:spcBef>
-                <a:spcPct val="20000"/>
-              </a:spcBef>
-              <a:buFont typeface="Courier New" pitchFamily="49" charset="0"/>
-              <a:buNone/>
-              <a:defRPr sz="1600" kern="1200">
-                <a:solidFill>
-                  <a:schemeClr val="tx1">
-                    <a:tint val="75000"/>
-                  </a:schemeClr>
-                </a:solidFill>
-                <a:latin typeface="+mj-lt"/>
-                <a:ea typeface="+mn-ea"/>
-                <a:cs typeface="+mn-cs"/>
-              </a:defRPr>
-            </a:lvl4pPr>
-            <a:lvl5pPr marL="1828800" indent="0" algn="ctr" defTabSz="914400" rtl="0" eaLnBrk="1" latinLnBrk="0" hangingPunct="1">
-              <a:spcBef>
-                <a:spcPct val="20000"/>
-              </a:spcBef>
-              <a:buFont typeface="Arial" pitchFamily="34" charset="0"/>
-              <a:buNone/>
-              <a:defRPr sz="1600" kern="1200">
-                <a:solidFill>
-                  <a:schemeClr val="tx1">
-                    <a:tint val="75000"/>
-                  </a:schemeClr>
-                </a:solidFill>
-                <a:latin typeface="+mj-lt"/>
-                <a:ea typeface="+mn-ea"/>
-                <a:cs typeface="+mn-cs"/>
-              </a:defRPr>
-            </a:lvl5pPr>
-            <a:lvl6pPr marL="2286000" indent="0" algn="ctr" defTabSz="914400" rtl="0" eaLnBrk="1" latinLnBrk="0" hangingPunct="1">
-              <a:spcBef>
-                <a:spcPct val="20000"/>
-              </a:spcBef>
-              <a:buFont typeface="Courier New" pitchFamily="49" charset="0"/>
-              <a:buNone/>
-              <a:defRPr sz="1600" kern="1200">
-                <a:solidFill>
-                  <a:schemeClr val="tx1">
-                    <a:tint val="75000"/>
-                  </a:schemeClr>
-                </a:solidFill>
-                <a:latin typeface="+mj-lt"/>
-                <a:ea typeface="+mn-ea"/>
-                <a:cs typeface="+mn-cs"/>
-              </a:defRPr>
-            </a:lvl6pPr>
-            <a:lvl7pPr marL="2743200" indent="0" algn="ctr" defTabSz="914400" rtl="0" eaLnBrk="1" latinLnBrk="0" hangingPunct="1">
-              <a:spcBef>
-                <a:spcPct val="20000"/>
-              </a:spcBef>
-              <a:buFont typeface="Arial" pitchFamily="34" charset="0"/>
-              <a:buNone/>
-              <a:defRPr sz="1600" kern="1200">
-                <a:solidFill>
-                  <a:schemeClr val="tx1">
-                    <a:tint val="75000"/>
-                  </a:schemeClr>
-                </a:solidFill>
-                <a:latin typeface="+mj-lt"/>
-                <a:ea typeface="+mn-ea"/>
-                <a:cs typeface="+mn-cs"/>
-              </a:defRPr>
-            </a:lvl7pPr>
-            <a:lvl8pPr marL="3200400" indent="0" algn="ctr" defTabSz="914400" rtl="0" eaLnBrk="1" latinLnBrk="0" hangingPunct="1">
-              <a:spcBef>
-                <a:spcPct val="20000"/>
-              </a:spcBef>
-              <a:buFont typeface="Courier New" pitchFamily="49" charset="0"/>
-              <a:buNone/>
-              <a:defRPr sz="1600" kern="1200">
-                <a:solidFill>
-                  <a:schemeClr val="tx1">
-                    <a:tint val="75000"/>
-                  </a:schemeClr>
-                </a:solidFill>
-                <a:latin typeface="+mj-lt"/>
-                <a:ea typeface="+mn-ea"/>
-                <a:cs typeface="+mn-cs"/>
-              </a:defRPr>
-            </a:lvl8pPr>
-            <a:lvl9pPr marL="3657600" indent="0" algn="ctr" defTabSz="914400" rtl="0" eaLnBrk="1" latinLnBrk="0" hangingPunct="1">
-              <a:spcBef>
-                <a:spcPct val="20000"/>
-              </a:spcBef>
-              <a:buFont typeface="Arial" pitchFamily="34" charset="0"/>
-              <a:buNone/>
-              <a:defRPr sz="1600" kern="1200">
-                <a:solidFill>
-                  <a:schemeClr val="tx1">
-                    <a:tint val="75000"/>
-                  </a:schemeClr>
-                </a:solidFill>
-                <a:latin typeface="+mj-lt"/>
-                <a:ea typeface="+mn-ea"/>
-                <a:cs typeface="+mn-cs"/>
-              </a:defRPr>
-            </a:lvl9pPr>
-          </a:lstStyle>
-          <a:p>
-            <a:pPr marL="342900" indent="-342900" algn="l">
-              <a:buFont typeface="Arial" panose="020B0604020202020204" pitchFamily="34" charset="0"/>
-              <a:buChar char="•"/>
-            </a:pPr>
-            <a:r>
-              <a:rPr lang="en-US" sz="2800" dirty="0" smtClean="0"/>
-              <a:t>Xx</a:t>
-            </a:r>
-          </a:p>
-          <a:p>
-            <a:pPr marL="342900" indent="-342900" algn="l">
-              <a:buFont typeface="Arial" panose="020B0604020202020204" pitchFamily="34" charset="0"/>
-              <a:buChar char="•"/>
-            </a:pPr>
-            <a:r>
-              <a:rPr lang="en-US" sz="2800" dirty="0" smtClean="0"/>
-              <a:t>Code Demo</a:t>
-            </a:r>
-          </a:p>
-        </p:txBody>
-      </p:sp>
     </p:spTree>
     <p:extLst>
       <p:ext uri="{BB962C8B-B14F-4D97-AF65-F5344CB8AC3E}">
-        <p14:creationId xmlns:p14="http://schemas.microsoft.com/office/powerpoint/2010/main" val="3192479005"/>
+        <p14:creationId xmlns:p14="http://schemas.microsoft.com/office/powerpoint/2010/main" val="2740892730"/>
       </p:ext>
     </p:extLst>
   </p:cSld>
@@ -10218,7 +10828,7 @@
             <a:pPr algn="l"/>
             <a:r>
               <a:rPr lang="en-US" sz="4000" dirty="0" smtClean="0"/>
-              <a:t>Conclusion</a:t>
+              <a:t>xx</a:t>
             </a:r>
             <a:endParaRPr lang="en-US" sz="4000" dirty="0"/>
           </a:p>
@@ -10250,46 +10860,6 @@
               <a:buFont typeface="Arial" panose="020B0604020202020204" pitchFamily="34" charset="0"/>
               <a:buChar char="•"/>
             </a:pPr>
-            <a:r>
-              <a:rPr lang="en-US" sz="3200" dirty="0" smtClean="0"/>
-              <a:t>Discussed the 3 </a:t>
-            </a:r>
-            <a:r>
-              <a:rPr lang="en-US" sz="3200" dirty="0" err="1" smtClean="0"/>
-              <a:t>Ws</a:t>
-            </a:r>
-            <a:r>
-              <a:rPr lang="en-US" sz="3200" dirty="0" smtClean="0"/>
-              <a:t> and How.</a:t>
-            </a:r>
-          </a:p>
-          <a:p>
-            <a:pPr marL="342900" indent="-342900" algn="l">
-              <a:buFont typeface="Arial" panose="020B0604020202020204" pitchFamily="34" charset="0"/>
-              <a:buChar char="•"/>
-            </a:pPr>
-            <a:r>
-              <a:rPr lang="en-US" sz="3200" dirty="0" smtClean="0"/>
-              <a:t>Discussed the pros and cons of three review approaches.</a:t>
-            </a:r>
-          </a:p>
-          <a:p>
-            <a:pPr marL="342900" indent="-342900" algn="l">
-              <a:buFont typeface="Arial" panose="020B0604020202020204" pitchFamily="34" charset="0"/>
-              <a:buChar char="•"/>
-            </a:pPr>
-            <a:r>
-              <a:rPr lang="en-US" sz="3200" dirty="0" smtClean="0"/>
-              <a:t>Discussed various code review patterns and </a:t>
-            </a:r>
-            <a:r>
-              <a:rPr lang="en-US" sz="3200" dirty="0" err="1" smtClean="0"/>
-              <a:t>gotchas</a:t>
-            </a:r>
-            <a:r>
-              <a:rPr lang="en-US" sz="3200" smtClean="0"/>
-              <a:t>.</a:t>
-            </a:r>
             <a:endParaRPr lang="en-US" sz="3200" dirty="0"/>
           </a:p>
         </p:txBody>
@@ -10367,7 +10937,7 @@
     </p:spTree>
     <p:extLst>
       <p:ext uri="{BB962C8B-B14F-4D97-AF65-F5344CB8AC3E}">
-        <p14:creationId xmlns:p14="http://schemas.microsoft.com/office/powerpoint/2010/main" val="2740892730"/>
+        <p14:creationId xmlns:p14="http://schemas.microsoft.com/office/powerpoint/2010/main" val="2547404136"/>
       </p:ext>
     </p:extLst>
   </p:cSld>
@@ -10407,7 +10977,7 @@
         <p:spPr>
           <a:xfrm>
             <a:off x="685800" y="228600"/>
-            <a:ext cx="7772400" cy="685800"/>
+            <a:ext cx="8458200" cy="685800"/>
           </a:xfrm>
         </p:spPr>
         <p:txBody>
@@ -10417,39 +10987,9 @@
             <a:pPr algn="l"/>
             <a:r>
               <a:rPr lang="en-US" sz="4000" dirty="0" smtClean="0"/>
-              <a:t>xx</a:t>
+              <a:t>Conclusion</a:t>
             </a:r>
             <a:endParaRPr lang="en-US" sz="4000" dirty="0"/>
-          </a:p>
-        </p:txBody>
-      </p:sp>
-      <p:sp>
-        <p:nvSpPr>
-          <p:cNvPr id="3" name="Subtitle 2"/>
-          <p:cNvSpPr>
-            <a:spLocks noGrp="1"/>
-          </p:cNvSpPr>
-          <p:nvPr>
-            <p:ph type="subTitle" idx="1"/>
-          </p:nvPr>
-        </p:nvSpPr>
-        <p:spPr>
-          <a:xfrm>
-            <a:off x="762000" y="1219200"/>
-            <a:ext cx="7315200" cy="4343400"/>
-          </a:xfrm>
-        </p:spPr>
-        <p:txBody>
-          <a:bodyPr>
-            <a:noAutofit/>
-          </a:bodyPr>
-          <a:lstStyle/>
-          <a:p>
-            <a:pPr marL="342900" indent="-342900" algn="l">
-              <a:buFont typeface="Arial" panose="020B0604020202020204" pitchFamily="34" charset="0"/>
-              <a:buChar char="•"/>
-            </a:pPr>
-            <a:endParaRPr lang="en-US" sz="3200" dirty="0"/>
           </a:p>
         </p:txBody>
       </p:sp>
@@ -10495,135 +11035,6 @@
               <a:rPr lang="en-US" smtClean="0"/>
               <a:pPr/>
               <a:t>24</a:t>
-            </a:fld>
-            <a:endParaRPr lang="en-US" dirty="0"/>
-          </a:p>
-        </p:txBody>
-      </p:sp>
-      <p:sp>
-        <p:nvSpPr>
-          <p:cNvPr id="6" name="Footer Placeholder 5"/>
-          <p:cNvSpPr>
-            <a:spLocks noGrp="1"/>
-          </p:cNvSpPr>
-          <p:nvPr>
-            <p:ph type="ftr" sz="quarter" idx="12"/>
-          </p:nvPr>
-        </p:nvSpPr>
-        <p:spPr/>
-        <p:txBody>
-          <a:bodyPr/>
-          <a:lstStyle/>
-          <a:p>
-            <a:r>
-              <a:rPr lang="en-US" smtClean="0"/>
-              <a:t>Footer Text</a:t>
-            </a:r>
-            <a:endParaRPr lang="en-US" dirty="0"/>
-          </a:p>
-        </p:txBody>
-      </p:sp>
-    </p:spTree>
-    <p:extLst>
-      <p:ext uri="{BB962C8B-B14F-4D97-AF65-F5344CB8AC3E}">
-        <p14:creationId xmlns:p14="http://schemas.microsoft.com/office/powerpoint/2010/main" val="2547404136"/>
-      </p:ext>
-    </p:extLst>
-  </p:cSld>
-  <p:clrMapOvr>
-    <a:masterClrMapping/>
-  </p:clrMapOvr>
-</p:sld>
-</file>
-
-<file path=ppt/slides/slide25.xml><?xml version="1.0" encoding="utf-8"?>
-<p:sld xmlns:a="http://schemas.openxmlformats.org/drawingml/2006/main" xmlns:r="http://schemas.openxmlformats.org/officeDocument/2006/relationships" xmlns:p="http://schemas.openxmlformats.org/presentationml/2006/main">
-  <p:cSld>
-    <p:spTree>
-      <p:nvGrpSpPr>
-        <p:cNvPr id="1" name=""/>
-        <p:cNvGrpSpPr/>
-        <p:nvPr/>
-      </p:nvGrpSpPr>
-      <p:grpSpPr>
-        <a:xfrm>
-          <a:off x="0" y="0"/>
-          <a:ext cx="0" cy="0"/>
-          <a:chOff x="0" y="0"/>
-          <a:chExt cx="0" cy="0"/>
-        </a:xfrm>
-      </p:grpSpPr>
-      <p:sp>
-        <p:nvSpPr>
-          <p:cNvPr id="2" name="Title 1"/>
-          <p:cNvSpPr>
-            <a:spLocks noGrp="1"/>
-          </p:cNvSpPr>
-          <p:nvPr>
-            <p:ph type="ctrTitle"/>
-          </p:nvPr>
-        </p:nvSpPr>
-        <p:spPr>
-          <a:xfrm>
-            <a:off x="685800" y="228600"/>
-            <a:ext cx="8458200" cy="685800"/>
-          </a:xfrm>
-        </p:spPr>
-        <p:txBody>
-          <a:bodyPr/>
-          <a:lstStyle/>
-          <a:p>
-            <a:pPr algn="l"/>
-            <a:r>
-              <a:rPr lang="en-US" sz="4000" dirty="0" smtClean="0"/>
-              <a:t>Conclusion</a:t>
-            </a:r>
-            <a:endParaRPr lang="en-US" sz="4000" dirty="0"/>
-          </a:p>
-        </p:txBody>
-      </p:sp>
-      <p:sp>
-        <p:nvSpPr>
-          <p:cNvPr id="4" name="Date Placeholder 3"/>
-          <p:cNvSpPr>
-            <a:spLocks noGrp="1"/>
-          </p:cNvSpPr>
-          <p:nvPr>
-            <p:ph type="dt" sz="half" idx="10"/>
-          </p:nvPr>
-        </p:nvSpPr>
-        <p:spPr/>
-        <p:txBody>
-          <a:bodyPr/>
-          <a:lstStyle/>
-          <a:p>
-            <a:fld id="{216C5678-EE20-4FA5-88E2-6E0BD67A2E26}" type="datetime1">
-              <a:rPr lang="en-US" smtClean="0"/>
-              <a:t>3/19/2016</a:t>
-            </a:fld>
-            <a:endParaRPr lang="en-US" dirty="0"/>
-          </a:p>
-        </p:txBody>
-      </p:sp>
-      <p:sp>
-        <p:nvSpPr>
-          <p:cNvPr id="5" name="Slide Number Placeholder 4"/>
-          <p:cNvSpPr>
-            <a:spLocks noGrp="1"/>
-          </p:cNvSpPr>
-          <p:nvPr>
-            <p:ph type="sldNum" sz="quarter" idx="11"/>
-          </p:nvPr>
-        </p:nvSpPr>
-        <p:spPr/>
-        <p:txBody>
-          <a:bodyPr/>
-          <a:lstStyle/>
-          <a:p>
-            <a:fld id="{BA9B540C-44DA-4F69-89C9-7C84606640D3}" type="slidenum">
-              <a:rPr lang="en-US" smtClean="0"/>
-              <a:pPr/>
-              <a:t>25</a:t>
             </a:fld>
             <a:endParaRPr lang="en-US" dirty="0"/>
           </a:p>

--- a/codereview/tech-presentation-effective-codereview.pptx
+++ b/codereview/tech-presentation-effective-codereview.pptx
@@ -5,7 +5,7 @@
     <p:sldMasterId id="2147483648" r:id="rId1"/>
   </p:sldMasterIdLst>
   <p:notesMasterIdLst>
-    <p:notesMasterId r:id="rId26"/>
+    <p:notesMasterId r:id="rId27"/>
   </p:notesMasterIdLst>
   <p:sldIdLst>
     <p:sldId id="256" r:id="rId2"/>
@@ -29,9 +29,10 @@
     <p:sldId id="293" r:id="rId20"/>
     <p:sldId id="294" r:id="rId21"/>
     <p:sldId id="295" r:id="rId22"/>
-    <p:sldId id="271" r:id="rId23"/>
-    <p:sldId id="272" r:id="rId24"/>
-    <p:sldId id="267" r:id="rId25"/>
+    <p:sldId id="296" r:id="rId23"/>
+    <p:sldId id="298" r:id="rId24"/>
+    <p:sldId id="297" r:id="rId25"/>
+    <p:sldId id="271" r:id="rId26"/>
   </p:sldIdLst>
   <p:sldSz cx="9144000" cy="6858000" type="screen4x3"/>
   <p:notesSz cx="6858000" cy="9144000"/>
@@ -231,7 +232,7 @@
           <a:p>
             <a:fld id="{436134EC-835B-48D8-BDB5-96D4A8A8ACE7}" type="datetimeFigureOut">
               <a:rPr lang="en-US" smtClean="0"/>
-              <a:t>3/19/2016</a:t>
+              <a:t>3/24/2016</a:t>
             </a:fld>
             <a:endParaRPr lang="en-US"/>
           </a:p>
@@ -981,7 +982,7 @@
           <a:p>
             <a:fld id="{216C5678-EE20-4FA5-88E2-6E0BD67A2E26}" type="datetime1">
               <a:rPr lang="en-US" smtClean="0"/>
-              <a:t>3/19/2016</a:t>
+              <a:t>3/24/2016</a:t>
             </a:fld>
             <a:endParaRPr lang="en-US" dirty="0"/>
           </a:p>
@@ -1151,7 +1152,7 @@
           <a:p>
             <a:fld id="{EA051B39-B140-43FE-96DB-472A2B59CE7C}" type="datetime1">
               <a:rPr lang="en-US" smtClean="0"/>
-              <a:t>3/19/2016</a:t>
+              <a:t>3/24/2016</a:t>
             </a:fld>
             <a:endParaRPr lang="en-US"/>
           </a:p>
@@ -1331,7 +1332,7 @@
           <a:p>
             <a:fld id="{DA600BB2-27C5-458B-ABCE-839C88CF47CE}" type="datetime1">
               <a:rPr lang="en-US" smtClean="0"/>
-              <a:t>3/19/2016</a:t>
+              <a:t>3/24/2016</a:t>
             </a:fld>
             <a:endParaRPr lang="en-US"/>
           </a:p>
@@ -1519,7 +1520,7 @@
           <a:p>
             <a:fld id="{B11D738E-8962-435F-8C43-147B8DD7E819}" type="datetime1">
               <a:rPr lang="en-US" smtClean="0"/>
-              <a:t>3/19/2016</a:t>
+              <a:t>3/24/2016</a:t>
             </a:fld>
             <a:endParaRPr lang="en-US"/>
           </a:p>
@@ -1786,7 +1787,7 @@
           <a:p>
             <a:fld id="{09CAEA93-55E7-4DA9-90C2-089A26EEFEC4}" type="datetime1">
               <a:rPr lang="en-US" smtClean="0"/>
-              <a:t>3/19/2016</a:t>
+              <a:t>3/24/2016</a:t>
             </a:fld>
             <a:endParaRPr lang="en-US"/>
           </a:p>
@@ -2139,7 +2140,7 @@
           <a:p>
             <a:fld id="{E34CF3C7-6809-4F39-BD67-A75817BDDE0A}" type="datetime1">
               <a:rPr lang="en-US" smtClean="0"/>
-              <a:t>3/19/2016</a:t>
+              <a:t>3/24/2016</a:t>
             </a:fld>
             <a:endParaRPr lang="en-US"/>
           </a:p>
@@ -2452,7 +2453,7 @@
           <a:p>
             <a:fld id="{F7EAEB24-CE78-465C-A726-91D0868FA48F}" type="datetime1">
               <a:rPr lang="en-US" smtClean="0"/>
-              <a:t>3/19/2016</a:t>
+              <a:t>3/24/2016</a:t>
             </a:fld>
             <a:endParaRPr lang="en-US"/>
           </a:p>
@@ -2684,7 +2685,7 @@
           <a:p>
             <a:fld id="{40BAADF0-1749-4E8B-9691-B44A5F8C0895}" type="datetime1">
               <a:rPr lang="en-US" smtClean="0"/>
-              <a:t>3/19/2016</a:t>
+              <a:t>3/24/2016</a:t>
             </a:fld>
             <a:endParaRPr lang="en-US"/>
           </a:p>
@@ -2779,7 +2780,7 @@
           <a:p>
             <a:fld id="{A8AF628A-A867-4937-BBE5-207DB6F9C51A}" type="datetime1">
               <a:rPr lang="en-US" smtClean="0"/>
-              <a:t>3/19/2016</a:t>
+              <a:t>3/24/2016</a:t>
             </a:fld>
             <a:endParaRPr lang="en-US"/>
           </a:p>
@@ -3072,7 +3073,7 @@
           <a:p>
             <a:fld id="{118BBB94-68E6-4675-A946-F1C5994EDBD7}" type="datetime1">
               <a:rPr lang="en-US" smtClean="0"/>
-              <a:t>3/19/2016</a:t>
+              <a:t>3/24/2016</a:t>
             </a:fld>
             <a:endParaRPr lang="en-US"/>
           </a:p>
@@ -3346,7 +3347,7 @@
           <a:p>
             <a:fld id="{DC3B8377-21E3-4835-B75D-4E2847E2750F}" type="datetime1">
               <a:rPr lang="en-US" smtClean="0"/>
-              <a:t>3/19/2016</a:t>
+              <a:t>3/24/2016</a:t>
             </a:fld>
             <a:endParaRPr lang="en-US"/>
           </a:p>
@@ -3561,7 +3562,7 @@
           <a:p>
             <a:fld id="{B0C4986D-6BE9-4264-908F-02DB36FD8D6C}" type="datetime1">
               <a:rPr lang="en-US" smtClean="0"/>
-              <a:t>3/19/2016</a:t>
+              <a:t>3/24/2016</a:t>
             </a:fld>
             <a:endParaRPr lang="en-US" dirty="0"/>
           </a:p>
@@ -4155,7 +4156,7 @@
           <a:p>
             <a:fld id="{216C5678-EE20-4FA5-88E2-6E0BD67A2E26}" type="datetime1">
               <a:rPr lang="en-US" smtClean="0"/>
-              <a:t>3/19/2016</a:t>
+              <a:t>3/24/2016</a:t>
             </a:fld>
             <a:endParaRPr lang="en-US" dirty="0"/>
           </a:p>
@@ -4322,7 +4323,7 @@
           <a:p>
             <a:fld id="{216C5678-EE20-4FA5-88E2-6E0BD67A2E26}" type="datetime1">
               <a:rPr lang="en-US" smtClean="0"/>
-              <a:t>3/19/2016</a:t>
+              <a:t>3/24/2016</a:t>
             </a:fld>
             <a:endParaRPr lang="en-US" dirty="0"/>
           </a:p>
@@ -4964,7 +4965,7 @@
           <a:p>
             <a:fld id="{216C5678-EE20-4FA5-88E2-6E0BD67A2E26}" type="datetime1">
               <a:rPr lang="en-US" smtClean="0"/>
-              <a:t>3/19/2016</a:t>
+              <a:t>3/24/2016</a:t>
             </a:fld>
             <a:endParaRPr lang="en-US" dirty="0"/>
           </a:p>
@@ -5612,7 +5613,7 @@
           <a:p>
             <a:fld id="{216C5678-EE20-4FA5-88E2-6E0BD67A2E26}" type="datetime1">
               <a:rPr lang="en-US" smtClean="0"/>
-              <a:t>3/19/2016</a:t>
+              <a:t>3/24/2016</a:t>
             </a:fld>
             <a:endParaRPr lang="en-US" dirty="0"/>
           </a:p>
@@ -6293,7 +6294,7 @@
           <a:p>
             <a:fld id="{216C5678-EE20-4FA5-88E2-6E0BD67A2E26}" type="datetime1">
               <a:rPr lang="en-US" smtClean="0"/>
-              <a:t>3/19/2016</a:t>
+              <a:t>3/24/2016</a:t>
             </a:fld>
             <a:endParaRPr lang="en-US" dirty="0"/>
           </a:p>
@@ -6422,7 +6423,7 @@
           <a:p>
             <a:fld id="{216C5678-EE20-4FA5-88E2-6E0BD67A2E26}" type="datetime1">
               <a:rPr lang="en-US" smtClean="0"/>
-              <a:t>3/19/2016</a:t>
+              <a:t>3/24/2016</a:t>
             </a:fld>
             <a:endParaRPr lang="en-US" dirty="0"/>
           </a:p>
@@ -6644,7 +6645,7 @@
           <a:p>
             <a:fld id="{216C5678-EE20-4FA5-88E2-6E0BD67A2E26}" type="datetime1">
               <a:rPr lang="en-US" smtClean="0"/>
-              <a:t>3/19/2016</a:t>
+              <a:t>3/24/2016</a:t>
             </a:fld>
             <a:endParaRPr lang="en-US" dirty="0"/>
           </a:p>
@@ -7022,7 +7023,7 @@
           <a:p>
             <a:fld id="{216C5678-EE20-4FA5-88E2-6E0BD67A2E26}" type="datetime1">
               <a:rPr lang="en-US" smtClean="0"/>
-              <a:t>3/19/2016</a:t>
+              <a:t>3/24/2016</a:t>
             </a:fld>
             <a:endParaRPr lang="en-US" dirty="0"/>
           </a:p>
@@ -7777,7 +7778,7 @@
           <a:p>
             <a:fld id="{216C5678-EE20-4FA5-88E2-6E0BD67A2E26}" type="datetime1">
               <a:rPr lang="en-US" smtClean="0"/>
-              <a:t>3/19/2016</a:t>
+              <a:t>3/24/2016</a:t>
             </a:fld>
             <a:endParaRPr lang="en-US" dirty="0"/>
           </a:p>
@@ -8132,11 +8133,7 @@
             </a:r>
             <a:r>
               <a:rPr lang="en-US" sz="4000" dirty="0" smtClean="0"/>
-              <a:t>– </a:t>
-            </a:r>
-            <a:r>
-              <a:rPr lang="en-US" sz="4000" dirty="0" smtClean="0"/>
-              <a:t>Consistency </a:t>
+              <a:t>– Consistency </a:t>
             </a:r>
             <a:br>
               <a:rPr lang="en-US" sz="4000" dirty="0" smtClean="0"/>
@@ -8152,10 +8149,6 @@
             <a:r>
               <a:rPr lang="en-US" sz="4000" dirty="0" smtClean="0"/>
               <a:t>)</a:t>
-            </a:r>
-            <a:r>
-              <a:rPr lang="en-US" sz="4000" dirty="0" smtClean="0"/>
-              <a:t/>
             </a:r>
             <a:br>
               <a:rPr lang="en-US" sz="4000" dirty="0" smtClean="0"/>
@@ -8186,7 +8179,7 @@
           <a:p>
             <a:fld id="{216C5678-EE20-4FA5-88E2-6E0BD67A2E26}" type="datetime1">
               <a:rPr lang="en-US" smtClean="0"/>
-              <a:t>3/19/2016</a:t>
+              <a:t>3/24/2016</a:t>
             </a:fld>
             <a:endParaRPr lang="en-US" dirty="0"/>
           </a:p>
@@ -8892,15 +8885,7 @@
             </a:r>
             <a:r>
               <a:rPr lang="en-US" sz="4000" dirty="0" smtClean="0"/>
-              <a:t>– </a:t>
-            </a:r>
-            <a:r>
-              <a:rPr lang="en-US" sz="4000" dirty="0" smtClean="0"/>
-              <a:t>DRY</a:t>
-            </a:r>
-            <a:r>
-              <a:rPr lang="en-US" sz="4000" dirty="0" smtClean="0"/>
-              <a:t/>
+              <a:t>– DRY</a:t>
             </a:r>
             <a:br>
               <a:rPr lang="en-US" sz="4000" dirty="0" smtClean="0"/>
@@ -8931,7 +8916,7 @@
           <a:p>
             <a:fld id="{216C5678-EE20-4FA5-88E2-6E0BD67A2E26}" type="datetime1">
               <a:rPr lang="en-US" smtClean="0"/>
-              <a:t>3/19/2016</a:t>
+              <a:t>3/24/2016</a:t>
             </a:fld>
             <a:endParaRPr lang="en-US" dirty="0"/>
           </a:p>
@@ -9369,7 +9354,7 @@
           <a:p>
             <a:fld id="{216C5678-EE20-4FA5-88E2-6E0BD67A2E26}" type="datetime1">
               <a:rPr lang="en-US" smtClean="0"/>
-              <a:t>3/19/2016</a:t>
+              <a:t>3/24/2016</a:t>
             </a:fld>
             <a:endParaRPr lang="en-US" dirty="0"/>
           </a:p>
@@ -9489,10 +9474,6 @@
               <a:rPr lang="en-US" sz="4000" dirty="0" smtClean="0"/>
               <a:t>)</a:t>
             </a:r>
-            <a:r>
-              <a:rPr lang="en-US" sz="4000" dirty="0" smtClean="0"/>
-              <a:t/>
-            </a:r>
             <a:br>
               <a:rPr lang="en-US" sz="4000" dirty="0" smtClean="0"/>
             </a:br>
@@ -9522,7 +9503,7 @@
           <a:p>
             <a:fld id="{216C5678-EE20-4FA5-88E2-6E0BD67A2E26}" type="datetime1">
               <a:rPr lang="en-US" smtClean="0"/>
-              <a:t>3/20/2016</a:t>
+              <a:t>3/24/2016</a:t>
             </a:fld>
             <a:endParaRPr lang="en-US" dirty="0"/>
           </a:p>
@@ -10215,15 +10196,7 @@
             </a:r>
             <a:r>
               <a:rPr lang="en-US" sz="4000" dirty="0" smtClean="0"/>
-              <a:t>– </a:t>
-            </a:r>
-            <a:r>
-              <a:rPr lang="en-US" sz="4000" dirty="0" smtClean="0"/>
-              <a:t>Testable</a:t>
-            </a:r>
-            <a:r>
-              <a:rPr lang="en-US" sz="4000" dirty="0" smtClean="0"/>
-              <a:t/>
+              <a:t>– Testable</a:t>
             </a:r>
             <a:br>
               <a:rPr lang="en-US" sz="4000" dirty="0" smtClean="0"/>
@@ -10254,7 +10227,7 @@
           <a:p>
             <a:fld id="{216C5678-EE20-4FA5-88E2-6E0BD67A2E26}" type="datetime1">
               <a:rPr lang="en-US" smtClean="0"/>
-              <a:t>3/20/2016</a:t>
+              <a:t>3/24/2016</a:t>
             </a:fld>
             <a:endParaRPr lang="en-US" dirty="0"/>
           </a:p>
@@ -10534,7 +10507,6 @@
               <a:rPr lang="en-US" sz="2800" dirty="0" smtClean="0"/>
               <a:t>)</a:t>
             </a:r>
-            <a:endParaRPr lang="en-US" sz="2800" dirty="0" smtClean="0"/>
           </a:p>
           <a:p>
             <a:pPr marL="342900" indent="-342900" algn="l">
@@ -10557,13 +10529,29 @@
             </a:r>
           </a:p>
           <a:p>
+            <a:pPr algn="l"/>
+            <a:endParaRPr lang="en-US" sz="2800" dirty="0" smtClean="0"/>
+          </a:p>
+          <a:p>
             <a:pPr marL="342900" indent="-342900" algn="l">
               <a:buFont typeface="Arial" panose="020B0604020202020204" pitchFamily="34" charset="0"/>
               <a:buChar char="•"/>
             </a:pPr>
             <a:r>
-              <a:rPr lang="en-US" sz="2800" smtClean="0"/>
-              <a:t>Code Demo.</a:t>
+              <a:rPr lang="en-US" sz="2800" dirty="0" smtClean="0"/>
+              <a:t>Code </a:t>
+            </a:r>
+            <a:r>
+              <a:rPr lang="en-US" sz="2800" dirty="0" smtClean="0"/>
+              <a:t>Demo(Java &amp; </a:t>
+            </a:r>
+            <a:r>
+              <a:rPr lang="en-US" sz="2800" dirty="0" err="1" smtClean="0"/>
+              <a:t>Javascript</a:t>
+            </a:r>
+            <a:r>
+              <a:rPr lang="en-US" sz="2800" dirty="0" smtClean="0"/>
+              <a:t>).</a:t>
             </a:r>
             <a:endParaRPr lang="en-US" sz="2800" dirty="0"/>
           </a:p>
@@ -10618,8 +10606,8 @@
         </p:nvSpPr>
         <p:spPr>
           <a:xfrm>
-            <a:off x="685800" y="228600"/>
-            <a:ext cx="7772400" cy="685800"/>
+            <a:off x="228600" y="777258"/>
+            <a:ext cx="9906000" cy="685800"/>
           </a:xfrm>
         </p:spPr>
         <p:txBody>
@@ -10628,50 +10616,490 @@
           <a:p>
             <a:pPr algn="l"/>
             <a:r>
+              <a:rPr lang="en-US" sz="4000" dirty="0"/>
+              <a:t>Code Review Patterns – </a:t>
+            </a:r>
+            <a:r>
               <a:rPr lang="en-US" sz="4000" dirty="0" smtClean="0"/>
-              <a:t>Conclusion</a:t>
-            </a:r>
+              <a:t>Testable (</a:t>
+            </a:r>
+            <a:r>
+              <a:rPr lang="en-US" sz="4000" dirty="0" err="1" smtClean="0"/>
+              <a:t>cont</a:t>
+            </a:r>
+            <a:r>
+              <a:rPr lang="en-US" sz="4000" dirty="0" smtClean="0"/>
+              <a:t>)</a:t>
+            </a:r>
+            <a:br>
+              <a:rPr lang="en-US" sz="4000" dirty="0" smtClean="0"/>
+            </a:br>
             <a:endParaRPr lang="en-US" sz="4000" dirty="0"/>
           </a:p>
         </p:txBody>
       </p:sp>
       <p:sp>
         <p:nvSpPr>
-          <p:cNvPr id="3" name="Subtitle 2"/>
-          <p:cNvSpPr>
-            <a:spLocks noGrp="1"/>
-          </p:cNvSpPr>
-          <p:nvPr>
-            <p:ph type="subTitle" idx="1"/>
+          <p:cNvPr id="4" name="Date Placeholder 3"/>
+          <p:cNvSpPr>
+            <a:spLocks noGrp="1"/>
+          </p:cNvSpPr>
+          <p:nvPr>
+            <p:ph type="dt" sz="half" idx="10"/>
           </p:nvPr>
         </p:nvSpPr>
         <p:spPr>
           <a:xfrm>
-            <a:off x="762000" y="1219200"/>
-            <a:ext cx="7315200" cy="4343400"/>
+            <a:off x="6363347" y="7864475"/>
+            <a:ext cx="2085975" cy="365125"/>
           </a:xfrm>
         </p:spPr>
         <p:txBody>
-          <a:bodyPr>
-            <a:noAutofit/>
+          <a:bodyPr/>
+          <a:lstStyle/>
+          <a:p>
+            <a:fld id="{216C5678-EE20-4FA5-88E2-6E0BD67A2E26}" type="datetime1">
+              <a:rPr lang="en-US" smtClean="0"/>
+              <a:t>3/24/2016</a:t>
+            </a:fld>
+            <a:endParaRPr lang="en-US" dirty="0"/>
+          </a:p>
+        </p:txBody>
+      </p:sp>
+      <p:sp>
+        <p:nvSpPr>
+          <p:cNvPr id="5" name="Slide Number Placeholder 4"/>
+          <p:cNvSpPr>
+            <a:spLocks noGrp="1"/>
+          </p:cNvSpPr>
+          <p:nvPr>
+            <p:ph type="sldNum" sz="quarter" idx="11"/>
+          </p:nvPr>
+        </p:nvSpPr>
+        <p:spPr>
+          <a:xfrm>
+            <a:off x="8543278" y="7864475"/>
+            <a:ext cx="561975" cy="365125"/>
+          </a:xfrm>
+        </p:spPr>
+        <p:txBody>
+          <a:bodyPr/>
+          <a:lstStyle/>
+          <a:p>
+            <a:fld id="{BA9B540C-44DA-4F69-89C9-7C84606640D3}" type="slidenum">
+              <a:rPr lang="en-US" smtClean="0"/>
+              <a:pPr/>
+              <a:t>22</a:t>
+            </a:fld>
+            <a:endParaRPr lang="en-US" dirty="0"/>
+          </a:p>
+        </p:txBody>
+      </p:sp>
+      <p:sp>
+        <p:nvSpPr>
+          <p:cNvPr id="6" name="Footer Placeholder 5"/>
+          <p:cNvSpPr>
+            <a:spLocks noGrp="1"/>
+          </p:cNvSpPr>
+          <p:nvPr>
+            <p:ph type="ftr" sz="quarter" idx="12"/>
+          </p:nvPr>
+        </p:nvSpPr>
+        <p:spPr>
+          <a:xfrm>
+            <a:off x="659165" y="7864475"/>
+            <a:ext cx="2847975" cy="365125"/>
+          </a:xfrm>
+        </p:spPr>
+        <p:txBody>
+          <a:bodyPr/>
+          <a:lstStyle/>
+          <a:p>
+            <a:r>
+              <a:rPr lang="en-US" smtClean="0"/>
+              <a:t>Footer Text</a:t>
+            </a:r>
+            <a:endParaRPr lang="en-US" dirty="0"/>
+          </a:p>
+        </p:txBody>
+      </p:sp>
+      <p:sp>
+        <p:nvSpPr>
+          <p:cNvPr id="7" name="Subtitle 6"/>
+          <p:cNvSpPr txBox="1">
+            <a:spLocks/>
+          </p:cNvSpPr>
+          <p:nvPr/>
+        </p:nvSpPr>
+        <p:spPr>
+          <a:xfrm>
+            <a:off x="317693" y="990600"/>
+            <a:ext cx="7854368" cy="654050"/>
+          </a:xfrm>
+          <a:prstGeom prst="rect">
+            <a:avLst/>
+          </a:prstGeom>
+        </p:spPr>
+        <p:txBody>
+          <a:bodyPr vert="horz" lIns="91440" tIns="45720" rIns="91440" bIns="45720" rtlCol="0">
+            <a:normAutofit/>
           </a:bodyPr>
-          <a:lstStyle/>
+          <a:lstStyle>
+            <a:lvl1pPr marL="0" indent="0" algn="ctr" defTabSz="914400" rtl="0" eaLnBrk="1" latinLnBrk="0" hangingPunct="1">
+              <a:spcBef>
+                <a:spcPct val="20000"/>
+              </a:spcBef>
+              <a:buFont typeface="Arial" pitchFamily="34" charset="0"/>
+              <a:buNone/>
+              <a:defRPr sz="2400" kern="1200">
+                <a:solidFill>
+                  <a:schemeClr val="tx1">
+                    <a:tint val="75000"/>
+                  </a:schemeClr>
+                </a:solidFill>
+                <a:latin typeface="+mj-lt"/>
+                <a:ea typeface="+mn-ea"/>
+                <a:cs typeface="+mn-cs"/>
+              </a:defRPr>
+            </a:lvl1pPr>
+            <a:lvl2pPr marL="457200" indent="0" algn="ctr" defTabSz="914400" rtl="0" eaLnBrk="1" latinLnBrk="0" hangingPunct="1">
+              <a:spcBef>
+                <a:spcPct val="20000"/>
+              </a:spcBef>
+              <a:buFont typeface="Courier New" pitchFamily="49" charset="0"/>
+              <a:buNone/>
+              <a:defRPr sz="1600" kern="1200">
+                <a:solidFill>
+                  <a:schemeClr val="tx1">
+                    <a:tint val="75000"/>
+                  </a:schemeClr>
+                </a:solidFill>
+                <a:latin typeface="+mj-lt"/>
+                <a:ea typeface="+mn-ea"/>
+                <a:cs typeface="+mn-cs"/>
+              </a:defRPr>
+            </a:lvl2pPr>
+            <a:lvl3pPr marL="914400" indent="0" algn="ctr" defTabSz="914400" rtl="0" eaLnBrk="1" latinLnBrk="0" hangingPunct="1">
+              <a:spcBef>
+                <a:spcPct val="20000"/>
+              </a:spcBef>
+              <a:buFont typeface="Arial" pitchFamily="34" charset="0"/>
+              <a:buNone/>
+              <a:defRPr sz="1600" kern="1200">
+                <a:solidFill>
+                  <a:schemeClr val="tx1">
+                    <a:tint val="75000"/>
+                  </a:schemeClr>
+                </a:solidFill>
+                <a:latin typeface="+mj-lt"/>
+                <a:ea typeface="+mn-ea"/>
+                <a:cs typeface="+mn-cs"/>
+              </a:defRPr>
+            </a:lvl3pPr>
+            <a:lvl4pPr marL="1371600" indent="0" algn="ctr" defTabSz="914400" rtl="0" eaLnBrk="1" latinLnBrk="0" hangingPunct="1">
+              <a:spcBef>
+                <a:spcPct val="20000"/>
+              </a:spcBef>
+              <a:buFont typeface="Courier New" pitchFamily="49" charset="0"/>
+              <a:buNone/>
+              <a:defRPr sz="1600" kern="1200">
+                <a:solidFill>
+                  <a:schemeClr val="tx1">
+                    <a:tint val="75000"/>
+                  </a:schemeClr>
+                </a:solidFill>
+                <a:latin typeface="+mj-lt"/>
+                <a:ea typeface="+mn-ea"/>
+                <a:cs typeface="+mn-cs"/>
+              </a:defRPr>
+            </a:lvl4pPr>
+            <a:lvl5pPr marL="1828800" indent="0" algn="ctr" defTabSz="914400" rtl="0" eaLnBrk="1" latinLnBrk="0" hangingPunct="1">
+              <a:spcBef>
+                <a:spcPct val="20000"/>
+              </a:spcBef>
+              <a:buFont typeface="Arial" pitchFamily="34" charset="0"/>
+              <a:buNone/>
+              <a:defRPr sz="1600" kern="1200">
+                <a:solidFill>
+                  <a:schemeClr val="tx1">
+                    <a:tint val="75000"/>
+                  </a:schemeClr>
+                </a:solidFill>
+                <a:latin typeface="+mj-lt"/>
+                <a:ea typeface="+mn-ea"/>
+                <a:cs typeface="+mn-cs"/>
+              </a:defRPr>
+            </a:lvl5pPr>
+            <a:lvl6pPr marL="2286000" indent="0" algn="ctr" defTabSz="914400" rtl="0" eaLnBrk="1" latinLnBrk="0" hangingPunct="1">
+              <a:spcBef>
+                <a:spcPct val="20000"/>
+              </a:spcBef>
+              <a:buFont typeface="Courier New" pitchFamily="49" charset="0"/>
+              <a:buNone/>
+              <a:defRPr sz="1600" kern="1200">
+                <a:solidFill>
+                  <a:schemeClr val="tx1">
+                    <a:tint val="75000"/>
+                  </a:schemeClr>
+                </a:solidFill>
+                <a:latin typeface="+mj-lt"/>
+                <a:ea typeface="+mn-ea"/>
+                <a:cs typeface="+mn-cs"/>
+              </a:defRPr>
+            </a:lvl6pPr>
+            <a:lvl7pPr marL="2743200" indent="0" algn="ctr" defTabSz="914400" rtl="0" eaLnBrk="1" latinLnBrk="0" hangingPunct="1">
+              <a:spcBef>
+                <a:spcPct val="20000"/>
+              </a:spcBef>
+              <a:buFont typeface="Arial" pitchFamily="34" charset="0"/>
+              <a:buNone/>
+              <a:defRPr sz="1600" kern="1200">
+                <a:solidFill>
+                  <a:schemeClr val="tx1">
+                    <a:tint val="75000"/>
+                  </a:schemeClr>
+                </a:solidFill>
+                <a:latin typeface="+mj-lt"/>
+                <a:ea typeface="+mn-ea"/>
+                <a:cs typeface="+mn-cs"/>
+              </a:defRPr>
+            </a:lvl7pPr>
+            <a:lvl8pPr marL="3200400" indent="0" algn="ctr" defTabSz="914400" rtl="0" eaLnBrk="1" latinLnBrk="0" hangingPunct="1">
+              <a:spcBef>
+                <a:spcPct val="20000"/>
+              </a:spcBef>
+              <a:buFont typeface="Courier New" pitchFamily="49" charset="0"/>
+              <a:buNone/>
+              <a:defRPr sz="1600" kern="1200">
+                <a:solidFill>
+                  <a:schemeClr val="tx1">
+                    <a:tint val="75000"/>
+                  </a:schemeClr>
+                </a:solidFill>
+                <a:latin typeface="+mj-lt"/>
+                <a:ea typeface="+mn-ea"/>
+                <a:cs typeface="+mn-cs"/>
+              </a:defRPr>
+            </a:lvl8pPr>
+            <a:lvl9pPr marL="3657600" indent="0" algn="ctr" defTabSz="914400" rtl="0" eaLnBrk="1" latinLnBrk="0" hangingPunct="1">
+              <a:spcBef>
+                <a:spcPct val="20000"/>
+              </a:spcBef>
+              <a:buFont typeface="Arial" pitchFamily="34" charset="0"/>
+              <a:buNone/>
+              <a:defRPr sz="1600" kern="1200">
+                <a:solidFill>
+                  <a:schemeClr val="tx1">
+                    <a:tint val="75000"/>
+                  </a:schemeClr>
+                </a:solidFill>
+                <a:latin typeface="+mj-lt"/>
+                <a:ea typeface="+mn-ea"/>
+                <a:cs typeface="+mn-cs"/>
+              </a:defRPr>
+            </a:lvl9pPr>
+          </a:lstStyle>
+          <a:p>
+            <a:pPr algn="l"/>
+            <a:r>
+              <a:rPr lang="en-US" sz="2800" dirty="0" smtClean="0"/>
+              <a:t>What is wrong?</a:t>
+            </a:r>
+          </a:p>
+        </p:txBody>
+      </p:sp>
+      <p:sp>
+        <p:nvSpPr>
+          <p:cNvPr id="8" name="Subtitle 6"/>
+          <p:cNvSpPr txBox="1">
+            <a:spLocks/>
+          </p:cNvSpPr>
+          <p:nvPr/>
+        </p:nvSpPr>
+        <p:spPr>
+          <a:xfrm>
+            <a:off x="586076" y="1600200"/>
+            <a:ext cx="7854368" cy="2209800"/>
+          </a:xfrm>
+          <a:prstGeom prst="rect">
+            <a:avLst/>
+          </a:prstGeom>
+        </p:spPr>
+        <p:txBody>
+          <a:bodyPr vert="horz" lIns="91440" tIns="45720" rIns="91440" bIns="45720" rtlCol="0">
+            <a:normAutofit/>
+          </a:bodyPr>
+          <a:lstStyle>
+            <a:lvl1pPr marL="0" indent="0" algn="ctr" defTabSz="914400" rtl="0" eaLnBrk="1" latinLnBrk="0" hangingPunct="1">
+              <a:spcBef>
+                <a:spcPct val="20000"/>
+              </a:spcBef>
+              <a:buFont typeface="Arial" pitchFamily="34" charset="0"/>
+              <a:buNone/>
+              <a:defRPr sz="2400" kern="1200">
+                <a:solidFill>
+                  <a:schemeClr val="tx1">
+                    <a:tint val="75000"/>
+                  </a:schemeClr>
+                </a:solidFill>
+                <a:latin typeface="+mj-lt"/>
+                <a:ea typeface="+mn-ea"/>
+                <a:cs typeface="+mn-cs"/>
+              </a:defRPr>
+            </a:lvl1pPr>
+            <a:lvl2pPr marL="457200" indent="0" algn="ctr" defTabSz="914400" rtl="0" eaLnBrk="1" latinLnBrk="0" hangingPunct="1">
+              <a:spcBef>
+                <a:spcPct val="20000"/>
+              </a:spcBef>
+              <a:buFont typeface="Courier New" pitchFamily="49" charset="0"/>
+              <a:buNone/>
+              <a:defRPr sz="1600" kern="1200">
+                <a:solidFill>
+                  <a:schemeClr val="tx1">
+                    <a:tint val="75000"/>
+                  </a:schemeClr>
+                </a:solidFill>
+                <a:latin typeface="+mj-lt"/>
+                <a:ea typeface="+mn-ea"/>
+                <a:cs typeface="+mn-cs"/>
+              </a:defRPr>
+            </a:lvl2pPr>
+            <a:lvl3pPr marL="914400" indent="0" algn="ctr" defTabSz="914400" rtl="0" eaLnBrk="1" latinLnBrk="0" hangingPunct="1">
+              <a:spcBef>
+                <a:spcPct val="20000"/>
+              </a:spcBef>
+              <a:buFont typeface="Arial" pitchFamily="34" charset="0"/>
+              <a:buNone/>
+              <a:defRPr sz="1600" kern="1200">
+                <a:solidFill>
+                  <a:schemeClr val="tx1">
+                    <a:tint val="75000"/>
+                  </a:schemeClr>
+                </a:solidFill>
+                <a:latin typeface="+mj-lt"/>
+                <a:ea typeface="+mn-ea"/>
+                <a:cs typeface="+mn-cs"/>
+              </a:defRPr>
+            </a:lvl3pPr>
+            <a:lvl4pPr marL="1371600" indent="0" algn="ctr" defTabSz="914400" rtl="0" eaLnBrk="1" latinLnBrk="0" hangingPunct="1">
+              <a:spcBef>
+                <a:spcPct val="20000"/>
+              </a:spcBef>
+              <a:buFont typeface="Courier New" pitchFamily="49" charset="0"/>
+              <a:buNone/>
+              <a:defRPr sz="1600" kern="1200">
+                <a:solidFill>
+                  <a:schemeClr val="tx1">
+                    <a:tint val="75000"/>
+                  </a:schemeClr>
+                </a:solidFill>
+                <a:latin typeface="+mj-lt"/>
+                <a:ea typeface="+mn-ea"/>
+                <a:cs typeface="+mn-cs"/>
+              </a:defRPr>
+            </a:lvl4pPr>
+            <a:lvl5pPr marL="1828800" indent="0" algn="ctr" defTabSz="914400" rtl="0" eaLnBrk="1" latinLnBrk="0" hangingPunct="1">
+              <a:spcBef>
+                <a:spcPct val="20000"/>
+              </a:spcBef>
+              <a:buFont typeface="Arial" pitchFamily="34" charset="0"/>
+              <a:buNone/>
+              <a:defRPr sz="1600" kern="1200">
+                <a:solidFill>
+                  <a:schemeClr val="tx1">
+                    <a:tint val="75000"/>
+                  </a:schemeClr>
+                </a:solidFill>
+                <a:latin typeface="+mj-lt"/>
+                <a:ea typeface="+mn-ea"/>
+                <a:cs typeface="+mn-cs"/>
+              </a:defRPr>
+            </a:lvl5pPr>
+            <a:lvl6pPr marL="2286000" indent="0" algn="ctr" defTabSz="914400" rtl="0" eaLnBrk="1" latinLnBrk="0" hangingPunct="1">
+              <a:spcBef>
+                <a:spcPct val="20000"/>
+              </a:spcBef>
+              <a:buFont typeface="Courier New" pitchFamily="49" charset="0"/>
+              <a:buNone/>
+              <a:defRPr sz="1600" kern="1200">
+                <a:solidFill>
+                  <a:schemeClr val="tx1">
+                    <a:tint val="75000"/>
+                  </a:schemeClr>
+                </a:solidFill>
+                <a:latin typeface="+mj-lt"/>
+                <a:ea typeface="+mn-ea"/>
+                <a:cs typeface="+mn-cs"/>
+              </a:defRPr>
+            </a:lvl6pPr>
+            <a:lvl7pPr marL="2743200" indent="0" algn="ctr" defTabSz="914400" rtl="0" eaLnBrk="1" latinLnBrk="0" hangingPunct="1">
+              <a:spcBef>
+                <a:spcPct val="20000"/>
+              </a:spcBef>
+              <a:buFont typeface="Arial" pitchFamily="34" charset="0"/>
+              <a:buNone/>
+              <a:defRPr sz="1600" kern="1200">
+                <a:solidFill>
+                  <a:schemeClr val="tx1">
+                    <a:tint val="75000"/>
+                  </a:schemeClr>
+                </a:solidFill>
+                <a:latin typeface="+mj-lt"/>
+                <a:ea typeface="+mn-ea"/>
+                <a:cs typeface="+mn-cs"/>
+              </a:defRPr>
+            </a:lvl7pPr>
+            <a:lvl8pPr marL="3200400" indent="0" algn="ctr" defTabSz="914400" rtl="0" eaLnBrk="1" latinLnBrk="0" hangingPunct="1">
+              <a:spcBef>
+                <a:spcPct val="20000"/>
+              </a:spcBef>
+              <a:buFont typeface="Courier New" pitchFamily="49" charset="0"/>
+              <a:buNone/>
+              <a:defRPr sz="1600" kern="1200">
+                <a:solidFill>
+                  <a:schemeClr val="tx1">
+                    <a:tint val="75000"/>
+                  </a:schemeClr>
+                </a:solidFill>
+                <a:latin typeface="+mj-lt"/>
+                <a:ea typeface="+mn-ea"/>
+                <a:cs typeface="+mn-cs"/>
+              </a:defRPr>
+            </a:lvl8pPr>
+            <a:lvl9pPr marL="3657600" indent="0" algn="ctr" defTabSz="914400" rtl="0" eaLnBrk="1" latinLnBrk="0" hangingPunct="1">
+              <a:spcBef>
+                <a:spcPct val="20000"/>
+              </a:spcBef>
+              <a:buFont typeface="Arial" pitchFamily="34" charset="0"/>
+              <a:buNone/>
+              <a:defRPr sz="1600" kern="1200">
+                <a:solidFill>
+                  <a:schemeClr val="tx1">
+                    <a:tint val="75000"/>
+                  </a:schemeClr>
+                </a:solidFill>
+                <a:latin typeface="+mj-lt"/>
+                <a:ea typeface="+mn-ea"/>
+                <a:cs typeface="+mn-cs"/>
+              </a:defRPr>
+            </a:lvl9pPr>
+          </a:lstStyle>
           <a:p>
             <a:pPr marL="342900" indent="-342900" algn="l">
               <a:buFont typeface="Arial" panose="020B0604020202020204" pitchFamily="34" charset="0"/>
               <a:buChar char="•"/>
             </a:pPr>
             <a:r>
-              <a:rPr lang="en-US" sz="3200" dirty="0" smtClean="0"/>
-              <a:t>Discussed the 3 </a:t>
-            </a:r>
-            <a:r>
-              <a:rPr lang="en-US" sz="3200" dirty="0" err="1" smtClean="0"/>
-              <a:t>Ws</a:t>
-            </a:r>
-            <a:r>
-              <a:rPr lang="en-US" sz="3200" dirty="0" smtClean="0"/>
-              <a:t> and How.</a:t>
+              <a:rPr lang="en-US" dirty="0" smtClean="0"/>
+              <a:t>Difficult to mock </a:t>
+            </a:r>
+            <a:r>
+              <a:rPr lang="en-US" dirty="0" err="1" smtClean="0"/>
+              <a:t>HttpClient</a:t>
+            </a:r>
+            <a:r>
+              <a:rPr lang="en-US" dirty="0" smtClean="0"/>
+              <a:t> and Logger.</a:t>
             </a:r>
           </a:p>
           <a:p>
@@ -10680,8 +11108,12 @@
               <a:buChar char="•"/>
             </a:pPr>
             <a:r>
-              <a:rPr lang="en-US" sz="3200" dirty="0" smtClean="0"/>
-              <a:t>Discussed the pros and cons of three review approaches.</a:t>
+              <a:rPr lang="en-US" sz="2800" dirty="0" smtClean="0"/>
+              <a:t>Difficult to simulate error conditions</a:t>
+            </a:r>
+            <a:r>
+              <a:rPr lang="en-US" sz="2800" dirty="0" smtClean="0"/>
+              <a:t>.</a:t>
             </a:r>
           </a:p>
           <a:p>
@@ -10690,95 +11122,211 @@
               <a:buChar char="•"/>
             </a:pPr>
             <a:r>
-              <a:rPr lang="en-US" sz="3200" dirty="0" smtClean="0"/>
-              <a:t>Discussed various code review patterns and </a:t>
-            </a:r>
-            <a:r>
-              <a:rPr lang="en-US" sz="3200" dirty="0" err="1" smtClean="0"/>
-              <a:t>gotchas</a:t>
-            </a:r>
-            <a:r>
-              <a:rPr lang="en-US" sz="3200" smtClean="0"/>
-              <a:t>.</a:t>
-            </a:r>
-            <a:endParaRPr lang="en-US" sz="3200" dirty="0"/>
-          </a:p>
-        </p:txBody>
-      </p:sp>
-      <p:sp>
-        <p:nvSpPr>
-          <p:cNvPr id="4" name="Date Placeholder 3"/>
-          <p:cNvSpPr>
-            <a:spLocks noGrp="1"/>
-          </p:cNvSpPr>
-          <p:nvPr>
-            <p:ph type="dt" sz="half" idx="10"/>
-          </p:nvPr>
-        </p:nvSpPr>
-        <p:spPr/>
-        <p:txBody>
-          <a:bodyPr/>
-          <a:lstStyle/>
-          <a:p>
-            <a:fld id="{216C5678-EE20-4FA5-88E2-6E0BD67A2E26}" type="datetime1">
-              <a:rPr lang="en-US" smtClean="0"/>
-              <a:t>3/19/2016</a:t>
-            </a:fld>
-            <a:endParaRPr lang="en-US" dirty="0"/>
-          </a:p>
-        </p:txBody>
-      </p:sp>
-      <p:sp>
-        <p:nvSpPr>
-          <p:cNvPr id="5" name="Slide Number Placeholder 4"/>
-          <p:cNvSpPr>
-            <a:spLocks noGrp="1"/>
-          </p:cNvSpPr>
-          <p:nvPr>
-            <p:ph type="sldNum" sz="quarter" idx="11"/>
-          </p:nvPr>
-        </p:nvSpPr>
-        <p:spPr/>
-        <p:txBody>
-          <a:bodyPr/>
-          <a:lstStyle/>
-          <a:p>
-            <a:fld id="{BA9B540C-44DA-4F69-89C9-7C84606640D3}" type="slidenum">
-              <a:rPr lang="en-US" smtClean="0"/>
-              <a:pPr/>
-              <a:t>22</a:t>
-            </a:fld>
-            <a:endParaRPr lang="en-US" dirty="0"/>
-          </a:p>
-        </p:txBody>
-      </p:sp>
-      <p:sp>
-        <p:nvSpPr>
-          <p:cNvPr id="6" name="Footer Placeholder 5"/>
-          <p:cNvSpPr>
-            <a:spLocks noGrp="1"/>
-          </p:cNvSpPr>
-          <p:nvPr>
-            <p:ph type="ftr" sz="quarter" idx="12"/>
-          </p:nvPr>
-        </p:nvSpPr>
-        <p:spPr/>
-        <p:txBody>
-          <a:bodyPr/>
-          <a:lstStyle/>
-          <a:p>
-            <a:r>
-              <a:rPr lang="en-US" smtClean="0"/>
-              <a:t>Footer Text</a:t>
-            </a:r>
-            <a:endParaRPr lang="en-US" dirty="0"/>
+              <a:rPr lang="en-US" sz="2800" dirty="0" smtClean="0"/>
+              <a:t>Need to mock out ajax call.</a:t>
+            </a:r>
+            <a:endParaRPr lang="en-US" sz="2800" dirty="0" smtClean="0"/>
+          </a:p>
+          <a:p>
+            <a:pPr algn="l"/>
+            <a:endParaRPr lang="en-US" sz="2800" dirty="0"/>
+          </a:p>
+        </p:txBody>
+      </p:sp>
+      <p:sp>
+        <p:nvSpPr>
+          <p:cNvPr id="9" name="Subtitle 6"/>
+          <p:cNvSpPr txBox="1">
+            <a:spLocks/>
+          </p:cNvSpPr>
+          <p:nvPr/>
+        </p:nvSpPr>
+        <p:spPr>
+          <a:xfrm>
+            <a:off x="362542" y="3657600"/>
+            <a:ext cx="7854368" cy="654050"/>
+          </a:xfrm>
+          <a:prstGeom prst="rect">
+            <a:avLst/>
+          </a:prstGeom>
+        </p:spPr>
+        <p:txBody>
+          <a:bodyPr vert="horz" lIns="91440" tIns="45720" rIns="91440" bIns="45720" rtlCol="0">
+            <a:normAutofit/>
+          </a:bodyPr>
+          <a:lstStyle>
+            <a:lvl1pPr marL="0" indent="0" algn="ctr" defTabSz="914400" rtl="0" eaLnBrk="1" latinLnBrk="0" hangingPunct="1">
+              <a:spcBef>
+                <a:spcPct val="20000"/>
+              </a:spcBef>
+              <a:buFont typeface="Arial" pitchFamily="34" charset="0"/>
+              <a:buNone/>
+              <a:defRPr sz="2400" kern="1200">
+                <a:solidFill>
+                  <a:schemeClr val="tx1">
+                    <a:tint val="75000"/>
+                  </a:schemeClr>
+                </a:solidFill>
+                <a:latin typeface="+mj-lt"/>
+                <a:ea typeface="+mn-ea"/>
+                <a:cs typeface="+mn-cs"/>
+              </a:defRPr>
+            </a:lvl1pPr>
+            <a:lvl2pPr marL="457200" indent="0" algn="ctr" defTabSz="914400" rtl="0" eaLnBrk="1" latinLnBrk="0" hangingPunct="1">
+              <a:spcBef>
+                <a:spcPct val="20000"/>
+              </a:spcBef>
+              <a:buFont typeface="Courier New" pitchFamily="49" charset="0"/>
+              <a:buNone/>
+              <a:defRPr sz="1600" kern="1200">
+                <a:solidFill>
+                  <a:schemeClr val="tx1">
+                    <a:tint val="75000"/>
+                  </a:schemeClr>
+                </a:solidFill>
+                <a:latin typeface="+mj-lt"/>
+                <a:ea typeface="+mn-ea"/>
+                <a:cs typeface="+mn-cs"/>
+              </a:defRPr>
+            </a:lvl2pPr>
+            <a:lvl3pPr marL="914400" indent="0" algn="ctr" defTabSz="914400" rtl="0" eaLnBrk="1" latinLnBrk="0" hangingPunct="1">
+              <a:spcBef>
+                <a:spcPct val="20000"/>
+              </a:spcBef>
+              <a:buFont typeface="Arial" pitchFamily="34" charset="0"/>
+              <a:buNone/>
+              <a:defRPr sz="1600" kern="1200">
+                <a:solidFill>
+                  <a:schemeClr val="tx1">
+                    <a:tint val="75000"/>
+                  </a:schemeClr>
+                </a:solidFill>
+                <a:latin typeface="+mj-lt"/>
+                <a:ea typeface="+mn-ea"/>
+                <a:cs typeface="+mn-cs"/>
+              </a:defRPr>
+            </a:lvl3pPr>
+            <a:lvl4pPr marL="1371600" indent="0" algn="ctr" defTabSz="914400" rtl="0" eaLnBrk="1" latinLnBrk="0" hangingPunct="1">
+              <a:spcBef>
+                <a:spcPct val="20000"/>
+              </a:spcBef>
+              <a:buFont typeface="Courier New" pitchFamily="49" charset="0"/>
+              <a:buNone/>
+              <a:defRPr sz="1600" kern="1200">
+                <a:solidFill>
+                  <a:schemeClr val="tx1">
+                    <a:tint val="75000"/>
+                  </a:schemeClr>
+                </a:solidFill>
+                <a:latin typeface="+mj-lt"/>
+                <a:ea typeface="+mn-ea"/>
+                <a:cs typeface="+mn-cs"/>
+              </a:defRPr>
+            </a:lvl4pPr>
+            <a:lvl5pPr marL="1828800" indent="0" algn="ctr" defTabSz="914400" rtl="0" eaLnBrk="1" latinLnBrk="0" hangingPunct="1">
+              <a:spcBef>
+                <a:spcPct val="20000"/>
+              </a:spcBef>
+              <a:buFont typeface="Arial" pitchFamily="34" charset="0"/>
+              <a:buNone/>
+              <a:defRPr sz="1600" kern="1200">
+                <a:solidFill>
+                  <a:schemeClr val="tx1">
+                    <a:tint val="75000"/>
+                  </a:schemeClr>
+                </a:solidFill>
+                <a:latin typeface="+mj-lt"/>
+                <a:ea typeface="+mn-ea"/>
+                <a:cs typeface="+mn-cs"/>
+              </a:defRPr>
+            </a:lvl5pPr>
+            <a:lvl6pPr marL="2286000" indent="0" algn="ctr" defTabSz="914400" rtl="0" eaLnBrk="1" latinLnBrk="0" hangingPunct="1">
+              <a:spcBef>
+                <a:spcPct val="20000"/>
+              </a:spcBef>
+              <a:buFont typeface="Courier New" pitchFamily="49" charset="0"/>
+              <a:buNone/>
+              <a:defRPr sz="1600" kern="1200">
+                <a:solidFill>
+                  <a:schemeClr val="tx1">
+                    <a:tint val="75000"/>
+                  </a:schemeClr>
+                </a:solidFill>
+                <a:latin typeface="+mj-lt"/>
+                <a:ea typeface="+mn-ea"/>
+                <a:cs typeface="+mn-cs"/>
+              </a:defRPr>
+            </a:lvl6pPr>
+            <a:lvl7pPr marL="2743200" indent="0" algn="ctr" defTabSz="914400" rtl="0" eaLnBrk="1" latinLnBrk="0" hangingPunct="1">
+              <a:spcBef>
+                <a:spcPct val="20000"/>
+              </a:spcBef>
+              <a:buFont typeface="Arial" pitchFamily="34" charset="0"/>
+              <a:buNone/>
+              <a:defRPr sz="1600" kern="1200">
+                <a:solidFill>
+                  <a:schemeClr val="tx1">
+                    <a:tint val="75000"/>
+                  </a:schemeClr>
+                </a:solidFill>
+                <a:latin typeface="+mj-lt"/>
+                <a:ea typeface="+mn-ea"/>
+                <a:cs typeface="+mn-cs"/>
+              </a:defRPr>
+            </a:lvl7pPr>
+            <a:lvl8pPr marL="3200400" indent="0" algn="ctr" defTabSz="914400" rtl="0" eaLnBrk="1" latinLnBrk="0" hangingPunct="1">
+              <a:spcBef>
+                <a:spcPct val="20000"/>
+              </a:spcBef>
+              <a:buFont typeface="Courier New" pitchFamily="49" charset="0"/>
+              <a:buNone/>
+              <a:defRPr sz="1600" kern="1200">
+                <a:solidFill>
+                  <a:schemeClr val="tx1">
+                    <a:tint val="75000"/>
+                  </a:schemeClr>
+                </a:solidFill>
+                <a:latin typeface="+mj-lt"/>
+                <a:ea typeface="+mn-ea"/>
+                <a:cs typeface="+mn-cs"/>
+              </a:defRPr>
+            </a:lvl8pPr>
+            <a:lvl9pPr marL="3657600" indent="0" algn="ctr" defTabSz="914400" rtl="0" eaLnBrk="1" latinLnBrk="0" hangingPunct="1">
+              <a:spcBef>
+                <a:spcPct val="20000"/>
+              </a:spcBef>
+              <a:buFont typeface="Arial" pitchFamily="34" charset="0"/>
+              <a:buNone/>
+              <a:defRPr sz="1600" kern="1200">
+                <a:solidFill>
+                  <a:schemeClr val="tx1">
+                    <a:tint val="75000"/>
+                  </a:schemeClr>
+                </a:solidFill>
+                <a:latin typeface="+mj-lt"/>
+                <a:ea typeface="+mn-ea"/>
+                <a:cs typeface="+mn-cs"/>
+              </a:defRPr>
+            </a:lvl9pPr>
+          </a:lstStyle>
+          <a:p>
+            <a:pPr algn="l"/>
+            <a:r>
+              <a:rPr lang="en-US" sz="2800" dirty="0" smtClean="0"/>
+              <a:t>How can we make it </a:t>
+            </a:r>
+            <a:r>
+              <a:rPr lang="en-US" sz="2800" dirty="0" smtClean="0"/>
+              <a:t>more testable?</a:t>
+            </a:r>
+            <a:endParaRPr lang="en-US" sz="2800" dirty="0" smtClean="0"/>
           </a:p>
         </p:txBody>
       </p:sp>
     </p:spTree>
     <p:extLst>
       <p:ext uri="{BB962C8B-B14F-4D97-AF65-F5344CB8AC3E}">
-        <p14:creationId xmlns:p14="http://schemas.microsoft.com/office/powerpoint/2010/main" val="2740892730"/>
+        <p14:creationId xmlns:p14="http://schemas.microsoft.com/office/powerpoint/2010/main" val="3709297104"/>
       </p:ext>
     </p:extLst>
   </p:cSld>
@@ -10817,8 +11365,8 @@
         </p:nvSpPr>
         <p:spPr>
           <a:xfrm>
-            <a:off x="685800" y="228600"/>
-            <a:ext cx="7772400" cy="685800"/>
+            <a:off x="228600" y="152400"/>
+            <a:ext cx="9906000" cy="685800"/>
           </a:xfrm>
         </p:spPr>
         <p:txBody>
@@ -10827,8 +11375,12 @@
           <a:p>
             <a:pPr algn="l"/>
             <a:r>
-              <a:rPr lang="en-US" sz="4000" dirty="0" smtClean="0"/>
-              <a:t>xx</a:t>
+              <a:rPr lang="en-US" sz="4000" dirty="0"/>
+              <a:t>Code Review Patterns – </a:t>
+            </a:r>
+            <a:r>
+              <a:rPr lang="en-US" sz="4000" dirty="0" err="1" smtClean="0"/>
+              <a:t>Misc</a:t>
             </a:r>
             <a:endParaRPr lang="en-US" sz="4000" dirty="0"/>
           </a:p>
@@ -10836,108 +11388,516 @@
       </p:sp>
       <p:sp>
         <p:nvSpPr>
-          <p:cNvPr id="3" name="Subtitle 2"/>
-          <p:cNvSpPr>
-            <a:spLocks noGrp="1"/>
-          </p:cNvSpPr>
-          <p:nvPr>
-            <p:ph type="subTitle" idx="1"/>
+          <p:cNvPr id="4" name="Date Placeholder 3"/>
+          <p:cNvSpPr>
+            <a:spLocks noGrp="1"/>
+          </p:cNvSpPr>
+          <p:nvPr>
+            <p:ph type="dt" sz="half" idx="10"/>
           </p:nvPr>
         </p:nvSpPr>
         <p:spPr>
           <a:xfrm>
-            <a:off x="762000" y="1219200"/>
-            <a:ext cx="7315200" cy="4343400"/>
+            <a:off x="6363347" y="7864475"/>
+            <a:ext cx="2085975" cy="365125"/>
           </a:xfrm>
         </p:spPr>
         <p:txBody>
-          <a:bodyPr>
-            <a:noAutofit/>
+          <a:bodyPr/>
+          <a:lstStyle/>
+          <a:p>
+            <a:fld id="{216C5678-EE20-4FA5-88E2-6E0BD67A2E26}" type="datetime1">
+              <a:rPr lang="en-US" smtClean="0"/>
+              <a:t>3/24/2016</a:t>
+            </a:fld>
+            <a:endParaRPr lang="en-US" dirty="0"/>
+          </a:p>
+        </p:txBody>
+      </p:sp>
+      <p:sp>
+        <p:nvSpPr>
+          <p:cNvPr id="5" name="Slide Number Placeholder 4"/>
+          <p:cNvSpPr>
+            <a:spLocks noGrp="1"/>
+          </p:cNvSpPr>
+          <p:nvPr>
+            <p:ph type="sldNum" sz="quarter" idx="11"/>
+          </p:nvPr>
+        </p:nvSpPr>
+        <p:spPr>
+          <a:xfrm>
+            <a:off x="8543278" y="7864475"/>
+            <a:ext cx="561975" cy="365125"/>
+          </a:xfrm>
+        </p:spPr>
+        <p:txBody>
+          <a:bodyPr/>
+          <a:lstStyle/>
+          <a:p>
+            <a:fld id="{BA9B540C-44DA-4F69-89C9-7C84606640D3}" type="slidenum">
+              <a:rPr lang="en-US" smtClean="0"/>
+              <a:pPr/>
+              <a:t>23</a:t>
+            </a:fld>
+            <a:endParaRPr lang="en-US" dirty="0"/>
+          </a:p>
+        </p:txBody>
+      </p:sp>
+      <p:sp>
+        <p:nvSpPr>
+          <p:cNvPr id="6" name="Footer Placeholder 5"/>
+          <p:cNvSpPr>
+            <a:spLocks noGrp="1"/>
+          </p:cNvSpPr>
+          <p:nvPr>
+            <p:ph type="ftr" sz="quarter" idx="12"/>
+          </p:nvPr>
+        </p:nvSpPr>
+        <p:spPr>
+          <a:xfrm>
+            <a:off x="659165" y="7864475"/>
+            <a:ext cx="2847975" cy="365125"/>
+          </a:xfrm>
+        </p:spPr>
+        <p:txBody>
+          <a:bodyPr/>
+          <a:lstStyle/>
+          <a:p>
+            <a:r>
+              <a:rPr lang="en-US" smtClean="0"/>
+              <a:t>Footer Text</a:t>
+            </a:r>
+            <a:endParaRPr lang="en-US" dirty="0"/>
+          </a:p>
+        </p:txBody>
+      </p:sp>
+      <p:sp>
+        <p:nvSpPr>
+          <p:cNvPr id="7" name="Subtitle 6"/>
+          <p:cNvSpPr txBox="1">
+            <a:spLocks/>
+          </p:cNvSpPr>
+          <p:nvPr/>
+        </p:nvSpPr>
+        <p:spPr>
+          <a:xfrm>
+            <a:off x="317693" y="990600"/>
+            <a:ext cx="7854368" cy="654050"/>
+          </a:xfrm>
+          <a:prstGeom prst="rect">
+            <a:avLst/>
+          </a:prstGeom>
+        </p:spPr>
+        <p:txBody>
+          <a:bodyPr vert="horz" lIns="91440" tIns="45720" rIns="91440" bIns="45720" rtlCol="0">
+            <a:normAutofit/>
           </a:bodyPr>
-          <a:lstStyle/>
+          <a:lstStyle>
+            <a:lvl1pPr marL="0" indent="0" algn="ctr" defTabSz="914400" rtl="0" eaLnBrk="1" latinLnBrk="0" hangingPunct="1">
+              <a:spcBef>
+                <a:spcPct val="20000"/>
+              </a:spcBef>
+              <a:buFont typeface="Arial" pitchFamily="34" charset="0"/>
+              <a:buNone/>
+              <a:defRPr sz="2400" kern="1200">
+                <a:solidFill>
+                  <a:schemeClr val="tx1">
+                    <a:tint val="75000"/>
+                  </a:schemeClr>
+                </a:solidFill>
+                <a:latin typeface="+mj-lt"/>
+                <a:ea typeface="+mn-ea"/>
+                <a:cs typeface="+mn-cs"/>
+              </a:defRPr>
+            </a:lvl1pPr>
+            <a:lvl2pPr marL="457200" indent="0" algn="ctr" defTabSz="914400" rtl="0" eaLnBrk="1" latinLnBrk="0" hangingPunct="1">
+              <a:spcBef>
+                <a:spcPct val="20000"/>
+              </a:spcBef>
+              <a:buFont typeface="Courier New" pitchFamily="49" charset="0"/>
+              <a:buNone/>
+              <a:defRPr sz="1600" kern="1200">
+                <a:solidFill>
+                  <a:schemeClr val="tx1">
+                    <a:tint val="75000"/>
+                  </a:schemeClr>
+                </a:solidFill>
+                <a:latin typeface="+mj-lt"/>
+                <a:ea typeface="+mn-ea"/>
+                <a:cs typeface="+mn-cs"/>
+              </a:defRPr>
+            </a:lvl2pPr>
+            <a:lvl3pPr marL="914400" indent="0" algn="ctr" defTabSz="914400" rtl="0" eaLnBrk="1" latinLnBrk="0" hangingPunct="1">
+              <a:spcBef>
+                <a:spcPct val="20000"/>
+              </a:spcBef>
+              <a:buFont typeface="Arial" pitchFamily="34" charset="0"/>
+              <a:buNone/>
+              <a:defRPr sz="1600" kern="1200">
+                <a:solidFill>
+                  <a:schemeClr val="tx1">
+                    <a:tint val="75000"/>
+                  </a:schemeClr>
+                </a:solidFill>
+                <a:latin typeface="+mj-lt"/>
+                <a:ea typeface="+mn-ea"/>
+                <a:cs typeface="+mn-cs"/>
+              </a:defRPr>
+            </a:lvl3pPr>
+            <a:lvl4pPr marL="1371600" indent="0" algn="ctr" defTabSz="914400" rtl="0" eaLnBrk="1" latinLnBrk="0" hangingPunct="1">
+              <a:spcBef>
+                <a:spcPct val="20000"/>
+              </a:spcBef>
+              <a:buFont typeface="Courier New" pitchFamily="49" charset="0"/>
+              <a:buNone/>
+              <a:defRPr sz="1600" kern="1200">
+                <a:solidFill>
+                  <a:schemeClr val="tx1">
+                    <a:tint val="75000"/>
+                  </a:schemeClr>
+                </a:solidFill>
+                <a:latin typeface="+mj-lt"/>
+                <a:ea typeface="+mn-ea"/>
+                <a:cs typeface="+mn-cs"/>
+              </a:defRPr>
+            </a:lvl4pPr>
+            <a:lvl5pPr marL="1828800" indent="0" algn="ctr" defTabSz="914400" rtl="0" eaLnBrk="1" latinLnBrk="0" hangingPunct="1">
+              <a:spcBef>
+                <a:spcPct val="20000"/>
+              </a:spcBef>
+              <a:buFont typeface="Arial" pitchFamily="34" charset="0"/>
+              <a:buNone/>
+              <a:defRPr sz="1600" kern="1200">
+                <a:solidFill>
+                  <a:schemeClr val="tx1">
+                    <a:tint val="75000"/>
+                  </a:schemeClr>
+                </a:solidFill>
+                <a:latin typeface="+mj-lt"/>
+                <a:ea typeface="+mn-ea"/>
+                <a:cs typeface="+mn-cs"/>
+              </a:defRPr>
+            </a:lvl5pPr>
+            <a:lvl6pPr marL="2286000" indent="0" algn="ctr" defTabSz="914400" rtl="0" eaLnBrk="1" latinLnBrk="0" hangingPunct="1">
+              <a:spcBef>
+                <a:spcPct val="20000"/>
+              </a:spcBef>
+              <a:buFont typeface="Courier New" pitchFamily="49" charset="0"/>
+              <a:buNone/>
+              <a:defRPr sz="1600" kern="1200">
+                <a:solidFill>
+                  <a:schemeClr val="tx1">
+                    <a:tint val="75000"/>
+                  </a:schemeClr>
+                </a:solidFill>
+                <a:latin typeface="+mj-lt"/>
+                <a:ea typeface="+mn-ea"/>
+                <a:cs typeface="+mn-cs"/>
+              </a:defRPr>
+            </a:lvl6pPr>
+            <a:lvl7pPr marL="2743200" indent="0" algn="ctr" defTabSz="914400" rtl="0" eaLnBrk="1" latinLnBrk="0" hangingPunct="1">
+              <a:spcBef>
+                <a:spcPct val="20000"/>
+              </a:spcBef>
+              <a:buFont typeface="Arial" pitchFamily="34" charset="0"/>
+              <a:buNone/>
+              <a:defRPr sz="1600" kern="1200">
+                <a:solidFill>
+                  <a:schemeClr val="tx1">
+                    <a:tint val="75000"/>
+                  </a:schemeClr>
+                </a:solidFill>
+                <a:latin typeface="+mj-lt"/>
+                <a:ea typeface="+mn-ea"/>
+                <a:cs typeface="+mn-cs"/>
+              </a:defRPr>
+            </a:lvl7pPr>
+            <a:lvl8pPr marL="3200400" indent="0" algn="ctr" defTabSz="914400" rtl="0" eaLnBrk="1" latinLnBrk="0" hangingPunct="1">
+              <a:spcBef>
+                <a:spcPct val="20000"/>
+              </a:spcBef>
+              <a:buFont typeface="Courier New" pitchFamily="49" charset="0"/>
+              <a:buNone/>
+              <a:defRPr sz="1600" kern="1200">
+                <a:solidFill>
+                  <a:schemeClr val="tx1">
+                    <a:tint val="75000"/>
+                  </a:schemeClr>
+                </a:solidFill>
+                <a:latin typeface="+mj-lt"/>
+                <a:ea typeface="+mn-ea"/>
+                <a:cs typeface="+mn-cs"/>
+              </a:defRPr>
+            </a:lvl8pPr>
+            <a:lvl9pPr marL="3657600" indent="0" algn="ctr" defTabSz="914400" rtl="0" eaLnBrk="1" latinLnBrk="0" hangingPunct="1">
+              <a:spcBef>
+                <a:spcPct val="20000"/>
+              </a:spcBef>
+              <a:buFont typeface="Arial" pitchFamily="34" charset="0"/>
+              <a:buNone/>
+              <a:defRPr sz="1600" kern="1200">
+                <a:solidFill>
+                  <a:schemeClr val="tx1">
+                    <a:tint val="75000"/>
+                  </a:schemeClr>
+                </a:solidFill>
+                <a:latin typeface="+mj-lt"/>
+                <a:ea typeface="+mn-ea"/>
+                <a:cs typeface="+mn-cs"/>
+              </a:defRPr>
+            </a:lvl9pPr>
+          </a:lstStyle>
+          <a:p>
+            <a:pPr algn="l"/>
+            <a:r>
+              <a:rPr lang="en-US" sz="2800" b="1" u="sng" dirty="0" smtClean="0"/>
+              <a:t>Large Method</a:t>
+            </a:r>
+            <a:endParaRPr lang="en-US" sz="2800" b="1" u="sng" dirty="0" smtClean="0"/>
+          </a:p>
+        </p:txBody>
+      </p:sp>
+      <p:sp>
+        <p:nvSpPr>
+          <p:cNvPr id="8" name="Subtitle 6"/>
+          <p:cNvSpPr txBox="1">
+            <a:spLocks/>
+          </p:cNvSpPr>
+          <p:nvPr/>
+        </p:nvSpPr>
+        <p:spPr>
+          <a:xfrm>
+            <a:off x="586076" y="1600200"/>
+            <a:ext cx="7854368" cy="4267200"/>
+          </a:xfrm>
+          <a:prstGeom prst="rect">
+            <a:avLst/>
+          </a:prstGeom>
+        </p:spPr>
+        <p:txBody>
+          <a:bodyPr vert="horz" lIns="91440" tIns="45720" rIns="91440" bIns="45720" rtlCol="0">
+            <a:normAutofit/>
+          </a:bodyPr>
+          <a:lstStyle>
+            <a:lvl1pPr marL="0" indent="0" algn="ctr" defTabSz="914400" rtl="0" eaLnBrk="1" latinLnBrk="0" hangingPunct="1">
+              <a:spcBef>
+                <a:spcPct val="20000"/>
+              </a:spcBef>
+              <a:buFont typeface="Arial" pitchFamily="34" charset="0"/>
+              <a:buNone/>
+              <a:defRPr sz="2400" kern="1200">
+                <a:solidFill>
+                  <a:schemeClr val="tx1">
+                    <a:tint val="75000"/>
+                  </a:schemeClr>
+                </a:solidFill>
+                <a:latin typeface="+mj-lt"/>
+                <a:ea typeface="+mn-ea"/>
+                <a:cs typeface="+mn-cs"/>
+              </a:defRPr>
+            </a:lvl1pPr>
+            <a:lvl2pPr marL="457200" indent="0" algn="ctr" defTabSz="914400" rtl="0" eaLnBrk="1" latinLnBrk="0" hangingPunct="1">
+              <a:spcBef>
+                <a:spcPct val="20000"/>
+              </a:spcBef>
+              <a:buFont typeface="Courier New" pitchFamily="49" charset="0"/>
+              <a:buNone/>
+              <a:defRPr sz="1600" kern="1200">
+                <a:solidFill>
+                  <a:schemeClr val="tx1">
+                    <a:tint val="75000"/>
+                  </a:schemeClr>
+                </a:solidFill>
+                <a:latin typeface="+mj-lt"/>
+                <a:ea typeface="+mn-ea"/>
+                <a:cs typeface="+mn-cs"/>
+              </a:defRPr>
+            </a:lvl2pPr>
+            <a:lvl3pPr marL="914400" indent="0" algn="ctr" defTabSz="914400" rtl="0" eaLnBrk="1" latinLnBrk="0" hangingPunct="1">
+              <a:spcBef>
+                <a:spcPct val="20000"/>
+              </a:spcBef>
+              <a:buFont typeface="Arial" pitchFamily="34" charset="0"/>
+              <a:buNone/>
+              <a:defRPr sz="1600" kern="1200">
+                <a:solidFill>
+                  <a:schemeClr val="tx1">
+                    <a:tint val="75000"/>
+                  </a:schemeClr>
+                </a:solidFill>
+                <a:latin typeface="+mj-lt"/>
+                <a:ea typeface="+mn-ea"/>
+                <a:cs typeface="+mn-cs"/>
+              </a:defRPr>
+            </a:lvl3pPr>
+            <a:lvl4pPr marL="1371600" indent="0" algn="ctr" defTabSz="914400" rtl="0" eaLnBrk="1" latinLnBrk="0" hangingPunct="1">
+              <a:spcBef>
+                <a:spcPct val="20000"/>
+              </a:spcBef>
+              <a:buFont typeface="Courier New" pitchFamily="49" charset="0"/>
+              <a:buNone/>
+              <a:defRPr sz="1600" kern="1200">
+                <a:solidFill>
+                  <a:schemeClr val="tx1">
+                    <a:tint val="75000"/>
+                  </a:schemeClr>
+                </a:solidFill>
+                <a:latin typeface="+mj-lt"/>
+                <a:ea typeface="+mn-ea"/>
+                <a:cs typeface="+mn-cs"/>
+              </a:defRPr>
+            </a:lvl4pPr>
+            <a:lvl5pPr marL="1828800" indent="0" algn="ctr" defTabSz="914400" rtl="0" eaLnBrk="1" latinLnBrk="0" hangingPunct="1">
+              <a:spcBef>
+                <a:spcPct val="20000"/>
+              </a:spcBef>
+              <a:buFont typeface="Arial" pitchFamily="34" charset="0"/>
+              <a:buNone/>
+              <a:defRPr sz="1600" kern="1200">
+                <a:solidFill>
+                  <a:schemeClr val="tx1">
+                    <a:tint val="75000"/>
+                  </a:schemeClr>
+                </a:solidFill>
+                <a:latin typeface="+mj-lt"/>
+                <a:ea typeface="+mn-ea"/>
+                <a:cs typeface="+mn-cs"/>
+              </a:defRPr>
+            </a:lvl5pPr>
+            <a:lvl6pPr marL="2286000" indent="0" algn="ctr" defTabSz="914400" rtl="0" eaLnBrk="1" latinLnBrk="0" hangingPunct="1">
+              <a:spcBef>
+                <a:spcPct val="20000"/>
+              </a:spcBef>
+              <a:buFont typeface="Courier New" pitchFamily="49" charset="0"/>
+              <a:buNone/>
+              <a:defRPr sz="1600" kern="1200">
+                <a:solidFill>
+                  <a:schemeClr val="tx1">
+                    <a:tint val="75000"/>
+                  </a:schemeClr>
+                </a:solidFill>
+                <a:latin typeface="+mj-lt"/>
+                <a:ea typeface="+mn-ea"/>
+                <a:cs typeface="+mn-cs"/>
+              </a:defRPr>
+            </a:lvl6pPr>
+            <a:lvl7pPr marL="2743200" indent="0" algn="ctr" defTabSz="914400" rtl="0" eaLnBrk="1" latinLnBrk="0" hangingPunct="1">
+              <a:spcBef>
+                <a:spcPct val="20000"/>
+              </a:spcBef>
+              <a:buFont typeface="Arial" pitchFamily="34" charset="0"/>
+              <a:buNone/>
+              <a:defRPr sz="1600" kern="1200">
+                <a:solidFill>
+                  <a:schemeClr val="tx1">
+                    <a:tint val="75000"/>
+                  </a:schemeClr>
+                </a:solidFill>
+                <a:latin typeface="+mj-lt"/>
+                <a:ea typeface="+mn-ea"/>
+                <a:cs typeface="+mn-cs"/>
+              </a:defRPr>
+            </a:lvl7pPr>
+            <a:lvl8pPr marL="3200400" indent="0" algn="ctr" defTabSz="914400" rtl="0" eaLnBrk="1" latinLnBrk="0" hangingPunct="1">
+              <a:spcBef>
+                <a:spcPct val="20000"/>
+              </a:spcBef>
+              <a:buFont typeface="Courier New" pitchFamily="49" charset="0"/>
+              <a:buNone/>
+              <a:defRPr sz="1600" kern="1200">
+                <a:solidFill>
+                  <a:schemeClr val="tx1">
+                    <a:tint val="75000"/>
+                  </a:schemeClr>
+                </a:solidFill>
+                <a:latin typeface="+mj-lt"/>
+                <a:ea typeface="+mn-ea"/>
+                <a:cs typeface="+mn-cs"/>
+              </a:defRPr>
+            </a:lvl8pPr>
+            <a:lvl9pPr marL="3657600" indent="0" algn="ctr" defTabSz="914400" rtl="0" eaLnBrk="1" latinLnBrk="0" hangingPunct="1">
+              <a:spcBef>
+                <a:spcPct val="20000"/>
+              </a:spcBef>
+              <a:buFont typeface="Arial" pitchFamily="34" charset="0"/>
+              <a:buNone/>
+              <a:defRPr sz="1600" kern="1200">
+                <a:solidFill>
+                  <a:schemeClr val="tx1">
+                    <a:tint val="75000"/>
+                  </a:schemeClr>
+                </a:solidFill>
+                <a:latin typeface="+mj-lt"/>
+                <a:ea typeface="+mn-ea"/>
+                <a:cs typeface="+mn-cs"/>
+              </a:defRPr>
+            </a:lvl9pPr>
+          </a:lstStyle>
           <a:p>
             <a:pPr marL="342900" indent="-342900" algn="l">
               <a:buFont typeface="Arial" panose="020B0604020202020204" pitchFamily="34" charset="0"/>
               <a:buChar char="•"/>
             </a:pPr>
-            <a:endParaRPr lang="en-US" sz="3200" dirty="0"/>
-          </a:p>
-        </p:txBody>
-      </p:sp>
-      <p:sp>
-        <p:nvSpPr>
-          <p:cNvPr id="4" name="Date Placeholder 3"/>
-          <p:cNvSpPr>
-            <a:spLocks noGrp="1"/>
-          </p:cNvSpPr>
-          <p:nvPr>
-            <p:ph type="dt" sz="half" idx="10"/>
-          </p:nvPr>
-        </p:nvSpPr>
-        <p:spPr/>
-        <p:txBody>
-          <a:bodyPr/>
-          <a:lstStyle/>
-          <a:p>
-            <a:fld id="{216C5678-EE20-4FA5-88E2-6E0BD67A2E26}" type="datetime1">
-              <a:rPr lang="en-US" smtClean="0"/>
-              <a:t>3/19/2016</a:t>
-            </a:fld>
-            <a:endParaRPr lang="en-US" dirty="0"/>
-          </a:p>
-        </p:txBody>
-      </p:sp>
-      <p:sp>
-        <p:nvSpPr>
-          <p:cNvPr id="5" name="Slide Number Placeholder 4"/>
-          <p:cNvSpPr>
-            <a:spLocks noGrp="1"/>
-          </p:cNvSpPr>
-          <p:nvPr>
-            <p:ph type="sldNum" sz="quarter" idx="11"/>
-          </p:nvPr>
-        </p:nvSpPr>
-        <p:spPr/>
-        <p:txBody>
-          <a:bodyPr/>
-          <a:lstStyle/>
-          <a:p>
-            <a:fld id="{BA9B540C-44DA-4F69-89C9-7C84606640D3}" type="slidenum">
-              <a:rPr lang="en-US" smtClean="0"/>
-              <a:pPr/>
-              <a:t>23</a:t>
-            </a:fld>
-            <a:endParaRPr lang="en-US" dirty="0"/>
-          </a:p>
-        </p:txBody>
-      </p:sp>
-      <p:sp>
-        <p:nvSpPr>
-          <p:cNvPr id="6" name="Footer Placeholder 5"/>
-          <p:cNvSpPr>
-            <a:spLocks noGrp="1"/>
-          </p:cNvSpPr>
-          <p:nvPr>
-            <p:ph type="ftr" sz="quarter" idx="12"/>
-          </p:nvPr>
-        </p:nvSpPr>
-        <p:spPr/>
-        <p:txBody>
-          <a:bodyPr/>
-          <a:lstStyle/>
-          <a:p>
-            <a:r>
-              <a:rPr lang="en-US" smtClean="0"/>
-              <a:t>Footer Text</a:t>
-            </a:r>
-            <a:endParaRPr lang="en-US" dirty="0"/>
+            <a:r>
+              <a:rPr lang="en-US" dirty="0" smtClean="0"/>
+              <a:t>60-80 lines is optimal and can fit in an IDE page.</a:t>
+            </a:r>
+          </a:p>
+          <a:p>
+            <a:pPr marL="342900" indent="-342900" algn="l">
+              <a:buFont typeface="Arial" panose="020B0604020202020204" pitchFamily="34" charset="0"/>
+              <a:buChar char="•"/>
+            </a:pPr>
+            <a:r>
+              <a:rPr lang="en-US" dirty="0" smtClean="0"/>
+              <a:t>Difficult to unit test large method due to multi paths.</a:t>
+            </a:r>
+          </a:p>
+          <a:p>
+            <a:pPr marL="342900" indent="-342900" algn="l">
+              <a:buFont typeface="Arial" panose="020B0604020202020204" pitchFamily="34" charset="0"/>
+              <a:buChar char="•"/>
+            </a:pPr>
+            <a:r>
+              <a:rPr lang="en-US" dirty="0" smtClean="0"/>
+              <a:t>Too many nested if/for/while code blocks.</a:t>
+            </a:r>
+          </a:p>
+          <a:p>
+            <a:pPr marL="342900" indent="-342900" algn="l">
+              <a:buFont typeface="Arial" panose="020B0604020202020204" pitchFamily="34" charset="0"/>
+              <a:buChar char="•"/>
+            </a:pPr>
+            <a:r>
+              <a:rPr lang="en-US" dirty="0" smtClean="0"/>
+              <a:t>Violate Single Responsibility Principle by doing too many things.</a:t>
+            </a:r>
+          </a:p>
+          <a:p>
+            <a:pPr marL="342900" indent="-342900" algn="l">
+              <a:buFont typeface="Arial" panose="020B0604020202020204" pitchFamily="34" charset="0"/>
+              <a:buChar char="•"/>
+            </a:pPr>
+            <a:r>
+              <a:rPr lang="en-US" dirty="0"/>
+              <a:t>Code </a:t>
+            </a:r>
+            <a:r>
+              <a:rPr lang="en-US" dirty="0" smtClean="0"/>
+              <a:t>Demo</a:t>
+            </a:r>
+            <a:endParaRPr lang="en-US" dirty="0" smtClean="0"/>
+          </a:p>
+          <a:p>
+            <a:pPr algn="l"/>
+            <a:endParaRPr lang="en-US" sz="2800" dirty="0"/>
           </a:p>
         </p:txBody>
       </p:sp>
     </p:spTree>
     <p:extLst>
       <p:ext uri="{BB962C8B-B14F-4D97-AF65-F5344CB8AC3E}">
-        <p14:creationId xmlns:p14="http://schemas.microsoft.com/office/powerpoint/2010/main" val="2547404136"/>
+        <p14:creationId xmlns:p14="http://schemas.microsoft.com/office/powerpoint/2010/main" val="1819443573"/>
       </p:ext>
     </p:extLst>
   </p:cSld>
@@ -10976,8 +11936,8 @@
         </p:nvSpPr>
         <p:spPr>
           <a:xfrm>
-            <a:off x="685800" y="228600"/>
-            <a:ext cx="8458200" cy="685800"/>
+            <a:off x="228600" y="152400"/>
+            <a:ext cx="9906000" cy="685800"/>
           </a:xfrm>
         </p:spPr>
         <p:txBody>
@@ -10986,8 +11946,12 @@
           <a:p>
             <a:pPr algn="l"/>
             <a:r>
-              <a:rPr lang="en-US" sz="4000" dirty="0" smtClean="0"/>
-              <a:t>Conclusion</a:t>
+              <a:rPr lang="en-US" sz="4000" dirty="0"/>
+              <a:t>Code Review Patterns – </a:t>
+            </a:r>
+            <a:r>
+              <a:rPr lang="en-US" sz="4000" dirty="0" err="1" smtClean="0"/>
+              <a:t>Misc</a:t>
             </a:r>
             <a:endParaRPr lang="en-US" sz="4000" dirty="0"/>
           </a:p>
@@ -11003,14 +11967,19 @@
             <p:ph type="dt" sz="half" idx="10"/>
           </p:nvPr>
         </p:nvSpPr>
-        <p:spPr/>
+        <p:spPr>
+          <a:xfrm>
+            <a:off x="6363347" y="7864475"/>
+            <a:ext cx="2085975" cy="365125"/>
+          </a:xfrm>
+        </p:spPr>
         <p:txBody>
           <a:bodyPr/>
           <a:lstStyle/>
           <a:p>
             <a:fld id="{216C5678-EE20-4FA5-88E2-6E0BD67A2E26}" type="datetime1">
               <a:rPr lang="en-US" smtClean="0"/>
-              <a:t>3/19/2016</a:t>
+              <a:t>3/24/2016</a:t>
             </a:fld>
             <a:endParaRPr lang="en-US" dirty="0"/>
           </a:p>
@@ -11026,7 +11995,12 @@
             <p:ph type="sldNum" sz="quarter" idx="11"/>
           </p:nvPr>
         </p:nvSpPr>
-        <p:spPr/>
+        <p:spPr>
+          <a:xfrm>
+            <a:off x="8543278" y="7864475"/>
+            <a:ext cx="561975" cy="365125"/>
+          </a:xfrm>
+        </p:spPr>
         <p:txBody>
           <a:bodyPr/>
           <a:lstStyle/>
@@ -11050,7 +12024,12 @@
             <p:ph type="ftr" sz="quarter" idx="12"/>
           </p:nvPr>
         </p:nvSpPr>
-        <p:spPr/>
+        <p:spPr>
+          <a:xfrm>
+            <a:off x="659165" y="7864475"/>
+            <a:ext cx="2847975" cy="365125"/>
+          </a:xfrm>
+        </p:spPr>
         <p:txBody>
           <a:bodyPr/>
           <a:lstStyle/>
@@ -11065,7 +12044,7 @@
       </p:sp>
       <p:sp>
         <p:nvSpPr>
-          <p:cNvPr id="7" name="Subtitle 2"/>
+          <p:cNvPr id="7" name="Subtitle 6"/>
           <p:cNvSpPr txBox="1">
             <a:spLocks/>
           </p:cNvSpPr>
@@ -11073,8 +12052,8 @@
         </p:nvSpPr>
         <p:spPr>
           <a:xfrm>
-            <a:off x="381000" y="1600200"/>
-            <a:ext cx="8458200" cy="3429000"/>
+            <a:off x="317693" y="990600"/>
+            <a:ext cx="7854368" cy="654050"/>
           </a:xfrm>
           <a:prstGeom prst="rect">
             <a:avLst/>
@@ -11240,13 +12219,207 @@
             </a:lvl9pPr>
           </a:lstStyle>
           <a:p>
+            <a:pPr algn="l"/>
+            <a:r>
+              <a:rPr lang="en-US" sz="2800" b="1" u="sng" dirty="0" smtClean="0"/>
+              <a:t>Magic String and Numbers</a:t>
+            </a:r>
+            <a:endParaRPr lang="en-US" sz="2800" b="1" u="sng" dirty="0" smtClean="0"/>
+          </a:p>
+        </p:txBody>
+      </p:sp>
+      <p:sp>
+        <p:nvSpPr>
+          <p:cNvPr id="8" name="Subtitle 6"/>
+          <p:cNvSpPr txBox="1">
+            <a:spLocks/>
+          </p:cNvSpPr>
+          <p:nvPr/>
+        </p:nvSpPr>
+        <p:spPr>
+          <a:xfrm>
+            <a:off x="586076" y="1600200"/>
+            <a:ext cx="7854368" cy="2209800"/>
+          </a:xfrm>
+          <a:prstGeom prst="rect">
+            <a:avLst/>
+          </a:prstGeom>
+        </p:spPr>
+        <p:txBody>
+          <a:bodyPr vert="horz" lIns="91440" tIns="45720" rIns="91440" bIns="45720" rtlCol="0">
+            <a:normAutofit/>
+          </a:bodyPr>
+          <a:lstStyle>
+            <a:lvl1pPr marL="0" indent="0" algn="ctr" defTabSz="914400" rtl="0" eaLnBrk="1" latinLnBrk="0" hangingPunct="1">
+              <a:spcBef>
+                <a:spcPct val="20000"/>
+              </a:spcBef>
+              <a:buFont typeface="Arial" pitchFamily="34" charset="0"/>
+              <a:buNone/>
+              <a:defRPr sz="2400" kern="1200">
+                <a:solidFill>
+                  <a:schemeClr val="tx1">
+                    <a:tint val="75000"/>
+                  </a:schemeClr>
+                </a:solidFill>
+                <a:latin typeface="+mj-lt"/>
+                <a:ea typeface="+mn-ea"/>
+                <a:cs typeface="+mn-cs"/>
+              </a:defRPr>
+            </a:lvl1pPr>
+            <a:lvl2pPr marL="457200" indent="0" algn="ctr" defTabSz="914400" rtl="0" eaLnBrk="1" latinLnBrk="0" hangingPunct="1">
+              <a:spcBef>
+                <a:spcPct val="20000"/>
+              </a:spcBef>
+              <a:buFont typeface="Courier New" pitchFamily="49" charset="0"/>
+              <a:buNone/>
+              <a:defRPr sz="1600" kern="1200">
+                <a:solidFill>
+                  <a:schemeClr val="tx1">
+                    <a:tint val="75000"/>
+                  </a:schemeClr>
+                </a:solidFill>
+                <a:latin typeface="+mj-lt"/>
+                <a:ea typeface="+mn-ea"/>
+                <a:cs typeface="+mn-cs"/>
+              </a:defRPr>
+            </a:lvl2pPr>
+            <a:lvl3pPr marL="914400" indent="0" algn="ctr" defTabSz="914400" rtl="0" eaLnBrk="1" latinLnBrk="0" hangingPunct="1">
+              <a:spcBef>
+                <a:spcPct val="20000"/>
+              </a:spcBef>
+              <a:buFont typeface="Arial" pitchFamily="34" charset="0"/>
+              <a:buNone/>
+              <a:defRPr sz="1600" kern="1200">
+                <a:solidFill>
+                  <a:schemeClr val="tx1">
+                    <a:tint val="75000"/>
+                  </a:schemeClr>
+                </a:solidFill>
+                <a:latin typeface="+mj-lt"/>
+                <a:ea typeface="+mn-ea"/>
+                <a:cs typeface="+mn-cs"/>
+              </a:defRPr>
+            </a:lvl3pPr>
+            <a:lvl4pPr marL="1371600" indent="0" algn="ctr" defTabSz="914400" rtl="0" eaLnBrk="1" latinLnBrk="0" hangingPunct="1">
+              <a:spcBef>
+                <a:spcPct val="20000"/>
+              </a:spcBef>
+              <a:buFont typeface="Courier New" pitchFamily="49" charset="0"/>
+              <a:buNone/>
+              <a:defRPr sz="1600" kern="1200">
+                <a:solidFill>
+                  <a:schemeClr val="tx1">
+                    <a:tint val="75000"/>
+                  </a:schemeClr>
+                </a:solidFill>
+                <a:latin typeface="+mj-lt"/>
+                <a:ea typeface="+mn-ea"/>
+                <a:cs typeface="+mn-cs"/>
+              </a:defRPr>
+            </a:lvl4pPr>
+            <a:lvl5pPr marL="1828800" indent="0" algn="ctr" defTabSz="914400" rtl="0" eaLnBrk="1" latinLnBrk="0" hangingPunct="1">
+              <a:spcBef>
+                <a:spcPct val="20000"/>
+              </a:spcBef>
+              <a:buFont typeface="Arial" pitchFamily="34" charset="0"/>
+              <a:buNone/>
+              <a:defRPr sz="1600" kern="1200">
+                <a:solidFill>
+                  <a:schemeClr val="tx1">
+                    <a:tint val="75000"/>
+                  </a:schemeClr>
+                </a:solidFill>
+                <a:latin typeface="+mj-lt"/>
+                <a:ea typeface="+mn-ea"/>
+                <a:cs typeface="+mn-cs"/>
+              </a:defRPr>
+            </a:lvl5pPr>
+            <a:lvl6pPr marL="2286000" indent="0" algn="ctr" defTabSz="914400" rtl="0" eaLnBrk="1" latinLnBrk="0" hangingPunct="1">
+              <a:spcBef>
+                <a:spcPct val="20000"/>
+              </a:spcBef>
+              <a:buFont typeface="Courier New" pitchFamily="49" charset="0"/>
+              <a:buNone/>
+              <a:defRPr sz="1600" kern="1200">
+                <a:solidFill>
+                  <a:schemeClr val="tx1">
+                    <a:tint val="75000"/>
+                  </a:schemeClr>
+                </a:solidFill>
+                <a:latin typeface="+mj-lt"/>
+                <a:ea typeface="+mn-ea"/>
+                <a:cs typeface="+mn-cs"/>
+              </a:defRPr>
+            </a:lvl6pPr>
+            <a:lvl7pPr marL="2743200" indent="0" algn="ctr" defTabSz="914400" rtl="0" eaLnBrk="1" latinLnBrk="0" hangingPunct="1">
+              <a:spcBef>
+                <a:spcPct val="20000"/>
+              </a:spcBef>
+              <a:buFont typeface="Arial" pitchFamily="34" charset="0"/>
+              <a:buNone/>
+              <a:defRPr sz="1600" kern="1200">
+                <a:solidFill>
+                  <a:schemeClr val="tx1">
+                    <a:tint val="75000"/>
+                  </a:schemeClr>
+                </a:solidFill>
+                <a:latin typeface="+mj-lt"/>
+                <a:ea typeface="+mn-ea"/>
+                <a:cs typeface="+mn-cs"/>
+              </a:defRPr>
+            </a:lvl7pPr>
+            <a:lvl8pPr marL="3200400" indent="0" algn="ctr" defTabSz="914400" rtl="0" eaLnBrk="1" latinLnBrk="0" hangingPunct="1">
+              <a:spcBef>
+                <a:spcPct val="20000"/>
+              </a:spcBef>
+              <a:buFont typeface="Courier New" pitchFamily="49" charset="0"/>
+              <a:buNone/>
+              <a:defRPr sz="1600" kern="1200">
+                <a:solidFill>
+                  <a:schemeClr val="tx1">
+                    <a:tint val="75000"/>
+                  </a:schemeClr>
+                </a:solidFill>
+                <a:latin typeface="+mj-lt"/>
+                <a:ea typeface="+mn-ea"/>
+                <a:cs typeface="+mn-cs"/>
+              </a:defRPr>
+            </a:lvl8pPr>
+            <a:lvl9pPr marL="3657600" indent="0" algn="ctr" defTabSz="914400" rtl="0" eaLnBrk="1" latinLnBrk="0" hangingPunct="1">
+              <a:spcBef>
+                <a:spcPct val="20000"/>
+              </a:spcBef>
+              <a:buFont typeface="Arial" pitchFamily="34" charset="0"/>
+              <a:buNone/>
+              <a:defRPr sz="1600" kern="1200">
+                <a:solidFill>
+                  <a:schemeClr val="tx1">
+                    <a:tint val="75000"/>
+                  </a:schemeClr>
+                </a:solidFill>
+                <a:latin typeface="+mj-lt"/>
+                <a:ea typeface="+mn-ea"/>
+                <a:cs typeface="+mn-cs"/>
+              </a:defRPr>
+            </a:lvl9pPr>
+          </a:lstStyle>
+          <a:p>
             <a:pPr marL="342900" indent="-342900" algn="l">
               <a:buFont typeface="Arial" panose="020B0604020202020204" pitchFamily="34" charset="0"/>
               <a:buChar char="•"/>
             </a:pPr>
             <a:r>
-              <a:rPr lang="en-US" sz="3200" dirty="0" smtClean="0"/>
-              <a:t>Introduction to Jasmine.</a:t>
+              <a:rPr lang="en-US" dirty="0" smtClean="0"/>
+              <a:t>Look for repeating occurrence </a:t>
+            </a:r>
+            <a:r>
+              <a:rPr lang="en-US" dirty="0" smtClean="0"/>
+              <a:t>of </a:t>
+            </a:r>
+            <a:r>
+              <a:rPr lang="en-US" dirty="0" smtClean="0"/>
+              <a:t>strings or numbers in several places.</a:t>
             </a:r>
           </a:p>
           <a:p>
@@ -11255,10 +12428,105 @@
               <a:buChar char="•"/>
             </a:pPr>
             <a:r>
-              <a:rPr lang="en-US" sz="3200" dirty="0" smtClean="0"/>
-              <a:t>Use Jasmine to mock ajax and long running functions</a:t>
-            </a:r>
-          </a:p>
+              <a:rPr lang="en-US" dirty="0" smtClean="0"/>
+              <a:t>“Static </a:t>
+            </a:r>
+            <a:r>
+              <a:rPr lang="en-US" dirty="0" err="1" smtClean="0"/>
+              <a:t>int</a:t>
+            </a:r>
+            <a:r>
+              <a:rPr lang="en-US" dirty="0" smtClean="0"/>
+              <a:t> MAX_LEN = 256” instead of sprinkle 256 in several places.</a:t>
+            </a:r>
+            <a:endParaRPr lang="en-US" dirty="0" smtClean="0"/>
+          </a:p>
+          <a:p>
+            <a:pPr algn="l"/>
+            <a:endParaRPr lang="en-US" sz="2800" dirty="0"/>
+          </a:p>
+        </p:txBody>
+      </p:sp>
+    </p:spTree>
+    <p:extLst>
+      <p:ext uri="{BB962C8B-B14F-4D97-AF65-F5344CB8AC3E}">
+        <p14:creationId xmlns:p14="http://schemas.microsoft.com/office/powerpoint/2010/main" val="342224905"/>
+      </p:ext>
+    </p:extLst>
+  </p:cSld>
+  <p:clrMapOvr>
+    <a:masterClrMapping/>
+  </p:clrMapOvr>
+</p:sld>
+</file>
+
+<file path=ppt/slides/slide25.xml><?xml version="1.0" encoding="utf-8"?>
+<p:sld xmlns:a="http://schemas.openxmlformats.org/drawingml/2006/main" xmlns:r="http://schemas.openxmlformats.org/officeDocument/2006/relationships" xmlns:p="http://schemas.openxmlformats.org/presentationml/2006/main">
+  <p:cSld>
+    <p:spTree>
+      <p:nvGrpSpPr>
+        <p:cNvPr id="1" name=""/>
+        <p:cNvGrpSpPr/>
+        <p:nvPr/>
+      </p:nvGrpSpPr>
+      <p:grpSpPr>
+        <a:xfrm>
+          <a:off x="0" y="0"/>
+          <a:ext cx="0" cy="0"/>
+          <a:chOff x="0" y="0"/>
+          <a:chExt cx="0" cy="0"/>
+        </a:xfrm>
+      </p:grpSpPr>
+      <p:sp>
+        <p:nvSpPr>
+          <p:cNvPr id="2" name="Title 1"/>
+          <p:cNvSpPr>
+            <a:spLocks noGrp="1"/>
+          </p:cNvSpPr>
+          <p:nvPr>
+            <p:ph type="ctrTitle"/>
+          </p:nvPr>
+        </p:nvSpPr>
+        <p:spPr>
+          <a:xfrm>
+            <a:off x="685800" y="228600"/>
+            <a:ext cx="7772400" cy="685800"/>
+          </a:xfrm>
+        </p:spPr>
+        <p:txBody>
+          <a:bodyPr/>
+          <a:lstStyle/>
+          <a:p>
+            <a:pPr algn="l"/>
+            <a:r>
+              <a:rPr lang="en-US" sz="4000" dirty="0" smtClean="0"/>
+              <a:t>Conclusion</a:t>
+            </a:r>
+            <a:endParaRPr lang="en-US" sz="4000" dirty="0"/>
+          </a:p>
+        </p:txBody>
+      </p:sp>
+      <p:sp>
+        <p:nvSpPr>
+          <p:cNvPr id="3" name="Subtitle 2"/>
+          <p:cNvSpPr>
+            <a:spLocks noGrp="1"/>
+          </p:cNvSpPr>
+          <p:nvPr>
+            <p:ph type="subTitle" idx="1"/>
+          </p:nvPr>
+        </p:nvSpPr>
+        <p:spPr>
+          <a:xfrm>
+            <a:off x="762000" y="1219200"/>
+            <a:ext cx="7315200" cy="4343400"/>
+          </a:xfrm>
+        </p:spPr>
+        <p:txBody>
+          <a:bodyPr>
+            <a:noAutofit/>
+          </a:bodyPr>
+          <a:lstStyle/>
           <a:p>
             <a:pPr marL="342900" indent="-342900" algn="l">
               <a:buFont typeface="Arial" panose="020B0604020202020204" pitchFamily="34" charset="0"/>
@@ -11266,7 +12534,15 @@
             </a:pPr>
             <a:r>
               <a:rPr lang="en-US" sz="3200" dirty="0" smtClean="0"/>
-              <a:t>Use Karma to improve productivity.</a:t>
+              <a:t>Discussed the 3 </a:t>
+            </a:r>
+            <a:r>
+              <a:rPr lang="en-US" sz="3200" dirty="0" err="1" smtClean="0"/>
+              <a:t>Ws</a:t>
+            </a:r>
+            <a:r>
+              <a:rPr lang="en-US" sz="3200" dirty="0" smtClean="0"/>
+              <a:t> and How.</a:t>
             </a:r>
           </a:p>
           <a:p>
@@ -11276,7 +12552,7 @@
             </a:pPr>
             <a:r>
               <a:rPr lang="en-US" sz="3200" dirty="0" smtClean="0"/>
-              <a:t>Questions?</a:t>
+              <a:t>Discussed the pros and cons of three review approaches.</a:t>
             </a:r>
           </a:p>
           <a:p>
@@ -11284,6 +12560,88 @@
               <a:buFont typeface="Arial" panose="020B0604020202020204" pitchFamily="34" charset="0"/>
               <a:buChar char="•"/>
             </a:pPr>
+            <a:r>
+              <a:rPr lang="en-US" sz="3200" dirty="0" smtClean="0"/>
+              <a:t>Discussed various code review patterns and </a:t>
+            </a:r>
+            <a:r>
+              <a:rPr lang="en-US" sz="3200" dirty="0" err="1" smtClean="0"/>
+              <a:t>gotchas</a:t>
+            </a:r>
+            <a:r>
+              <a:rPr lang="en-US" sz="3200" smtClean="0"/>
+              <a:t>.</a:t>
+            </a:r>
+            <a:endParaRPr lang="en-US" sz="3200" dirty="0"/>
+          </a:p>
+        </p:txBody>
+      </p:sp>
+      <p:sp>
+        <p:nvSpPr>
+          <p:cNvPr id="4" name="Date Placeholder 3"/>
+          <p:cNvSpPr>
+            <a:spLocks noGrp="1"/>
+          </p:cNvSpPr>
+          <p:nvPr>
+            <p:ph type="dt" sz="half" idx="10"/>
+          </p:nvPr>
+        </p:nvSpPr>
+        <p:spPr/>
+        <p:txBody>
+          <a:bodyPr/>
+          <a:lstStyle/>
+          <a:p>
+            <a:fld id="{216C5678-EE20-4FA5-88E2-6E0BD67A2E26}" type="datetime1">
+              <a:rPr lang="en-US" smtClean="0"/>
+              <a:t>3/24/2016</a:t>
+            </a:fld>
+            <a:endParaRPr lang="en-US" dirty="0"/>
+          </a:p>
+        </p:txBody>
+      </p:sp>
+      <p:sp>
+        <p:nvSpPr>
+          <p:cNvPr id="5" name="Slide Number Placeholder 4"/>
+          <p:cNvSpPr>
+            <a:spLocks noGrp="1"/>
+          </p:cNvSpPr>
+          <p:nvPr>
+            <p:ph type="sldNum" sz="quarter" idx="11"/>
+          </p:nvPr>
+        </p:nvSpPr>
+        <p:spPr/>
+        <p:txBody>
+          <a:bodyPr/>
+          <a:lstStyle/>
+          <a:p>
+            <a:fld id="{BA9B540C-44DA-4F69-89C9-7C84606640D3}" type="slidenum">
+              <a:rPr lang="en-US" smtClean="0"/>
+              <a:pPr/>
+              <a:t>25</a:t>
+            </a:fld>
+            <a:endParaRPr lang="en-US" dirty="0"/>
+          </a:p>
+        </p:txBody>
+      </p:sp>
+      <p:sp>
+        <p:nvSpPr>
+          <p:cNvPr id="6" name="Footer Placeholder 5"/>
+          <p:cNvSpPr>
+            <a:spLocks noGrp="1"/>
+          </p:cNvSpPr>
+          <p:nvPr>
+            <p:ph type="ftr" sz="quarter" idx="12"/>
+          </p:nvPr>
+        </p:nvSpPr>
+        <p:spPr/>
+        <p:txBody>
+          <a:bodyPr/>
+          <a:lstStyle/>
+          <a:p>
+            <a:r>
+              <a:rPr lang="en-US" smtClean="0"/>
+              <a:t>Footer Text</a:t>
+            </a:r>
             <a:endParaRPr lang="en-US" dirty="0"/>
           </a:p>
         </p:txBody>
@@ -11291,7 +12649,7 @@
     </p:spTree>
     <p:extLst>
       <p:ext uri="{BB962C8B-B14F-4D97-AF65-F5344CB8AC3E}">
-        <p14:creationId xmlns:p14="http://schemas.microsoft.com/office/powerpoint/2010/main" val="2610234656"/>
+        <p14:creationId xmlns:p14="http://schemas.microsoft.com/office/powerpoint/2010/main" val="2740892730"/>
       </p:ext>
     </p:extLst>
   </p:cSld>
@@ -11468,7 +12826,7 @@
           <a:p>
             <a:fld id="{216C5678-EE20-4FA5-88E2-6E0BD67A2E26}" type="datetime1">
               <a:rPr lang="en-US" smtClean="0"/>
-              <a:t>3/19/2016</a:t>
+              <a:t>3/24/2016</a:t>
             </a:fld>
             <a:endParaRPr lang="en-US" dirty="0"/>
           </a:p>
@@ -11711,7 +13069,7 @@
           <a:p>
             <a:fld id="{216C5678-EE20-4FA5-88E2-6E0BD67A2E26}" type="datetime1">
               <a:rPr lang="en-US" smtClean="0"/>
-              <a:t>3/19/2016</a:t>
+              <a:t>3/24/2016</a:t>
             </a:fld>
             <a:endParaRPr lang="en-US" dirty="0"/>
           </a:p>
@@ -11916,7 +13274,7 @@
           <a:p>
             <a:fld id="{216C5678-EE20-4FA5-88E2-6E0BD67A2E26}" type="datetime1">
               <a:rPr lang="en-US" smtClean="0"/>
-              <a:t>3/19/2016</a:t>
+              <a:t>3/24/2016</a:t>
             </a:fld>
             <a:endParaRPr lang="en-US" dirty="0"/>
           </a:p>
@@ -12099,7 +13457,7 @@
           <a:p>
             <a:fld id="{216C5678-EE20-4FA5-88E2-6E0BD67A2E26}" type="datetime1">
               <a:rPr lang="en-US" smtClean="0"/>
-              <a:t>3/19/2016</a:t>
+              <a:t>3/24/2016</a:t>
             </a:fld>
             <a:endParaRPr lang="en-US" dirty="0"/>
           </a:p>
@@ -12269,7 +13627,7 @@
           <a:p>
             <a:fld id="{216C5678-EE20-4FA5-88E2-6E0BD67A2E26}" type="datetime1">
               <a:rPr lang="en-US" smtClean="0"/>
-              <a:t>3/19/2016</a:t>
+              <a:t>3/24/2016</a:t>
             </a:fld>
             <a:endParaRPr lang="en-US" dirty="0"/>
           </a:p>
@@ -13006,7 +14364,7 @@
           <a:p>
             <a:fld id="{216C5678-EE20-4FA5-88E2-6E0BD67A2E26}" type="datetime1">
               <a:rPr lang="en-US" smtClean="0"/>
-              <a:t>3/19/2016</a:t>
+              <a:t>3/24/2016</a:t>
             </a:fld>
             <a:endParaRPr lang="en-US" dirty="0"/>
           </a:p>
@@ -13267,7 +14625,7 @@
           <a:p>
             <a:fld id="{216C5678-EE20-4FA5-88E2-6E0BD67A2E26}" type="datetime1">
               <a:rPr lang="en-US" smtClean="0"/>
-              <a:t>3/19/2016</a:t>
+              <a:t>3/24/2016</a:t>
             </a:fld>
             <a:endParaRPr lang="en-US" dirty="0"/>
           </a:p>
